--- a/Docs/UNIbay_DeskPitchFinal.pptx
+++ b/Docs/UNIbay_DeskPitchFinal.pptx
@@ -24,10 +24,10 @@
     <p:sldId id="263" r:id="rId15"/>
     <p:sldId id="266" r:id="rId16"/>
     <p:sldId id="267" r:id="rId17"/>
-    <p:sldId id="268" r:id="rId18"/>
-    <p:sldId id="277" r:id="rId19"/>
-    <p:sldId id="272" r:id="rId20"/>
-    <p:sldId id="270" r:id="rId21"/>
+    <p:sldId id="272" r:id="rId18"/>
+    <p:sldId id="270" r:id="rId19"/>
+    <p:sldId id="268" r:id="rId20"/>
+    <p:sldId id="277" r:id="rId21"/>
   </p:sldIdLst>
   <p:sldSz cx="12192000" cy="6858000"/>
   <p:notesSz cx="6858000" cy="9144000"/>
@@ -204,7 +204,7 @@
                   <c:v>Création Data Bases</c:v>
                 </c:pt>
                 <c:pt idx="3">
-                  <c:v>Demander possibilité ISIS</c:v>
+                  <c:v>Demander SWITCH ou alternative</c:v>
                 </c:pt>
                 <c:pt idx="4">
                   <c:v>Interface web</c:v>
@@ -544,7 +544,7 @@
                   <c:v>Création Data Bases</c:v>
                 </c:pt>
                 <c:pt idx="3">
-                  <c:v>Demander possibilité ISIS</c:v>
+                  <c:v>Demander SWITCH ou alternative</c:v>
                 </c:pt>
                 <c:pt idx="4">
                   <c:v>Interface web</c:v>
@@ -1766,48 +1766,6 @@
         </a:p>
       </dgm:t>
     </dgm:pt>
-    <dgm:pt modelId="{7F26053A-A177-4FE6-9140-D4DD32D30BCE}">
-      <dgm:prSet/>
-      <dgm:spPr>
-        <a:solidFill>
-          <a:schemeClr val="accent2">
-            <a:lumMod val="75000"/>
-          </a:schemeClr>
-        </a:solidFill>
-      </dgm:spPr>
-      <dgm:t>
-        <a:bodyPr/>
-        <a:lstStyle/>
-        <a:p>
-          <a:r>
-            <a:rPr lang="fr-CH" dirty="0"/>
-            <a:t>Docker-compose</a:t>
-          </a:r>
-        </a:p>
-      </dgm:t>
-    </dgm:pt>
-    <dgm:pt modelId="{7934B3E1-10E3-4C3C-9323-BBD97DCB1C7A}" type="parTrans" cxnId="{CF221C9B-AF65-4602-8F7F-C380A09C21CB}">
-      <dgm:prSet/>
-      <dgm:spPr/>
-      <dgm:t>
-        <a:bodyPr/>
-        <a:lstStyle/>
-        <a:p>
-          <a:endParaRPr lang="fr-CH"/>
-        </a:p>
-      </dgm:t>
-    </dgm:pt>
-    <dgm:pt modelId="{A34067E3-34E3-4328-83F9-4D85F8268C0D}" type="sibTrans" cxnId="{CF221C9B-AF65-4602-8F7F-C380A09C21CB}">
-      <dgm:prSet/>
-      <dgm:spPr/>
-      <dgm:t>
-        <a:bodyPr/>
-        <a:lstStyle/>
-        <a:p>
-          <a:endParaRPr lang="fr-CH"/>
-        </a:p>
-      </dgm:t>
-    </dgm:pt>
     <dgm:pt modelId="{EB44F090-ED21-422B-92D9-7FFC8A0DD208}">
       <dgm:prSet/>
       <dgm:spPr>
@@ -1864,7 +1822,7 @@
       <dgm:spPr/>
     </dgm:pt>
     <dgm:pt modelId="{C70E5AC4-E119-45EA-AC4B-B644A43F0F97}" type="pres">
-      <dgm:prSet presAssocID="{FFE766A7-58BF-40FF-80A4-815FA96111D9}" presName="textCenter" presStyleLbl="node1" presStyleIdx="0" presStyleCnt="10" custLinFactX="-62593" custLinFactNeighborX="-100000" custLinFactNeighborY="-70102"/>
+      <dgm:prSet presAssocID="{FFE766A7-58BF-40FF-80A4-815FA96111D9}" presName="textCenter" presStyleLbl="node1" presStyleIdx="0" presStyleCnt="9" custScaleX="254529" custLinFactX="-14146" custLinFactNeighborX="-100000" custLinFactNeighborY="-70102"/>
       <dgm:spPr/>
     </dgm:pt>
     <dgm:pt modelId="{13832D01-6F6C-44DD-BCCD-DFE81C8B4B71}" type="pres">
@@ -1872,11 +1830,11 @@
       <dgm:spPr/>
     </dgm:pt>
     <dgm:pt modelId="{569A5B01-5848-4355-8E9E-85478E27DD73}" type="pres">
-      <dgm:prSet presAssocID="{89ED2A3C-EFBE-484C-889C-9AF9336713CF}" presName="childCenter1" presStyleLbl="node1" presStyleIdx="1" presStyleCnt="10" custFlipVert="0" custScaleX="14641" custScaleY="10203" custLinFactNeighborX="23455" custLinFactNeighborY="19847"/>
+      <dgm:prSet presAssocID="{89ED2A3C-EFBE-484C-889C-9AF9336713CF}" presName="childCenter1" presStyleLbl="node1" presStyleIdx="1" presStyleCnt="9" custFlipVert="0" custScaleX="14641" custScaleY="10203" custLinFactNeighborX="23455" custLinFactNeighborY="19847"/>
       <dgm:spPr/>
     </dgm:pt>
     <dgm:pt modelId="{454F0489-835D-4C89-98C0-F58E34CA8217}" type="pres">
-      <dgm:prSet presAssocID="{E85B3AC5-6ACD-439B-9516-448CAF2E40CC}" presName="Name141" presStyleLbl="parChTrans1D3" presStyleIdx="0" presStyleCnt="6"/>
+      <dgm:prSet presAssocID="{E85B3AC5-6ACD-439B-9516-448CAF2E40CC}" presName="Name141" presStyleLbl="parChTrans1D3" presStyleIdx="0" presStyleCnt="5"/>
       <dgm:spPr>
         <a:prstGeom prst="halfFrame">
           <a:avLst/>
@@ -1884,7 +1842,7 @@
       </dgm:spPr>
     </dgm:pt>
     <dgm:pt modelId="{4F8E072B-48E3-478E-B405-6A8505A708D3}" type="pres">
-      <dgm:prSet presAssocID="{25D98F28-C6CB-417B-ACF5-1ECE41A292F7}" presName="text1" presStyleLbl="node1" presStyleIdx="2" presStyleCnt="10" custScaleX="211341" custScaleY="157856" custRadScaleRad="252476" custRadScaleInc="503864">
+      <dgm:prSet presAssocID="{25D98F28-C6CB-417B-ACF5-1ECE41A292F7}" presName="text1" presStyleLbl="node1" presStyleIdx="2" presStyleCnt="9" custScaleX="227084" custScaleY="138001" custRadScaleRad="266541" custRadScaleInc="422060">
         <dgm:presLayoutVars>
           <dgm:bulletEnabled val="1"/>
         </dgm:presLayoutVars>
@@ -1892,11 +1850,11 @@
       <dgm:spPr/>
     </dgm:pt>
     <dgm:pt modelId="{E5ADDDA4-484D-4128-BEAE-56C6A8E1205C}" type="pres">
-      <dgm:prSet presAssocID="{0A2E7BC8-AC3E-4782-BC6E-DD3879B362A9}" presName="Name141" presStyleLbl="parChTrans1D3" presStyleIdx="1" presStyleCnt="6"/>
+      <dgm:prSet presAssocID="{0A2E7BC8-AC3E-4782-BC6E-DD3879B362A9}" presName="Name141" presStyleLbl="parChTrans1D3" presStyleIdx="1" presStyleCnt="5"/>
       <dgm:spPr/>
     </dgm:pt>
     <dgm:pt modelId="{A0472D8C-E691-487D-8640-85D46CE6B00E}" type="pres">
-      <dgm:prSet presAssocID="{0FBFEBD7-593E-44B3-8877-DF11408ECA8D}" presName="text1" presStyleLbl="node1" presStyleIdx="3" presStyleCnt="10" custScaleX="211341" custScaleY="157856" custRadScaleRad="224366" custRadScaleInc="433343">
+      <dgm:prSet presAssocID="{0FBFEBD7-593E-44B3-8877-DF11408ECA8D}" presName="text1" presStyleLbl="node1" presStyleIdx="3" presStyleCnt="9" custScaleX="227084" custScaleY="138001" custRadScaleRad="304291" custRadScaleInc="484381">
         <dgm:presLayoutVars>
           <dgm:bulletEnabled val="1"/>
         </dgm:presLayoutVars>
@@ -1904,11 +1862,11 @@
       <dgm:spPr/>
     </dgm:pt>
     <dgm:pt modelId="{50EFE1DA-3322-404F-B5EF-EA237EED45B3}" type="pres">
-      <dgm:prSet presAssocID="{5AFD4891-26C5-45B7-B0EC-5D88BADD228D}" presName="Name141" presStyleLbl="parChTrans1D3" presStyleIdx="2" presStyleCnt="6"/>
+      <dgm:prSet presAssocID="{5AFD4891-26C5-45B7-B0EC-5D88BADD228D}" presName="Name141" presStyleLbl="parChTrans1D3" presStyleIdx="2" presStyleCnt="5"/>
       <dgm:spPr/>
     </dgm:pt>
     <dgm:pt modelId="{DCBC9C37-C79A-4B12-928E-728185CC12F0}" type="pres">
-      <dgm:prSet presAssocID="{D7D9CBA6-50FF-4729-9067-D84783104541}" presName="text1" presStyleLbl="node1" presStyleIdx="4" presStyleCnt="10" custScaleX="211341" custScaleY="157856" custRadScaleRad="215634" custRadScaleInc="369254">
+      <dgm:prSet presAssocID="{D7D9CBA6-50FF-4729-9067-D84783104541}" presName="text1" presStyleLbl="node1" presStyleIdx="4" presStyleCnt="9" custScaleX="227084" custScaleY="138001" custRadScaleRad="237558" custRadScaleInc="272382">
         <dgm:presLayoutVars>
           <dgm:bulletEnabled val="1"/>
         </dgm:presLayoutVars>
@@ -1916,23 +1874,11 @@
       <dgm:spPr/>
     </dgm:pt>
     <dgm:pt modelId="{008F0249-3626-4458-8356-572AE8333DA7}" type="pres">
-      <dgm:prSet presAssocID="{63DF9D25-CE4E-4C62-9078-5171693BA9E5}" presName="Name141" presStyleLbl="parChTrans1D3" presStyleIdx="3" presStyleCnt="6"/>
+      <dgm:prSet presAssocID="{63DF9D25-CE4E-4C62-9078-5171693BA9E5}" presName="Name141" presStyleLbl="parChTrans1D3" presStyleIdx="3" presStyleCnt="5"/>
       <dgm:spPr/>
     </dgm:pt>
     <dgm:pt modelId="{395BAC34-3736-4CB8-8A00-0409D0ADC21E}" type="pres">
-      <dgm:prSet presAssocID="{7BE6C21D-6E17-46F0-AADC-5ED7834D9E53}" presName="text1" presStyleLbl="node1" presStyleIdx="5" presStyleCnt="10" custScaleX="211341" custScaleY="157856" custRadScaleRad="257694" custRadScaleInc="351600">
-        <dgm:presLayoutVars>
-          <dgm:bulletEnabled val="1"/>
-        </dgm:presLayoutVars>
-      </dgm:prSet>
-      <dgm:spPr/>
-    </dgm:pt>
-    <dgm:pt modelId="{F4A4B947-1F74-4A7B-9190-267FAC1CEF6A}" type="pres">
-      <dgm:prSet presAssocID="{7934B3E1-10E3-4C3C-9323-BBD97DCB1C7A}" presName="Name141" presStyleLbl="parChTrans1D3" presStyleIdx="4" presStyleCnt="6"/>
-      <dgm:spPr/>
-    </dgm:pt>
-    <dgm:pt modelId="{551CC80C-3675-446E-9757-C610E57D2165}" type="pres">
-      <dgm:prSet presAssocID="{7F26053A-A177-4FE6-9140-D4DD32D30BCE}" presName="text1" presStyleLbl="node1" presStyleIdx="6" presStyleCnt="10" custScaleX="211341" custScaleY="157856" custRadScaleRad="299534" custRadScaleInc="267627">
+      <dgm:prSet presAssocID="{7BE6C21D-6E17-46F0-AADC-5ED7834D9E53}" presName="text1" presStyleLbl="node1" presStyleIdx="5" presStyleCnt="9" custScaleX="227084" custScaleY="138001" custRadScaleRad="239698" custRadScaleInc="94165">
         <dgm:presLayoutVars>
           <dgm:bulletEnabled val="1"/>
         </dgm:presLayoutVars>
@@ -1940,11 +1886,11 @@
       <dgm:spPr/>
     </dgm:pt>
     <dgm:pt modelId="{4E342F3C-2911-4AA7-BB51-A53BAB53DF05}" type="pres">
-      <dgm:prSet presAssocID="{4EBCB823-9077-42D6-A576-C9061B9EDA2A}" presName="Name141" presStyleLbl="parChTrans1D3" presStyleIdx="5" presStyleCnt="6"/>
+      <dgm:prSet presAssocID="{4EBCB823-9077-42D6-A576-C9061B9EDA2A}" presName="Name141" presStyleLbl="parChTrans1D3" presStyleIdx="4" presStyleCnt="5"/>
       <dgm:spPr/>
     </dgm:pt>
     <dgm:pt modelId="{8BF5EA40-677B-4F2C-AB78-BB82F1A7CE63}" type="pres">
-      <dgm:prSet presAssocID="{EB44F090-ED21-422B-92D9-7FFC8A0DD208}" presName="text1" presStyleLbl="node1" presStyleIdx="7" presStyleCnt="10" custScaleX="211341" custScaleY="157856" custRadScaleRad="228711" custRadScaleInc="65298">
+      <dgm:prSet presAssocID="{EB44F090-ED21-422B-92D9-7FFC8A0DD208}" presName="text1" presStyleLbl="node1" presStyleIdx="6" presStyleCnt="9" custScaleX="227084" custScaleY="138001" custRadScaleRad="260254" custRadScaleInc="70389">
         <dgm:presLayoutVars>
           <dgm:bulletEnabled val="1"/>
         </dgm:presLayoutVars>
@@ -1960,7 +1906,7 @@
       <dgm:spPr/>
     </dgm:pt>
     <dgm:pt modelId="{6C3586C0-3224-4092-9B7F-4A0B89EB2A92}" type="pres">
-      <dgm:prSet presAssocID="{454E737A-A0A1-48D3-877C-7F9DEF199907}" presName="childCenter2" presStyleLbl="node1" presStyleIdx="8" presStyleCnt="10" custScaleX="161207" custScaleY="145023" custLinFactX="-22242" custLinFactNeighborX="-100000" custLinFactNeighborY="-6995"/>
+      <dgm:prSet presAssocID="{454E737A-A0A1-48D3-877C-7F9DEF199907}" presName="childCenter2" presStyleLbl="node1" presStyleIdx="7" presStyleCnt="9" custScaleX="161207" custScaleY="145023" custLinFactNeighborX="-97922" custLinFactNeighborY="-6995"/>
       <dgm:spPr/>
     </dgm:pt>
     <dgm:pt modelId="{8F0188C1-89B4-4141-B7C0-DD2C346DC9C8}" type="pres">
@@ -1972,7 +1918,7 @@
       <dgm:spPr/>
     </dgm:pt>
     <dgm:pt modelId="{25768885-6B52-4B7E-B734-C653967E0F33}" type="pres">
-      <dgm:prSet presAssocID="{B0321F13-C5B6-45E5-A7BF-835FAD1BC40B}" presName="childCenter3" presStyleLbl="node1" presStyleIdx="9" presStyleCnt="10" custLinFactNeighborX="-88522" custLinFactNeighborY="-67235"/>
+      <dgm:prSet presAssocID="{B0321F13-C5B6-45E5-A7BF-835FAD1BC40B}" presName="childCenter3" presStyleLbl="node1" presStyleIdx="8" presStyleCnt="9" custScaleX="141374" custScaleY="154973" custLinFactNeighborX="-88522" custLinFactNeighborY="-67235"/>
       <dgm:spPr/>
     </dgm:pt>
     <dgm:pt modelId="{47E3518E-1E19-4A2D-A757-FA4DEAB7E0A3}" type="pres">
@@ -1991,15 +1937,12 @@
     <dgm:cxn modelId="{8B629023-0681-4981-BECC-C29260F1754D}" type="presOf" srcId="{89ED2A3C-EFBE-484C-889C-9AF9336713CF}" destId="{569A5B01-5848-4355-8E9E-85478E27DD73}" srcOrd="0" destOrd="0" presId="urn:microsoft.com/office/officeart/2008/layout/RadialCluster"/>
     <dgm:cxn modelId="{0343555D-2B8E-47D9-9B7C-3D8597359484}" type="presOf" srcId="{776B3F3B-2E18-41B9-8B49-16F47871639A}" destId="{39C36E1F-5E6B-438D-AF06-C425DA7C5517}" srcOrd="0" destOrd="0" presId="urn:microsoft.com/office/officeart/2008/layout/RadialCluster"/>
     <dgm:cxn modelId="{1B46A768-D7D8-4CC1-BAD4-7C8EA4AB8A0A}" type="presOf" srcId="{0A2E7BC8-AC3E-4782-BC6E-DD3879B362A9}" destId="{E5ADDDA4-484D-4128-BEAE-56C6A8E1205C}" srcOrd="0" destOrd="0" presId="urn:microsoft.com/office/officeart/2008/layout/RadialCluster"/>
-    <dgm:cxn modelId="{9AE11A69-A013-47BD-8298-3B8B265D119B}" type="presOf" srcId="{7934B3E1-10E3-4C3C-9323-BBD97DCB1C7A}" destId="{F4A4B947-1F74-4A7B-9190-267FAC1CEF6A}" srcOrd="0" destOrd="0" presId="urn:microsoft.com/office/officeart/2008/layout/RadialCluster"/>
-    <dgm:cxn modelId="{89133970-4AB6-4E5F-82A4-F572FFEA8C05}" srcId="{89ED2A3C-EFBE-484C-889C-9AF9336713CF}" destId="{EB44F090-ED21-422B-92D9-7FFC8A0DD208}" srcOrd="5" destOrd="0" parTransId="{4EBCB823-9077-42D6-A576-C9061B9EDA2A}" sibTransId="{204FECA5-22E9-4010-9D48-17A910F84E51}"/>
+    <dgm:cxn modelId="{89133970-4AB6-4E5F-82A4-F572FFEA8C05}" srcId="{89ED2A3C-EFBE-484C-889C-9AF9336713CF}" destId="{EB44F090-ED21-422B-92D9-7FFC8A0DD208}" srcOrd="4" destOrd="0" parTransId="{4EBCB823-9077-42D6-A576-C9061B9EDA2A}" sibTransId="{204FECA5-22E9-4010-9D48-17A910F84E51}"/>
     <dgm:cxn modelId="{533FA857-FB0E-4DC8-9118-AE94A0324B8D}" type="presOf" srcId="{5AFD4891-26C5-45B7-B0EC-5D88BADD228D}" destId="{50EFE1DA-3322-404F-B5EF-EA237EED45B3}" srcOrd="0" destOrd="0" presId="urn:microsoft.com/office/officeart/2008/layout/RadialCluster"/>
     <dgm:cxn modelId="{A2E92479-4399-4D33-96C4-D8C2ABA79A00}" srcId="{FFE766A7-58BF-40FF-80A4-815FA96111D9}" destId="{454E737A-A0A1-48D3-877C-7F9DEF199907}" srcOrd="1" destOrd="0" parTransId="{B391E854-1429-46E1-AC26-C32183D8C258}" sibTransId="{2D50DC55-D85D-415D-9225-7D5B6D70FD74}"/>
     <dgm:cxn modelId="{6ED4CA5A-BA35-454F-8258-9F50BEBD8284}" srcId="{EAAAEC05-0F55-4223-8FE1-88A9B0FF3C5B}" destId="{FFE766A7-58BF-40FF-80A4-815FA96111D9}" srcOrd="0" destOrd="0" parTransId="{B20B8822-020B-4E32-BC9B-83EEEEFE87A3}" sibTransId="{8B2E73B4-492D-4785-8FAD-AABB85587E9E}"/>
     <dgm:cxn modelId="{85EBA88A-E790-42CC-B420-2B327BE28E51}" type="presOf" srcId="{B391E854-1429-46E1-AC26-C32183D8C258}" destId="{8F0188C1-89B4-4141-B7C0-DD2C346DC9C8}" srcOrd="0" destOrd="0" presId="urn:microsoft.com/office/officeart/2008/layout/RadialCluster"/>
     <dgm:cxn modelId="{7D65EA93-0F05-4604-899B-CE19FA18B5BA}" type="presOf" srcId="{FFE766A7-58BF-40FF-80A4-815FA96111D9}" destId="{C70E5AC4-E119-45EA-AC4B-B644A43F0F97}" srcOrd="0" destOrd="0" presId="urn:microsoft.com/office/officeart/2008/layout/RadialCluster"/>
-    <dgm:cxn modelId="{CF221C9B-AF65-4602-8F7F-C380A09C21CB}" srcId="{89ED2A3C-EFBE-484C-889C-9AF9336713CF}" destId="{7F26053A-A177-4FE6-9140-D4DD32D30BCE}" srcOrd="4" destOrd="0" parTransId="{7934B3E1-10E3-4C3C-9323-BBD97DCB1C7A}" sibTransId="{A34067E3-34E3-4328-83F9-4D85F8268C0D}"/>
-    <dgm:cxn modelId="{DEFCF79E-2095-456C-AC8B-596210FEB94D}" type="presOf" srcId="{7F26053A-A177-4FE6-9140-D4DD32D30BCE}" destId="{551CC80C-3675-446E-9757-C610E57D2165}" srcOrd="0" destOrd="0" presId="urn:microsoft.com/office/officeart/2008/layout/RadialCluster"/>
     <dgm:cxn modelId="{8563C1B0-BE85-4260-96FC-C52E80AE6AFD}" type="presOf" srcId="{B0321F13-C5B6-45E5-A7BF-835FAD1BC40B}" destId="{25768885-6B52-4B7E-B734-C653967E0F33}" srcOrd="0" destOrd="0" presId="urn:microsoft.com/office/officeart/2008/layout/RadialCluster"/>
     <dgm:cxn modelId="{7D6F5DBB-A874-447B-9053-C30782CBEDBA}" type="presOf" srcId="{7BE6C21D-6E17-46F0-AADC-5ED7834D9E53}" destId="{395BAC34-3736-4CB8-8A00-0409D0ADC21E}" srcOrd="0" destOrd="0" presId="urn:microsoft.com/office/officeart/2008/layout/RadialCluster"/>
     <dgm:cxn modelId="{B658DABC-01A5-461F-84A0-36EA663F5538}" type="presOf" srcId="{4EBCB823-9077-42D6-A576-C9061B9EDA2A}" destId="{4E342F3C-2911-4AA7-BB51-A53BAB53DF05}" srcOrd="0" destOrd="0" presId="urn:microsoft.com/office/officeart/2008/layout/RadialCluster"/>
@@ -2022,10 +1965,8 @@
     <dgm:cxn modelId="{B53D3F38-218C-4975-9CE2-85A3194B315F}" type="presParOf" srcId="{13832D01-6F6C-44DD-BCCD-DFE81C8B4B71}" destId="{DCBC9C37-C79A-4B12-928E-728185CC12F0}" srcOrd="6" destOrd="0" presId="urn:microsoft.com/office/officeart/2008/layout/RadialCluster"/>
     <dgm:cxn modelId="{80574CF3-12A1-4494-9BD6-2ADD887E2889}" type="presParOf" srcId="{13832D01-6F6C-44DD-BCCD-DFE81C8B4B71}" destId="{008F0249-3626-4458-8356-572AE8333DA7}" srcOrd="7" destOrd="0" presId="urn:microsoft.com/office/officeart/2008/layout/RadialCluster"/>
     <dgm:cxn modelId="{3F2471F4-BCB5-4384-8E6A-032E30076E61}" type="presParOf" srcId="{13832D01-6F6C-44DD-BCCD-DFE81C8B4B71}" destId="{395BAC34-3736-4CB8-8A00-0409D0ADC21E}" srcOrd="8" destOrd="0" presId="urn:microsoft.com/office/officeart/2008/layout/RadialCluster"/>
-    <dgm:cxn modelId="{75F58EF3-6AD2-421A-8FF0-ECBDF32266F3}" type="presParOf" srcId="{13832D01-6F6C-44DD-BCCD-DFE81C8B4B71}" destId="{F4A4B947-1F74-4A7B-9190-267FAC1CEF6A}" srcOrd="9" destOrd="0" presId="urn:microsoft.com/office/officeart/2008/layout/RadialCluster"/>
-    <dgm:cxn modelId="{0B1026FD-1BFB-4BAD-98A7-CF416DD53763}" type="presParOf" srcId="{13832D01-6F6C-44DD-BCCD-DFE81C8B4B71}" destId="{551CC80C-3675-446E-9757-C610E57D2165}" srcOrd="10" destOrd="0" presId="urn:microsoft.com/office/officeart/2008/layout/RadialCluster"/>
-    <dgm:cxn modelId="{CB07C23B-A65B-408B-AF8A-5BA1BC889AB7}" type="presParOf" srcId="{13832D01-6F6C-44DD-BCCD-DFE81C8B4B71}" destId="{4E342F3C-2911-4AA7-BB51-A53BAB53DF05}" srcOrd="11" destOrd="0" presId="urn:microsoft.com/office/officeart/2008/layout/RadialCluster"/>
-    <dgm:cxn modelId="{E701F47E-92F8-4FA3-9997-FB98CEB31FA5}" type="presParOf" srcId="{13832D01-6F6C-44DD-BCCD-DFE81C8B4B71}" destId="{8BF5EA40-677B-4F2C-AB78-BB82F1A7CE63}" srcOrd="12" destOrd="0" presId="urn:microsoft.com/office/officeart/2008/layout/RadialCluster"/>
+    <dgm:cxn modelId="{CB07C23B-A65B-408B-AF8A-5BA1BC889AB7}" type="presParOf" srcId="{13832D01-6F6C-44DD-BCCD-DFE81C8B4B71}" destId="{4E342F3C-2911-4AA7-BB51-A53BAB53DF05}" srcOrd="9" destOrd="0" presId="urn:microsoft.com/office/officeart/2008/layout/RadialCluster"/>
+    <dgm:cxn modelId="{E701F47E-92F8-4FA3-9997-FB98CEB31FA5}" type="presParOf" srcId="{13832D01-6F6C-44DD-BCCD-DFE81C8B4B71}" destId="{8BF5EA40-677B-4F2C-AB78-BB82F1A7CE63}" srcOrd="10" destOrd="0" presId="urn:microsoft.com/office/officeart/2008/layout/RadialCluster"/>
     <dgm:cxn modelId="{AEE5FEB5-E4F0-430A-A98C-B2A7E8CF6A88}" type="presParOf" srcId="{51E0A70F-C23D-4019-965D-BB48B1006B25}" destId="{39C36E1F-5E6B-438D-AF06-C425DA7C5517}" srcOrd="2" destOrd="0" presId="urn:microsoft.com/office/officeart/2008/layout/RadialCluster"/>
     <dgm:cxn modelId="{2046B43E-BEF6-4728-B0CC-A8169268BB9B}" type="presParOf" srcId="{51E0A70F-C23D-4019-965D-BB48B1006B25}" destId="{2F8499EB-1659-4B08-807E-ADAF605E33F0}" srcOrd="3" destOrd="0" presId="urn:microsoft.com/office/officeart/2008/layout/RadialCluster"/>
     <dgm:cxn modelId="{8CBA4604-BF2C-4CE2-84A2-927A7E256D84}" type="presParOf" srcId="{2F8499EB-1659-4B08-807E-ADAF605E33F0}" destId="{6C3586C0-3224-4092-9B7F-4A0B89EB2A92}" srcOrd="0" destOrd="0" presId="urn:microsoft.com/office/officeart/2008/layout/RadialCluster"/>
@@ -2038,7 +1979,7 @@
   <dgm:whole/>
   <dgm:extLst>
     <a:ext uri="http://schemas.microsoft.com/office/drawing/2008/diagram">
-      <dsp:dataModelExt xmlns:dsp="http://schemas.microsoft.com/office/drawing/2008/diagram" relId="rId6" minVer="http://schemas.openxmlformats.org/drawingml/2006/diagram"/>
+      <dsp:dataModelExt xmlns:dsp="http://schemas.microsoft.com/office/drawing/2008/diagram" relId="rId7" minVer="http://schemas.openxmlformats.org/drawingml/2006/diagram"/>
     </a:ext>
   </dgm:extLst>
 </dgm:dataModel>
@@ -2058,9 +1999,9 @@
         <dsp:cNvSpPr/>
       </dsp:nvSpPr>
       <dsp:spPr>
-        <a:xfrm rot="10799637">
-          <a:off x="807110" y="2736744"/>
-          <a:ext cx="1109133" cy="0"/>
+        <a:xfrm rot="10799704">
+          <a:off x="1113106" y="2718036"/>
+          <a:ext cx="494965" cy="0"/>
         </a:xfrm>
         <a:custGeom>
           <a:avLst/>
@@ -2074,7 +2015,7 @@
                 <a:pt x="0" y="0"/>
               </a:moveTo>
               <a:lnTo>
-                <a:pt x="1109133" y="0"/>
+                <a:pt x="494965" y="0"/>
               </a:lnTo>
             </a:path>
           </a:pathLst>
@@ -2114,9 +2055,9 @@
         <dsp:cNvSpPr/>
       </dsp:nvSpPr>
       <dsp:spPr>
-        <a:xfrm rot="5397315">
-          <a:off x="2244830" y="3598191"/>
-          <a:ext cx="533655" cy="0"/>
+        <a:xfrm rot="5170997">
+          <a:off x="2896203" y="3569072"/>
+          <a:ext cx="528396" cy="0"/>
         </a:xfrm>
         <a:custGeom>
           <a:avLst/>
@@ -2130,7 +2071,7 @@
                 <a:pt x="0" y="0"/>
               </a:moveTo>
               <a:lnTo>
-                <a:pt x="533655" y="0"/>
+                <a:pt x="528396" y="0"/>
               </a:lnTo>
             </a:path>
           </a:pathLst>
@@ -2170,9 +2111,9 @@
         <dsp:cNvSpPr/>
       </dsp:nvSpPr>
       <dsp:spPr>
-        <a:xfrm rot="22939">
-          <a:off x="3105704" y="2747135"/>
-          <a:ext cx="1961588" cy="0"/>
+        <a:xfrm rot="7246">
+          <a:off x="4599161" y="2721486"/>
+          <a:ext cx="424272" cy="0"/>
         </a:xfrm>
         <a:custGeom>
           <a:avLst/>
@@ -2186,7 +2127,7 @@
                 <a:pt x="0" y="0"/>
               </a:moveTo>
               <a:lnTo>
-                <a:pt x="1961588" y="0"/>
+                <a:pt x="424272" y="0"/>
               </a:lnTo>
             </a:path>
           </a:pathLst>
@@ -2227,8 +2168,8 @@
       </dsp:nvSpPr>
       <dsp:spPr>
         <a:xfrm>
-          <a:off x="1916244" y="2141881"/>
-          <a:ext cx="1189482" cy="1189482"/>
+          <a:off x="1608071" y="2130313"/>
+          <a:ext cx="2991089" cy="1175146"/>
         </a:xfrm>
         <a:prstGeom prst="roundRect">
           <a:avLst/>
@@ -2268,12 +2209,12 @@
         </a:fontRef>
       </dsp:style>
       <dsp:txBody>
-        <a:bodyPr spcFirstLastPara="0" vert="horz" wrap="square" lIns="53340" tIns="53340" rIns="53340" bIns="53340" numCol="1" spcCol="1270" anchor="ctr" anchorCtr="0">
+        <a:bodyPr spcFirstLastPara="0" vert="horz" wrap="square" lIns="78740" tIns="78740" rIns="78740" bIns="78740" numCol="1" spcCol="1270" anchor="ctr" anchorCtr="0">
           <a:noAutofit/>
         </a:bodyPr>
         <a:lstStyle/>
         <a:p>
-          <a:pPr marL="0" lvl="0" indent="0" algn="ctr" defTabSz="933450">
+          <a:pPr marL="0" lvl="0" indent="0" algn="ctr" defTabSz="1377950">
             <a:lnSpc>
               <a:spcPct val="90000"/>
             </a:lnSpc>
@@ -2286,14 +2227,14 @@
             <a:buNone/>
           </a:pPr>
           <a:r>
-            <a:rPr lang="fr-CH" sz="2100" kern="1200" dirty="0"/>
+            <a:rPr lang="fr-CH" sz="3100" kern="1200" dirty="0"/>
             <a:t>API - Gateway Kong</a:t>
           </a:r>
         </a:p>
       </dsp:txBody>
       <dsp:txXfrm>
-        <a:off x="1974310" y="2199947"/>
-        <a:ext cx="1073350" cy="1073350"/>
+        <a:off x="1665437" y="2187679"/>
+        <a:ext cx="2876357" cy="1060414"/>
       </dsp:txXfrm>
     </dsp:sp>
     <dsp:sp modelId="{569A5B01-5848-4355-8E9E-85478E27DD73}">
@@ -2303,8 +2244,8 @@
       </dsp:nvSpPr>
       <dsp:spPr>
         <a:xfrm>
-          <a:off x="5067271" y="2727372"/>
-          <a:ext cx="76230" cy="53123"/>
+          <a:off x="5023433" y="2687597"/>
+          <a:ext cx="98839" cy="68879"/>
         </a:xfrm>
         <a:prstGeom prst="roundRect">
           <a:avLst/>
@@ -2367,8 +2308,8 @@
         </a:p>
       </dsp:txBody>
       <dsp:txXfrm>
-        <a:off x="5069864" y="2729965"/>
-        <a:ext cx="71044" cy="47937"/>
+        <a:off x="5026795" y="2690959"/>
+        <a:ext cx="92115" cy="62155"/>
       </dsp:txXfrm>
     </dsp:sp>
     <dsp:sp modelId="{454F0489-835D-4C89-98C0-F58E34CA8217}">
@@ -2377,9 +2318,9 @@
         <dsp:cNvSpPr/>
       </dsp:nvSpPr>
       <dsp:spPr>
-        <a:xfrm rot="19030665">
-          <a:off x="4774121" y="1809473"/>
-          <a:ext cx="2700790" cy="0"/>
+        <a:xfrm rot="19125733">
+          <a:off x="4790626" y="1833078"/>
+          <a:ext cx="2592652" cy="0"/>
         </a:xfrm>
         <a:prstGeom prst="halfFrame">
           <a:avLst/>
@@ -2420,8 +2361,8 @@
       </dsp:nvSpPr>
       <dsp:spPr>
         <a:xfrm>
-          <a:off x="7008237" y="69672"/>
-          <a:ext cx="1100379" cy="821901"/>
+          <a:off x="6826643" y="46928"/>
+          <a:ext cx="1533020" cy="931630"/>
         </a:xfrm>
         <a:prstGeom prst="roundRect">
           <a:avLst/>
@@ -2429,813 +2370,6 @@
         <a:solidFill>
           <a:schemeClr val="accent2">
             <a:lumMod val="75000"/>
-          </a:schemeClr>
-        </a:solidFill>
-        <a:ln w="12700" cap="flat" cmpd="sng" algn="ctr">
-          <a:solidFill>
-            <a:schemeClr val="lt1">
-              <a:hueOff val="0"/>
-              <a:satOff val="0"/>
-              <a:lumOff val="0"/>
-              <a:alphaOff val="0"/>
-            </a:schemeClr>
-          </a:solidFill>
-          <a:prstDash val="solid"/>
-          <a:miter lim="800000"/>
-        </a:ln>
-        <a:effectLst/>
-      </dsp:spPr>
-      <dsp:style>
-        <a:lnRef idx="2">
-          <a:scrgbClr r="0" g="0" b="0"/>
-        </a:lnRef>
-        <a:fillRef idx="1">
-          <a:scrgbClr r="0" g="0" b="0"/>
-        </a:fillRef>
-        <a:effectRef idx="0">
-          <a:scrgbClr r="0" g="0" b="0"/>
-        </a:effectRef>
-        <a:fontRef idx="minor">
-          <a:schemeClr val="lt1"/>
-        </a:fontRef>
-      </dsp:style>
-      <dsp:txBody>
-        <a:bodyPr spcFirstLastPara="0" vert="horz" wrap="square" lIns="35560" tIns="35560" rIns="35560" bIns="35560" numCol="1" spcCol="1270" anchor="ctr" anchorCtr="0">
-          <a:noAutofit/>
-        </a:bodyPr>
-        <a:lstStyle/>
-        <a:p>
-          <a:pPr marL="0" lvl="0" indent="0" algn="ctr" defTabSz="622300">
-            <a:lnSpc>
-              <a:spcPct val="90000"/>
-            </a:lnSpc>
-            <a:spcBef>
-              <a:spcPct val="0"/>
-            </a:spcBef>
-            <a:spcAft>
-              <a:spcPct val="35000"/>
-            </a:spcAft>
-            <a:buNone/>
-          </a:pPr>
-          <a:r>
-            <a:rPr lang="fr-CH" sz="1400" kern="1200" dirty="0"/>
-            <a:t>Statistique</a:t>
-          </a:r>
-        </a:p>
-      </dsp:txBody>
-      <dsp:txXfrm>
-        <a:off x="7048359" y="109794"/>
-        <a:ext cx="1020135" cy="741657"/>
-      </dsp:txXfrm>
-    </dsp:sp>
-    <dsp:sp modelId="{E5ADDDA4-484D-4128-BEAE-56C6A8E1205C}">
-      <dsp:nvSpPr>
-        <dsp:cNvPr id="0" name=""/>
-        <dsp:cNvSpPr/>
-      </dsp:nvSpPr>
-      <dsp:spPr>
-        <a:xfrm rot="19870962">
-          <a:off x="5015156" y="2233406"/>
-          <a:ext cx="2072778" cy="0"/>
-        </a:xfrm>
-        <a:custGeom>
-          <a:avLst/>
-          <a:gdLst/>
-          <a:ahLst/>
-          <a:cxnLst/>
-          <a:rect l="0" t="0" r="0" b="0"/>
-          <a:pathLst>
-            <a:path>
-              <a:moveTo>
-                <a:pt x="0" y="0"/>
-              </a:moveTo>
-              <a:lnTo>
-                <a:pt x="2072778" y="0"/>
-              </a:lnTo>
-            </a:path>
-          </a:pathLst>
-        </a:custGeom>
-        <a:noFill/>
-        <a:ln w="12700" cap="flat" cmpd="sng" algn="ctr">
-          <a:solidFill>
-            <a:schemeClr val="accent1">
-              <a:shade val="80000"/>
-              <a:hueOff val="0"/>
-              <a:satOff val="0"/>
-              <a:lumOff val="0"/>
-              <a:alphaOff val="0"/>
-            </a:schemeClr>
-          </a:solidFill>
-          <a:prstDash val="solid"/>
-          <a:miter lim="800000"/>
-        </a:ln>
-        <a:effectLst/>
-      </dsp:spPr>
-      <dsp:style>
-        <a:lnRef idx="2">
-          <a:scrgbClr r="0" g="0" b="0"/>
-        </a:lnRef>
-        <a:fillRef idx="0">
-          <a:scrgbClr r="0" g="0" b="0"/>
-        </a:fillRef>
-        <a:effectRef idx="0">
-          <a:scrgbClr r="0" g="0" b="0"/>
-        </a:effectRef>
-        <a:fontRef idx="minor"/>
-      </dsp:style>
-    </dsp:sp>
-    <dsp:sp modelId="{A0472D8C-E691-487D-8640-85D46CE6B00E}">
-      <dsp:nvSpPr>
-        <dsp:cNvPr id="0" name=""/>
-        <dsp:cNvSpPr/>
-      </dsp:nvSpPr>
-      <dsp:spPr>
-        <a:xfrm>
-          <a:off x="6959590" y="1020211"/>
-          <a:ext cx="1100379" cy="821901"/>
-        </a:xfrm>
-        <a:prstGeom prst="roundRect">
-          <a:avLst/>
-        </a:prstGeom>
-        <a:solidFill>
-          <a:schemeClr val="accent2">
-            <a:lumMod val="75000"/>
-          </a:schemeClr>
-        </a:solidFill>
-        <a:ln w="12700" cap="flat" cmpd="sng" algn="ctr">
-          <a:solidFill>
-            <a:schemeClr val="lt1">
-              <a:hueOff val="0"/>
-              <a:satOff val="0"/>
-              <a:lumOff val="0"/>
-              <a:alphaOff val="0"/>
-            </a:schemeClr>
-          </a:solidFill>
-          <a:prstDash val="solid"/>
-          <a:miter lim="800000"/>
-        </a:ln>
-        <a:effectLst/>
-      </dsp:spPr>
-      <dsp:style>
-        <a:lnRef idx="2">
-          <a:scrgbClr r="0" g="0" b="0"/>
-        </a:lnRef>
-        <a:fillRef idx="1">
-          <a:scrgbClr r="0" g="0" b="0"/>
-        </a:fillRef>
-        <a:effectRef idx="0">
-          <a:scrgbClr r="0" g="0" b="0"/>
-        </a:effectRef>
-        <a:fontRef idx="minor">
-          <a:schemeClr val="lt1"/>
-        </a:fontRef>
-      </dsp:style>
-      <dsp:txBody>
-        <a:bodyPr spcFirstLastPara="0" vert="horz" wrap="square" lIns="35560" tIns="35560" rIns="35560" bIns="35560" numCol="1" spcCol="1270" anchor="ctr" anchorCtr="0">
-          <a:noAutofit/>
-        </a:bodyPr>
-        <a:lstStyle/>
-        <a:p>
-          <a:pPr marL="0" lvl="0" indent="0" algn="ctr" defTabSz="622300">
-            <a:lnSpc>
-              <a:spcPct val="90000"/>
-            </a:lnSpc>
-            <a:spcBef>
-              <a:spcPct val="0"/>
-            </a:spcBef>
-            <a:spcAft>
-              <a:spcPct val="35000"/>
-            </a:spcAft>
-            <a:buNone/>
-          </a:pPr>
-          <a:r>
-            <a:rPr lang="fr-CH" sz="1400" kern="1200"/>
-            <a:t>Messagerie</a:t>
-          </a:r>
-        </a:p>
-      </dsp:txBody>
-      <dsp:txXfrm>
-        <a:off x="6999712" y="1060333"/>
-        <a:ext cx="1020135" cy="741657"/>
-      </dsp:txXfrm>
-    </dsp:sp>
-    <dsp:sp modelId="{50EFE1DA-3322-404F-B5EF-EA237EED45B3}">
-      <dsp:nvSpPr>
-        <dsp:cNvPr id="0" name=""/>
-        <dsp:cNvSpPr/>
-      </dsp:nvSpPr>
-      <dsp:spPr>
-        <a:xfrm rot="21009032">
-          <a:off x="5130162" y="2592502"/>
-          <a:ext cx="1810062" cy="0"/>
-        </a:xfrm>
-        <a:custGeom>
-          <a:avLst/>
-          <a:gdLst/>
-          <a:ahLst/>
-          <a:cxnLst/>
-          <a:rect l="0" t="0" r="0" b="0"/>
-          <a:pathLst>
-            <a:path>
-              <a:moveTo>
-                <a:pt x="0" y="0"/>
-              </a:moveTo>
-              <a:lnTo>
-                <a:pt x="1810062" y="0"/>
-              </a:lnTo>
-            </a:path>
-          </a:pathLst>
-        </a:custGeom>
-        <a:noFill/>
-        <a:ln w="12700" cap="flat" cmpd="sng" algn="ctr">
-          <a:solidFill>
-            <a:schemeClr val="accent1">
-              <a:shade val="80000"/>
-              <a:hueOff val="0"/>
-              <a:satOff val="0"/>
-              <a:lumOff val="0"/>
-              <a:alphaOff val="0"/>
-            </a:schemeClr>
-          </a:solidFill>
-          <a:prstDash val="solid"/>
-          <a:miter lim="800000"/>
-        </a:ln>
-        <a:effectLst/>
-      </dsp:spPr>
-      <dsp:style>
-        <a:lnRef idx="2">
-          <a:scrgbClr r="0" g="0" b="0"/>
-        </a:lnRef>
-        <a:fillRef idx="0">
-          <a:scrgbClr r="0" g="0" b="0"/>
-        </a:fillRef>
-        <a:effectRef idx="0">
-          <a:scrgbClr r="0" g="0" b="0"/>
-        </a:effectRef>
-        <a:fontRef idx="minor"/>
-      </dsp:style>
-    </dsp:sp>
-    <dsp:sp modelId="{DCBC9C37-C79A-4B12-928E-728185CC12F0}">
-      <dsp:nvSpPr>
-        <dsp:cNvPr id="0" name=""/>
-        <dsp:cNvSpPr/>
-      </dsp:nvSpPr>
-      <dsp:spPr>
-        <a:xfrm>
-          <a:off x="6926884" y="1931212"/>
-          <a:ext cx="1100379" cy="821901"/>
-        </a:xfrm>
-        <a:prstGeom prst="roundRect">
-          <a:avLst/>
-        </a:prstGeom>
-        <a:solidFill>
-          <a:schemeClr val="accent2">
-            <a:lumMod val="75000"/>
-          </a:schemeClr>
-        </a:solidFill>
-        <a:ln w="12700" cap="flat" cmpd="sng" algn="ctr">
-          <a:solidFill>
-            <a:schemeClr val="lt1">
-              <a:hueOff val="0"/>
-              <a:satOff val="0"/>
-              <a:lumOff val="0"/>
-              <a:alphaOff val="0"/>
-            </a:schemeClr>
-          </a:solidFill>
-          <a:prstDash val="solid"/>
-          <a:miter lim="800000"/>
-        </a:ln>
-        <a:effectLst/>
-      </dsp:spPr>
-      <dsp:style>
-        <a:lnRef idx="2">
-          <a:scrgbClr r="0" g="0" b="0"/>
-        </a:lnRef>
-        <a:fillRef idx="1">
-          <a:scrgbClr r="0" g="0" b="0"/>
-        </a:fillRef>
-        <a:effectRef idx="0">
-          <a:scrgbClr r="0" g="0" b="0"/>
-        </a:effectRef>
-        <a:fontRef idx="minor">
-          <a:schemeClr val="lt1"/>
-        </a:fontRef>
-      </dsp:style>
-      <dsp:txBody>
-        <a:bodyPr spcFirstLastPara="0" vert="horz" wrap="square" lIns="35560" tIns="35560" rIns="35560" bIns="35560" numCol="1" spcCol="1270" anchor="ctr" anchorCtr="0">
-          <a:noAutofit/>
-        </a:bodyPr>
-        <a:lstStyle/>
-        <a:p>
-          <a:pPr marL="0" lvl="0" indent="0" algn="ctr" defTabSz="622300">
-            <a:lnSpc>
-              <a:spcPct val="90000"/>
-            </a:lnSpc>
-            <a:spcBef>
-              <a:spcPct val="0"/>
-            </a:spcBef>
-            <a:spcAft>
-              <a:spcPct val="35000"/>
-            </a:spcAft>
-            <a:buNone/>
-          </a:pPr>
-          <a:r>
-            <a:rPr lang="fr-CH" sz="1400" kern="1200"/>
-            <a:t>SearchItem</a:t>
-          </a:r>
-        </a:p>
-      </dsp:txBody>
-      <dsp:txXfrm>
-        <a:off x="6967006" y="1971334"/>
-        <a:ext cx="1020135" cy="741657"/>
-      </dsp:txXfrm>
-    </dsp:sp>
-    <dsp:sp modelId="{008F0249-3626-4458-8356-572AE8333DA7}">
-      <dsp:nvSpPr>
-        <dsp:cNvPr id="0" name=""/>
-        <dsp:cNvSpPr/>
-      </dsp:nvSpPr>
-      <dsp:spPr>
-        <a:xfrm rot="1882475">
-          <a:off x="4991326" y="3319019"/>
-          <a:ext cx="2081484" cy="0"/>
-        </a:xfrm>
-        <a:custGeom>
-          <a:avLst/>
-          <a:gdLst/>
-          <a:ahLst/>
-          <a:cxnLst/>
-          <a:rect l="0" t="0" r="0" b="0"/>
-          <a:pathLst>
-            <a:path>
-              <a:moveTo>
-                <a:pt x="0" y="0"/>
-              </a:moveTo>
-              <a:lnTo>
-                <a:pt x="2081484" y="0"/>
-              </a:lnTo>
-            </a:path>
-          </a:pathLst>
-        </a:custGeom>
-        <a:noFill/>
-        <a:ln w="12700" cap="flat" cmpd="sng" algn="ctr">
-          <a:solidFill>
-            <a:schemeClr val="accent1">
-              <a:shade val="80000"/>
-              <a:hueOff val="0"/>
-              <a:satOff val="0"/>
-              <a:lumOff val="0"/>
-              <a:alphaOff val="0"/>
-            </a:schemeClr>
-          </a:solidFill>
-          <a:prstDash val="solid"/>
-          <a:miter lim="800000"/>
-        </a:ln>
-        <a:effectLst/>
-      </dsp:spPr>
-      <dsp:style>
-        <a:lnRef idx="2">
-          <a:scrgbClr r="0" g="0" b="0"/>
-        </a:lnRef>
-        <a:fillRef idx="0">
-          <a:scrgbClr r="0" g="0" b="0"/>
-        </a:fillRef>
-        <a:effectRef idx="0">
-          <a:scrgbClr r="0" g="0" b="0"/>
-        </a:effectRef>
-        <a:fontRef idx="minor"/>
-      </dsp:style>
-    </dsp:sp>
-    <dsp:sp modelId="{395BAC34-3736-4CB8-8A00-0409D0ADC21E}">
-      <dsp:nvSpPr>
-        <dsp:cNvPr id="0" name=""/>
-        <dsp:cNvSpPr/>
-      </dsp:nvSpPr>
-      <dsp:spPr>
-        <a:xfrm>
-          <a:off x="6920635" y="3785413"/>
-          <a:ext cx="1100379" cy="821901"/>
-        </a:xfrm>
-        <a:prstGeom prst="roundRect">
-          <a:avLst/>
-        </a:prstGeom>
-        <a:solidFill>
-          <a:schemeClr val="accent2">
-            <a:lumMod val="75000"/>
-          </a:schemeClr>
-        </a:solidFill>
-        <a:ln w="12700" cap="flat" cmpd="sng" algn="ctr">
-          <a:solidFill>
-            <a:schemeClr val="lt1">
-              <a:hueOff val="0"/>
-              <a:satOff val="0"/>
-              <a:lumOff val="0"/>
-              <a:alphaOff val="0"/>
-            </a:schemeClr>
-          </a:solidFill>
-          <a:prstDash val="solid"/>
-          <a:miter lim="800000"/>
-        </a:ln>
-        <a:effectLst/>
-      </dsp:spPr>
-      <dsp:style>
-        <a:lnRef idx="2">
-          <a:scrgbClr r="0" g="0" b="0"/>
-        </a:lnRef>
-        <a:fillRef idx="1">
-          <a:scrgbClr r="0" g="0" b="0"/>
-        </a:fillRef>
-        <a:effectRef idx="0">
-          <a:scrgbClr r="0" g="0" b="0"/>
-        </a:effectRef>
-        <a:fontRef idx="minor">
-          <a:schemeClr val="lt1"/>
-        </a:fontRef>
-      </dsp:style>
-      <dsp:txBody>
-        <a:bodyPr spcFirstLastPara="0" vert="horz" wrap="square" lIns="35560" tIns="35560" rIns="35560" bIns="35560" numCol="1" spcCol="1270" anchor="ctr" anchorCtr="0">
-          <a:noAutofit/>
-        </a:bodyPr>
-        <a:lstStyle/>
-        <a:p>
-          <a:pPr marL="0" lvl="0" indent="0" algn="ctr" defTabSz="622300">
-            <a:lnSpc>
-              <a:spcPct val="90000"/>
-            </a:lnSpc>
-            <a:spcBef>
-              <a:spcPct val="0"/>
-            </a:spcBef>
-            <a:spcAft>
-              <a:spcPct val="35000"/>
-            </a:spcAft>
-            <a:buNone/>
-          </a:pPr>
-          <a:r>
-            <a:rPr lang="fr-CH" sz="1400" kern="1200" dirty="0"/>
-            <a:t>User</a:t>
-          </a:r>
-        </a:p>
-      </dsp:txBody>
-      <dsp:txXfrm>
-        <a:off x="6960757" y="3825535"/>
-        <a:ext cx="1020135" cy="741657"/>
-      </dsp:txXfrm>
-    </dsp:sp>
-    <dsp:sp modelId="{F4A4B947-1F74-4A7B-9190-267FAC1CEF6A}">
-      <dsp:nvSpPr>
-        <dsp:cNvPr id="0" name=""/>
-        <dsp:cNvSpPr/>
-      </dsp:nvSpPr>
-      <dsp:spPr>
-        <a:xfrm rot="2719923">
-          <a:off x="4724864" y="3754550"/>
-          <a:ext cx="2739212" cy="0"/>
-        </a:xfrm>
-        <a:custGeom>
-          <a:avLst/>
-          <a:gdLst/>
-          <a:ahLst/>
-          <a:cxnLst/>
-          <a:rect l="0" t="0" r="0" b="0"/>
-          <a:pathLst>
-            <a:path>
-              <a:moveTo>
-                <a:pt x="0" y="0"/>
-              </a:moveTo>
-              <a:lnTo>
-                <a:pt x="2739212" y="0"/>
-              </a:lnTo>
-            </a:path>
-          </a:pathLst>
-        </a:custGeom>
-        <a:noFill/>
-        <a:ln w="12700" cap="flat" cmpd="sng" algn="ctr">
-          <a:solidFill>
-            <a:schemeClr val="accent1">
-              <a:shade val="80000"/>
-              <a:hueOff val="0"/>
-              <a:satOff val="0"/>
-              <a:lumOff val="0"/>
-              <a:alphaOff val="0"/>
-            </a:schemeClr>
-          </a:solidFill>
-          <a:prstDash val="solid"/>
-          <a:miter lim="800000"/>
-        </a:ln>
-        <a:effectLst/>
-      </dsp:spPr>
-      <dsp:style>
-        <a:lnRef idx="2">
-          <a:scrgbClr r="0" g="0" b="0"/>
-        </a:lnRef>
-        <a:fillRef idx="0">
-          <a:scrgbClr r="0" g="0" b="0"/>
-        </a:fillRef>
-        <a:effectRef idx="0">
-          <a:scrgbClr r="0" g="0" b="0"/>
-        </a:effectRef>
-        <a:fontRef idx="minor"/>
-      </dsp:style>
-    </dsp:sp>
-    <dsp:sp modelId="{551CC80C-3675-446E-9757-C610E57D2165}">
-      <dsp:nvSpPr>
-        <dsp:cNvPr id="0" name=""/>
-        <dsp:cNvSpPr/>
-      </dsp:nvSpPr>
-      <dsp:spPr>
-        <a:xfrm>
-          <a:off x="6913325" y="4728604"/>
-          <a:ext cx="1100379" cy="821901"/>
-        </a:xfrm>
-        <a:prstGeom prst="roundRect">
-          <a:avLst/>
-        </a:prstGeom>
-        <a:solidFill>
-          <a:schemeClr val="accent2">
-            <a:lumMod val="75000"/>
-          </a:schemeClr>
-        </a:solidFill>
-        <a:ln w="12700" cap="flat" cmpd="sng" algn="ctr">
-          <a:solidFill>
-            <a:schemeClr val="lt1">
-              <a:hueOff val="0"/>
-              <a:satOff val="0"/>
-              <a:lumOff val="0"/>
-              <a:alphaOff val="0"/>
-            </a:schemeClr>
-          </a:solidFill>
-          <a:prstDash val="solid"/>
-          <a:miter lim="800000"/>
-        </a:ln>
-        <a:effectLst/>
-      </dsp:spPr>
-      <dsp:style>
-        <a:lnRef idx="2">
-          <a:scrgbClr r="0" g="0" b="0"/>
-        </a:lnRef>
-        <a:fillRef idx="1">
-          <a:scrgbClr r="0" g="0" b="0"/>
-        </a:fillRef>
-        <a:effectRef idx="0">
-          <a:scrgbClr r="0" g="0" b="0"/>
-        </a:effectRef>
-        <a:fontRef idx="minor">
-          <a:schemeClr val="lt1"/>
-        </a:fontRef>
-      </dsp:style>
-      <dsp:txBody>
-        <a:bodyPr spcFirstLastPara="0" vert="horz" wrap="square" lIns="35560" tIns="35560" rIns="35560" bIns="35560" numCol="1" spcCol="1270" anchor="ctr" anchorCtr="0">
-          <a:noAutofit/>
-        </a:bodyPr>
-        <a:lstStyle/>
-        <a:p>
-          <a:pPr marL="0" lvl="0" indent="0" algn="ctr" defTabSz="622300">
-            <a:lnSpc>
-              <a:spcPct val="90000"/>
-            </a:lnSpc>
-            <a:spcBef>
-              <a:spcPct val="0"/>
-            </a:spcBef>
-            <a:spcAft>
-              <a:spcPct val="35000"/>
-            </a:spcAft>
-            <a:buNone/>
-          </a:pPr>
-          <a:r>
-            <a:rPr lang="fr-CH" sz="1400" kern="1200" dirty="0"/>
-            <a:t>Docker-compose</a:t>
-          </a:r>
-        </a:p>
-      </dsp:txBody>
-      <dsp:txXfrm>
-        <a:off x="6953447" y="4768726"/>
-        <a:ext cx="1020135" cy="741657"/>
-      </dsp:txXfrm>
-    </dsp:sp>
-    <dsp:sp modelId="{4E342F3C-2911-4AA7-BB51-A53BAB53DF05}">
-      <dsp:nvSpPr>
-        <dsp:cNvPr id="0" name=""/>
-        <dsp:cNvSpPr/>
-      </dsp:nvSpPr>
-      <dsp:spPr>
-        <a:xfrm rot="742572">
-          <a:off x="5122271" y="2958103"/>
-          <a:ext cx="1827140" cy="0"/>
-        </a:xfrm>
-        <a:custGeom>
-          <a:avLst/>
-          <a:gdLst/>
-          <a:ahLst/>
-          <a:cxnLst/>
-          <a:rect l="0" t="0" r="0" b="0"/>
-          <a:pathLst>
-            <a:path>
-              <a:moveTo>
-                <a:pt x="0" y="0"/>
-              </a:moveTo>
-              <a:lnTo>
-                <a:pt x="1827140" y="0"/>
-              </a:lnTo>
-            </a:path>
-          </a:pathLst>
-        </a:custGeom>
-        <a:noFill/>
-        <a:ln w="12700" cap="flat" cmpd="sng" algn="ctr">
-          <a:solidFill>
-            <a:schemeClr val="accent1">
-              <a:shade val="80000"/>
-              <a:hueOff val="0"/>
-              <a:satOff val="0"/>
-              <a:lumOff val="0"/>
-              <a:alphaOff val="0"/>
-            </a:schemeClr>
-          </a:solidFill>
-          <a:prstDash val="solid"/>
-          <a:miter lim="800000"/>
-        </a:ln>
-        <a:effectLst/>
-      </dsp:spPr>
-      <dsp:style>
-        <a:lnRef idx="2">
-          <a:scrgbClr r="0" g="0" b="0"/>
-        </a:lnRef>
-        <a:fillRef idx="0">
-          <a:scrgbClr r="0" g="0" b="0"/>
-        </a:fillRef>
-        <a:effectRef idx="0">
-          <a:scrgbClr r="0" g="0" b="0"/>
-        </a:effectRef>
-        <a:fontRef idx="minor"/>
-      </dsp:style>
-    </dsp:sp>
-    <dsp:sp modelId="{8BF5EA40-677B-4F2C-AB78-BB82F1A7CE63}">
-      <dsp:nvSpPr>
-        <dsp:cNvPr id="0" name=""/>
-        <dsp:cNvSpPr/>
-      </dsp:nvSpPr>
-      <dsp:spPr>
-        <a:xfrm>
-          <a:off x="6928182" y="2863685"/>
-          <a:ext cx="1100379" cy="821901"/>
-        </a:xfrm>
-        <a:prstGeom prst="roundRect">
-          <a:avLst/>
-        </a:prstGeom>
-        <a:solidFill>
-          <a:schemeClr val="accent2">
-            <a:lumMod val="75000"/>
-          </a:schemeClr>
-        </a:solidFill>
-        <a:ln w="12700" cap="flat" cmpd="sng" algn="ctr">
-          <a:solidFill>
-            <a:schemeClr val="lt1">
-              <a:hueOff val="0"/>
-              <a:satOff val="0"/>
-              <a:lumOff val="0"/>
-              <a:alphaOff val="0"/>
-            </a:schemeClr>
-          </a:solidFill>
-          <a:prstDash val="solid"/>
-          <a:miter lim="800000"/>
-        </a:ln>
-        <a:effectLst/>
-      </dsp:spPr>
-      <dsp:style>
-        <a:lnRef idx="2">
-          <a:scrgbClr r="0" g="0" b="0"/>
-        </a:lnRef>
-        <a:fillRef idx="1">
-          <a:scrgbClr r="0" g="0" b="0"/>
-        </a:fillRef>
-        <a:effectRef idx="0">
-          <a:scrgbClr r="0" g="0" b="0"/>
-        </a:effectRef>
-        <a:fontRef idx="minor">
-          <a:schemeClr val="lt1"/>
-        </a:fontRef>
-      </dsp:style>
-      <dsp:txBody>
-        <a:bodyPr spcFirstLastPara="0" vert="horz" wrap="square" lIns="35560" tIns="35560" rIns="35560" bIns="35560" numCol="1" spcCol="1270" anchor="ctr" anchorCtr="0">
-          <a:noAutofit/>
-        </a:bodyPr>
-        <a:lstStyle/>
-        <a:p>
-          <a:pPr marL="0" lvl="0" indent="0" algn="ctr" defTabSz="622300">
-            <a:lnSpc>
-              <a:spcPct val="90000"/>
-            </a:lnSpc>
-            <a:spcBef>
-              <a:spcPct val="0"/>
-            </a:spcBef>
-            <a:spcAft>
-              <a:spcPct val="35000"/>
-            </a:spcAft>
-            <a:buNone/>
-          </a:pPr>
-          <a:r>
-            <a:rPr lang="fr-CH" sz="1400" kern="1200" dirty="0" err="1"/>
-            <a:t>AddAnnonce</a:t>
-          </a:r>
-          <a:endParaRPr lang="fr-CH" sz="1400" kern="1200" dirty="0"/>
-        </a:p>
-      </dsp:txBody>
-      <dsp:txXfrm>
-        <a:off x="6968304" y="2903807"/>
-        <a:ext cx="1020135" cy="741657"/>
-      </dsp:txXfrm>
-    </dsp:sp>
-    <dsp:sp modelId="{6C3586C0-3224-4092-9B7F-4A0B89EB2A92}">
-      <dsp:nvSpPr>
-        <dsp:cNvPr id="0" name=""/>
-        <dsp:cNvSpPr/>
-      </dsp:nvSpPr>
-      <dsp:spPr>
-        <a:xfrm>
-          <a:off x="1869946" y="3865019"/>
-          <a:ext cx="1284743" cy="1155765"/>
-        </a:xfrm>
-        <a:prstGeom prst="roundRect">
-          <a:avLst/>
-        </a:prstGeom>
-        <a:solidFill>
-          <a:srgbClr val="7030A0"/>
-        </a:solidFill>
-        <a:ln w="12700" cap="flat" cmpd="sng" algn="ctr">
-          <a:solidFill>
-            <a:schemeClr val="lt1">
-              <a:hueOff val="0"/>
-              <a:satOff val="0"/>
-              <a:lumOff val="0"/>
-              <a:alphaOff val="0"/>
-            </a:schemeClr>
-          </a:solidFill>
-          <a:prstDash val="solid"/>
-          <a:miter lim="800000"/>
-        </a:ln>
-        <a:effectLst/>
-      </dsp:spPr>
-      <dsp:style>
-        <a:lnRef idx="2">
-          <a:scrgbClr r="0" g="0" b="0"/>
-        </a:lnRef>
-        <a:fillRef idx="1">
-          <a:scrgbClr r="0" g="0" b="0"/>
-        </a:fillRef>
-        <a:effectRef idx="0">
-          <a:scrgbClr r="0" g="0" b="0"/>
-        </a:effectRef>
-        <a:fontRef idx="minor">
-          <a:schemeClr val="lt1"/>
-        </a:fontRef>
-      </dsp:style>
-      <dsp:txBody>
-        <a:bodyPr spcFirstLastPara="0" vert="horz" wrap="square" lIns="50800" tIns="50800" rIns="50800" bIns="50800" numCol="1" spcCol="1270" anchor="ctr" anchorCtr="0">
-          <a:noAutofit/>
-        </a:bodyPr>
-        <a:lstStyle/>
-        <a:p>
-          <a:pPr marL="0" lvl="0" indent="0" algn="ctr" defTabSz="889000">
-            <a:lnSpc>
-              <a:spcPct val="90000"/>
-            </a:lnSpc>
-            <a:spcBef>
-              <a:spcPct val="0"/>
-            </a:spcBef>
-            <a:spcAft>
-              <a:spcPct val="35000"/>
-            </a:spcAft>
-            <a:buNone/>
-          </a:pPr>
-          <a:r>
-            <a:rPr lang="fr-CH" sz="2000" kern="1200"/>
-            <a:t>Web-UI</a:t>
-          </a:r>
-        </a:p>
-      </dsp:txBody>
-      <dsp:txXfrm>
-        <a:off x="1926366" y="3921439"/>
-        <a:ext cx="1171903" cy="1042925"/>
-      </dsp:txXfrm>
-    </dsp:sp>
-    <dsp:sp modelId="{25768885-6B52-4B7E-B734-C653967E0F33}">
-      <dsp:nvSpPr>
-        <dsp:cNvPr id="0" name=""/>
-        <dsp:cNvSpPr/>
-      </dsp:nvSpPr>
-      <dsp:spPr>
-        <a:xfrm>
-          <a:off x="10157" y="2338368"/>
-          <a:ext cx="796952" cy="796952"/>
-        </a:xfrm>
-        <a:prstGeom prst="roundRect">
-          <a:avLst/>
-        </a:prstGeom>
-        <a:solidFill>
-          <a:schemeClr val="accent1">
-            <a:hueOff val="0"/>
-            <a:satOff val="0"/>
-            <a:lumOff val="0"/>
-            <a:alphaOff val="0"/>
           </a:schemeClr>
         </a:solidFill>
         <a:ln w="12700" cap="flat" cmpd="sng" algn="ctr">
@@ -3286,13 +2420,689 @@
           </a:pPr>
           <a:r>
             <a:rPr lang="fr-CH" sz="2000" kern="1200" dirty="0"/>
+            <a:t>Statistique</a:t>
+          </a:r>
+        </a:p>
+      </dsp:txBody>
+      <dsp:txXfrm>
+        <a:off x="6872121" y="92406"/>
+        <a:ext cx="1442064" cy="840674"/>
+      </dsp:txXfrm>
+    </dsp:sp>
+    <dsp:sp modelId="{E5ADDDA4-484D-4128-BEAE-56C6A8E1205C}">
+      <dsp:nvSpPr>
+        <dsp:cNvPr id="0" name=""/>
+        <dsp:cNvSpPr/>
+      </dsp:nvSpPr>
+      <dsp:spPr>
+        <a:xfrm rot="2349575">
+          <a:off x="4839078" y="3532617"/>
+          <a:ext cx="2458152" cy="0"/>
+        </a:xfrm>
+        <a:custGeom>
+          <a:avLst/>
+          <a:gdLst/>
+          <a:ahLst/>
+          <a:cxnLst/>
+          <a:rect l="0" t="0" r="0" b="0"/>
+          <a:pathLst>
+            <a:path>
+              <a:moveTo>
+                <a:pt x="0" y="0"/>
+              </a:moveTo>
+              <a:lnTo>
+                <a:pt x="2458152" y="0"/>
+              </a:lnTo>
+            </a:path>
+          </a:pathLst>
+        </a:custGeom>
+        <a:noFill/>
+        <a:ln w="12700" cap="flat" cmpd="sng" algn="ctr">
+          <a:solidFill>
+            <a:schemeClr val="accent1">
+              <a:shade val="80000"/>
+              <a:hueOff val="0"/>
+              <a:satOff val="0"/>
+              <a:lumOff val="0"/>
+              <a:alphaOff val="0"/>
+            </a:schemeClr>
+          </a:solidFill>
+          <a:prstDash val="solid"/>
+          <a:miter lim="800000"/>
+        </a:ln>
+        <a:effectLst/>
+      </dsp:spPr>
+      <dsp:style>
+        <a:lnRef idx="2">
+          <a:scrgbClr r="0" g="0" b="0"/>
+        </a:lnRef>
+        <a:fillRef idx="0">
+          <a:scrgbClr r="0" g="0" b="0"/>
+        </a:fillRef>
+        <a:effectRef idx="0">
+          <a:scrgbClr r="0" g="0" b="0"/>
+        </a:effectRef>
+        <a:fontRef idx="minor"/>
+      </dsp:style>
+    </dsp:sp>
+    <dsp:sp modelId="{A0472D8C-E691-487D-8640-85D46CE6B00E}">
+      <dsp:nvSpPr>
+        <dsp:cNvPr id="0" name=""/>
+        <dsp:cNvSpPr/>
+      </dsp:nvSpPr>
+      <dsp:spPr>
+        <a:xfrm>
+          <a:off x="6826626" y="4308757"/>
+          <a:ext cx="1533020" cy="931630"/>
+        </a:xfrm>
+        <a:prstGeom prst="roundRect">
+          <a:avLst/>
+        </a:prstGeom>
+        <a:solidFill>
+          <a:schemeClr val="accent2">
+            <a:lumMod val="75000"/>
+          </a:schemeClr>
+        </a:solidFill>
+        <a:ln w="12700" cap="flat" cmpd="sng" algn="ctr">
+          <a:solidFill>
+            <a:schemeClr val="lt1">
+              <a:hueOff val="0"/>
+              <a:satOff val="0"/>
+              <a:lumOff val="0"/>
+              <a:alphaOff val="0"/>
+            </a:schemeClr>
+          </a:solidFill>
+          <a:prstDash val="solid"/>
+          <a:miter lim="800000"/>
+        </a:ln>
+        <a:effectLst/>
+      </dsp:spPr>
+      <dsp:style>
+        <a:lnRef idx="2">
+          <a:scrgbClr r="0" g="0" b="0"/>
+        </a:lnRef>
+        <a:fillRef idx="1">
+          <a:scrgbClr r="0" g="0" b="0"/>
+        </a:fillRef>
+        <a:effectRef idx="0">
+          <a:scrgbClr r="0" g="0" b="0"/>
+        </a:effectRef>
+        <a:fontRef idx="minor">
+          <a:schemeClr val="lt1"/>
+        </a:fontRef>
+      </dsp:style>
+      <dsp:txBody>
+        <a:bodyPr spcFirstLastPara="0" vert="horz" wrap="square" lIns="50800" tIns="50800" rIns="50800" bIns="50800" numCol="1" spcCol="1270" anchor="ctr" anchorCtr="0">
+          <a:noAutofit/>
+        </a:bodyPr>
+        <a:lstStyle/>
+        <a:p>
+          <a:pPr marL="0" lvl="0" indent="0" algn="ctr" defTabSz="889000">
+            <a:lnSpc>
+              <a:spcPct val="90000"/>
+            </a:lnSpc>
+            <a:spcBef>
+              <a:spcPct val="0"/>
+            </a:spcBef>
+            <a:spcAft>
+              <a:spcPct val="35000"/>
+            </a:spcAft>
+            <a:buNone/>
+          </a:pPr>
+          <a:r>
+            <a:rPr lang="fr-CH" sz="2000" kern="1200"/>
+            <a:t>Messagerie</a:t>
+          </a:r>
+        </a:p>
+      </dsp:txBody>
+      <dsp:txXfrm>
+        <a:off x="6872104" y="4354235"/>
+        <a:ext cx="1442064" cy="840674"/>
+      </dsp:txXfrm>
+    </dsp:sp>
+    <dsp:sp modelId="{50EFE1DA-3322-404F-B5EF-EA237EED45B3}">
+      <dsp:nvSpPr>
+        <dsp:cNvPr id="0" name=""/>
+        <dsp:cNvSpPr/>
+      </dsp:nvSpPr>
+      <dsp:spPr>
+        <a:xfrm rot="21483273">
+          <a:off x="5121781" y="2691412"/>
+          <a:ext cx="1705335" cy="0"/>
+        </a:xfrm>
+        <a:custGeom>
+          <a:avLst/>
+          <a:gdLst/>
+          <a:ahLst/>
+          <a:cxnLst/>
+          <a:rect l="0" t="0" r="0" b="0"/>
+          <a:pathLst>
+            <a:path>
+              <a:moveTo>
+                <a:pt x="0" y="0"/>
+              </a:moveTo>
+              <a:lnTo>
+                <a:pt x="1705335" y="0"/>
+              </a:lnTo>
+            </a:path>
+          </a:pathLst>
+        </a:custGeom>
+        <a:noFill/>
+        <a:ln w="12700" cap="flat" cmpd="sng" algn="ctr">
+          <a:solidFill>
+            <a:schemeClr val="accent1">
+              <a:shade val="80000"/>
+              <a:hueOff val="0"/>
+              <a:satOff val="0"/>
+              <a:lumOff val="0"/>
+              <a:alphaOff val="0"/>
+            </a:schemeClr>
+          </a:solidFill>
+          <a:prstDash val="solid"/>
+          <a:miter lim="800000"/>
+        </a:ln>
+        <a:effectLst/>
+      </dsp:spPr>
+      <dsp:style>
+        <a:lnRef idx="2">
+          <a:scrgbClr r="0" g="0" b="0"/>
+        </a:lnRef>
+        <a:fillRef idx="0">
+          <a:scrgbClr r="0" g="0" b="0"/>
+        </a:fillRef>
+        <a:effectRef idx="0">
+          <a:scrgbClr r="0" g="0" b="0"/>
+        </a:effectRef>
+        <a:fontRef idx="minor"/>
+      </dsp:style>
+    </dsp:sp>
+    <dsp:sp modelId="{DCBC9C37-C79A-4B12-928E-728185CC12F0}">
+      <dsp:nvSpPr>
+        <dsp:cNvPr id="0" name=""/>
+        <dsp:cNvSpPr/>
+      </dsp:nvSpPr>
+      <dsp:spPr>
+        <a:xfrm>
+          <a:off x="6826626" y="2170614"/>
+          <a:ext cx="1533020" cy="931630"/>
+        </a:xfrm>
+        <a:prstGeom prst="roundRect">
+          <a:avLst/>
+        </a:prstGeom>
+        <a:solidFill>
+          <a:schemeClr val="accent2">
+            <a:lumMod val="75000"/>
+          </a:schemeClr>
+        </a:solidFill>
+        <a:ln w="12700" cap="flat" cmpd="sng" algn="ctr">
+          <a:solidFill>
+            <a:schemeClr val="lt1">
+              <a:hueOff val="0"/>
+              <a:satOff val="0"/>
+              <a:lumOff val="0"/>
+              <a:alphaOff val="0"/>
+            </a:schemeClr>
+          </a:solidFill>
+          <a:prstDash val="solid"/>
+          <a:miter lim="800000"/>
+        </a:ln>
+        <a:effectLst/>
+      </dsp:spPr>
+      <dsp:style>
+        <a:lnRef idx="2">
+          <a:scrgbClr r="0" g="0" b="0"/>
+        </a:lnRef>
+        <a:fillRef idx="1">
+          <a:scrgbClr r="0" g="0" b="0"/>
+        </a:fillRef>
+        <a:effectRef idx="0">
+          <a:scrgbClr r="0" g="0" b="0"/>
+        </a:effectRef>
+        <a:fontRef idx="minor">
+          <a:schemeClr val="lt1"/>
+        </a:fontRef>
+      </dsp:style>
+      <dsp:txBody>
+        <a:bodyPr spcFirstLastPara="0" vert="horz" wrap="square" lIns="50800" tIns="50800" rIns="50800" bIns="50800" numCol="1" spcCol="1270" anchor="ctr" anchorCtr="0">
+          <a:noAutofit/>
+        </a:bodyPr>
+        <a:lstStyle/>
+        <a:p>
+          <a:pPr marL="0" lvl="0" indent="0" algn="ctr" defTabSz="889000">
+            <a:lnSpc>
+              <a:spcPct val="90000"/>
+            </a:lnSpc>
+            <a:spcBef>
+              <a:spcPct val="0"/>
+            </a:spcBef>
+            <a:spcAft>
+              <a:spcPct val="35000"/>
+            </a:spcAft>
+            <a:buNone/>
+          </a:pPr>
+          <a:r>
+            <a:rPr lang="fr-CH" sz="2000" kern="1200"/>
+            <a:t>SearchItem</a:t>
+          </a:r>
+        </a:p>
+      </dsp:txBody>
+      <dsp:txXfrm>
+        <a:off x="6872104" y="2216092"/>
+        <a:ext cx="1442064" cy="840674"/>
+      </dsp:txXfrm>
+    </dsp:sp>
+    <dsp:sp modelId="{008F0249-3626-4458-8356-572AE8333DA7}">
+      <dsp:nvSpPr>
+        <dsp:cNvPr id="0" name=""/>
+        <dsp:cNvSpPr/>
+      </dsp:nvSpPr>
+      <dsp:spPr>
+        <a:xfrm rot="20129565">
+          <a:off x="5037897" y="2311016"/>
+          <a:ext cx="1873112" cy="0"/>
+        </a:xfrm>
+        <a:custGeom>
+          <a:avLst/>
+          <a:gdLst/>
+          <a:ahLst/>
+          <a:cxnLst/>
+          <a:rect l="0" t="0" r="0" b="0"/>
+          <a:pathLst>
+            <a:path>
+              <a:moveTo>
+                <a:pt x="0" y="0"/>
+              </a:moveTo>
+              <a:lnTo>
+                <a:pt x="1873112" y="0"/>
+              </a:lnTo>
+            </a:path>
+          </a:pathLst>
+        </a:custGeom>
+        <a:noFill/>
+        <a:ln w="12700" cap="flat" cmpd="sng" algn="ctr">
+          <a:solidFill>
+            <a:schemeClr val="accent1">
+              <a:shade val="80000"/>
+              <a:hueOff val="0"/>
+              <a:satOff val="0"/>
+              <a:lumOff val="0"/>
+              <a:alphaOff val="0"/>
+            </a:schemeClr>
+          </a:solidFill>
+          <a:prstDash val="solid"/>
+          <a:miter lim="800000"/>
+        </a:ln>
+        <a:effectLst/>
+      </dsp:spPr>
+      <dsp:style>
+        <a:lnRef idx="2">
+          <a:scrgbClr r="0" g="0" b="0"/>
+        </a:lnRef>
+        <a:fillRef idx="0">
+          <a:scrgbClr r="0" g="0" b="0"/>
+        </a:fillRef>
+        <a:effectRef idx="0">
+          <a:scrgbClr r="0" g="0" b="0"/>
+        </a:effectRef>
+        <a:fontRef idx="minor"/>
+      </dsp:style>
+    </dsp:sp>
+    <dsp:sp modelId="{395BAC34-3736-4CB8-8A00-0409D0ADC21E}">
+      <dsp:nvSpPr>
+        <dsp:cNvPr id="0" name=""/>
+        <dsp:cNvSpPr/>
+      </dsp:nvSpPr>
+      <dsp:spPr>
+        <a:xfrm>
+          <a:off x="6826634" y="1107273"/>
+          <a:ext cx="1533020" cy="931630"/>
+        </a:xfrm>
+        <a:prstGeom prst="roundRect">
+          <a:avLst/>
+        </a:prstGeom>
+        <a:solidFill>
+          <a:schemeClr val="accent2">
+            <a:lumMod val="75000"/>
+          </a:schemeClr>
+        </a:solidFill>
+        <a:ln w="12700" cap="flat" cmpd="sng" algn="ctr">
+          <a:solidFill>
+            <a:schemeClr val="lt1">
+              <a:hueOff val="0"/>
+              <a:satOff val="0"/>
+              <a:lumOff val="0"/>
+              <a:alphaOff val="0"/>
+            </a:schemeClr>
+          </a:solidFill>
+          <a:prstDash val="solid"/>
+          <a:miter lim="800000"/>
+        </a:ln>
+        <a:effectLst/>
+      </dsp:spPr>
+      <dsp:style>
+        <a:lnRef idx="2">
+          <a:scrgbClr r="0" g="0" b="0"/>
+        </a:lnRef>
+        <a:fillRef idx="1">
+          <a:scrgbClr r="0" g="0" b="0"/>
+        </a:fillRef>
+        <a:effectRef idx="0">
+          <a:scrgbClr r="0" g="0" b="0"/>
+        </a:effectRef>
+        <a:fontRef idx="minor">
+          <a:schemeClr val="lt1"/>
+        </a:fontRef>
+      </dsp:style>
+      <dsp:txBody>
+        <a:bodyPr spcFirstLastPara="0" vert="horz" wrap="square" lIns="50800" tIns="50800" rIns="50800" bIns="50800" numCol="1" spcCol="1270" anchor="ctr" anchorCtr="0">
+          <a:noAutofit/>
+        </a:bodyPr>
+        <a:lstStyle/>
+        <a:p>
+          <a:pPr marL="0" lvl="0" indent="0" algn="ctr" defTabSz="889000">
+            <a:lnSpc>
+              <a:spcPct val="90000"/>
+            </a:lnSpc>
+            <a:spcBef>
+              <a:spcPct val="0"/>
+            </a:spcBef>
+            <a:spcAft>
+              <a:spcPct val="35000"/>
+            </a:spcAft>
+            <a:buNone/>
+          </a:pPr>
+          <a:r>
+            <a:rPr lang="fr-CH" sz="2000" kern="1200" dirty="0"/>
+            <a:t>User</a:t>
+          </a:r>
+        </a:p>
+      </dsp:txBody>
+      <dsp:txXfrm>
+        <a:off x="6872112" y="1152751"/>
+        <a:ext cx="1442064" cy="840674"/>
+      </dsp:txXfrm>
+    </dsp:sp>
+    <dsp:sp modelId="{4E342F3C-2911-4AA7-BB51-A53BAB53DF05}">
+      <dsp:nvSpPr>
+        <dsp:cNvPr id="0" name=""/>
+        <dsp:cNvSpPr/>
+      </dsp:nvSpPr>
+      <dsp:spPr>
+        <a:xfrm rot="1250588">
+          <a:off x="5062599" y="3065300"/>
+          <a:ext cx="1823706" cy="0"/>
+        </a:xfrm>
+        <a:custGeom>
+          <a:avLst/>
+          <a:gdLst/>
+          <a:ahLst/>
+          <a:cxnLst/>
+          <a:rect l="0" t="0" r="0" b="0"/>
+          <a:pathLst>
+            <a:path>
+              <a:moveTo>
+                <a:pt x="0" y="0"/>
+              </a:moveTo>
+              <a:lnTo>
+                <a:pt x="1823706" y="0"/>
+              </a:lnTo>
+            </a:path>
+          </a:pathLst>
+        </a:custGeom>
+        <a:noFill/>
+        <a:ln w="12700" cap="flat" cmpd="sng" algn="ctr">
+          <a:solidFill>
+            <a:schemeClr val="accent1">
+              <a:shade val="80000"/>
+              <a:hueOff val="0"/>
+              <a:satOff val="0"/>
+              <a:lumOff val="0"/>
+              <a:alphaOff val="0"/>
+            </a:schemeClr>
+          </a:solidFill>
+          <a:prstDash val="solid"/>
+          <a:miter lim="800000"/>
+        </a:ln>
+        <a:effectLst/>
+      </dsp:spPr>
+      <dsp:style>
+        <a:lnRef idx="2">
+          <a:scrgbClr r="0" g="0" b="0"/>
+        </a:lnRef>
+        <a:fillRef idx="0">
+          <a:scrgbClr r="0" g="0" b="0"/>
+        </a:fillRef>
+        <a:effectRef idx="0">
+          <a:scrgbClr r="0" g="0" b="0"/>
+        </a:effectRef>
+        <a:fontRef idx="minor"/>
+      </dsp:style>
+    </dsp:sp>
+    <dsp:sp modelId="{8BF5EA40-677B-4F2C-AB78-BB82F1A7CE63}">
+      <dsp:nvSpPr>
+        <dsp:cNvPr id="0" name=""/>
+        <dsp:cNvSpPr/>
+      </dsp:nvSpPr>
+      <dsp:spPr>
+        <a:xfrm>
+          <a:off x="6826633" y="3215762"/>
+          <a:ext cx="1533020" cy="931630"/>
+        </a:xfrm>
+        <a:prstGeom prst="roundRect">
+          <a:avLst/>
+        </a:prstGeom>
+        <a:solidFill>
+          <a:schemeClr val="accent2">
+            <a:lumMod val="75000"/>
+          </a:schemeClr>
+        </a:solidFill>
+        <a:ln w="12700" cap="flat" cmpd="sng" algn="ctr">
+          <a:solidFill>
+            <a:schemeClr val="lt1">
+              <a:hueOff val="0"/>
+              <a:satOff val="0"/>
+              <a:lumOff val="0"/>
+              <a:alphaOff val="0"/>
+            </a:schemeClr>
+          </a:solidFill>
+          <a:prstDash val="solid"/>
+          <a:miter lim="800000"/>
+        </a:ln>
+        <a:effectLst/>
+      </dsp:spPr>
+      <dsp:style>
+        <a:lnRef idx="2">
+          <a:scrgbClr r="0" g="0" b="0"/>
+        </a:lnRef>
+        <a:fillRef idx="1">
+          <a:scrgbClr r="0" g="0" b="0"/>
+        </a:fillRef>
+        <a:effectRef idx="0">
+          <a:scrgbClr r="0" g="0" b="0"/>
+        </a:effectRef>
+        <a:fontRef idx="minor">
+          <a:schemeClr val="lt1"/>
+        </a:fontRef>
+      </dsp:style>
+      <dsp:txBody>
+        <a:bodyPr spcFirstLastPara="0" vert="horz" wrap="square" lIns="50800" tIns="50800" rIns="50800" bIns="50800" numCol="1" spcCol="1270" anchor="ctr" anchorCtr="0">
+          <a:noAutofit/>
+        </a:bodyPr>
+        <a:lstStyle/>
+        <a:p>
+          <a:pPr marL="0" lvl="0" indent="0" algn="ctr" defTabSz="889000">
+            <a:lnSpc>
+              <a:spcPct val="90000"/>
+            </a:lnSpc>
+            <a:spcBef>
+              <a:spcPct val="0"/>
+            </a:spcBef>
+            <a:spcAft>
+              <a:spcPct val="35000"/>
+            </a:spcAft>
+            <a:buNone/>
+          </a:pPr>
+          <a:r>
+            <a:rPr lang="fr-CH" sz="2000" kern="1200" dirty="0" err="1"/>
+            <a:t>AddAnnonce</a:t>
+          </a:r>
+          <a:endParaRPr lang="fr-CH" sz="2000" kern="1200" dirty="0"/>
+        </a:p>
+      </dsp:txBody>
+      <dsp:txXfrm>
+        <a:off x="6872111" y="3261240"/>
+        <a:ext cx="1442064" cy="840674"/>
+      </dsp:txXfrm>
+    </dsp:sp>
+    <dsp:sp modelId="{6C3586C0-3224-4092-9B7F-4A0B89EB2A92}">
+      <dsp:nvSpPr>
+        <dsp:cNvPr id="0" name=""/>
+        <dsp:cNvSpPr/>
+      </dsp:nvSpPr>
+      <dsp:spPr>
+        <a:xfrm>
+          <a:off x="2581445" y="3832684"/>
+          <a:ext cx="1269260" cy="1141836"/>
+        </a:xfrm>
+        <a:prstGeom prst="roundRect">
+          <a:avLst/>
+        </a:prstGeom>
+        <a:solidFill>
+          <a:srgbClr val="7030A0"/>
+        </a:solidFill>
+        <a:ln w="12700" cap="flat" cmpd="sng" algn="ctr">
+          <a:solidFill>
+            <a:schemeClr val="lt1">
+              <a:hueOff val="0"/>
+              <a:satOff val="0"/>
+              <a:lumOff val="0"/>
+              <a:alphaOff val="0"/>
+            </a:schemeClr>
+          </a:solidFill>
+          <a:prstDash val="solid"/>
+          <a:miter lim="800000"/>
+        </a:ln>
+        <a:effectLst/>
+      </dsp:spPr>
+      <dsp:style>
+        <a:lnRef idx="2">
+          <a:scrgbClr r="0" g="0" b="0"/>
+        </a:lnRef>
+        <a:fillRef idx="1">
+          <a:scrgbClr r="0" g="0" b="0"/>
+        </a:fillRef>
+        <a:effectRef idx="0">
+          <a:scrgbClr r="0" g="0" b="0"/>
+        </a:effectRef>
+        <a:fontRef idx="minor">
+          <a:schemeClr val="lt1"/>
+        </a:fontRef>
+      </dsp:style>
+      <dsp:txBody>
+        <a:bodyPr spcFirstLastPara="0" vert="horz" wrap="square" lIns="63500" tIns="63500" rIns="63500" bIns="63500" numCol="1" spcCol="1270" anchor="ctr" anchorCtr="0">
+          <a:noAutofit/>
+        </a:bodyPr>
+        <a:lstStyle/>
+        <a:p>
+          <a:pPr marL="0" lvl="0" indent="0" algn="ctr" defTabSz="1111250">
+            <a:lnSpc>
+              <a:spcPct val="90000"/>
+            </a:lnSpc>
+            <a:spcBef>
+              <a:spcPct val="0"/>
+            </a:spcBef>
+            <a:spcAft>
+              <a:spcPct val="35000"/>
+            </a:spcAft>
+            <a:buNone/>
+          </a:pPr>
+          <a:r>
+            <a:rPr lang="fr-CH" sz="2500" kern="1200"/>
+            <a:t>Web-UI</a:t>
+          </a:r>
+        </a:p>
+      </dsp:txBody>
+      <dsp:txXfrm>
+        <a:off x="2637185" y="3888424"/>
+        <a:ext cx="1157780" cy="1030356"/>
+      </dsp:txXfrm>
+    </dsp:sp>
+    <dsp:sp modelId="{25768885-6B52-4B7E-B734-C653967E0F33}">
+      <dsp:nvSpPr>
+        <dsp:cNvPr id="0" name=""/>
+        <dsp:cNvSpPr/>
+      </dsp:nvSpPr>
+      <dsp:spPr>
+        <a:xfrm>
+          <a:off x="0" y="2108017"/>
+          <a:ext cx="1113106" cy="1220177"/>
+        </a:xfrm>
+        <a:prstGeom prst="roundRect">
+          <a:avLst/>
+        </a:prstGeom>
+        <a:solidFill>
+          <a:schemeClr val="accent1">
+            <a:hueOff val="0"/>
+            <a:satOff val="0"/>
+            <a:lumOff val="0"/>
+            <a:alphaOff val="0"/>
+          </a:schemeClr>
+        </a:solidFill>
+        <a:ln w="12700" cap="flat" cmpd="sng" algn="ctr">
+          <a:solidFill>
+            <a:schemeClr val="lt1">
+              <a:hueOff val="0"/>
+              <a:satOff val="0"/>
+              <a:lumOff val="0"/>
+              <a:alphaOff val="0"/>
+            </a:schemeClr>
+          </a:solidFill>
+          <a:prstDash val="solid"/>
+          <a:miter lim="800000"/>
+        </a:ln>
+        <a:effectLst/>
+      </dsp:spPr>
+      <dsp:style>
+        <a:lnRef idx="2">
+          <a:scrgbClr r="0" g="0" b="0"/>
+        </a:lnRef>
+        <a:fillRef idx="1">
+          <a:scrgbClr r="0" g="0" b="0"/>
+        </a:fillRef>
+        <a:effectRef idx="0">
+          <a:scrgbClr r="0" g="0" b="0"/>
+        </a:effectRef>
+        <a:fontRef idx="minor">
+          <a:schemeClr val="lt1"/>
+        </a:fontRef>
+      </dsp:style>
+      <dsp:txBody>
+        <a:bodyPr spcFirstLastPara="0" vert="horz" wrap="square" lIns="60960" tIns="60960" rIns="60960" bIns="60960" numCol="1" spcCol="1270" anchor="ctr" anchorCtr="0">
+          <a:noAutofit/>
+        </a:bodyPr>
+        <a:lstStyle/>
+        <a:p>
+          <a:pPr marL="0" lvl="0" indent="0" algn="ctr" defTabSz="1066800">
+            <a:lnSpc>
+              <a:spcPct val="90000"/>
+            </a:lnSpc>
+            <a:spcBef>
+              <a:spcPct val="0"/>
+            </a:spcBef>
+            <a:spcAft>
+              <a:spcPct val="35000"/>
+            </a:spcAft>
+            <a:buNone/>
+          </a:pPr>
+          <a:r>
+            <a:rPr lang="fr-CH" sz="2400" kern="1200" dirty="0"/>
             <a:t>Client</a:t>
           </a:r>
         </a:p>
       </dsp:txBody>
       <dsp:txXfrm>
-        <a:off x="49061" y="2377272"/>
-        <a:ext cx="719144" cy="719144"/>
+        <a:off x="54337" y="2162354"/>
+        <a:ext cx="1004432" cy="1111503"/>
       </dsp:txXfrm>
     </dsp:sp>
   </dsp:spTree>
@@ -7493,7 +7303,7 @@
           <a:p>
             <a:fld id="{113C925E-3647-46E9-8032-95FC2461D89E}" type="datetimeFigureOut">
               <a:rPr lang="fr-CH" smtClean="0"/>
-              <a:t>09.04.2019</a:t>
+              <a:t>11.04.2019</a:t>
             </a:fld>
             <a:endParaRPr lang="fr-CH"/>
           </a:p>
@@ -7807,13 +7617,7 @@
           <a:p>
             <a:r>
               <a:rPr lang="fr-CH" dirty="0"/>
-              <a:t>Difficulté trouver article spécifique à l’Université à de bas prix</a:t>
-            </a:r>
-          </a:p>
-          <a:p>
-            <a:r>
-              <a:rPr lang="fr-CH" dirty="0"/>
-              <a:t>peu de confiance</a:t>
+              <a:t>P - But : Par notre site, facilité la vie universitaire en la rendant moins cher</a:t>
             </a:r>
           </a:p>
         </p:txBody>
@@ -7835,7 +7639,7 @@
           <a:p>
             <a:fld id="{23E8E429-A922-49C7-ACCE-C5D0493CD5A5}" type="slidenum">
               <a:rPr lang="fr-CH" smtClean="0"/>
-              <a:t>2</a:t>
+              <a:t>1</a:t>
             </a:fld>
             <a:endParaRPr lang="fr-CH"/>
           </a:p>
@@ -7844,7 +7648,1378 @@
     </p:spTree>
     <p:extLst>
       <p:ext uri="{BB962C8B-B14F-4D97-AF65-F5344CB8AC3E}">
-        <p14:creationId xmlns:p14="http://schemas.microsoft.com/office/powerpoint/2010/main" val="4049884344"/>
+        <p14:creationId xmlns:p14="http://schemas.microsoft.com/office/powerpoint/2010/main" val="665774297"/>
+      </p:ext>
+    </p:extLst>
+  </p:cSld>
+  <p:clrMapOvr>
+    <a:masterClrMapping/>
+  </p:clrMapOvr>
+</p:notes>
+</file>
+
+<file path=ppt/notesSlides/notesSlide10.xml><?xml version="1.0" encoding="utf-8"?>
+<p:notes xmlns:a="http://schemas.openxmlformats.org/drawingml/2006/main" xmlns:r="http://schemas.openxmlformats.org/officeDocument/2006/relationships" xmlns:p="http://schemas.openxmlformats.org/presentationml/2006/main">
+  <p:cSld>
+    <p:spTree>
+      <p:nvGrpSpPr>
+        <p:cNvPr id="1" name=""/>
+        <p:cNvGrpSpPr/>
+        <p:nvPr/>
+      </p:nvGrpSpPr>
+      <p:grpSpPr>
+        <a:xfrm>
+          <a:off x="0" y="0"/>
+          <a:ext cx="0" cy="0"/>
+          <a:chOff x="0" y="0"/>
+          <a:chExt cx="0" cy="0"/>
+        </a:xfrm>
+      </p:grpSpPr>
+      <p:sp>
+        <p:nvSpPr>
+          <p:cNvPr id="2" name="Espace réservé de l'image des diapositives 1"/>
+          <p:cNvSpPr>
+            <a:spLocks noGrp="1" noRot="1" noChangeAspect="1"/>
+          </p:cNvSpPr>
+          <p:nvPr>
+            <p:ph type="sldImg"/>
+          </p:nvPr>
+        </p:nvSpPr>
+        <p:spPr/>
+      </p:sp>
+      <p:sp>
+        <p:nvSpPr>
+          <p:cNvPr id="3" name="Espace réservé des notes 2"/>
+          <p:cNvSpPr>
+            <a:spLocks noGrp="1"/>
+          </p:cNvSpPr>
+          <p:nvPr>
+            <p:ph type="body" idx="1"/>
+          </p:nvPr>
+        </p:nvSpPr>
+        <p:spPr/>
+        <p:txBody>
+          <a:bodyPr/>
+          <a:lstStyle/>
+          <a:p>
+            <a:pPr marL="0" marR="0" lvl="0" indent="0" algn="l" defTabSz="914400" rtl="0" eaLnBrk="1" fontAlgn="auto" latinLnBrk="0" hangingPunct="1">
+              <a:lnSpc>
+                <a:spcPct val="100000"/>
+              </a:lnSpc>
+              <a:spcBef>
+                <a:spcPts val="0"/>
+              </a:spcBef>
+              <a:spcAft>
+                <a:spcPts val="0"/>
+              </a:spcAft>
+              <a:buClrTx/>
+              <a:buSzTx/>
+              <a:buFontTx/>
+              <a:buNone/>
+              <a:tabLst/>
+              <a:defRPr/>
+            </a:pPr>
+            <a:r>
+              <a:rPr lang="fr-CH" dirty="0"/>
+              <a:t>Étudiant ne peuvent pas travailler </a:t>
+            </a:r>
+            <a:r>
+              <a:rPr lang="fr-CH" dirty="0">
+                <a:sym typeface="Wingdings" panose="05000000000000000000" pitchFamily="2" charset="2"/>
+              </a:rPr>
+              <a:t> </a:t>
+            </a:r>
+            <a:r>
+              <a:rPr lang="fr-CH" dirty="0" err="1">
+                <a:sym typeface="Wingdings" panose="05000000000000000000" pitchFamily="2" charset="2"/>
+              </a:rPr>
+              <a:t>etudes</a:t>
+            </a:r>
+            <a:r>
+              <a:rPr lang="fr-CH" dirty="0">
+                <a:sym typeface="Wingdings" panose="05000000000000000000" pitchFamily="2" charset="2"/>
+              </a:rPr>
+              <a:t> cher</a:t>
+            </a:r>
+            <a:endParaRPr lang="fr-CH" dirty="0"/>
+          </a:p>
+          <a:p>
+            <a:r>
+              <a:rPr lang="fr-CH" dirty="0"/>
+              <a:t>1</a:t>
+            </a:r>
+            <a:r>
+              <a:rPr lang="fr-CH" baseline="30000" dirty="0"/>
+              <a:t>er</a:t>
+            </a:r>
+            <a:r>
+              <a:rPr lang="fr-CH" dirty="0"/>
+              <a:t> en Psycho : 8 livres</a:t>
+            </a:r>
+          </a:p>
+          <a:p>
+            <a:r>
+              <a:rPr lang="fr-CH" dirty="0"/>
+              <a:t>240’000 étudiant universitaire en Suisse</a:t>
+            </a:r>
+          </a:p>
+          <a:p>
+            <a:endParaRPr lang="fr-CH" dirty="0"/>
+          </a:p>
+        </p:txBody>
+      </p:sp>
+      <p:sp>
+        <p:nvSpPr>
+          <p:cNvPr id="4" name="Espace réservé du numéro de diapositive 3"/>
+          <p:cNvSpPr>
+            <a:spLocks noGrp="1"/>
+          </p:cNvSpPr>
+          <p:nvPr>
+            <p:ph type="sldNum" sz="quarter" idx="5"/>
+          </p:nvPr>
+        </p:nvSpPr>
+        <p:spPr/>
+        <p:txBody>
+          <a:bodyPr/>
+          <a:lstStyle/>
+          <a:p>
+            <a:fld id="{23E8E429-A922-49C7-ACCE-C5D0493CD5A5}" type="slidenum">
+              <a:rPr lang="fr-CH" smtClean="0"/>
+              <a:t>10</a:t>
+            </a:fld>
+            <a:endParaRPr lang="fr-CH"/>
+          </a:p>
+        </p:txBody>
+      </p:sp>
+    </p:spTree>
+    <p:extLst>
+      <p:ext uri="{BB962C8B-B14F-4D97-AF65-F5344CB8AC3E}">
+        <p14:creationId xmlns:p14="http://schemas.microsoft.com/office/powerpoint/2010/main" val="3958626166"/>
+      </p:ext>
+    </p:extLst>
+  </p:cSld>
+  <p:clrMapOvr>
+    <a:masterClrMapping/>
+  </p:clrMapOvr>
+</p:notes>
+</file>
+
+<file path=ppt/notesSlides/notesSlide11.xml><?xml version="1.0" encoding="utf-8"?>
+<p:notes xmlns:a="http://schemas.openxmlformats.org/drawingml/2006/main" xmlns:r="http://schemas.openxmlformats.org/officeDocument/2006/relationships" xmlns:p="http://schemas.openxmlformats.org/presentationml/2006/main">
+  <p:cSld>
+    <p:spTree>
+      <p:nvGrpSpPr>
+        <p:cNvPr id="1" name=""/>
+        <p:cNvGrpSpPr/>
+        <p:nvPr/>
+      </p:nvGrpSpPr>
+      <p:grpSpPr>
+        <a:xfrm>
+          <a:off x="0" y="0"/>
+          <a:ext cx="0" cy="0"/>
+          <a:chOff x="0" y="0"/>
+          <a:chExt cx="0" cy="0"/>
+        </a:xfrm>
+      </p:grpSpPr>
+      <p:sp>
+        <p:nvSpPr>
+          <p:cNvPr id="2" name="Espace réservé de l'image des diapositives 1"/>
+          <p:cNvSpPr>
+            <a:spLocks noGrp="1" noRot="1" noChangeAspect="1"/>
+          </p:cNvSpPr>
+          <p:nvPr>
+            <p:ph type="sldImg"/>
+          </p:nvPr>
+        </p:nvSpPr>
+        <p:spPr/>
+      </p:sp>
+      <p:sp>
+        <p:nvSpPr>
+          <p:cNvPr id="3" name="Espace réservé des notes 2"/>
+          <p:cNvSpPr>
+            <a:spLocks noGrp="1"/>
+          </p:cNvSpPr>
+          <p:nvPr>
+            <p:ph type="body" idx="1"/>
+          </p:nvPr>
+        </p:nvSpPr>
+        <p:spPr/>
+        <p:txBody>
+          <a:bodyPr/>
+          <a:lstStyle/>
+          <a:p>
+            <a:r>
+              <a:rPr lang="fr-CH" dirty="0"/>
+              <a:t>Enjeu de notre projet: </a:t>
+            </a:r>
+          </a:p>
+          <a:p>
+            <a:r>
+              <a:rPr lang="fr-CH" dirty="0"/>
+              <a:t>Pour utilisateur UNI :</a:t>
+            </a:r>
+          </a:p>
+          <a:p>
+            <a:pPr lvl="1"/>
+            <a:r>
+              <a:rPr lang="fr-CH" dirty="0"/>
+              <a:t>Économie</a:t>
+            </a:r>
+          </a:p>
+          <a:p>
+            <a:pPr lvl="1"/>
+            <a:r>
+              <a:rPr lang="fr-CH" dirty="0"/>
+              <a:t>Écologie (image de l’uni)</a:t>
+            </a:r>
+          </a:p>
+          <a:p>
+            <a:pPr lvl="1"/>
+            <a:r>
+              <a:rPr lang="fr-CH" dirty="0"/>
+              <a:t>Cohésion membres (confiance)</a:t>
+            </a:r>
+          </a:p>
+          <a:p>
+            <a:pPr marL="457200" marR="0" lvl="1" indent="0" algn="l" defTabSz="914400" rtl="0" eaLnBrk="1" fontAlgn="auto" latinLnBrk="0" hangingPunct="1">
+              <a:lnSpc>
+                <a:spcPct val="100000"/>
+              </a:lnSpc>
+              <a:spcBef>
+                <a:spcPts val="0"/>
+              </a:spcBef>
+              <a:spcAft>
+                <a:spcPts val="0"/>
+              </a:spcAft>
+              <a:buClrTx/>
+              <a:buSzTx/>
+              <a:buFontTx/>
+              <a:buNone/>
+              <a:tabLst/>
+              <a:defRPr/>
+            </a:pPr>
+            <a:r>
+              <a:rPr lang="fr-CH" dirty="0"/>
+              <a:t>Bien être des étudiants </a:t>
+            </a:r>
+          </a:p>
+          <a:p>
+            <a:pPr lvl="1"/>
+            <a:endParaRPr lang="fr-CH" dirty="0"/>
+          </a:p>
+          <a:p>
+            <a:r>
+              <a:rPr lang="fr-CH" dirty="0"/>
+              <a:t>Bénéfice pour les investisseurs</a:t>
+            </a:r>
+          </a:p>
+          <a:p>
+            <a:r>
+              <a:rPr lang="fr-CH" dirty="0"/>
+              <a:t>Comment gagner de l’argent: </a:t>
+            </a:r>
+          </a:p>
+          <a:p>
+            <a:pPr lvl="1"/>
+            <a:r>
+              <a:rPr lang="fr-CH" dirty="0"/>
+              <a:t>Statistique ciblé sur chaque utilisateur et objet </a:t>
+            </a:r>
+            <a:r>
+              <a:rPr lang="fr-CH" dirty="0">
+                <a:sym typeface="Wingdings" panose="05000000000000000000" pitchFamily="2" charset="2"/>
+              </a:rPr>
+              <a:t> revente informations (pubs)</a:t>
+            </a:r>
+            <a:endParaRPr lang="fr-CH" dirty="0"/>
+          </a:p>
+        </p:txBody>
+      </p:sp>
+      <p:sp>
+        <p:nvSpPr>
+          <p:cNvPr id="4" name="Espace réservé du numéro de diapositive 3"/>
+          <p:cNvSpPr>
+            <a:spLocks noGrp="1"/>
+          </p:cNvSpPr>
+          <p:nvPr>
+            <p:ph type="sldNum" sz="quarter" idx="5"/>
+          </p:nvPr>
+        </p:nvSpPr>
+        <p:spPr/>
+        <p:txBody>
+          <a:bodyPr/>
+          <a:lstStyle/>
+          <a:p>
+            <a:fld id="{23E8E429-A922-49C7-ACCE-C5D0493CD5A5}" type="slidenum">
+              <a:rPr lang="fr-CH" smtClean="0"/>
+              <a:t>11</a:t>
+            </a:fld>
+            <a:endParaRPr lang="fr-CH"/>
+          </a:p>
+        </p:txBody>
+      </p:sp>
+    </p:spTree>
+    <p:extLst>
+      <p:ext uri="{BB962C8B-B14F-4D97-AF65-F5344CB8AC3E}">
+        <p14:creationId xmlns:p14="http://schemas.microsoft.com/office/powerpoint/2010/main" val="168411365"/>
+      </p:ext>
+    </p:extLst>
+  </p:cSld>
+  <p:clrMapOvr>
+    <a:masterClrMapping/>
+  </p:clrMapOvr>
+</p:notes>
+</file>
+
+<file path=ppt/notesSlides/notesSlide12.xml><?xml version="1.0" encoding="utf-8"?>
+<p:notes xmlns:a="http://schemas.openxmlformats.org/drawingml/2006/main" xmlns:r="http://schemas.openxmlformats.org/officeDocument/2006/relationships" xmlns:p="http://schemas.openxmlformats.org/presentationml/2006/main">
+  <p:cSld>
+    <p:spTree>
+      <p:nvGrpSpPr>
+        <p:cNvPr id="1" name=""/>
+        <p:cNvGrpSpPr/>
+        <p:nvPr/>
+      </p:nvGrpSpPr>
+      <p:grpSpPr>
+        <a:xfrm>
+          <a:off x="0" y="0"/>
+          <a:ext cx="0" cy="0"/>
+          <a:chOff x="0" y="0"/>
+          <a:chExt cx="0" cy="0"/>
+        </a:xfrm>
+      </p:grpSpPr>
+      <p:sp>
+        <p:nvSpPr>
+          <p:cNvPr id="2" name="Espace réservé de l'image des diapositives 1"/>
+          <p:cNvSpPr>
+            <a:spLocks noGrp="1" noRot="1" noChangeAspect="1"/>
+          </p:cNvSpPr>
+          <p:nvPr>
+            <p:ph type="sldImg"/>
+          </p:nvPr>
+        </p:nvSpPr>
+        <p:spPr/>
+      </p:sp>
+      <p:sp>
+        <p:nvSpPr>
+          <p:cNvPr id="3" name="Espace réservé des notes 2"/>
+          <p:cNvSpPr>
+            <a:spLocks noGrp="1"/>
+          </p:cNvSpPr>
+          <p:nvPr>
+            <p:ph type="body" idx="1"/>
+          </p:nvPr>
+        </p:nvSpPr>
+        <p:spPr/>
+        <p:txBody>
+          <a:bodyPr/>
+          <a:lstStyle/>
+          <a:p>
+            <a:r>
+              <a:rPr lang="fr-CH" dirty="0"/>
+              <a:t>Ce qui nous différencie des concurrents:</a:t>
+            </a:r>
+          </a:p>
+          <a:p>
+            <a:r>
+              <a:rPr lang="fr-CH" dirty="0"/>
+              <a:t>-   Vente d’objets spécifique a l’université</a:t>
+            </a:r>
+          </a:p>
+          <a:p>
+            <a:pPr marL="171450" indent="-171450">
+              <a:buFontTx/>
+              <a:buChar char="-"/>
+            </a:pPr>
+            <a:r>
+              <a:rPr lang="fr-CH" dirty="0"/>
+              <a:t>Facilité d’utilisation</a:t>
+            </a:r>
+          </a:p>
+          <a:p>
+            <a:pPr marL="171450" indent="-171450">
+              <a:buFontTx/>
+              <a:buChar char="-"/>
+            </a:pPr>
+            <a:endParaRPr lang="fr-CH" dirty="0"/>
+          </a:p>
+          <a:p>
+            <a:pPr marL="171450" indent="-171450">
+              <a:buFontTx/>
+              <a:buChar char="-"/>
+            </a:pPr>
+            <a:r>
+              <a:rPr lang="fr-CH" dirty="0"/>
+              <a:t>En ce qui concerne braderie: pourrait inclure </a:t>
+            </a:r>
+            <a:r>
+              <a:rPr lang="fr-CH" dirty="0" err="1"/>
+              <a:t>event</a:t>
+            </a:r>
+            <a:r>
+              <a:rPr lang="fr-CH" dirty="0"/>
+              <a:t> de braderie dans site – plus de visibilité pour braderie, plus de click pour le site</a:t>
+            </a:r>
+          </a:p>
+        </p:txBody>
+      </p:sp>
+      <p:sp>
+        <p:nvSpPr>
+          <p:cNvPr id="4" name="Espace réservé du numéro de diapositive 3"/>
+          <p:cNvSpPr>
+            <a:spLocks noGrp="1"/>
+          </p:cNvSpPr>
+          <p:nvPr>
+            <p:ph type="sldNum" sz="quarter" idx="5"/>
+          </p:nvPr>
+        </p:nvSpPr>
+        <p:spPr/>
+        <p:txBody>
+          <a:bodyPr/>
+          <a:lstStyle/>
+          <a:p>
+            <a:fld id="{23E8E429-A922-49C7-ACCE-C5D0493CD5A5}" type="slidenum">
+              <a:rPr lang="fr-CH" smtClean="0"/>
+              <a:t>12</a:t>
+            </a:fld>
+            <a:endParaRPr lang="fr-CH"/>
+          </a:p>
+        </p:txBody>
+      </p:sp>
+    </p:spTree>
+    <p:extLst>
+      <p:ext uri="{BB962C8B-B14F-4D97-AF65-F5344CB8AC3E}">
+        <p14:creationId xmlns:p14="http://schemas.microsoft.com/office/powerpoint/2010/main" val="3135201320"/>
+      </p:ext>
+    </p:extLst>
+  </p:cSld>
+  <p:clrMapOvr>
+    <a:masterClrMapping/>
+  </p:clrMapOvr>
+</p:notes>
+</file>
+
+<file path=ppt/notesSlides/notesSlide13.xml><?xml version="1.0" encoding="utf-8"?>
+<p:notes xmlns:a="http://schemas.openxmlformats.org/drawingml/2006/main" xmlns:r="http://schemas.openxmlformats.org/officeDocument/2006/relationships" xmlns:p="http://schemas.openxmlformats.org/presentationml/2006/main">
+  <p:cSld>
+    <p:spTree>
+      <p:nvGrpSpPr>
+        <p:cNvPr id="1" name=""/>
+        <p:cNvGrpSpPr/>
+        <p:nvPr/>
+      </p:nvGrpSpPr>
+      <p:grpSpPr>
+        <a:xfrm>
+          <a:off x="0" y="0"/>
+          <a:ext cx="0" cy="0"/>
+          <a:chOff x="0" y="0"/>
+          <a:chExt cx="0" cy="0"/>
+        </a:xfrm>
+      </p:grpSpPr>
+      <p:sp>
+        <p:nvSpPr>
+          <p:cNvPr id="2" name="Espace réservé de l'image des diapositives 1"/>
+          <p:cNvSpPr>
+            <a:spLocks noGrp="1" noRot="1" noChangeAspect="1"/>
+          </p:cNvSpPr>
+          <p:nvPr>
+            <p:ph type="sldImg"/>
+          </p:nvPr>
+        </p:nvSpPr>
+        <p:spPr/>
+      </p:sp>
+      <p:sp>
+        <p:nvSpPr>
+          <p:cNvPr id="3" name="Espace réservé des notes 2"/>
+          <p:cNvSpPr>
+            <a:spLocks noGrp="1"/>
+          </p:cNvSpPr>
+          <p:nvPr>
+            <p:ph type="body" idx="1"/>
+          </p:nvPr>
+        </p:nvSpPr>
+        <p:spPr/>
+        <p:txBody>
+          <a:bodyPr/>
+          <a:lstStyle/>
+          <a:p>
+            <a:r>
+              <a:rPr lang="fr-CH" dirty="0"/>
+              <a:t>Les potentiels risques:</a:t>
+            </a:r>
+          </a:p>
+          <a:p>
+            <a:pPr marL="171450" indent="-171450">
+              <a:buFontTx/>
+              <a:buChar char="-"/>
+            </a:pPr>
+            <a:r>
+              <a:rPr lang="fr-CH" dirty="0"/>
+              <a:t>Un collab malade / se fait la malle  -&gt; remplacement du travail a effectuer par le personnel volant</a:t>
+            </a:r>
+          </a:p>
+          <a:p>
+            <a:pPr marL="171450" indent="-171450">
+              <a:buFontTx/>
+              <a:buChar char="-"/>
+            </a:pPr>
+            <a:r>
+              <a:rPr lang="fr-CH" dirty="0"/>
+              <a:t>Manque de connaissance (principal risque) -&gt; temps / renseignements</a:t>
+            </a:r>
+          </a:p>
+          <a:p>
+            <a:pPr marL="171450" indent="-171450">
+              <a:buFontTx/>
+              <a:buChar char="-"/>
+            </a:pPr>
+            <a:r>
+              <a:rPr lang="fr-CH" dirty="0"/>
+              <a:t>Problème de management de groupe (cohésion, </a:t>
+            </a:r>
+            <a:r>
+              <a:rPr lang="fr-CH" dirty="0" err="1"/>
+              <a:t>branlots</a:t>
+            </a:r>
+            <a:r>
+              <a:rPr lang="fr-CH" dirty="0"/>
+              <a:t>) -&gt; [méthodes </a:t>
+            </a:r>
+            <a:r>
+              <a:rPr lang="fr-CH" dirty="0" err="1"/>
+              <a:t>scrum</a:t>
+            </a:r>
+            <a:r>
+              <a:rPr lang="fr-CH" dirty="0"/>
+              <a:t> (</a:t>
+            </a:r>
+            <a:r>
+              <a:rPr lang="fr-CH" dirty="0" err="1"/>
+              <a:t>tte</a:t>
+            </a:r>
+            <a:r>
+              <a:rPr lang="fr-CH" dirty="0"/>
+              <a:t> les 2 </a:t>
+            </a:r>
+            <a:r>
+              <a:rPr lang="fr-CH" dirty="0" err="1"/>
+              <a:t>sem</a:t>
+            </a:r>
+            <a:r>
+              <a:rPr lang="fr-CH" dirty="0"/>
+              <a:t> sprint)] planning (</a:t>
+            </a:r>
+            <a:r>
+              <a:rPr lang="fr-CH" dirty="0" err="1"/>
+              <a:t>methode</a:t>
+            </a:r>
+            <a:r>
+              <a:rPr lang="fr-CH" dirty="0"/>
+              <a:t> agile)</a:t>
+            </a:r>
+          </a:p>
+        </p:txBody>
+      </p:sp>
+      <p:sp>
+        <p:nvSpPr>
+          <p:cNvPr id="4" name="Espace réservé du numéro de diapositive 3"/>
+          <p:cNvSpPr>
+            <a:spLocks noGrp="1"/>
+          </p:cNvSpPr>
+          <p:nvPr>
+            <p:ph type="sldNum" sz="quarter" idx="5"/>
+          </p:nvPr>
+        </p:nvSpPr>
+        <p:spPr/>
+        <p:txBody>
+          <a:bodyPr/>
+          <a:lstStyle/>
+          <a:p>
+            <a:fld id="{23E8E429-A922-49C7-ACCE-C5D0493CD5A5}" type="slidenum">
+              <a:rPr lang="fr-CH" smtClean="0"/>
+              <a:t>13</a:t>
+            </a:fld>
+            <a:endParaRPr lang="fr-CH"/>
+          </a:p>
+        </p:txBody>
+      </p:sp>
+    </p:spTree>
+    <p:extLst>
+      <p:ext uri="{BB962C8B-B14F-4D97-AF65-F5344CB8AC3E}">
+        <p14:creationId xmlns:p14="http://schemas.microsoft.com/office/powerpoint/2010/main" val="3799119175"/>
+      </p:ext>
+    </p:extLst>
+  </p:cSld>
+  <p:clrMapOvr>
+    <a:masterClrMapping/>
+  </p:clrMapOvr>
+</p:notes>
+</file>
+
+<file path=ppt/notesSlides/notesSlide14.xml><?xml version="1.0" encoding="utf-8"?>
+<p:notes xmlns:a="http://schemas.openxmlformats.org/drawingml/2006/main" xmlns:r="http://schemas.openxmlformats.org/officeDocument/2006/relationships" xmlns:p="http://schemas.openxmlformats.org/presentationml/2006/main">
+  <p:cSld>
+    <p:spTree>
+      <p:nvGrpSpPr>
+        <p:cNvPr id="1" name=""/>
+        <p:cNvGrpSpPr/>
+        <p:nvPr/>
+      </p:nvGrpSpPr>
+      <p:grpSpPr>
+        <a:xfrm>
+          <a:off x="0" y="0"/>
+          <a:ext cx="0" cy="0"/>
+          <a:chOff x="0" y="0"/>
+          <a:chExt cx="0" cy="0"/>
+        </a:xfrm>
+      </p:grpSpPr>
+      <p:sp>
+        <p:nvSpPr>
+          <p:cNvPr id="2" name="Espace réservé de l'image des diapositives 1"/>
+          <p:cNvSpPr>
+            <a:spLocks noGrp="1" noRot="1" noChangeAspect="1"/>
+          </p:cNvSpPr>
+          <p:nvPr>
+            <p:ph type="sldImg"/>
+          </p:nvPr>
+        </p:nvSpPr>
+        <p:spPr/>
+      </p:sp>
+      <p:sp>
+        <p:nvSpPr>
+          <p:cNvPr id="3" name="Espace réservé des notes 2"/>
+          <p:cNvSpPr>
+            <a:spLocks noGrp="1"/>
+          </p:cNvSpPr>
+          <p:nvPr>
+            <p:ph type="body" idx="1"/>
+          </p:nvPr>
+        </p:nvSpPr>
+        <p:spPr/>
+        <p:txBody>
+          <a:bodyPr/>
+          <a:lstStyle/>
+          <a:p>
+            <a:r>
+              <a:rPr lang="fr-CH" dirty="0" err="1"/>
+              <a:t>Deployement</a:t>
+            </a:r>
+            <a:r>
+              <a:rPr lang="fr-CH" dirty="0"/>
+              <a:t> de l’application pour juin 2019</a:t>
+            </a:r>
+          </a:p>
+        </p:txBody>
+      </p:sp>
+      <p:sp>
+        <p:nvSpPr>
+          <p:cNvPr id="4" name="Espace réservé du numéro de diapositive 3"/>
+          <p:cNvSpPr>
+            <a:spLocks noGrp="1"/>
+          </p:cNvSpPr>
+          <p:nvPr>
+            <p:ph type="sldNum" sz="quarter" idx="5"/>
+          </p:nvPr>
+        </p:nvSpPr>
+        <p:spPr/>
+        <p:txBody>
+          <a:bodyPr/>
+          <a:lstStyle/>
+          <a:p>
+            <a:fld id="{23E8E429-A922-49C7-ACCE-C5D0493CD5A5}" type="slidenum">
+              <a:rPr lang="fr-CH" smtClean="0"/>
+              <a:t>14</a:t>
+            </a:fld>
+            <a:endParaRPr lang="fr-CH"/>
+          </a:p>
+        </p:txBody>
+      </p:sp>
+    </p:spTree>
+    <p:extLst>
+      <p:ext uri="{BB962C8B-B14F-4D97-AF65-F5344CB8AC3E}">
+        <p14:creationId xmlns:p14="http://schemas.microsoft.com/office/powerpoint/2010/main" val="4278466619"/>
+      </p:ext>
+    </p:extLst>
+  </p:cSld>
+  <p:clrMapOvr>
+    <a:masterClrMapping/>
+  </p:clrMapOvr>
+</p:notes>
+</file>
+
+<file path=ppt/notesSlides/notesSlide15.xml><?xml version="1.0" encoding="utf-8"?>
+<p:notes xmlns:a="http://schemas.openxmlformats.org/drawingml/2006/main" xmlns:r="http://schemas.openxmlformats.org/officeDocument/2006/relationships" xmlns:p="http://schemas.openxmlformats.org/presentationml/2006/main">
+  <p:cSld>
+    <p:spTree>
+      <p:nvGrpSpPr>
+        <p:cNvPr id="1" name=""/>
+        <p:cNvGrpSpPr/>
+        <p:nvPr/>
+      </p:nvGrpSpPr>
+      <p:grpSpPr>
+        <a:xfrm>
+          <a:off x="0" y="0"/>
+          <a:ext cx="0" cy="0"/>
+          <a:chOff x="0" y="0"/>
+          <a:chExt cx="0" cy="0"/>
+        </a:xfrm>
+      </p:grpSpPr>
+      <p:sp>
+        <p:nvSpPr>
+          <p:cNvPr id="2" name="Espace réservé de l'image des diapositives 1"/>
+          <p:cNvSpPr>
+            <a:spLocks noGrp="1" noRot="1" noChangeAspect="1"/>
+          </p:cNvSpPr>
+          <p:nvPr>
+            <p:ph type="sldImg"/>
+          </p:nvPr>
+        </p:nvSpPr>
+        <p:spPr/>
+      </p:sp>
+      <p:sp>
+        <p:nvSpPr>
+          <p:cNvPr id="3" name="Espace réservé des notes 2"/>
+          <p:cNvSpPr>
+            <a:spLocks noGrp="1"/>
+          </p:cNvSpPr>
+          <p:nvPr>
+            <p:ph type="body" idx="1"/>
+          </p:nvPr>
+        </p:nvSpPr>
+        <p:spPr/>
+        <p:txBody>
+          <a:bodyPr/>
+          <a:lstStyle/>
+          <a:p>
+            <a:r>
+              <a:rPr lang="fr-CH" dirty="0" err="1"/>
+              <a:t>Presentation</a:t>
+            </a:r>
+            <a:r>
+              <a:rPr lang="fr-CH" dirty="0"/>
+              <a:t> management </a:t>
+            </a:r>
+            <a:r>
+              <a:rPr lang="fr-CH" dirty="0" err="1"/>
+              <a:t>equipe</a:t>
+            </a:r>
+            <a:r>
+              <a:rPr lang="fr-CH" dirty="0"/>
+              <a:t>, temps, technologie</a:t>
+            </a:r>
+          </a:p>
+        </p:txBody>
+      </p:sp>
+      <p:sp>
+        <p:nvSpPr>
+          <p:cNvPr id="4" name="Espace réservé du numéro de diapositive 3"/>
+          <p:cNvSpPr>
+            <a:spLocks noGrp="1"/>
+          </p:cNvSpPr>
+          <p:nvPr>
+            <p:ph type="sldNum" sz="quarter" idx="5"/>
+          </p:nvPr>
+        </p:nvSpPr>
+        <p:spPr/>
+        <p:txBody>
+          <a:bodyPr/>
+          <a:lstStyle/>
+          <a:p>
+            <a:fld id="{23E8E429-A922-49C7-ACCE-C5D0493CD5A5}" type="slidenum">
+              <a:rPr lang="fr-CH" smtClean="0"/>
+              <a:t>15</a:t>
+            </a:fld>
+            <a:endParaRPr lang="fr-CH"/>
+          </a:p>
+        </p:txBody>
+      </p:sp>
+    </p:spTree>
+    <p:extLst>
+      <p:ext uri="{BB962C8B-B14F-4D97-AF65-F5344CB8AC3E}">
+        <p14:creationId xmlns:p14="http://schemas.microsoft.com/office/powerpoint/2010/main" val="4149251217"/>
+      </p:ext>
+    </p:extLst>
+  </p:cSld>
+  <p:clrMapOvr>
+    <a:masterClrMapping/>
+  </p:clrMapOvr>
+</p:notes>
+</file>
+
+<file path=ppt/notesSlides/notesSlide16.xml><?xml version="1.0" encoding="utf-8"?>
+<p:notes xmlns:a="http://schemas.openxmlformats.org/drawingml/2006/main" xmlns:r="http://schemas.openxmlformats.org/officeDocument/2006/relationships" xmlns:p="http://schemas.openxmlformats.org/presentationml/2006/main">
+  <p:cSld>
+    <p:spTree>
+      <p:nvGrpSpPr>
+        <p:cNvPr id="1" name=""/>
+        <p:cNvGrpSpPr/>
+        <p:nvPr/>
+      </p:nvGrpSpPr>
+      <p:grpSpPr>
+        <a:xfrm>
+          <a:off x="0" y="0"/>
+          <a:ext cx="0" cy="0"/>
+          <a:chOff x="0" y="0"/>
+          <a:chExt cx="0" cy="0"/>
+        </a:xfrm>
+      </p:grpSpPr>
+      <p:sp>
+        <p:nvSpPr>
+          <p:cNvPr id="2" name="Espace réservé de l'image des diapositives 1"/>
+          <p:cNvSpPr>
+            <a:spLocks noGrp="1" noRot="1" noChangeAspect="1"/>
+          </p:cNvSpPr>
+          <p:nvPr>
+            <p:ph type="sldImg"/>
+          </p:nvPr>
+        </p:nvSpPr>
+        <p:spPr/>
+      </p:sp>
+      <p:sp>
+        <p:nvSpPr>
+          <p:cNvPr id="3" name="Espace réservé des notes 2"/>
+          <p:cNvSpPr>
+            <a:spLocks noGrp="1"/>
+          </p:cNvSpPr>
+          <p:nvPr>
+            <p:ph type="body" idx="1"/>
+          </p:nvPr>
+        </p:nvSpPr>
+        <p:spPr/>
+        <p:txBody>
+          <a:bodyPr/>
+          <a:lstStyle/>
+          <a:p>
+            <a:r>
+              <a:rPr lang="fr-CH" dirty="0"/>
+              <a:t>Equipe 6 : 2 front end, 2 back end, 2 volants</a:t>
+            </a:r>
+          </a:p>
+        </p:txBody>
+      </p:sp>
+      <p:sp>
+        <p:nvSpPr>
+          <p:cNvPr id="4" name="Espace réservé du numéro de diapositive 3"/>
+          <p:cNvSpPr>
+            <a:spLocks noGrp="1"/>
+          </p:cNvSpPr>
+          <p:nvPr>
+            <p:ph type="sldNum" sz="quarter" idx="5"/>
+          </p:nvPr>
+        </p:nvSpPr>
+        <p:spPr/>
+        <p:txBody>
+          <a:bodyPr/>
+          <a:lstStyle/>
+          <a:p>
+            <a:fld id="{23E8E429-A922-49C7-ACCE-C5D0493CD5A5}" type="slidenum">
+              <a:rPr lang="fr-CH" smtClean="0"/>
+              <a:t>16</a:t>
+            </a:fld>
+            <a:endParaRPr lang="fr-CH"/>
+          </a:p>
+        </p:txBody>
+      </p:sp>
+    </p:spTree>
+    <p:extLst>
+      <p:ext uri="{BB962C8B-B14F-4D97-AF65-F5344CB8AC3E}">
+        <p14:creationId xmlns:p14="http://schemas.microsoft.com/office/powerpoint/2010/main" val="3867308071"/>
+      </p:ext>
+    </p:extLst>
+  </p:cSld>
+  <p:clrMapOvr>
+    <a:masterClrMapping/>
+  </p:clrMapOvr>
+</p:notes>
+</file>
+
+<file path=ppt/notesSlides/notesSlide17.xml><?xml version="1.0" encoding="utf-8"?>
+<p:notes xmlns:a="http://schemas.openxmlformats.org/drawingml/2006/main" xmlns:r="http://schemas.openxmlformats.org/officeDocument/2006/relationships" xmlns:p="http://schemas.openxmlformats.org/presentationml/2006/main">
+  <p:cSld>
+    <p:spTree>
+      <p:nvGrpSpPr>
+        <p:cNvPr id="1" name=""/>
+        <p:cNvGrpSpPr/>
+        <p:nvPr/>
+      </p:nvGrpSpPr>
+      <p:grpSpPr>
+        <a:xfrm>
+          <a:off x="0" y="0"/>
+          <a:ext cx="0" cy="0"/>
+          <a:chOff x="0" y="0"/>
+          <a:chExt cx="0" cy="0"/>
+        </a:xfrm>
+      </p:grpSpPr>
+      <p:sp>
+        <p:nvSpPr>
+          <p:cNvPr id="2" name="Espace réservé de l'image des diapositives 1"/>
+          <p:cNvSpPr>
+            <a:spLocks noGrp="1" noRot="1" noChangeAspect="1"/>
+          </p:cNvSpPr>
+          <p:nvPr>
+            <p:ph type="sldImg"/>
+          </p:nvPr>
+        </p:nvSpPr>
+        <p:spPr/>
+      </p:sp>
+      <p:sp>
+        <p:nvSpPr>
+          <p:cNvPr id="3" name="Espace réservé des notes 2"/>
+          <p:cNvSpPr>
+            <a:spLocks noGrp="1"/>
+          </p:cNvSpPr>
+          <p:nvPr>
+            <p:ph type="body" idx="1"/>
+          </p:nvPr>
+        </p:nvSpPr>
+        <p:spPr/>
+        <p:txBody>
+          <a:bodyPr/>
+          <a:lstStyle/>
+          <a:p>
+            <a:r>
+              <a:rPr lang="fr-CH" dirty="0"/>
+              <a:t>Backend : -</a:t>
+            </a:r>
+            <a:r>
+              <a:rPr lang="fr-CH" dirty="0" err="1"/>
+              <a:t>Mysql</a:t>
+            </a:r>
+            <a:r>
+              <a:rPr lang="fr-CH" dirty="0"/>
+              <a:t> : langage pour gérer la </a:t>
+            </a:r>
+            <a:r>
+              <a:rPr lang="fr-CH" dirty="0" err="1"/>
+              <a:t>bdd</a:t>
+            </a:r>
+            <a:r>
+              <a:rPr lang="fr-CH" dirty="0"/>
+              <a:t> (1 </a:t>
+            </a:r>
+            <a:r>
+              <a:rPr lang="fr-CH" dirty="0" err="1"/>
+              <a:t>bdd</a:t>
+            </a:r>
+            <a:r>
+              <a:rPr lang="fr-CH" dirty="0"/>
+              <a:t> par </a:t>
+            </a:r>
+            <a:r>
+              <a:rPr lang="fr-CH" dirty="0" err="1"/>
+              <a:t>microserv</a:t>
+            </a:r>
+            <a:r>
+              <a:rPr lang="fr-CH" dirty="0"/>
+              <a:t>.) et </a:t>
+            </a:r>
+            <a:r>
+              <a:rPr lang="fr-CH" dirty="0" err="1"/>
+              <a:t>mysql</a:t>
+            </a:r>
+            <a:r>
+              <a:rPr lang="fr-CH" dirty="0"/>
+              <a:t> supporté par </a:t>
+            </a:r>
+            <a:r>
+              <a:rPr lang="fr-CH" dirty="0" err="1"/>
+              <a:t>phpmyadmin</a:t>
+            </a:r>
+            <a:endParaRPr lang="fr-CH" dirty="0"/>
+          </a:p>
+          <a:p>
+            <a:pPr marL="171450" indent="-171450">
+              <a:buFontTx/>
+              <a:buChar char="-"/>
+            </a:pPr>
+            <a:r>
+              <a:rPr lang="fr-CH" dirty="0"/>
+              <a:t>Java: car langage orienté objet (scalable), </a:t>
+            </a:r>
+            <a:r>
+              <a:rPr lang="fr-CH" dirty="0" err="1"/>
+              <a:t>egalement</a:t>
+            </a:r>
+            <a:r>
+              <a:rPr lang="fr-CH" dirty="0"/>
+              <a:t> facilement </a:t>
+            </a:r>
+            <a:r>
+              <a:rPr lang="fr-CH" dirty="0" err="1"/>
+              <a:t>integrable</a:t>
+            </a:r>
+            <a:r>
+              <a:rPr lang="fr-CH" dirty="0"/>
+              <a:t> avec </a:t>
+            </a:r>
+            <a:r>
+              <a:rPr lang="fr-CH" dirty="0" err="1"/>
+              <a:t>mysql</a:t>
+            </a:r>
+            <a:r>
+              <a:rPr lang="fr-CH" dirty="0"/>
+              <a:t> et docker, facilité de construire des application </a:t>
+            </a:r>
+            <a:r>
+              <a:rPr lang="fr-CH" dirty="0" err="1"/>
+              <a:t>restfull</a:t>
+            </a:r>
+            <a:r>
+              <a:rPr lang="fr-CH" dirty="0"/>
+              <a:t> </a:t>
+            </a:r>
+          </a:p>
+          <a:p>
+            <a:pPr marL="171450" indent="-171450">
+              <a:buFontTx/>
+              <a:buChar char="-"/>
+            </a:pPr>
+            <a:endParaRPr lang="fr-CH" dirty="0"/>
+          </a:p>
+          <a:p>
+            <a:pPr marL="0" indent="0">
+              <a:buFontTx/>
+              <a:buNone/>
+            </a:pPr>
+            <a:r>
+              <a:rPr lang="fr-CH" dirty="0"/>
+              <a:t>Tout : - Docker : connecter les différents </a:t>
+            </a:r>
+            <a:r>
+              <a:rPr lang="fr-CH" dirty="0" err="1"/>
+              <a:t>microservices</a:t>
+            </a:r>
+            <a:r>
+              <a:rPr lang="fr-CH" dirty="0"/>
+              <a:t> ensemble</a:t>
+            </a:r>
+          </a:p>
+          <a:p>
+            <a:pPr marL="171450" indent="-171450">
+              <a:buFontTx/>
+              <a:buChar char="-"/>
+            </a:pPr>
+            <a:r>
+              <a:rPr lang="fr-CH" dirty="0"/>
+              <a:t>Kong : donne un service facile a utiliser pour les applications qui respecte les principes </a:t>
+            </a:r>
+            <a:r>
+              <a:rPr lang="fr-CH" dirty="0" err="1"/>
+              <a:t>rest</a:t>
+            </a:r>
+            <a:r>
+              <a:rPr lang="fr-CH" dirty="0"/>
+              <a:t> (api </a:t>
+            </a:r>
+            <a:r>
+              <a:rPr lang="fr-CH" dirty="0" err="1"/>
+              <a:t>gateway</a:t>
+            </a:r>
+            <a:r>
+              <a:rPr lang="fr-CH" dirty="0"/>
+              <a:t> : lien entre </a:t>
+            </a:r>
+            <a:r>
+              <a:rPr lang="fr-CH" dirty="0" err="1"/>
+              <a:t>front-end</a:t>
+            </a:r>
+            <a:r>
+              <a:rPr lang="fr-CH" dirty="0"/>
+              <a:t> et </a:t>
+            </a:r>
+            <a:r>
+              <a:rPr lang="fr-CH" dirty="0" err="1"/>
+              <a:t>back-end</a:t>
+            </a:r>
+            <a:r>
+              <a:rPr lang="fr-CH" dirty="0"/>
+              <a:t>)</a:t>
+            </a:r>
+          </a:p>
+          <a:p>
+            <a:pPr marL="171450" indent="-171450">
+              <a:buFontTx/>
+              <a:buChar char="-"/>
+            </a:pPr>
+            <a:endParaRPr lang="fr-CH" dirty="0"/>
+          </a:p>
+          <a:p>
+            <a:pPr marL="0" indent="0">
+              <a:buFontTx/>
+              <a:buNone/>
+            </a:pPr>
+            <a:r>
+              <a:rPr lang="fr-CH" dirty="0" err="1"/>
+              <a:t>Front-end</a:t>
+            </a:r>
+            <a:r>
+              <a:rPr lang="fr-CH" dirty="0"/>
+              <a:t>: - </a:t>
+            </a:r>
+            <a:r>
+              <a:rPr lang="fr-CH" dirty="0" err="1"/>
+              <a:t>Angular</a:t>
+            </a:r>
+            <a:r>
+              <a:rPr lang="fr-CH" dirty="0"/>
+              <a:t> : nous permet de construire une application web, en décomposant le code en component qui permet une </a:t>
+            </a:r>
+            <a:r>
+              <a:rPr lang="fr-CH" dirty="0" err="1"/>
+              <a:t>clarificité</a:t>
+            </a:r>
+            <a:r>
+              <a:rPr lang="fr-CH" dirty="0"/>
+              <a:t> dans le code (+ </a:t>
+            </a:r>
+            <a:r>
+              <a:rPr lang="fr-CH" dirty="0" err="1"/>
+              <a:t>re-utilisation</a:t>
+            </a:r>
+            <a:r>
+              <a:rPr lang="fr-CH" dirty="0"/>
+              <a:t> de code)</a:t>
+            </a:r>
+          </a:p>
+          <a:p>
+            <a:pPr marL="0" indent="0">
+              <a:buFontTx/>
+              <a:buNone/>
+            </a:pPr>
+            <a:r>
+              <a:rPr lang="fr-CH" dirty="0"/>
+              <a:t>- Bootstrap (et </a:t>
+            </a:r>
+            <a:r>
+              <a:rPr lang="fr-CH" dirty="0" err="1"/>
+              <a:t>Nebular</a:t>
+            </a:r>
+            <a:r>
+              <a:rPr lang="fr-CH" dirty="0"/>
+              <a:t>) : permet d’</a:t>
+            </a:r>
+            <a:r>
+              <a:rPr lang="fr-CH" dirty="0" err="1"/>
+              <a:t>integrer</a:t>
+            </a:r>
+            <a:r>
+              <a:rPr lang="fr-CH" dirty="0"/>
+              <a:t> des composants pour facilité le dev de l’app web (html, </a:t>
+            </a:r>
+            <a:r>
+              <a:rPr lang="fr-CH" dirty="0" err="1"/>
+              <a:t>css</a:t>
+            </a:r>
+            <a:r>
+              <a:rPr lang="fr-CH" dirty="0"/>
+              <a:t>, </a:t>
+            </a:r>
+            <a:r>
+              <a:rPr lang="fr-CH" dirty="0" err="1"/>
+              <a:t>js</a:t>
+            </a:r>
+            <a:r>
+              <a:rPr lang="fr-CH" dirty="0"/>
+              <a:t>).</a:t>
+            </a:r>
+          </a:p>
+        </p:txBody>
+      </p:sp>
+      <p:sp>
+        <p:nvSpPr>
+          <p:cNvPr id="4" name="Espace réservé du numéro de diapositive 3"/>
+          <p:cNvSpPr>
+            <a:spLocks noGrp="1"/>
+          </p:cNvSpPr>
+          <p:nvPr>
+            <p:ph type="sldNum" sz="quarter" idx="5"/>
+          </p:nvPr>
+        </p:nvSpPr>
+        <p:spPr/>
+        <p:txBody>
+          <a:bodyPr/>
+          <a:lstStyle/>
+          <a:p>
+            <a:fld id="{23E8E429-A922-49C7-ACCE-C5D0493CD5A5}" type="slidenum">
+              <a:rPr lang="fr-CH" smtClean="0"/>
+              <a:t>17</a:t>
+            </a:fld>
+            <a:endParaRPr lang="fr-CH"/>
+          </a:p>
+        </p:txBody>
+      </p:sp>
+    </p:spTree>
+    <p:extLst>
+      <p:ext uri="{BB962C8B-B14F-4D97-AF65-F5344CB8AC3E}">
+        <p14:creationId xmlns:p14="http://schemas.microsoft.com/office/powerpoint/2010/main" val="1269740511"/>
+      </p:ext>
+    </p:extLst>
+  </p:cSld>
+  <p:clrMapOvr>
+    <a:masterClrMapping/>
+  </p:clrMapOvr>
+</p:notes>
+</file>
+
+<file path=ppt/notesSlides/notesSlide18.xml><?xml version="1.0" encoding="utf-8"?>
+<p:notes xmlns:a="http://schemas.openxmlformats.org/drawingml/2006/main" xmlns:r="http://schemas.openxmlformats.org/officeDocument/2006/relationships" xmlns:p="http://schemas.openxmlformats.org/presentationml/2006/main">
+  <p:cSld>
+    <p:spTree>
+      <p:nvGrpSpPr>
+        <p:cNvPr id="1" name=""/>
+        <p:cNvGrpSpPr/>
+        <p:nvPr/>
+      </p:nvGrpSpPr>
+      <p:grpSpPr>
+        <a:xfrm>
+          <a:off x="0" y="0"/>
+          <a:ext cx="0" cy="0"/>
+          <a:chOff x="0" y="0"/>
+          <a:chExt cx="0" cy="0"/>
+        </a:xfrm>
+      </p:grpSpPr>
+      <p:sp>
+        <p:nvSpPr>
+          <p:cNvPr id="2" name="Espace réservé de l'image des diapositives 1"/>
+          <p:cNvSpPr>
+            <a:spLocks noGrp="1" noRot="1" noChangeAspect="1"/>
+          </p:cNvSpPr>
+          <p:nvPr>
+            <p:ph type="sldImg"/>
+          </p:nvPr>
+        </p:nvSpPr>
+        <p:spPr/>
+      </p:sp>
+      <p:sp>
+        <p:nvSpPr>
+          <p:cNvPr id="3" name="Espace réservé des notes 2"/>
+          <p:cNvSpPr>
+            <a:spLocks noGrp="1"/>
+          </p:cNvSpPr>
+          <p:nvPr>
+            <p:ph type="body" idx="1"/>
+          </p:nvPr>
+        </p:nvSpPr>
+        <p:spPr/>
+        <p:txBody>
+          <a:bodyPr/>
+          <a:lstStyle/>
+          <a:p>
+            <a:endParaRPr lang="fr-CH" dirty="0"/>
+          </a:p>
+        </p:txBody>
+      </p:sp>
+      <p:sp>
+        <p:nvSpPr>
+          <p:cNvPr id="4" name="Espace réservé du numéro de diapositive 3"/>
+          <p:cNvSpPr>
+            <a:spLocks noGrp="1"/>
+          </p:cNvSpPr>
+          <p:nvPr>
+            <p:ph type="sldNum" sz="quarter" idx="5"/>
+          </p:nvPr>
+        </p:nvSpPr>
+        <p:spPr/>
+        <p:txBody>
+          <a:bodyPr/>
+          <a:lstStyle/>
+          <a:p>
+            <a:fld id="{23E8E429-A922-49C7-ACCE-C5D0493CD5A5}" type="slidenum">
+              <a:rPr lang="fr-CH" smtClean="0"/>
+              <a:t>18</a:t>
+            </a:fld>
+            <a:endParaRPr lang="fr-CH"/>
+          </a:p>
+        </p:txBody>
+      </p:sp>
+    </p:spTree>
+    <p:extLst>
+      <p:ext uri="{BB962C8B-B14F-4D97-AF65-F5344CB8AC3E}">
+        <p14:creationId xmlns:p14="http://schemas.microsoft.com/office/powerpoint/2010/main" val="2149492389"/>
+      </p:ext>
+    </p:extLst>
+  </p:cSld>
+  <p:clrMapOvr>
+    <a:masterClrMapping/>
+  </p:clrMapOvr>
+</p:notes>
+</file>
+
+<file path=ppt/notesSlides/notesSlide19.xml><?xml version="1.0" encoding="utf-8"?>
+<p:notes xmlns:a="http://schemas.openxmlformats.org/drawingml/2006/main" xmlns:r="http://schemas.openxmlformats.org/officeDocument/2006/relationships" xmlns:p="http://schemas.openxmlformats.org/presentationml/2006/main">
+  <p:cSld>
+    <p:spTree>
+      <p:nvGrpSpPr>
+        <p:cNvPr id="1" name=""/>
+        <p:cNvGrpSpPr/>
+        <p:nvPr/>
+      </p:nvGrpSpPr>
+      <p:grpSpPr>
+        <a:xfrm>
+          <a:off x="0" y="0"/>
+          <a:ext cx="0" cy="0"/>
+          <a:chOff x="0" y="0"/>
+          <a:chExt cx="0" cy="0"/>
+        </a:xfrm>
+      </p:grpSpPr>
+      <p:sp>
+        <p:nvSpPr>
+          <p:cNvPr id="2" name="Espace réservé de l'image des diapositives 1"/>
+          <p:cNvSpPr>
+            <a:spLocks noGrp="1" noRot="1" noChangeAspect="1"/>
+          </p:cNvSpPr>
+          <p:nvPr>
+            <p:ph type="sldImg"/>
+          </p:nvPr>
+        </p:nvSpPr>
+        <p:spPr/>
+      </p:sp>
+      <p:sp>
+        <p:nvSpPr>
+          <p:cNvPr id="3" name="Espace réservé des notes 2"/>
+          <p:cNvSpPr>
+            <a:spLocks noGrp="1"/>
+          </p:cNvSpPr>
+          <p:nvPr>
+            <p:ph type="body" idx="1"/>
+          </p:nvPr>
+        </p:nvSpPr>
+        <p:spPr/>
+        <p:txBody>
+          <a:bodyPr/>
+          <a:lstStyle/>
+          <a:p>
+            <a:endParaRPr lang="fr-CH" dirty="0"/>
+          </a:p>
+        </p:txBody>
+      </p:sp>
+      <p:sp>
+        <p:nvSpPr>
+          <p:cNvPr id="4" name="Espace réservé du numéro de diapositive 3"/>
+          <p:cNvSpPr>
+            <a:spLocks noGrp="1"/>
+          </p:cNvSpPr>
+          <p:nvPr>
+            <p:ph type="sldNum" sz="quarter" idx="5"/>
+          </p:nvPr>
+        </p:nvSpPr>
+        <p:spPr/>
+        <p:txBody>
+          <a:bodyPr/>
+          <a:lstStyle/>
+          <a:p>
+            <a:fld id="{23E8E429-A922-49C7-ACCE-C5D0493CD5A5}" type="slidenum">
+              <a:rPr lang="fr-CH" smtClean="0"/>
+              <a:t>20</a:t>
+            </a:fld>
+            <a:endParaRPr lang="fr-CH"/>
+          </a:p>
+        </p:txBody>
+      </p:sp>
+    </p:spTree>
+    <p:extLst>
+      <p:ext uri="{BB962C8B-B14F-4D97-AF65-F5344CB8AC3E}">
+        <p14:creationId xmlns:p14="http://schemas.microsoft.com/office/powerpoint/2010/main" val="3663236963"/>
       </p:ext>
     </p:extLst>
   </p:cSld>
@@ -7898,57 +9073,26 @@
           <a:bodyPr/>
           <a:lstStyle/>
           <a:p>
-            <a:pPr marL="0" indent="0">
-              <a:buNone/>
-            </a:pPr>
             <a:r>
               <a:rPr lang="fr-CH" dirty="0"/>
-              <a:t>Création plateforme de vente en ligne entre membre Université</a:t>
-            </a:r>
-          </a:p>
-          <a:p>
-            <a:pPr marL="0" indent="0">
-              <a:buNone/>
-            </a:pPr>
+              <a:t>P - Introduction aux autres sites. Leur points forts (acheté objet moins cher, éviter gaspillage, voir les articles sur internet)</a:t>
+            </a:r>
+          </a:p>
+          <a:p>
+            <a:endParaRPr lang="fr-CH" dirty="0"/>
+          </a:p>
+          <a:p>
             <a:r>
               <a:rPr lang="fr-CH" dirty="0"/>
-              <a:t>Acquérir moins cher</a:t>
-            </a:r>
-          </a:p>
-          <a:p>
-            <a:pPr marL="0" indent="0">
-              <a:buNone/>
-            </a:pPr>
+              <a:t>Problème : Difficulté trouver article spécifique à l’Université à de bas prix, peu de confiance, Parfois difficile d’utilisation (ajout trop de </a:t>
+            </a:r>
+            <a:r>
+              <a:rPr lang="fr-CH" dirty="0" err="1"/>
+              <a:t>fonctionnabilité</a:t>
+            </a:r>
             <a:r>
               <a:rPr lang="fr-CH" dirty="0"/>
-              <a:t>Vendre objet inutilisé</a:t>
-            </a:r>
-          </a:p>
-          <a:p>
-            <a:pPr marL="0" indent="0">
-              <a:buNone/>
-            </a:pPr>
-            <a:r>
-              <a:rPr lang="fr-CH" dirty="0"/>
-              <a:t>Faciliter</a:t>
-            </a:r>
-          </a:p>
-          <a:p>
-            <a:pPr marL="0" indent="0">
-              <a:buNone/>
-            </a:pPr>
-            <a:r>
-              <a:rPr lang="fr-CH" dirty="0"/>
-              <a:t>Eviter gaspillage</a:t>
-            </a:r>
-          </a:p>
-          <a:p>
-            <a:pPr marL="0" indent="0">
-              <a:buNone/>
-            </a:pPr>
-            <a:r>
-              <a:rPr lang="fr-CH" dirty="0"/>
-              <a:t>Confiance entre les utilisateurs </a:t>
+              <a:t>(boutons,…))</a:t>
             </a:r>
           </a:p>
         </p:txBody>
@@ -7970,7 +9114,7 @@
           <a:p>
             <a:fld id="{23E8E429-A922-49C7-ACCE-C5D0493CD5A5}" type="slidenum">
               <a:rPr lang="fr-CH" smtClean="0"/>
-              <a:t>3</a:t>
+              <a:t>2</a:t>
             </a:fld>
             <a:endParaRPr lang="fr-CH"/>
           </a:p>
@@ -7979,7 +9123,7 @@
     </p:spTree>
     <p:extLst>
       <p:ext uri="{BB962C8B-B14F-4D97-AF65-F5344CB8AC3E}">
-        <p14:creationId xmlns:p14="http://schemas.microsoft.com/office/powerpoint/2010/main" val="706453359"/>
+        <p14:creationId xmlns:p14="http://schemas.microsoft.com/office/powerpoint/2010/main" val="4049884344"/>
       </p:ext>
     </p:extLst>
   </p:cSld>
@@ -8033,27 +9177,150 @@
           <a:bodyPr/>
           <a:lstStyle/>
           <a:p>
+            <a:pPr marL="0" indent="0">
+              <a:buNone/>
+            </a:pPr>
             <a:r>
               <a:rPr lang="fr-CH" dirty="0"/>
-              <a:t>Comment vente achat</a:t>
-            </a:r>
-          </a:p>
-          <a:p>
+              <a:t>Création plateforme de vente en ligne entre membre Université (exemples)</a:t>
+            </a:r>
+          </a:p>
+          <a:p>
+            <a:pPr marL="0" marR="0" lvl="0" indent="0" algn="l" defTabSz="914400" rtl="0" eaLnBrk="1" fontAlgn="auto" latinLnBrk="0" hangingPunct="1">
+              <a:lnSpc>
+                <a:spcPct val="100000"/>
+              </a:lnSpc>
+              <a:spcBef>
+                <a:spcPts val="0"/>
+              </a:spcBef>
+              <a:spcAft>
+                <a:spcPts val="0"/>
+              </a:spcAft>
+              <a:buClrTx/>
+              <a:buSzTx/>
+              <a:buFontTx/>
+              <a:buNone/>
+              <a:tabLst/>
+              <a:defRPr/>
+            </a:pPr>
             <a:r>
               <a:rPr lang="fr-CH" dirty="0"/>
-              <a:t>Création annone</a:t>
-            </a:r>
-          </a:p>
-          <a:p>
+              <a:t>Confiance entre les utilisateurs </a:t>
+            </a:r>
+            <a:r>
+              <a:rPr lang="fr-CH" dirty="0">
+                <a:sym typeface="Wingdings" panose="05000000000000000000" pitchFamily="2" charset="2"/>
+              </a:rPr>
+              <a:t> que membres de l’uni peuvent se connecter</a:t>
+            </a:r>
+          </a:p>
+          <a:p>
+            <a:pPr marL="0" marR="0" lvl="0" indent="0" algn="l" defTabSz="914400" rtl="0" eaLnBrk="1" fontAlgn="auto" latinLnBrk="0" hangingPunct="1">
+              <a:lnSpc>
+                <a:spcPct val="100000"/>
+              </a:lnSpc>
+              <a:spcBef>
+                <a:spcPts val="0"/>
+              </a:spcBef>
+              <a:spcAft>
+                <a:spcPts val="0"/>
+              </a:spcAft>
+              <a:buClrTx/>
+              <a:buSzTx/>
+              <a:buFontTx/>
+              <a:buNone/>
+              <a:tabLst/>
+              <a:defRPr/>
+            </a:pPr>
+            <a:r>
+              <a:rPr lang="fr-CH" dirty="0">
+                <a:sym typeface="Wingdings" panose="05000000000000000000" pitchFamily="2" charset="2"/>
+              </a:rPr>
+              <a:t>Interface facile d’utilisation</a:t>
+            </a:r>
+          </a:p>
+          <a:p>
+            <a:pPr marL="0" marR="0" lvl="0" indent="0" algn="l" defTabSz="914400" rtl="0" eaLnBrk="1" fontAlgn="auto" latinLnBrk="0" hangingPunct="1">
+              <a:lnSpc>
+                <a:spcPct val="100000"/>
+              </a:lnSpc>
+              <a:spcBef>
+                <a:spcPts val="0"/>
+              </a:spcBef>
+              <a:spcAft>
+                <a:spcPts val="0"/>
+              </a:spcAft>
+              <a:buClrTx/>
+              <a:buSzTx/>
+              <a:buFontTx/>
+              <a:buNone/>
+              <a:tabLst/>
+              <a:defRPr/>
+            </a:pPr>
+            <a:endParaRPr lang="fr-CH" dirty="0">
+              <a:sym typeface="Wingdings" panose="05000000000000000000" pitchFamily="2" charset="2"/>
+            </a:endParaRPr>
+          </a:p>
+          <a:p>
+            <a:pPr marL="0" marR="0" lvl="0" indent="0" algn="l" defTabSz="914400" rtl="0" eaLnBrk="1" fontAlgn="auto" latinLnBrk="0" hangingPunct="1">
+              <a:lnSpc>
+                <a:spcPct val="100000"/>
+              </a:lnSpc>
+              <a:spcBef>
+                <a:spcPts val="0"/>
+              </a:spcBef>
+              <a:spcAft>
+                <a:spcPts val="0"/>
+              </a:spcAft>
+              <a:buClrTx/>
+              <a:buSzTx/>
+              <a:buFontTx/>
+              <a:buNone/>
+              <a:tabLst/>
+              <a:defRPr/>
+            </a:pPr>
+            <a:r>
+              <a:rPr lang="fr-CH" dirty="0">
+                <a:sym typeface="Wingdings" panose="05000000000000000000" pitchFamily="2" charset="2"/>
+              </a:rPr>
+              <a:t>Toujours dans l’idée:</a:t>
+            </a:r>
+            <a:endParaRPr lang="fr-CH" dirty="0"/>
+          </a:p>
+          <a:p>
+            <a:pPr marL="0" indent="0">
+              <a:buNone/>
+            </a:pPr>
             <a:r>
               <a:rPr lang="fr-CH" dirty="0"/>
-              <a:t>Messagerie</a:t>
-            </a:r>
-          </a:p>
-          <a:p>
+              <a:t>Acquérir moins cher</a:t>
+            </a:r>
+          </a:p>
+          <a:p>
+            <a:pPr marL="0" indent="0">
+              <a:buNone/>
+            </a:pPr>
             <a:r>
               <a:rPr lang="fr-CH" dirty="0"/>
-              <a:t>Statistique</a:t>
+              <a:t>Vendre objet inutilisé</a:t>
+            </a:r>
+          </a:p>
+          <a:p>
+            <a:pPr marL="0" indent="0">
+              <a:buNone/>
+            </a:pPr>
+            <a:r>
+              <a:rPr lang="fr-CH" dirty="0"/>
+              <a:t>Faciliter</a:t>
+            </a:r>
+          </a:p>
+          <a:p>
+            <a:pPr marL="0" indent="0">
+              <a:buNone/>
+            </a:pPr>
+            <a:r>
+              <a:rPr lang="fr-CH" dirty="0"/>
+              <a:t>Eviter gaspillage</a:t>
             </a:r>
           </a:p>
         </p:txBody>
@@ -8075,7 +9342,7 @@
           <a:p>
             <a:fld id="{23E8E429-A922-49C7-ACCE-C5D0493CD5A5}" type="slidenum">
               <a:rPr lang="fr-CH" smtClean="0"/>
-              <a:t>4</a:t>
+              <a:t>3</a:t>
             </a:fld>
             <a:endParaRPr lang="fr-CH"/>
           </a:p>
@@ -8084,7 +9351,7 @@
     </p:spTree>
     <p:extLst>
       <p:ext uri="{BB962C8B-B14F-4D97-AF65-F5344CB8AC3E}">
-        <p14:creationId xmlns:p14="http://schemas.microsoft.com/office/powerpoint/2010/main" val="138041764"/>
+        <p14:creationId xmlns:p14="http://schemas.microsoft.com/office/powerpoint/2010/main" val="706453359"/>
       </p:ext>
     </p:extLst>
   </p:cSld>
@@ -8138,44 +9405,89 @@
           <a:bodyPr/>
           <a:lstStyle/>
           <a:p>
-            <a:pPr marL="0" marR="0" lvl="0" indent="0" algn="l" defTabSz="914400" rtl="0" eaLnBrk="1" fontAlgn="auto" latinLnBrk="0" hangingPunct="1">
-              <a:lnSpc>
-                <a:spcPct val="100000"/>
-              </a:lnSpc>
-              <a:spcBef>
-                <a:spcPts val="0"/>
-              </a:spcBef>
-              <a:spcAft>
-                <a:spcPts val="0"/>
-              </a:spcAft>
-              <a:buClrTx/>
-              <a:buSzTx/>
-              <a:buFontTx/>
-              <a:buNone/>
-              <a:tabLst/>
-              <a:defRPr/>
-            </a:pPr>
+            <a:r>
+              <a:rPr lang="fr-CH" dirty="0" err="1"/>
+              <a:t>Presentation</a:t>
+            </a:r>
             <a:r>
               <a:rPr lang="fr-CH" dirty="0"/>
-              <a:t>Étudiant ne peuvent pas travailler </a:t>
-            </a:r>
-          </a:p>
-          <a:p>
+              <a:t> d’un premier </a:t>
+            </a:r>
+            <a:r>
+              <a:rPr lang="fr-CH" dirty="0" err="1"/>
+              <a:t>apercu</a:t>
+            </a:r>
             <a:r>
               <a:rPr lang="fr-CH" dirty="0"/>
-              <a:t>1</a:t>
-            </a:r>
-            <a:r>
-              <a:rPr lang="fr-CH" baseline="30000" dirty="0"/>
-              <a:t>er</a:t>
+              <a:t> de la page d’</a:t>
+            </a:r>
+            <a:r>
+              <a:rPr lang="fr-CH" dirty="0" err="1"/>
+              <a:t>acceuil</a:t>
             </a:r>
             <a:r>
               <a:rPr lang="fr-CH" dirty="0"/>
-              <a:t> en Psycho : 8 livres</a:t>
+              <a:t>: (compression pour </a:t>
+            </a:r>
+            <a:r>
+              <a:rPr lang="fr-CH" dirty="0" err="1"/>
+              <a:t>presentation</a:t>
+            </a:r>
+            <a:r>
+              <a:rPr lang="fr-CH" dirty="0"/>
+              <a:t>)</a:t>
             </a:r>
           </a:p>
           <a:p>
             <a:endParaRPr lang="fr-CH" dirty="0"/>
+          </a:p>
+          <a:p>
+            <a:r>
+              <a:rPr lang="fr-CH" dirty="0"/>
+              <a:t>En haut : navigation (</a:t>
+            </a:r>
+            <a:r>
+              <a:rPr lang="fr-CH" dirty="0" err="1"/>
+              <a:t>categories</a:t>
+            </a:r>
+            <a:r>
+              <a:rPr lang="fr-CH" dirty="0"/>
+              <a:t>), connexion en tant que utilisateur, menu (profils, stats, messagerie)</a:t>
+            </a:r>
+          </a:p>
+          <a:p>
+            <a:r>
+              <a:rPr lang="fr-CH" dirty="0"/>
+              <a:t>A gauche : faire une première recherche (explication des </a:t>
+            </a:r>
+            <a:r>
+              <a:rPr lang="fr-CH" dirty="0" err="1"/>
+              <a:t>elements</a:t>
+            </a:r>
+            <a:r>
+              <a:rPr lang="fr-CH" dirty="0"/>
+              <a:t>)</a:t>
+            </a:r>
+          </a:p>
+          <a:p>
+            <a:r>
+              <a:rPr lang="fr-CH" dirty="0"/>
+              <a:t>A droite : les highlights (met en avant objets susceptible a être acheté (tourne page selon </a:t>
+            </a:r>
+            <a:r>
+              <a:rPr lang="fr-CH" dirty="0" err="1"/>
+              <a:t>categorie</a:t>
+            </a:r>
+            <a:r>
+              <a:rPr lang="fr-CH" dirty="0"/>
+              <a:t>))</a:t>
+            </a:r>
+          </a:p>
+          <a:p>
+            <a:r>
+              <a:rPr lang="fr-CH" dirty="0"/>
+              <a:t>En bas : certaines annonces pour les objets recherchés </a:t>
+            </a:r>
           </a:p>
         </p:txBody>
       </p:sp>
@@ -8196,7 +9508,7 @@
           <a:p>
             <a:fld id="{23E8E429-A922-49C7-ACCE-C5D0493CD5A5}" type="slidenum">
               <a:rPr lang="fr-CH" smtClean="0"/>
-              <a:t>10</a:t>
+              <a:t>4</a:t>
             </a:fld>
             <a:endParaRPr lang="fr-CH"/>
           </a:p>
@@ -8205,7 +9517,7 @@
     </p:spTree>
     <p:extLst>
       <p:ext uri="{BB962C8B-B14F-4D97-AF65-F5344CB8AC3E}">
-        <p14:creationId xmlns:p14="http://schemas.microsoft.com/office/powerpoint/2010/main" val="3958626166"/>
+        <p14:creationId xmlns:p14="http://schemas.microsoft.com/office/powerpoint/2010/main" val="138041764"/>
       </p:ext>
     </p:extLst>
   </p:cSld>
@@ -8260,49 +9572,32 @@
           <a:lstStyle/>
           <a:p>
             <a:r>
+              <a:rPr lang="fr-CH" dirty="0" err="1"/>
+              <a:t>Presentation</a:t>
+            </a:r>
+            <a:r>
               <a:rPr lang="fr-CH" dirty="0"/>
-              <a:t>Pour utilisateur UNI :</a:t>
-            </a:r>
-          </a:p>
-          <a:p>
-            <a:pPr lvl="1"/>
+              <a:t> page catalogue:</a:t>
+            </a:r>
+          </a:p>
+          <a:p>
+            <a:endParaRPr lang="fr-CH" dirty="0"/>
+          </a:p>
+          <a:p>
             <a:r>
               <a:rPr lang="fr-CH" dirty="0"/>
-              <a:t>Bien être</a:t>
-            </a:r>
-          </a:p>
-          <a:p>
-            <a:pPr lvl="1"/>
+              <a:t>Explication </a:t>
+            </a:r>
+            <a:r>
+              <a:rPr lang="fr-CH" dirty="0" err="1"/>
+              <a:t>elements</a:t>
+            </a:r>
+            <a:endParaRPr lang="fr-CH" dirty="0"/>
+          </a:p>
+          <a:p>
             <a:r>
               <a:rPr lang="fr-CH" dirty="0"/>
-              <a:t>Économie</a:t>
-            </a:r>
-          </a:p>
-          <a:p>
-            <a:pPr lvl="1"/>
-            <a:r>
-              <a:rPr lang="fr-CH" dirty="0"/>
-              <a:t>Écologie</a:t>
-            </a:r>
-          </a:p>
-          <a:p>
-            <a:pPr lvl="1"/>
-            <a:r>
-              <a:rPr lang="fr-CH" dirty="0"/>
-              <a:t>Cohésion membre</a:t>
-            </a:r>
-          </a:p>
-          <a:p>
-            <a:r>
-              <a:rPr lang="fr-CH" dirty="0"/>
-              <a:t>Bénéfice pour les investisseurs</a:t>
-            </a:r>
-          </a:p>
-          <a:p>
-            <a:pPr lvl="1"/>
-            <a:r>
-              <a:rPr lang="fr-CH" dirty="0"/>
-              <a:t>Statistique ciblé sur chaque utilisateur et objet</a:t>
+              <a:t>+ option bouton qui permet de dire que tu recherche un objet si pas trouvé dans site</a:t>
             </a:r>
           </a:p>
         </p:txBody>
@@ -8324,7 +9619,7 @@
           <a:p>
             <a:fld id="{23E8E429-A922-49C7-ACCE-C5D0493CD5A5}" type="slidenum">
               <a:rPr lang="fr-CH" smtClean="0"/>
-              <a:t>11</a:t>
+              <a:t>5</a:t>
             </a:fld>
             <a:endParaRPr lang="fr-CH"/>
           </a:p>
@@ -8333,7 +9628,7 @@
     </p:spTree>
     <p:extLst>
       <p:ext uri="{BB962C8B-B14F-4D97-AF65-F5344CB8AC3E}">
-        <p14:creationId xmlns:p14="http://schemas.microsoft.com/office/powerpoint/2010/main" val="168411365"/>
+        <p14:creationId xmlns:p14="http://schemas.microsoft.com/office/powerpoint/2010/main" val="2271012528"/>
       </p:ext>
     </p:extLst>
   </p:cSld>
@@ -8387,7 +9682,31 @@
           <a:bodyPr/>
           <a:lstStyle/>
           <a:p>
+            <a:r>
+              <a:rPr lang="fr-CH" dirty="0" err="1"/>
+              <a:t>Presention</a:t>
+            </a:r>
+            <a:r>
+              <a:rPr lang="fr-CH" dirty="0"/>
+              <a:t> objet </a:t>
+            </a:r>
+            <a:r>
+              <a:rPr lang="fr-CH" dirty="0" err="1"/>
+              <a:t>selectionné</a:t>
+            </a:r>
+            <a:r>
+              <a:rPr lang="fr-CH" dirty="0"/>
+              <a:t>:</a:t>
+            </a:r>
+          </a:p>
+          <a:p>
             <a:endParaRPr lang="fr-CH" dirty="0"/>
+          </a:p>
+          <a:p>
+            <a:r>
+              <a:rPr lang="fr-CH" dirty="0"/>
+              <a:t>Description , contacter</a:t>
+            </a:r>
           </a:p>
         </p:txBody>
       </p:sp>
@@ -8408,7 +9727,7 @@
           <a:p>
             <a:fld id="{23E8E429-A922-49C7-ACCE-C5D0493CD5A5}" type="slidenum">
               <a:rPr lang="fr-CH" smtClean="0"/>
-              <a:t>19</a:t>
+              <a:t>6</a:t>
             </a:fld>
             <a:endParaRPr lang="fr-CH"/>
           </a:p>
@@ -8417,7 +9736,299 @@
     </p:spTree>
     <p:extLst>
       <p:ext uri="{BB962C8B-B14F-4D97-AF65-F5344CB8AC3E}">
-        <p14:creationId xmlns:p14="http://schemas.microsoft.com/office/powerpoint/2010/main" val="1269740511"/>
+        <p14:creationId xmlns:p14="http://schemas.microsoft.com/office/powerpoint/2010/main" val="714395929"/>
+      </p:ext>
+    </p:extLst>
+  </p:cSld>
+  <p:clrMapOvr>
+    <a:masterClrMapping/>
+  </p:clrMapOvr>
+</p:notes>
+</file>
+
+<file path=ppt/notesSlides/notesSlide7.xml><?xml version="1.0" encoding="utf-8"?>
+<p:notes xmlns:a="http://schemas.openxmlformats.org/drawingml/2006/main" xmlns:r="http://schemas.openxmlformats.org/officeDocument/2006/relationships" xmlns:p="http://schemas.openxmlformats.org/presentationml/2006/main">
+  <p:cSld>
+    <p:spTree>
+      <p:nvGrpSpPr>
+        <p:cNvPr id="1" name=""/>
+        <p:cNvGrpSpPr/>
+        <p:nvPr/>
+      </p:nvGrpSpPr>
+      <p:grpSpPr>
+        <a:xfrm>
+          <a:off x="0" y="0"/>
+          <a:ext cx="0" cy="0"/>
+          <a:chOff x="0" y="0"/>
+          <a:chExt cx="0" cy="0"/>
+        </a:xfrm>
+      </p:grpSpPr>
+      <p:sp>
+        <p:nvSpPr>
+          <p:cNvPr id="2" name="Espace réservé de l'image des diapositives 1"/>
+          <p:cNvSpPr>
+            <a:spLocks noGrp="1" noRot="1" noChangeAspect="1"/>
+          </p:cNvSpPr>
+          <p:nvPr>
+            <p:ph type="sldImg"/>
+          </p:nvPr>
+        </p:nvSpPr>
+        <p:spPr/>
+      </p:sp>
+      <p:sp>
+        <p:nvSpPr>
+          <p:cNvPr id="3" name="Espace réservé des notes 2"/>
+          <p:cNvSpPr>
+            <a:spLocks noGrp="1"/>
+          </p:cNvSpPr>
+          <p:nvPr>
+            <p:ph type="body" idx="1"/>
+          </p:nvPr>
+        </p:nvSpPr>
+        <p:spPr/>
+        <p:txBody>
+          <a:bodyPr/>
+          <a:lstStyle/>
+          <a:p>
+            <a:r>
+              <a:rPr lang="fr-CH" dirty="0"/>
+              <a:t>Présentation messagerie:</a:t>
+            </a:r>
+          </a:p>
+          <a:p>
+            <a:endParaRPr lang="fr-CH" dirty="0"/>
+          </a:p>
+          <a:p>
+            <a:r>
+              <a:rPr lang="fr-CH" dirty="0"/>
+              <a:t>Messages, …</a:t>
+            </a:r>
+          </a:p>
+        </p:txBody>
+      </p:sp>
+      <p:sp>
+        <p:nvSpPr>
+          <p:cNvPr id="4" name="Espace réservé du numéro de diapositive 3"/>
+          <p:cNvSpPr>
+            <a:spLocks noGrp="1"/>
+          </p:cNvSpPr>
+          <p:nvPr>
+            <p:ph type="sldNum" sz="quarter" idx="5"/>
+          </p:nvPr>
+        </p:nvSpPr>
+        <p:spPr/>
+        <p:txBody>
+          <a:bodyPr/>
+          <a:lstStyle/>
+          <a:p>
+            <a:fld id="{23E8E429-A922-49C7-ACCE-C5D0493CD5A5}" type="slidenum">
+              <a:rPr lang="fr-CH" smtClean="0"/>
+              <a:t>7</a:t>
+            </a:fld>
+            <a:endParaRPr lang="fr-CH"/>
+          </a:p>
+        </p:txBody>
+      </p:sp>
+    </p:spTree>
+    <p:extLst>
+      <p:ext uri="{BB962C8B-B14F-4D97-AF65-F5344CB8AC3E}">
+        <p14:creationId xmlns:p14="http://schemas.microsoft.com/office/powerpoint/2010/main" val="452227842"/>
+      </p:ext>
+    </p:extLst>
+  </p:cSld>
+  <p:clrMapOvr>
+    <a:masterClrMapping/>
+  </p:clrMapOvr>
+</p:notes>
+</file>
+
+<file path=ppt/notesSlides/notesSlide8.xml><?xml version="1.0" encoding="utf-8"?>
+<p:notes xmlns:a="http://schemas.openxmlformats.org/drawingml/2006/main" xmlns:r="http://schemas.openxmlformats.org/officeDocument/2006/relationships" xmlns:p="http://schemas.openxmlformats.org/presentationml/2006/main">
+  <p:cSld>
+    <p:spTree>
+      <p:nvGrpSpPr>
+        <p:cNvPr id="1" name=""/>
+        <p:cNvGrpSpPr/>
+        <p:nvPr/>
+      </p:nvGrpSpPr>
+      <p:grpSpPr>
+        <a:xfrm>
+          <a:off x="0" y="0"/>
+          <a:ext cx="0" cy="0"/>
+          <a:chOff x="0" y="0"/>
+          <a:chExt cx="0" cy="0"/>
+        </a:xfrm>
+      </p:grpSpPr>
+      <p:sp>
+        <p:nvSpPr>
+          <p:cNvPr id="2" name="Espace réservé de l'image des diapositives 1"/>
+          <p:cNvSpPr>
+            <a:spLocks noGrp="1" noRot="1" noChangeAspect="1"/>
+          </p:cNvSpPr>
+          <p:nvPr>
+            <p:ph type="sldImg"/>
+          </p:nvPr>
+        </p:nvSpPr>
+        <p:spPr/>
+      </p:sp>
+      <p:sp>
+        <p:nvSpPr>
+          <p:cNvPr id="3" name="Espace réservé des notes 2"/>
+          <p:cNvSpPr>
+            <a:spLocks noGrp="1"/>
+          </p:cNvSpPr>
+          <p:nvPr>
+            <p:ph type="body" idx="1"/>
+          </p:nvPr>
+        </p:nvSpPr>
+        <p:spPr/>
+        <p:txBody>
+          <a:bodyPr/>
+          <a:lstStyle/>
+          <a:p>
+            <a:r>
+              <a:rPr lang="fr-CH" dirty="0" err="1"/>
+              <a:t>Presentation</a:t>
+            </a:r>
+            <a:r>
+              <a:rPr lang="fr-CH" dirty="0"/>
+              <a:t> ajouter un article:</a:t>
+            </a:r>
+          </a:p>
+          <a:p>
+            <a:endParaRPr lang="fr-CH" dirty="0"/>
+          </a:p>
+          <a:p>
+            <a:r>
+              <a:rPr lang="fr-CH" dirty="0"/>
+              <a:t>Description. …</a:t>
+            </a:r>
+          </a:p>
+        </p:txBody>
+      </p:sp>
+      <p:sp>
+        <p:nvSpPr>
+          <p:cNvPr id="4" name="Espace réservé du numéro de diapositive 3"/>
+          <p:cNvSpPr>
+            <a:spLocks noGrp="1"/>
+          </p:cNvSpPr>
+          <p:nvPr>
+            <p:ph type="sldNum" sz="quarter" idx="5"/>
+          </p:nvPr>
+        </p:nvSpPr>
+        <p:spPr/>
+        <p:txBody>
+          <a:bodyPr/>
+          <a:lstStyle/>
+          <a:p>
+            <a:fld id="{23E8E429-A922-49C7-ACCE-C5D0493CD5A5}" type="slidenum">
+              <a:rPr lang="fr-CH" smtClean="0"/>
+              <a:t>8</a:t>
+            </a:fld>
+            <a:endParaRPr lang="fr-CH"/>
+          </a:p>
+        </p:txBody>
+      </p:sp>
+    </p:spTree>
+    <p:extLst>
+      <p:ext uri="{BB962C8B-B14F-4D97-AF65-F5344CB8AC3E}">
+        <p14:creationId xmlns:p14="http://schemas.microsoft.com/office/powerpoint/2010/main" val="904496789"/>
+      </p:ext>
+    </p:extLst>
+  </p:cSld>
+  <p:clrMapOvr>
+    <a:masterClrMapping/>
+  </p:clrMapOvr>
+</p:notes>
+</file>
+
+<file path=ppt/notesSlides/notesSlide9.xml><?xml version="1.0" encoding="utf-8"?>
+<p:notes xmlns:a="http://schemas.openxmlformats.org/drawingml/2006/main" xmlns:r="http://schemas.openxmlformats.org/officeDocument/2006/relationships" xmlns:p="http://schemas.openxmlformats.org/presentationml/2006/main">
+  <p:cSld>
+    <p:spTree>
+      <p:nvGrpSpPr>
+        <p:cNvPr id="1" name=""/>
+        <p:cNvGrpSpPr/>
+        <p:nvPr/>
+      </p:nvGrpSpPr>
+      <p:grpSpPr>
+        <a:xfrm>
+          <a:off x="0" y="0"/>
+          <a:ext cx="0" cy="0"/>
+          <a:chOff x="0" y="0"/>
+          <a:chExt cx="0" cy="0"/>
+        </a:xfrm>
+      </p:grpSpPr>
+      <p:sp>
+        <p:nvSpPr>
+          <p:cNvPr id="2" name="Espace réservé de l'image des diapositives 1"/>
+          <p:cNvSpPr>
+            <a:spLocks noGrp="1" noRot="1" noChangeAspect="1"/>
+          </p:cNvSpPr>
+          <p:nvPr>
+            <p:ph type="sldImg"/>
+          </p:nvPr>
+        </p:nvSpPr>
+        <p:spPr/>
+      </p:sp>
+      <p:sp>
+        <p:nvSpPr>
+          <p:cNvPr id="3" name="Espace réservé des notes 2"/>
+          <p:cNvSpPr>
+            <a:spLocks noGrp="1"/>
+          </p:cNvSpPr>
+          <p:nvPr>
+            <p:ph type="body" idx="1"/>
+          </p:nvPr>
+        </p:nvSpPr>
+        <p:spPr/>
+        <p:txBody>
+          <a:bodyPr/>
+          <a:lstStyle/>
+          <a:p>
+            <a:r>
+              <a:rPr lang="fr-CH" dirty="0"/>
+              <a:t>Présentation profil utilisateur:</a:t>
+            </a:r>
+          </a:p>
+          <a:p>
+            <a:endParaRPr lang="fr-CH" dirty="0"/>
+          </a:p>
+          <a:p>
+            <a:r>
+              <a:rPr lang="fr-CH" dirty="0"/>
+              <a:t>Infos (différentes)</a:t>
+            </a:r>
+          </a:p>
+        </p:txBody>
+      </p:sp>
+      <p:sp>
+        <p:nvSpPr>
+          <p:cNvPr id="4" name="Espace réservé du numéro de diapositive 3"/>
+          <p:cNvSpPr>
+            <a:spLocks noGrp="1"/>
+          </p:cNvSpPr>
+          <p:nvPr>
+            <p:ph type="sldNum" sz="quarter" idx="5"/>
+          </p:nvPr>
+        </p:nvSpPr>
+        <p:spPr/>
+        <p:txBody>
+          <a:bodyPr/>
+          <a:lstStyle/>
+          <a:p>
+            <a:fld id="{23E8E429-A922-49C7-ACCE-C5D0493CD5A5}" type="slidenum">
+              <a:rPr lang="fr-CH" smtClean="0"/>
+              <a:t>9</a:t>
+            </a:fld>
+            <a:endParaRPr lang="fr-CH"/>
+          </a:p>
+        </p:txBody>
+      </p:sp>
+    </p:spTree>
+    <p:extLst>
+      <p:ext uri="{BB962C8B-B14F-4D97-AF65-F5344CB8AC3E}">
+        <p14:creationId xmlns:p14="http://schemas.microsoft.com/office/powerpoint/2010/main" val="1021739675"/>
       </p:ext>
     </p:extLst>
   </p:cSld>
@@ -8576,7 +10187,7 @@
           <a:p>
             <a:fld id="{BA07EF9B-9B2E-4FDD-942A-94F6C7A0C659}" type="datetime1">
               <a:rPr lang="fr-CH" smtClean="0"/>
-              <a:t>09.04.2019</a:t>
+              <a:t>11.04.2019</a:t>
             </a:fld>
             <a:endParaRPr lang="fr-CH"/>
           </a:p>
@@ -8776,7 +10387,7 @@
           <a:p>
             <a:fld id="{21D26608-B4DF-40AD-89F4-8255651B60FD}" type="datetime1">
               <a:rPr lang="fr-CH" smtClean="0"/>
-              <a:t>09.04.2019</a:t>
+              <a:t>11.04.2019</a:t>
             </a:fld>
             <a:endParaRPr lang="fr-CH"/>
           </a:p>
@@ -8986,7 +10597,7 @@
           <a:p>
             <a:fld id="{E9ADCF0E-E7D5-411C-A2CB-091C37BF7BC7}" type="datetime1">
               <a:rPr lang="fr-CH" smtClean="0"/>
-              <a:t>09.04.2019</a:t>
+              <a:t>11.04.2019</a:t>
             </a:fld>
             <a:endParaRPr lang="fr-CH"/>
           </a:p>
@@ -9186,7 +10797,7 @@
           <a:p>
             <a:fld id="{09FC0181-3397-4832-ADBE-6FBE4103AFAF}" type="datetime1">
               <a:rPr lang="fr-CH" smtClean="0"/>
-              <a:t>09.04.2019</a:t>
+              <a:t>11.04.2019</a:t>
             </a:fld>
             <a:endParaRPr lang="fr-CH"/>
           </a:p>
@@ -9462,7 +11073,7 @@
           <a:p>
             <a:fld id="{25BAC7B9-CE87-44D4-B31E-39287D359CD7}" type="datetime1">
               <a:rPr lang="fr-CH" smtClean="0"/>
-              <a:t>09.04.2019</a:t>
+              <a:t>11.04.2019</a:t>
             </a:fld>
             <a:endParaRPr lang="fr-CH"/>
           </a:p>
@@ -9730,7 +11341,7 @@
           <a:p>
             <a:fld id="{64DBA5D9-5ADA-44DD-8680-D8D195ED68DF}" type="datetime1">
               <a:rPr lang="fr-CH" smtClean="0"/>
-              <a:t>09.04.2019</a:t>
+              <a:t>11.04.2019</a:t>
             </a:fld>
             <a:endParaRPr lang="fr-CH"/>
           </a:p>
@@ -10145,7 +11756,7 @@
           <a:p>
             <a:fld id="{97BBBCCB-C279-47AF-BDD5-C98015A6ABC4}" type="datetime1">
               <a:rPr lang="fr-CH" smtClean="0"/>
-              <a:t>09.04.2019</a:t>
+              <a:t>11.04.2019</a:t>
             </a:fld>
             <a:endParaRPr lang="fr-CH"/>
           </a:p>
@@ -10287,7 +11898,7 @@
           <a:p>
             <a:fld id="{85FB55FE-6668-4D3A-8FBB-E3951A818632}" type="datetime1">
               <a:rPr lang="fr-CH" smtClean="0"/>
-              <a:t>09.04.2019</a:t>
+              <a:t>11.04.2019</a:t>
             </a:fld>
             <a:endParaRPr lang="fr-CH"/>
           </a:p>
@@ -10400,7 +12011,7 @@
           <a:p>
             <a:fld id="{B2606909-CE7D-49CD-8618-8D2B0FE7271A}" type="datetime1">
               <a:rPr lang="fr-CH" smtClean="0"/>
-              <a:t>09.04.2019</a:t>
+              <a:t>11.04.2019</a:t>
             </a:fld>
             <a:endParaRPr lang="fr-CH"/>
           </a:p>
@@ -10713,7 +12324,7 @@
           <a:p>
             <a:fld id="{69E5A6DB-4266-4BE8-B0C9-377B9EA76F00}" type="datetime1">
               <a:rPr lang="fr-CH" smtClean="0"/>
-              <a:t>09.04.2019</a:t>
+              <a:t>11.04.2019</a:t>
             </a:fld>
             <a:endParaRPr lang="fr-CH"/>
           </a:p>
@@ -11002,7 +12613,7 @@
           <a:p>
             <a:fld id="{0EEB7180-6098-4595-8EC0-3074BC08BCEB}" type="datetime1">
               <a:rPr lang="fr-CH" smtClean="0"/>
-              <a:t>09.04.2019</a:t>
+              <a:t>11.04.2019</a:t>
             </a:fld>
             <a:endParaRPr lang="fr-CH"/>
           </a:p>
@@ -11245,7 +12856,7 @@
           <a:p>
             <a:fld id="{8CF8CEE8-082C-481F-9BFC-8CE699F7EB03}" type="datetime1">
               <a:rPr lang="fr-CH" smtClean="0"/>
-              <a:t>09.04.2019</a:t>
+              <a:t>11.04.2019</a:t>
             </a:fld>
             <a:endParaRPr lang="fr-CH"/>
           </a:p>
@@ -11678,7 +13289,7 @@
           <p:nvPr/>
         </p:nvPicPr>
         <p:blipFill>
-          <a:blip r:embed="rId2">
+          <a:blip r:embed="rId3">
             <a:extLst>
               <a:ext uri="{28A0092B-C50C-407E-A947-70E740481C1C}">
                 <a14:useLocalDpi xmlns:a14="http://schemas.microsoft.com/office/drawing/2010/main" val="0"/>
@@ -11717,8 +13328,8 @@
         </p:nvSpPr>
         <p:spPr>
           <a:xfrm>
-            <a:off x="1524000" y="4833937"/>
-            <a:ext cx="9144000" cy="742361"/>
+            <a:off x="3867397" y="4846453"/>
+            <a:ext cx="4457205" cy="742361"/>
           </a:xfrm>
         </p:spPr>
         <p:txBody>
@@ -11780,6 +13391,42 @@
           </a:p>
         </p:txBody>
       </p:sp>
+      <p:cxnSp>
+        <p:nvCxnSpPr>
+          <p:cNvPr id="4" name="Connecteur droit 3">
+            <a:extLst>
+              <a:ext uri="{FF2B5EF4-FFF2-40B4-BE49-F238E27FC236}">
+                <a16:creationId xmlns:a16="http://schemas.microsoft.com/office/drawing/2014/main" id="{246EECAC-DC6C-431F-845C-DF70DB4EB76C}"/>
+              </a:ext>
+            </a:extLst>
+          </p:cNvPr>
+          <p:cNvCxnSpPr/>
+          <p:nvPr/>
+        </p:nvCxnSpPr>
+        <p:spPr>
+          <a:xfrm>
+            <a:off x="2755076" y="4607626"/>
+            <a:ext cx="6448301" cy="0"/>
+          </a:xfrm>
+          <a:prstGeom prst="line">
+            <a:avLst/>
+          </a:prstGeom>
+        </p:spPr>
+        <p:style>
+          <a:lnRef idx="1">
+            <a:schemeClr val="dk1"/>
+          </a:lnRef>
+          <a:fillRef idx="0">
+            <a:schemeClr val="dk1"/>
+          </a:fillRef>
+          <a:effectRef idx="0">
+            <a:schemeClr val="dk1"/>
+          </a:effectRef>
+          <a:fontRef idx="minor">
+            <a:schemeClr val="tx1"/>
+          </a:fontRef>
+        </p:style>
+      </p:cxnSp>
     </p:spTree>
     <p:extLst>
       <p:ext uri="{BB962C8B-B14F-4D97-AF65-F5344CB8AC3E}">
@@ -11978,7 +13625,14 @@
             <a:pPr algn="ctr"/>
             <a:r>
               <a:rPr lang="fr-CH" sz="2400" dirty="0"/>
-              <a:t>Plus de 200’000 utilisateurs potentiels en Suisse</a:t>
+              <a:t>Plus de 240’000 utilisateurs potentiels </a:t>
+            </a:r>
+          </a:p>
+          <a:p>
+            <a:pPr algn="ctr"/>
+            <a:r>
+              <a:rPr lang="fr-CH" sz="2400" dirty="0"/>
+              <a:t>en Suisse</a:t>
             </a:r>
           </a:p>
         </p:txBody>
@@ -11998,7 +13652,7 @@
         <p:spPr>
           <a:xfrm>
             <a:off x="1238701" y="6444476"/>
-            <a:ext cx="1423147" cy="276999"/>
+            <a:ext cx="1414490" cy="276999"/>
           </a:xfrm>
           <a:prstGeom prst="rect">
             <a:avLst/>
@@ -12013,7 +13667,7 @@
           <a:p>
             <a:r>
               <a:rPr lang="fr-CH" sz="1200" dirty="0"/>
-              <a:t>*Source : Wikipédia</a:t>
+              <a:t>*Source : RTS, 2015</a:t>
             </a:r>
           </a:p>
         </p:txBody>
@@ -12112,7 +13766,7 @@
           <a:p>
             <a:r>
               <a:rPr lang="fr-CH" dirty="0"/>
-              <a:t>Pour utilisateur UNI :</a:t>
+              <a:t>Pour utilisateur de l’Université :</a:t>
             </a:r>
           </a:p>
           <a:p>
@@ -12648,7 +14302,7 @@
           <p:nvPr/>
         </p:nvPicPr>
         <p:blipFill>
-          <a:blip r:embed="rId2">
+          <a:blip r:embed="rId3">
             <a:extLst>
               <a:ext uri="{28A0092B-C50C-407E-A947-70E740481C1C}">
                 <a14:useLocalDpi xmlns:a14="http://schemas.microsoft.com/office/drawing/2010/main" val="0"/>
@@ -12684,7 +14338,7 @@
           <p:nvPr/>
         </p:nvPicPr>
         <p:blipFill>
-          <a:blip r:embed="rId3">
+          <a:blip r:embed="rId4">
             <a:extLst>
               <a:ext uri="{28A0092B-C50C-407E-A947-70E740481C1C}">
                 <a14:useLocalDpi xmlns:a14="http://schemas.microsoft.com/office/drawing/2010/main" val="0"/>
@@ -12720,7 +14374,7 @@
           <p:nvPr/>
         </p:nvPicPr>
         <p:blipFill>
-          <a:blip r:embed="rId4">
+          <a:blip r:embed="rId5">
             <a:extLst>
               <a:ext uri="{28A0092B-C50C-407E-A947-70E740481C1C}">
                 <a14:useLocalDpi xmlns:a14="http://schemas.microsoft.com/office/drawing/2010/main" val="0"/>
@@ -12756,7 +14410,7 @@
           <p:nvPr/>
         </p:nvPicPr>
         <p:blipFill>
-          <a:blip r:embed="rId5">
+          <a:blip r:embed="rId6">
             <a:extLst>
               <a:ext uri="{28A0092B-C50C-407E-A947-70E740481C1C}">
                 <a14:useLocalDpi xmlns:a14="http://schemas.microsoft.com/office/drawing/2010/main" val="0"/>
@@ -12792,13 +14446,13 @@
           <p:nvPr/>
         </p:nvPicPr>
         <p:blipFill>
-          <a:blip r:embed="rId6">
+          <a:blip r:embed="rId7">
             <a:extLst>
               <a:ext uri="{28A0092B-C50C-407E-A947-70E740481C1C}">
                 <a14:useLocalDpi xmlns:a14="http://schemas.microsoft.com/office/drawing/2010/main" val="0"/>
               </a:ext>
               <a:ext uri="{96DAC541-7B7A-43D3-8B79-37D633B846F1}">
-                <asvg:svgBlip xmlns:asvg="http://schemas.microsoft.com/office/drawing/2016/SVG/main" r:embed="rId7"/>
+                <asvg:svgBlip xmlns:asvg="http://schemas.microsoft.com/office/drawing/2016/SVG/main" r:embed="rId8"/>
               </a:ext>
             </a:extLst>
           </a:blip>
@@ -12831,7 +14485,7 @@
           <p:nvPr/>
         </p:nvPicPr>
         <p:blipFill>
-          <a:blip r:embed="rId8">
+          <a:blip r:embed="rId9">
             <a:extLst>
               <a:ext uri="{28A0092B-C50C-407E-A947-70E740481C1C}">
                 <a14:useLocalDpi xmlns:a14="http://schemas.microsoft.com/office/drawing/2010/main" val="0"/>
@@ -13104,7 +14758,7 @@
           <p:nvPr/>
         </p:nvPicPr>
         <p:blipFill>
-          <a:blip r:embed="rId2">
+          <a:blip r:embed="rId3">
             <a:extLst>
               <a:ext uri="{28A0092B-C50C-407E-A947-70E740481C1C}">
                 <a14:useLocalDpi xmlns:a14="http://schemas.microsoft.com/office/drawing/2010/main" val="0"/>
@@ -13140,7 +14794,7 @@
           <p:nvPr/>
         </p:nvPicPr>
         <p:blipFill>
-          <a:blip r:embed="rId3">
+          <a:blip r:embed="rId4">
             <a:extLst>
               <a:ext uri="{28A0092B-C50C-407E-A947-70E740481C1C}">
                 <a14:useLocalDpi xmlns:a14="http://schemas.microsoft.com/office/drawing/2010/main" val="0"/>
@@ -13176,7 +14830,7 @@
           <p:nvPr/>
         </p:nvPicPr>
         <p:blipFill>
-          <a:blip r:embed="rId4">
+          <a:blip r:embed="rId5">
             <a:extLst>
               <a:ext uri="{28A0092B-C50C-407E-A947-70E740481C1C}">
                 <a14:useLocalDpi xmlns:a14="http://schemas.microsoft.com/office/drawing/2010/main" val="0"/>
@@ -13212,7 +14866,7 @@
           <p:nvPr/>
         </p:nvPicPr>
         <p:blipFill>
-          <a:blip r:embed="rId4">
+          <a:blip r:embed="rId5">
             <a:extLst>
               <a:ext uri="{28A0092B-C50C-407E-A947-70E740481C1C}">
                 <a14:useLocalDpi xmlns:a14="http://schemas.microsoft.com/office/drawing/2010/main" val="0"/>
@@ -13248,7 +14902,7 @@
           <p:nvPr/>
         </p:nvPicPr>
         <p:blipFill>
-          <a:blip r:embed="rId4">
+          <a:blip r:embed="rId5">
             <a:extLst>
               <a:ext uri="{28A0092B-C50C-407E-A947-70E740481C1C}">
                 <a14:useLocalDpi xmlns:a14="http://schemas.microsoft.com/office/drawing/2010/main" val="0"/>
@@ -13284,13 +14938,13 @@
           <p:nvPr/>
         </p:nvPicPr>
         <p:blipFill>
-          <a:blip r:embed="rId5">
+          <a:blip r:embed="rId6">
             <a:extLst>
               <a:ext uri="{28A0092B-C50C-407E-A947-70E740481C1C}">
                 <a14:useLocalDpi xmlns:a14="http://schemas.microsoft.com/office/drawing/2010/main" val="0"/>
               </a:ext>
               <a:ext uri="{96DAC541-7B7A-43D3-8B79-37D633B846F1}">
-                <asvg:svgBlip xmlns:asvg="http://schemas.microsoft.com/office/drawing/2016/SVG/main" r:embed="rId6"/>
+                <asvg:svgBlip xmlns:asvg="http://schemas.microsoft.com/office/drawing/2016/SVG/main" r:embed="rId7"/>
               </a:ext>
             </a:extLst>
           </a:blip>
@@ -13429,7 +15083,7 @@
           <p:nvPr/>
         </p:nvPicPr>
         <p:blipFill>
-          <a:blip r:embed="rId2">
+          <a:blip r:embed="rId3">
             <a:extLst>
               <a:ext uri="{28A0092B-C50C-407E-A947-70E740481C1C}">
                 <a14:useLocalDpi xmlns:a14="http://schemas.microsoft.com/office/drawing/2010/main" val="0"/>
@@ -13721,7 +15375,7 @@
           <p:nvPr/>
         </p:nvPicPr>
         <p:blipFill>
-          <a:blip r:embed="rId2">
+          <a:blip r:embed="rId3">
             <a:extLst>
               <a:ext uri="{28A0092B-C50C-407E-A947-70E740481C1C}">
                 <a14:useLocalDpi xmlns:a14="http://schemas.microsoft.com/office/drawing/2010/main" val="0"/>
@@ -13775,7 +15429,7 @@
           <p:nvPr/>
         </p:nvPicPr>
         <p:blipFill>
-          <a:blip r:embed="rId3">
+          <a:blip r:embed="rId4">
             <a:extLst>
               <a:ext uri="{28A0092B-C50C-407E-A947-70E740481C1C}">
                 <a14:useLocalDpi xmlns:a14="http://schemas.microsoft.com/office/drawing/2010/main" val="0"/>
@@ -13892,7 +15546,7 @@
           <p:nvPr/>
         </p:nvPicPr>
         <p:blipFill>
-          <a:blip r:embed="rId4">
+          <a:blip r:embed="rId5">
             <a:extLst>
               <a:ext uri="{28A0092B-C50C-407E-A947-70E740481C1C}">
                 <a14:useLocalDpi xmlns:a14="http://schemas.microsoft.com/office/drawing/2010/main" val="0"/>
@@ -13946,7 +15600,7 @@
           <p:nvPr/>
         </p:nvPicPr>
         <p:blipFill>
-          <a:blip r:embed="rId5">
+          <a:blip r:embed="rId6">
             <a:extLst>
               <a:ext uri="{28A0092B-C50C-407E-A947-70E740481C1C}">
                 <a14:useLocalDpi xmlns:a14="http://schemas.microsoft.com/office/drawing/2010/main" val="0"/>
@@ -14212,7 +15866,7 @@
           <p:nvPr/>
         </p:nvPicPr>
         <p:blipFill>
-          <a:blip r:embed="rId6">
+          <a:blip r:embed="rId7">
             <a:extLst>
               <a:ext uri="{28A0092B-C50C-407E-A947-70E740481C1C}">
                 <a14:useLocalDpi xmlns:a14="http://schemas.microsoft.com/office/drawing/2010/main" val="0"/>
@@ -14266,7 +15920,7 @@
           <p:nvPr/>
         </p:nvPicPr>
         <p:blipFill>
-          <a:blip r:embed="rId7">
+          <a:blip r:embed="rId8">
             <a:extLst>
               <a:ext uri="{28A0092B-C50C-407E-A947-70E740481C1C}">
                 <a14:useLocalDpi xmlns:a14="http://schemas.microsoft.com/office/drawing/2010/main" val="0"/>
@@ -14374,271 +16028,6 @@
 </file>
 
 <file path=ppt/slides/slide17.xml><?xml version="1.0" encoding="utf-8"?>
-<p:sld xmlns:a="http://schemas.openxmlformats.org/drawingml/2006/main" xmlns:r="http://schemas.openxmlformats.org/officeDocument/2006/relationships" xmlns:p="http://schemas.openxmlformats.org/presentationml/2006/main">
-  <p:cSld>
-    <p:spTree>
-      <p:nvGrpSpPr>
-        <p:cNvPr id="1" name=""/>
-        <p:cNvGrpSpPr/>
-        <p:nvPr/>
-      </p:nvGrpSpPr>
-      <p:grpSpPr>
-        <a:xfrm>
-          <a:off x="0" y="0"/>
-          <a:ext cx="0" cy="0"/>
-          <a:chOff x="0" y="0"/>
-          <a:chExt cx="0" cy="0"/>
-        </a:xfrm>
-      </p:grpSpPr>
-      <p:sp>
-        <p:nvSpPr>
-          <p:cNvPr id="2" name="Titre 1">
-            <a:extLst>
-              <a:ext uri="{FF2B5EF4-FFF2-40B4-BE49-F238E27FC236}">
-                <a16:creationId xmlns:a16="http://schemas.microsoft.com/office/drawing/2014/main" id="{B565F622-7A9C-43BC-A728-DBDB95132048}"/>
-              </a:ext>
-            </a:extLst>
-          </p:cNvPr>
-          <p:cNvSpPr>
-            <a:spLocks noGrp="1"/>
-          </p:cNvSpPr>
-          <p:nvPr>
-            <p:ph type="title"/>
-          </p:nvPr>
-        </p:nvSpPr>
-        <p:spPr/>
-        <p:txBody>
-          <a:bodyPr/>
-          <a:lstStyle/>
-          <a:p>
-            <a:r>
-              <a:rPr lang="fr-CH" dirty="0"/>
-              <a:t>Timeline</a:t>
-            </a:r>
-          </a:p>
-        </p:txBody>
-      </p:sp>
-      <p:sp>
-        <p:nvSpPr>
-          <p:cNvPr id="3" name="Espace réservé du contenu 2">
-            <a:extLst>
-              <a:ext uri="{FF2B5EF4-FFF2-40B4-BE49-F238E27FC236}">
-                <a16:creationId xmlns:a16="http://schemas.microsoft.com/office/drawing/2014/main" id="{5B34C789-7E48-435C-8907-168C5252C6EB}"/>
-              </a:ext>
-            </a:extLst>
-          </p:cNvPr>
-          <p:cNvSpPr>
-            <a:spLocks noGrp="1"/>
-          </p:cNvSpPr>
-          <p:nvPr>
-            <p:ph idx="1"/>
-          </p:nvPr>
-        </p:nvSpPr>
-        <p:spPr/>
-        <p:txBody>
-          <a:bodyPr/>
-          <a:lstStyle/>
-          <a:p>
-            <a:r>
-              <a:rPr lang="fr-CH" dirty="0"/>
-              <a:t>Scrum and Sprint</a:t>
-            </a:r>
-          </a:p>
-        </p:txBody>
-      </p:sp>
-      <p:sp>
-        <p:nvSpPr>
-          <p:cNvPr id="4" name="Espace réservé du numéro de diapositive 3">
-            <a:extLst>
-              <a:ext uri="{FF2B5EF4-FFF2-40B4-BE49-F238E27FC236}">
-                <a16:creationId xmlns:a16="http://schemas.microsoft.com/office/drawing/2014/main" id="{AE3E9ED2-A6D1-4CF2-88B3-C79DC2806DEA}"/>
-              </a:ext>
-            </a:extLst>
-          </p:cNvPr>
-          <p:cNvSpPr>
-            <a:spLocks noGrp="1"/>
-          </p:cNvSpPr>
-          <p:nvPr>
-            <p:ph type="sldNum" sz="quarter" idx="12"/>
-          </p:nvPr>
-        </p:nvSpPr>
-        <p:spPr/>
-        <p:txBody>
-          <a:bodyPr/>
-          <a:lstStyle/>
-          <a:p>
-            <a:fld id="{FAEAF821-8BBB-4B5F-AB25-F4FE9450ED6D}" type="slidenum">
-              <a:rPr lang="fr-CH" smtClean="0"/>
-              <a:t>17</a:t>
-            </a:fld>
-            <a:endParaRPr lang="fr-CH"/>
-          </a:p>
-        </p:txBody>
-      </p:sp>
-    </p:spTree>
-    <p:extLst>
-      <p:ext uri="{BB962C8B-B14F-4D97-AF65-F5344CB8AC3E}">
-        <p14:creationId xmlns:p14="http://schemas.microsoft.com/office/powerpoint/2010/main" val="2283651598"/>
-      </p:ext>
-    </p:extLst>
-  </p:cSld>
-  <p:clrMapOvr>
-    <a:masterClrMapping/>
-  </p:clrMapOvr>
-</p:sld>
-</file>
-
-<file path=ppt/slides/slide18.xml><?xml version="1.0" encoding="utf-8"?>
-<p:sld xmlns:a="http://schemas.openxmlformats.org/drawingml/2006/main" xmlns:r="http://schemas.openxmlformats.org/officeDocument/2006/relationships" xmlns:p="http://schemas.openxmlformats.org/presentationml/2006/main">
-  <p:cSld>
-    <p:bg>
-      <p:bgPr>
-        <a:solidFill>
-          <a:schemeClr val="bg1"/>
-        </a:solidFill>
-        <a:effectLst/>
-      </p:bgPr>
-    </p:bg>
-    <p:spTree>
-      <p:nvGrpSpPr>
-        <p:cNvPr id="1" name=""/>
-        <p:cNvGrpSpPr/>
-        <p:nvPr/>
-      </p:nvGrpSpPr>
-      <p:grpSpPr>
-        <a:xfrm>
-          <a:off x="0" y="0"/>
-          <a:ext cx="0" cy="0"/>
-          <a:chOff x="0" y="0"/>
-          <a:chExt cx="0" cy="0"/>
-        </a:xfrm>
-      </p:grpSpPr>
-      <p:sp>
-        <p:nvSpPr>
-          <p:cNvPr id="2" name="Titre 1">
-            <a:extLst>
-              <a:ext uri="{FF2B5EF4-FFF2-40B4-BE49-F238E27FC236}">
-                <a16:creationId xmlns:a16="http://schemas.microsoft.com/office/drawing/2014/main" id="{7110C73B-C441-4A8F-809D-FE96868E07BF}"/>
-              </a:ext>
-            </a:extLst>
-          </p:cNvPr>
-          <p:cNvSpPr>
-            <a:spLocks noGrp="1"/>
-          </p:cNvSpPr>
-          <p:nvPr>
-            <p:ph type="title"/>
-          </p:nvPr>
-        </p:nvSpPr>
-        <p:spPr>
-          <a:xfrm>
-            <a:off x="838200" y="365125"/>
-            <a:ext cx="10515600" cy="960241"/>
-          </a:xfrm>
-        </p:spPr>
-        <p:txBody>
-          <a:bodyPr>
-            <a:normAutofit/>
-          </a:bodyPr>
-          <a:lstStyle/>
-          <a:p>
-            <a:r>
-              <a:rPr lang="fr-CH" dirty="0"/>
-              <a:t>Diagramme de Gantt</a:t>
-            </a:r>
-          </a:p>
-        </p:txBody>
-      </p:sp>
-      <p:sp>
-        <p:nvSpPr>
-          <p:cNvPr id="4" name="Espace réservé du numéro de diapositive 3">
-            <a:extLst>
-              <a:ext uri="{FF2B5EF4-FFF2-40B4-BE49-F238E27FC236}">
-                <a16:creationId xmlns:a16="http://schemas.microsoft.com/office/drawing/2014/main" id="{C782029C-6131-40A0-A945-F393B6E676D4}"/>
-              </a:ext>
-            </a:extLst>
-          </p:cNvPr>
-          <p:cNvSpPr>
-            <a:spLocks noGrp="1"/>
-          </p:cNvSpPr>
-          <p:nvPr>
-            <p:ph type="sldNum" sz="quarter" idx="12"/>
-          </p:nvPr>
-        </p:nvSpPr>
-        <p:spPr>
-          <a:xfrm>
-            <a:off x="8610600" y="6356350"/>
-            <a:ext cx="2743200" cy="365125"/>
-          </a:xfrm>
-        </p:spPr>
-        <p:txBody>
-          <a:bodyPr>
-            <a:normAutofit/>
-          </a:bodyPr>
-          <a:lstStyle/>
-          <a:p>
-            <a:pPr>
-              <a:spcAft>
-                <a:spcPts val="600"/>
-              </a:spcAft>
-            </a:pPr>
-            <a:fld id="{FAEAF821-8BBB-4B5F-AB25-F4FE9450ED6D}" type="slidenum">
-              <a:rPr lang="fr-CH" smtClean="0"/>
-              <a:pPr>
-                <a:spcAft>
-                  <a:spcPts val="600"/>
-                </a:spcAft>
-              </a:pPr>
-              <a:t>18</a:t>
-            </a:fld>
-            <a:endParaRPr lang="fr-CH"/>
-          </a:p>
-        </p:txBody>
-      </p:sp>
-      <p:graphicFrame>
-        <p:nvGraphicFramePr>
-          <p:cNvPr id="12" name="Chart 4">
-            <a:extLst>
-              <a:ext uri="{FF2B5EF4-FFF2-40B4-BE49-F238E27FC236}">
-                <a16:creationId xmlns:a16="http://schemas.microsoft.com/office/drawing/2014/main" id="{00000000-0008-0000-0000-000005000000}"/>
-              </a:ext>
-            </a:extLst>
-          </p:cNvPr>
-          <p:cNvGraphicFramePr>
-            <a:graphicFrameLocks noGrp="1"/>
-          </p:cNvGraphicFramePr>
-          <p:nvPr>
-            <p:ph idx="1"/>
-            <p:extLst>
-              <p:ext uri="{D42A27DB-BD31-4B8C-83A1-F6EECF244321}">
-                <p14:modId xmlns:p14="http://schemas.microsoft.com/office/powerpoint/2010/main" val="3395362859"/>
-              </p:ext>
-            </p:extLst>
-          </p:nvPr>
-        </p:nvGraphicFramePr>
-        <p:xfrm>
-          <a:off x="838200" y="1325366"/>
-          <a:ext cx="10515600" cy="4851597"/>
-        </p:xfrm>
-        <a:graphic>
-          <a:graphicData uri="http://schemas.openxmlformats.org/drawingml/2006/chart">
-            <c:chart xmlns:c="http://schemas.openxmlformats.org/drawingml/2006/chart" xmlns:r="http://schemas.openxmlformats.org/officeDocument/2006/relationships" r:id="rId2"/>
-          </a:graphicData>
-        </a:graphic>
-      </p:graphicFrame>
-    </p:spTree>
-    <p:extLst>
-      <p:ext uri="{BB962C8B-B14F-4D97-AF65-F5344CB8AC3E}">
-        <p14:creationId xmlns:p14="http://schemas.microsoft.com/office/powerpoint/2010/main" val="1587141374"/>
-      </p:ext>
-    </p:extLst>
-  </p:cSld>
-  <p:clrMapOvr>
-    <a:masterClrMapping/>
-  </p:clrMapOvr>
-</p:sld>
-</file>
-
-<file path=ppt/slides/slide19.xml><?xml version="1.0" encoding="utf-8"?>
 <p:sld xmlns:a="http://schemas.openxmlformats.org/drawingml/2006/main" xmlns:r="http://schemas.openxmlformats.org/officeDocument/2006/relationships" xmlns:p="http://schemas.openxmlformats.org/presentationml/2006/main">
   <p:cSld>
     <p:bg>
@@ -15027,7 +16416,7 @@
         </p:blipFill>
         <p:spPr bwMode="auto">
           <a:xfrm>
-            <a:off x="8874733" y="3783923"/>
+            <a:off x="4771096" y="3839686"/>
             <a:ext cx="2609365" cy="2752344"/>
           </a:xfrm>
           <a:prstGeom prst="rect">
@@ -15073,7 +16462,7 @@
         </p:blipFill>
         <p:spPr bwMode="auto">
           <a:xfrm>
-            <a:off x="4697457" y="3783923"/>
+            <a:off x="8982849" y="3839686"/>
             <a:ext cx="2752344" cy="2752344"/>
           </a:xfrm>
           <a:prstGeom prst="rect">
@@ -15131,7 +16520,7 @@
                   <a:spcPts val="600"/>
                 </a:spcAft>
               </a:pPr>
-              <a:t>19</a:t>
+              <a:t>17</a:t>
             </a:fld>
             <a:endParaRPr lang="fr-CH"/>
           </a:p>
@@ -15196,6 +16585,1752 @@
 </p:sld>
 </file>
 
+<file path=ppt/slides/slide18.xml><?xml version="1.0" encoding="utf-8"?>
+<p:sld xmlns:a="http://schemas.openxmlformats.org/drawingml/2006/main" xmlns:r="http://schemas.openxmlformats.org/officeDocument/2006/relationships" xmlns:p="http://schemas.openxmlformats.org/presentationml/2006/main">
+  <p:cSld>
+    <p:spTree>
+      <p:nvGrpSpPr>
+        <p:cNvPr id="1" name=""/>
+        <p:cNvGrpSpPr/>
+        <p:nvPr/>
+      </p:nvGrpSpPr>
+      <p:grpSpPr>
+        <a:xfrm>
+          <a:off x="0" y="0"/>
+          <a:ext cx="0" cy="0"/>
+          <a:chOff x="0" y="0"/>
+          <a:chExt cx="0" cy="0"/>
+        </a:xfrm>
+      </p:grpSpPr>
+      <p:sp>
+        <p:nvSpPr>
+          <p:cNvPr id="2" name="Rectangle 1">
+            <a:extLst>
+              <a:ext uri="{FF2B5EF4-FFF2-40B4-BE49-F238E27FC236}">
+                <a16:creationId xmlns:a16="http://schemas.microsoft.com/office/drawing/2014/main" id="{8DF66C13-7CA4-4C89-89A9-51F77E6DE8EE}"/>
+              </a:ext>
+            </a:extLst>
+          </p:cNvPr>
+          <p:cNvSpPr/>
+          <p:nvPr/>
+        </p:nvSpPr>
+        <p:spPr>
+          <a:xfrm>
+            <a:off x="3942608" y="692150"/>
+            <a:ext cx="7959438" cy="5800725"/>
+          </a:xfrm>
+          <a:prstGeom prst="rect">
+            <a:avLst/>
+          </a:prstGeom>
+          <a:solidFill>
+            <a:schemeClr val="accent2">
+              <a:lumMod val="40000"/>
+              <a:lumOff val="60000"/>
+            </a:schemeClr>
+          </a:solidFill>
+        </p:spPr>
+        <p:style>
+          <a:lnRef idx="2">
+            <a:schemeClr val="accent1">
+              <a:shade val="50000"/>
+            </a:schemeClr>
+          </a:lnRef>
+          <a:fillRef idx="1">
+            <a:schemeClr val="accent1"/>
+          </a:fillRef>
+          <a:effectRef idx="0">
+            <a:schemeClr val="accent1"/>
+          </a:effectRef>
+          <a:fontRef idx="minor">
+            <a:schemeClr val="lt1"/>
+          </a:fontRef>
+        </p:style>
+        <p:txBody>
+          <a:bodyPr rtlCol="0" anchor="ctr"/>
+          <a:lstStyle/>
+          <a:p>
+            <a:pPr algn="ctr"/>
+            <a:endParaRPr lang="fr-CH" dirty="0">
+              <a:solidFill>
+                <a:schemeClr val="tx1"/>
+              </a:solidFill>
+            </a:endParaRPr>
+          </a:p>
+          <a:p>
+            <a:pPr algn="ctr"/>
+            <a:endParaRPr lang="fr-CH" dirty="0">
+              <a:solidFill>
+                <a:schemeClr val="tx1"/>
+              </a:solidFill>
+            </a:endParaRPr>
+          </a:p>
+          <a:p>
+            <a:pPr algn="ctr"/>
+            <a:endParaRPr lang="fr-CH" dirty="0">
+              <a:solidFill>
+                <a:schemeClr val="tx1"/>
+              </a:solidFill>
+            </a:endParaRPr>
+          </a:p>
+          <a:p>
+            <a:pPr algn="ctr"/>
+            <a:endParaRPr lang="fr-CH" dirty="0">
+              <a:solidFill>
+                <a:schemeClr val="tx1"/>
+              </a:solidFill>
+            </a:endParaRPr>
+          </a:p>
+          <a:p>
+            <a:pPr algn="ctr"/>
+            <a:endParaRPr lang="fr-CH" dirty="0">
+              <a:solidFill>
+                <a:schemeClr val="tx1"/>
+              </a:solidFill>
+            </a:endParaRPr>
+          </a:p>
+          <a:p>
+            <a:pPr algn="ctr"/>
+            <a:endParaRPr lang="fr-CH" dirty="0">
+              <a:solidFill>
+                <a:schemeClr val="tx1"/>
+              </a:solidFill>
+            </a:endParaRPr>
+          </a:p>
+          <a:p>
+            <a:pPr algn="ctr"/>
+            <a:endParaRPr lang="fr-CH" dirty="0">
+              <a:solidFill>
+                <a:schemeClr val="tx1"/>
+              </a:solidFill>
+            </a:endParaRPr>
+          </a:p>
+          <a:p>
+            <a:pPr algn="ctr"/>
+            <a:endParaRPr lang="fr-CH" dirty="0">
+              <a:solidFill>
+                <a:schemeClr val="tx1"/>
+              </a:solidFill>
+            </a:endParaRPr>
+          </a:p>
+          <a:p>
+            <a:pPr algn="ctr"/>
+            <a:endParaRPr lang="fr-CH" dirty="0">
+              <a:solidFill>
+                <a:schemeClr val="tx1"/>
+              </a:solidFill>
+            </a:endParaRPr>
+          </a:p>
+          <a:p>
+            <a:pPr algn="ctr"/>
+            <a:endParaRPr lang="fr-CH" dirty="0">
+              <a:solidFill>
+                <a:schemeClr val="tx1"/>
+              </a:solidFill>
+            </a:endParaRPr>
+          </a:p>
+          <a:p>
+            <a:pPr algn="ctr"/>
+            <a:endParaRPr lang="fr-CH" dirty="0">
+              <a:solidFill>
+                <a:schemeClr val="tx1"/>
+              </a:solidFill>
+            </a:endParaRPr>
+          </a:p>
+          <a:p>
+            <a:pPr algn="ctr"/>
+            <a:endParaRPr lang="fr-CH" dirty="0">
+              <a:solidFill>
+                <a:schemeClr val="tx1"/>
+              </a:solidFill>
+            </a:endParaRPr>
+          </a:p>
+          <a:p>
+            <a:pPr algn="ctr"/>
+            <a:endParaRPr lang="fr-CH" dirty="0">
+              <a:solidFill>
+                <a:schemeClr val="tx1"/>
+              </a:solidFill>
+            </a:endParaRPr>
+          </a:p>
+          <a:p>
+            <a:pPr algn="ctr"/>
+            <a:endParaRPr lang="fr-CH" dirty="0">
+              <a:solidFill>
+                <a:schemeClr val="tx1"/>
+              </a:solidFill>
+            </a:endParaRPr>
+          </a:p>
+          <a:p>
+            <a:pPr algn="ctr"/>
+            <a:endParaRPr lang="fr-CH" dirty="0">
+              <a:solidFill>
+                <a:schemeClr val="tx1"/>
+              </a:solidFill>
+            </a:endParaRPr>
+          </a:p>
+          <a:p>
+            <a:pPr algn="ctr"/>
+            <a:endParaRPr lang="fr-CH" dirty="0">
+              <a:solidFill>
+                <a:schemeClr val="tx1"/>
+              </a:solidFill>
+            </a:endParaRPr>
+          </a:p>
+          <a:p>
+            <a:pPr algn="ctr"/>
+            <a:endParaRPr lang="fr-CH" dirty="0">
+              <a:solidFill>
+                <a:schemeClr val="tx1"/>
+              </a:solidFill>
+            </a:endParaRPr>
+          </a:p>
+          <a:p>
+            <a:pPr algn="ctr"/>
+            <a:endParaRPr lang="fr-CH" dirty="0">
+              <a:solidFill>
+                <a:schemeClr val="tx1"/>
+              </a:solidFill>
+            </a:endParaRPr>
+          </a:p>
+          <a:p>
+            <a:pPr algn="ctr"/>
+            <a:endParaRPr lang="fr-CH" dirty="0">
+              <a:solidFill>
+                <a:schemeClr val="tx1"/>
+              </a:solidFill>
+            </a:endParaRPr>
+          </a:p>
+          <a:p>
+            <a:pPr algn="ctr"/>
+            <a:endParaRPr lang="fr-CH" dirty="0">
+              <a:solidFill>
+                <a:schemeClr val="tx1"/>
+              </a:solidFill>
+            </a:endParaRPr>
+          </a:p>
+          <a:p>
+            <a:pPr algn="ctr"/>
+            <a:r>
+              <a:rPr lang="fr-CH" dirty="0">
+                <a:solidFill>
+                  <a:schemeClr val="tx1"/>
+                </a:solidFill>
+              </a:rPr>
+              <a:t>Backend Network </a:t>
+            </a:r>
+          </a:p>
+        </p:txBody>
+      </p:sp>
+      <p:sp>
+        <p:nvSpPr>
+          <p:cNvPr id="10" name="Espace réservé du numéro de diapositive 3">
+            <a:extLst>
+              <a:ext uri="{FF2B5EF4-FFF2-40B4-BE49-F238E27FC236}">
+                <a16:creationId xmlns:a16="http://schemas.microsoft.com/office/drawing/2014/main" id="{D91FAB43-F089-4A64-9453-C0D08520A416}"/>
+              </a:ext>
+            </a:extLst>
+          </p:cNvPr>
+          <p:cNvSpPr>
+            <a:spLocks noGrp="1"/>
+          </p:cNvSpPr>
+          <p:nvPr>
+            <p:ph type="sldNum" sz="quarter" idx="12"/>
+          </p:nvPr>
+        </p:nvSpPr>
+        <p:spPr>
+          <a:xfrm>
+            <a:off x="8610600" y="6356350"/>
+            <a:ext cx="2743200" cy="365125"/>
+          </a:xfrm>
+        </p:spPr>
+        <p:txBody>
+          <a:bodyPr/>
+          <a:lstStyle/>
+          <a:p>
+            <a:fld id="{FAEAF821-8BBB-4B5F-AB25-F4FE9450ED6D}" type="slidenum">
+              <a:rPr lang="fr-CH" smtClean="0"/>
+              <a:t>18</a:t>
+            </a:fld>
+            <a:endParaRPr lang="fr-CH"/>
+          </a:p>
+        </p:txBody>
+      </p:sp>
+      <p:sp>
+        <p:nvSpPr>
+          <p:cNvPr id="3" name="Rectangle 2">
+            <a:extLst>
+              <a:ext uri="{FF2B5EF4-FFF2-40B4-BE49-F238E27FC236}">
+                <a16:creationId xmlns:a16="http://schemas.microsoft.com/office/drawing/2014/main" id="{389A0C0B-A84A-4E78-8D9B-63E1B6DAA9AC}"/>
+              </a:ext>
+            </a:extLst>
+          </p:cNvPr>
+          <p:cNvSpPr/>
+          <p:nvPr/>
+        </p:nvSpPr>
+        <p:spPr>
+          <a:xfrm>
+            <a:off x="2909455" y="1341913"/>
+            <a:ext cx="3657600" cy="4755676"/>
+          </a:xfrm>
+          <a:prstGeom prst="rect">
+            <a:avLst/>
+          </a:prstGeom>
+          <a:solidFill>
+            <a:schemeClr val="accent1">
+              <a:lumMod val="40000"/>
+              <a:lumOff val="60000"/>
+              <a:alpha val="60000"/>
+            </a:schemeClr>
+          </a:solidFill>
+        </p:spPr>
+        <p:style>
+          <a:lnRef idx="2">
+            <a:schemeClr val="accent1">
+              <a:shade val="50000"/>
+            </a:schemeClr>
+          </a:lnRef>
+          <a:fillRef idx="1">
+            <a:schemeClr val="accent1"/>
+          </a:fillRef>
+          <a:effectRef idx="0">
+            <a:schemeClr val="accent1"/>
+          </a:effectRef>
+          <a:fontRef idx="minor">
+            <a:schemeClr val="lt1"/>
+          </a:fontRef>
+        </p:style>
+        <p:txBody>
+          <a:bodyPr rtlCol="0" anchor="ctr"/>
+          <a:lstStyle/>
+          <a:p>
+            <a:pPr algn="ctr"/>
+            <a:endParaRPr lang="fr-CH" dirty="0">
+              <a:solidFill>
+                <a:schemeClr val="tx1"/>
+              </a:solidFill>
+            </a:endParaRPr>
+          </a:p>
+          <a:p>
+            <a:pPr algn="ctr"/>
+            <a:endParaRPr lang="fr-CH" dirty="0">
+              <a:solidFill>
+                <a:schemeClr val="tx1"/>
+              </a:solidFill>
+            </a:endParaRPr>
+          </a:p>
+          <a:p>
+            <a:pPr algn="ctr"/>
+            <a:endParaRPr lang="fr-CH" dirty="0">
+              <a:solidFill>
+                <a:schemeClr val="tx1"/>
+              </a:solidFill>
+            </a:endParaRPr>
+          </a:p>
+          <a:p>
+            <a:pPr algn="ctr"/>
+            <a:endParaRPr lang="fr-CH" dirty="0">
+              <a:solidFill>
+                <a:schemeClr val="tx1"/>
+              </a:solidFill>
+            </a:endParaRPr>
+          </a:p>
+          <a:p>
+            <a:pPr algn="ctr"/>
+            <a:endParaRPr lang="fr-CH" dirty="0">
+              <a:solidFill>
+                <a:schemeClr val="tx1"/>
+              </a:solidFill>
+            </a:endParaRPr>
+          </a:p>
+          <a:p>
+            <a:pPr algn="ctr"/>
+            <a:endParaRPr lang="fr-CH" dirty="0">
+              <a:solidFill>
+                <a:schemeClr val="tx1"/>
+              </a:solidFill>
+            </a:endParaRPr>
+          </a:p>
+          <a:p>
+            <a:pPr algn="ctr"/>
+            <a:endParaRPr lang="fr-CH" dirty="0">
+              <a:solidFill>
+                <a:schemeClr val="tx1"/>
+              </a:solidFill>
+            </a:endParaRPr>
+          </a:p>
+          <a:p>
+            <a:pPr algn="ctr"/>
+            <a:endParaRPr lang="fr-CH" dirty="0">
+              <a:solidFill>
+                <a:schemeClr val="tx1"/>
+              </a:solidFill>
+            </a:endParaRPr>
+          </a:p>
+          <a:p>
+            <a:pPr algn="ctr"/>
+            <a:endParaRPr lang="fr-CH" dirty="0">
+              <a:solidFill>
+                <a:schemeClr val="tx1"/>
+              </a:solidFill>
+            </a:endParaRPr>
+          </a:p>
+          <a:p>
+            <a:pPr algn="ctr"/>
+            <a:endParaRPr lang="fr-CH" dirty="0">
+              <a:solidFill>
+                <a:schemeClr val="tx1"/>
+              </a:solidFill>
+            </a:endParaRPr>
+          </a:p>
+          <a:p>
+            <a:pPr algn="ctr"/>
+            <a:endParaRPr lang="fr-CH" dirty="0">
+              <a:solidFill>
+                <a:schemeClr val="tx1"/>
+              </a:solidFill>
+            </a:endParaRPr>
+          </a:p>
+          <a:p>
+            <a:pPr algn="ctr"/>
+            <a:endParaRPr lang="fr-CH" dirty="0">
+              <a:solidFill>
+                <a:schemeClr val="tx1"/>
+              </a:solidFill>
+            </a:endParaRPr>
+          </a:p>
+          <a:p>
+            <a:pPr algn="ctr"/>
+            <a:endParaRPr lang="fr-CH" dirty="0">
+              <a:solidFill>
+                <a:schemeClr val="tx1"/>
+              </a:solidFill>
+            </a:endParaRPr>
+          </a:p>
+          <a:p>
+            <a:pPr algn="ctr"/>
+            <a:endParaRPr lang="fr-CH" dirty="0">
+              <a:solidFill>
+                <a:schemeClr val="tx1"/>
+              </a:solidFill>
+            </a:endParaRPr>
+          </a:p>
+          <a:p>
+            <a:pPr algn="ctr"/>
+            <a:endParaRPr lang="fr-CH" dirty="0">
+              <a:solidFill>
+                <a:schemeClr val="tx1"/>
+              </a:solidFill>
+            </a:endParaRPr>
+          </a:p>
+          <a:p>
+            <a:pPr algn="ctr"/>
+            <a:endParaRPr lang="fr-CH" dirty="0">
+              <a:solidFill>
+                <a:schemeClr val="tx1"/>
+              </a:solidFill>
+            </a:endParaRPr>
+          </a:p>
+          <a:p>
+            <a:pPr algn="ctr"/>
+            <a:r>
+              <a:rPr lang="fr-CH" dirty="0">
+                <a:solidFill>
+                  <a:schemeClr val="tx1"/>
+                </a:solidFill>
+              </a:rPr>
+              <a:t>	Gateway Network</a:t>
+            </a:r>
+          </a:p>
+        </p:txBody>
+      </p:sp>
+      <p:sp>
+        <p:nvSpPr>
+          <p:cNvPr id="4" name="Rectangle 3">
+            <a:extLst>
+              <a:ext uri="{FF2B5EF4-FFF2-40B4-BE49-F238E27FC236}">
+                <a16:creationId xmlns:a16="http://schemas.microsoft.com/office/drawing/2014/main" id="{3D04F30A-BA8D-41A4-9FC1-0839B2E84392}"/>
+              </a:ext>
+            </a:extLst>
+          </p:cNvPr>
+          <p:cNvSpPr/>
+          <p:nvPr/>
+        </p:nvSpPr>
+        <p:spPr>
+          <a:xfrm>
+            <a:off x="847436" y="1434636"/>
+            <a:ext cx="2688772" cy="4353852"/>
+          </a:xfrm>
+          <a:prstGeom prst="rect">
+            <a:avLst/>
+          </a:prstGeom>
+          <a:solidFill>
+            <a:schemeClr val="accent6">
+              <a:lumMod val="40000"/>
+              <a:lumOff val="60000"/>
+              <a:alpha val="56000"/>
+            </a:schemeClr>
+          </a:solidFill>
+        </p:spPr>
+        <p:style>
+          <a:lnRef idx="2">
+            <a:schemeClr val="accent1">
+              <a:shade val="50000"/>
+            </a:schemeClr>
+          </a:lnRef>
+          <a:fillRef idx="1">
+            <a:schemeClr val="accent1"/>
+          </a:fillRef>
+          <a:effectRef idx="0">
+            <a:schemeClr val="accent1"/>
+          </a:effectRef>
+          <a:fontRef idx="minor">
+            <a:schemeClr val="lt1"/>
+          </a:fontRef>
+        </p:style>
+        <p:txBody>
+          <a:bodyPr rtlCol="0" anchor="ctr"/>
+          <a:lstStyle/>
+          <a:p>
+            <a:pPr algn="ctr"/>
+            <a:endParaRPr lang="fr-CH" dirty="0">
+              <a:solidFill>
+                <a:schemeClr val="tx1"/>
+              </a:solidFill>
+            </a:endParaRPr>
+          </a:p>
+          <a:p>
+            <a:pPr algn="ctr"/>
+            <a:endParaRPr lang="fr-CH" dirty="0">
+              <a:solidFill>
+                <a:schemeClr val="tx1"/>
+              </a:solidFill>
+            </a:endParaRPr>
+          </a:p>
+          <a:p>
+            <a:pPr algn="ctr"/>
+            <a:endParaRPr lang="fr-CH" dirty="0">
+              <a:solidFill>
+                <a:schemeClr val="tx1"/>
+              </a:solidFill>
+            </a:endParaRPr>
+          </a:p>
+          <a:p>
+            <a:pPr algn="ctr"/>
+            <a:endParaRPr lang="fr-CH" dirty="0">
+              <a:solidFill>
+                <a:schemeClr val="tx1"/>
+              </a:solidFill>
+            </a:endParaRPr>
+          </a:p>
+          <a:p>
+            <a:pPr algn="ctr"/>
+            <a:endParaRPr lang="fr-CH" dirty="0">
+              <a:solidFill>
+                <a:schemeClr val="tx1"/>
+              </a:solidFill>
+            </a:endParaRPr>
+          </a:p>
+          <a:p>
+            <a:pPr algn="ctr"/>
+            <a:endParaRPr lang="fr-CH" dirty="0">
+              <a:solidFill>
+                <a:schemeClr val="tx1"/>
+              </a:solidFill>
+            </a:endParaRPr>
+          </a:p>
+          <a:p>
+            <a:pPr algn="ctr"/>
+            <a:endParaRPr lang="fr-CH" dirty="0">
+              <a:solidFill>
+                <a:schemeClr val="tx1"/>
+              </a:solidFill>
+            </a:endParaRPr>
+          </a:p>
+          <a:p>
+            <a:pPr algn="ctr"/>
+            <a:endParaRPr lang="fr-CH" dirty="0">
+              <a:solidFill>
+                <a:schemeClr val="tx1"/>
+              </a:solidFill>
+            </a:endParaRPr>
+          </a:p>
+          <a:p>
+            <a:pPr algn="ctr"/>
+            <a:endParaRPr lang="fr-CH" dirty="0">
+              <a:solidFill>
+                <a:schemeClr val="tx1"/>
+              </a:solidFill>
+            </a:endParaRPr>
+          </a:p>
+          <a:p>
+            <a:pPr algn="ctr"/>
+            <a:endParaRPr lang="fr-CH" dirty="0">
+              <a:solidFill>
+                <a:schemeClr val="tx1"/>
+              </a:solidFill>
+            </a:endParaRPr>
+          </a:p>
+          <a:p>
+            <a:pPr algn="ctr"/>
+            <a:endParaRPr lang="fr-CH" dirty="0">
+              <a:solidFill>
+                <a:schemeClr val="tx1"/>
+              </a:solidFill>
+            </a:endParaRPr>
+          </a:p>
+          <a:p>
+            <a:pPr algn="ctr"/>
+            <a:endParaRPr lang="fr-CH" dirty="0">
+              <a:solidFill>
+                <a:schemeClr val="tx1"/>
+              </a:solidFill>
+            </a:endParaRPr>
+          </a:p>
+          <a:p>
+            <a:pPr algn="ctr"/>
+            <a:endParaRPr lang="fr-CH" dirty="0">
+              <a:solidFill>
+                <a:schemeClr val="tx1"/>
+              </a:solidFill>
+            </a:endParaRPr>
+          </a:p>
+          <a:p>
+            <a:pPr algn="ctr"/>
+            <a:endParaRPr lang="fr-CH" dirty="0">
+              <a:solidFill>
+                <a:schemeClr val="tx1"/>
+              </a:solidFill>
+            </a:endParaRPr>
+          </a:p>
+          <a:p>
+            <a:pPr algn="ctr"/>
+            <a:r>
+              <a:rPr lang="fr-CH" dirty="0">
+                <a:solidFill>
+                  <a:schemeClr val="tx1"/>
+                </a:solidFill>
+              </a:rPr>
+              <a:t>Frontend network</a:t>
+            </a:r>
+          </a:p>
+        </p:txBody>
+      </p:sp>
+      <p:graphicFrame>
+        <p:nvGraphicFramePr>
+          <p:cNvPr id="11" name="Diagramme 5">
+            <a:extLst>
+              <a:ext uri="{FF2B5EF4-FFF2-40B4-BE49-F238E27FC236}">
+                <a16:creationId xmlns:a16="http://schemas.microsoft.com/office/drawing/2014/main" id="{2D45E034-5CAD-456B-A44D-C4DED177B583}"/>
+              </a:ext>
+            </a:extLst>
+          </p:cNvPr>
+          <p:cNvGraphicFramePr/>
+          <p:nvPr>
+            <p:extLst>
+              <p:ext uri="{D42A27DB-BD31-4B8C-83A1-F6EECF244321}">
+                <p14:modId xmlns:p14="http://schemas.microsoft.com/office/powerpoint/2010/main" val="4142638762"/>
+              </p:ext>
+            </p:extLst>
+          </p:nvPr>
+        </p:nvGraphicFramePr>
+        <p:xfrm>
+          <a:off x="1925123" y="813593"/>
+          <a:ext cx="8890000" cy="5595938"/>
+        </p:xfrm>
+        <a:graphic>
+          <a:graphicData uri="http://schemas.openxmlformats.org/drawingml/2006/diagram">
+            <dgm:relIds xmlns:dgm="http://schemas.openxmlformats.org/drawingml/2006/diagram" xmlns:r="http://schemas.openxmlformats.org/officeDocument/2006/relationships" r:dm="rId3" r:lo="rId4" r:qs="rId5" r:cs="rId6"/>
+          </a:graphicData>
+        </a:graphic>
+      </p:graphicFrame>
+      <p:sp>
+        <p:nvSpPr>
+          <p:cNvPr id="9" name="Titre 1">
+            <a:extLst>
+              <a:ext uri="{FF2B5EF4-FFF2-40B4-BE49-F238E27FC236}">
+                <a16:creationId xmlns:a16="http://schemas.microsoft.com/office/drawing/2014/main" id="{58D7FD38-B937-40EA-AD5D-841A4A93166A}"/>
+              </a:ext>
+            </a:extLst>
+          </p:cNvPr>
+          <p:cNvSpPr>
+            <a:spLocks noGrp="1"/>
+          </p:cNvSpPr>
+          <p:nvPr>
+            <p:ph type="title"/>
+          </p:nvPr>
+        </p:nvSpPr>
+        <p:spPr>
+          <a:xfrm>
+            <a:off x="838200" y="365125"/>
+            <a:ext cx="10515600" cy="840911"/>
+          </a:xfrm>
+        </p:spPr>
+        <p:txBody>
+          <a:bodyPr/>
+          <a:lstStyle/>
+          <a:p>
+            <a:r>
+              <a:rPr lang="fr-CH" b="1" dirty="0"/>
+              <a:t>Architecture</a:t>
+            </a:r>
+          </a:p>
+        </p:txBody>
+      </p:sp>
+      <p:sp>
+        <p:nvSpPr>
+          <p:cNvPr id="5" name="Ellipse 4">
+            <a:extLst>
+              <a:ext uri="{FF2B5EF4-FFF2-40B4-BE49-F238E27FC236}">
+                <a16:creationId xmlns:a16="http://schemas.microsoft.com/office/drawing/2014/main" id="{5E2A8304-C211-475E-BC0F-BCCAC9B769C3}"/>
+              </a:ext>
+            </a:extLst>
+          </p:cNvPr>
+          <p:cNvSpPr/>
+          <p:nvPr/>
+        </p:nvSpPr>
+        <p:spPr>
+          <a:xfrm>
+            <a:off x="10666681" y="2017713"/>
+            <a:ext cx="1226129" cy="581891"/>
+          </a:xfrm>
+          <a:prstGeom prst="ellipse">
+            <a:avLst/>
+          </a:prstGeom>
+        </p:spPr>
+        <p:style>
+          <a:lnRef idx="2">
+            <a:schemeClr val="accent1">
+              <a:shade val="50000"/>
+            </a:schemeClr>
+          </a:lnRef>
+          <a:fillRef idx="1">
+            <a:schemeClr val="accent1"/>
+          </a:fillRef>
+          <a:effectRef idx="0">
+            <a:schemeClr val="accent1"/>
+          </a:effectRef>
+          <a:fontRef idx="minor">
+            <a:schemeClr val="lt1"/>
+          </a:fontRef>
+        </p:style>
+        <p:txBody>
+          <a:bodyPr rtlCol="0" anchor="ctr"/>
+          <a:lstStyle/>
+          <a:p>
+            <a:pPr algn="ctr"/>
+            <a:r>
+              <a:rPr lang="fr-CH" dirty="0"/>
+              <a:t>Kafka</a:t>
+            </a:r>
+          </a:p>
+        </p:txBody>
+      </p:sp>
+      <p:cxnSp>
+        <p:nvCxnSpPr>
+          <p:cNvPr id="7" name="Connecteur droit 6">
+            <a:extLst>
+              <a:ext uri="{FF2B5EF4-FFF2-40B4-BE49-F238E27FC236}">
+                <a16:creationId xmlns:a16="http://schemas.microsoft.com/office/drawing/2014/main" id="{F6BED2E1-81E6-4756-8375-A41A7EF46FE9}"/>
+              </a:ext>
+            </a:extLst>
+          </p:cNvPr>
+          <p:cNvCxnSpPr>
+            <a:cxnSpLocks/>
+            <a:endCxn id="5" idx="1"/>
+          </p:cNvCxnSpPr>
+          <p:nvPr/>
+        </p:nvCxnSpPr>
+        <p:spPr>
+          <a:xfrm>
+            <a:off x="10257641" y="1213120"/>
+            <a:ext cx="588602" cy="889809"/>
+          </a:xfrm>
+          <a:prstGeom prst="line">
+            <a:avLst/>
+          </a:prstGeom>
+        </p:spPr>
+        <p:style>
+          <a:lnRef idx="1">
+            <a:schemeClr val="accent1"/>
+          </a:lnRef>
+          <a:fillRef idx="0">
+            <a:schemeClr val="accent1"/>
+          </a:fillRef>
+          <a:effectRef idx="0">
+            <a:schemeClr val="accent1"/>
+          </a:effectRef>
+          <a:fontRef idx="minor">
+            <a:schemeClr val="tx1"/>
+          </a:fontRef>
+        </p:style>
+      </p:cxnSp>
+      <p:cxnSp>
+        <p:nvCxnSpPr>
+          <p:cNvPr id="12" name="Connecteur droit 11">
+            <a:extLst>
+              <a:ext uri="{FF2B5EF4-FFF2-40B4-BE49-F238E27FC236}">
+                <a16:creationId xmlns:a16="http://schemas.microsoft.com/office/drawing/2014/main" id="{0C6CB303-5F1B-40B4-9484-F9CFE44401C7}"/>
+              </a:ext>
+            </a:extLst>
+          </p:cNvPr>
+          <p:cNvCxnSpPr>
+            <a:cxnSpLocks/>
+            <a:endCxn id="5" idx="2"/>
+          </p:cNvCxnSpPr>
+          <p:nvPr/>
+        </p:nvCxnSpPr>
+        <p:spPr>
+          <a:xfrm>
+            <a:off x="10257641" y="2234479"/>
+            <a:ext cx="409040" cy="74180"/>
+          </a:xfrm>
+          <a:prstGeom prst="line">
+            <a:avLst/>
+          </a:prstGeom>
+        </p:spPr>
+        <p:style>
+          <a:lnRef idx="1">
+            <a:schemeClr val="accent1"/>
+          </a:lnRef>
+          <a:fillRef idx="0">
+            <a:schemeClr val="accent1"/>
+          </a:fillRef>
+          <a:effectRef idx="0">
+            <a:schemeClr val="accent1"/>
+          </a:effectRef>
+          <a:fontRef idx="minor">
+            <a:schemeClr val="tx1"/>
+          </a:fontRef>
+        </p:style>
+      </p:cxnSp>
+      <p:cxnSp>
+        <p:nvCxnSpPr>
+          <p:cNvPr id="14" name="Connecteur droit 13">
+            <a:extLst>
+              <a:ext uri="{FF2B5EF4-FFF2-40B4-BE49-F238E27FC236}">
+                <a16:creationId xmlns:a16="http://schemas.microsoft.com/office/drawing/2014/main" id="{3BC8FC0E-8646-4302-90BA-FC9BC4641440}"/>
+              </a:ext>
+            </a:extLst>
+          </p:cNvPr>
+          <p:cNvCxnSpPr>
+            <a:endCxn id="5" idx="3"/>
+          </p:cNvCxnSpPr>
+          <p:nvPr/>
+        </p:nvCxnSpPr>
+        <p:spPr>
+          <a:xfrm flipV="1">
+            <a:off x="10257641" y="2514388"/>
+            <a:ext cx="588602" cy="711639"/>
+          </a:xfrm>
+          <a:prstGeom prst="line">
+            <a:avLst/>
+          </a:prstGeom>
+        </p:spPr>
+        <p:style>
+          <a:lnRef idx="1">
+            <a:schemeClr val="accent1"/>
+          </a:lnRef>
+          <a:fillRef idx="0">
+            <a:schemeClr val="accent1"/>
+          </a:fillRef>
+          <a:effectRef idx="0">
+            <a:schemeClr val="accent1"/>
+          </a:effectRef>
+          <a:fontRef idx="minor">
+            <a:schemeClr val="tx1"/>
+          </a:fontRef>
+        </p:style>
+      </p:cxnSp>
+    </p:spTree>
+    <p:extLst>
+      <p:ext uri="{BB962C8B-B14F-4D97-AF65-F5344CB8AC3E}">
+        <p14:creationId xmlns:p14="http://schemas.microsoft.com/office/powerpoint/2010/main" val="891181742"/>
+      </p:ext>
+    </p:extLst>
+  </p:cSld>
+  <p:clrMapOvr>
+    <a:masterClrMapping/>
+  </p:clrMapOvr>
+</p:sld>
+</file>
+
+<file path=ppt/slides/slide19.xml><?xml version="1.0" encoding="utf-8"?>
+<p:sld xmlns:a="http://schemas.openxmlformats.org/drawingml/2006/main" xmlns:r="http://schemas.openxmlformats.org/officeDocument/2006/relationships" xmlns:p="http://schemas.openxmlformats.org/presentationml/2006/main">
+  <p:cSld>
+    <p:spTree>
+      <p:nvGrpSpPr>
+        <p:cNvPr id="1" name=""/>
+        <p:cNvGrpSpPr/>
+        <p:nvPr/>
+      </p:nvGrpSpPr>
+      <p:grpSpPr>
+        <a:xfrm>
+          <a:off x="0" y="0"/>
+          <a:ext cx="0" cy="0"/>
+          <a:chOff x="0" y="0"/>
+          <a:chExt cx="0" cy="0"/>
+        </a:xfrm>
+      </p:grpSpPr>
+      <p:sp>
+        <p:nvSpPr>
+          <p:cNvPr id="2" name="Titre 1">
+            <a:extLst>
+              <a:ext uri="{FF2B5EF4-FFF2-40B4-BE49-F238E27FC236}">
+                <a16:creationId xmlns:a16="http://schemas.microsoft.com/office/drawing/2014/main" id="{B565F622-7A9C-43BC-A728-DBDB95132048}"/>
+              </a:ext>
+            </a:extLst>
+          </p:cNvPr>
+          <p:cNvSpPr>
+            <a:spLocks noGrp="1"/>
+          </p:cNvSpPr>
+          <p:nvPr>
+            <p:ph type="title"/>
+          </p:nvPr>
+        </p:nvSpPr>
+        <p:spPr>
+          <a:xfrm>
+            <a:off x="838200" y="365126"/>
+            <a:ext cx="10515600" cy="881784"/>
+          </a:xfrm>
+        </p:spPr>
+        <p:txBody>
+          <a:bodyPr/>
+          <a:lstStyle/>
+          <a:p>
+            <a:r>
+              <a:rPr lang="fr-CH" dirty="0"/>
+              <a:t>Planning pour les 2 prochaines semaines</a:t>
+            </a:r>
+          </a:p>
+        </p:txBody>
+      </p:sp>
+      <p:sp>
+        <p:nvSpPr>
+          <p:cNvPr id="3" name="Espace réservé du contenu 2">
+            <a:extLst>
+              <a:ext uri="{FF2B5EF4-FFF2-40B4-BE49-F238E27FC236}">
+                <a16:creationId xmlns:a16="http://schemas.microsoft.com/office/drawing/2014/main" id="{5B34C789-7E48-435C-8907-168C5252C6EB}"/>
+              </a:ext>
+            </a:extLst>
+          </p:cNvPr>
+          <p:cNvSpPr>
+            <a:spLocks noGrp="1"/>
+          </p:cNvSpPr>
+          <p:nvPr>
+            <p:ph idx="1"/>
+          </p:nvPr>
+        </p:nvSpPr>
+        <p:spPr>
+          <a:xfrm>
+            <a:off x="838200" y="1341912"/>
+            <a:ext cx="10515600" cy="4835051"/>
+          </a:xfrm>
+        </p:spPr>
+        <p:txBody>
+          <a:bodyPr/>
+          <a:lstStyle/>
+          <a:p>
+            <a:pPr marL="0" indent="0">
+              <a:buNone/>
+            </a:pPr>
+            <a:endParaRPr lang="fr-CH" dirty="0"/>
+          </a:p>
+        </p:txBody>
+      </p:sp>
+      <p:sp>
+        <p:nvSpPr>
+          <p:cNvPr id="4" name="Espace réservé du numéro de diapositive 3">
+            <a:extLst>
+              <a:ext uri="{FF2B5EF4-FFF2-40B4-BE49-F238E27FC236}">
+                <a16:creationId xmlns:a16="http://schemas.microsoft.com/office/drawing/2014/main" id="{AE3E9ED2-A6D1-4CF2-88B3-C79DC2806DEA}"/>
+              </a:ext>
+            </a:extLst>
+          </p:cNvPr>
+          <p:cNvSpPr>
+            <a:spLocks noGrp="1"/>
+          </p:cNvSpPr>
+          <p:nvPr>
+            <p:ph type="sldNum" sz="quarter" idx="12"/>
+          </p:nvPr>
+        </p:nvSpPr>
+        <p:spPr/>
+        <p:txBody>
+          <a:bodyPr/>
+          <a:lstStyle/>
+          <a:p>
+            <a:fld id="{FAEAF821-8BBB-4B5F-AB25-F4FE9450ED6D}" type="slidenum">
+              <a:rPr lang="fr-CH" smtClean="0"/>
+              <a:t>19</a:t>
+            </a:fld>
+            <a:endParaRPr lang="fr-CH"/>
+          </a:p>
+        </p:txBody>
+      </p:sp>
+      <p:sp>
+        <p:nvSpPr>
+          <p:cNvPr id="5" name="Rectangle 4">
+            <a:extLst>
+              <a:ext uri="{FF2B5EF4-FFF2-40B4-BE49-F238E27FC236}">
+                <a16:creationId xmlns:a16="http://schemas.microsoft.com/office/drawing/2014/main" id="{4BBFA10D-E7CE-477B-9D65-29CCCD02830C}"/>
+              </a:ext>
+            </a:extLst>
+          </p:cNvPr>
+          <p:cNvSpPr/>
+          <p:nvPr/>
+        </p:nvSpPr>
+        <p:spPr>
+          <a:xfrm>
+            <a:off x="838200" y="1341912"/>
+            <a:ext cx="10515600" cy="4833257"/>
+          </a:xfrm>
+          <a:prstGeom prst="rect">
+            <a:avLst/>
+          </a:prstGeom>
+          <a:solidFill>
+            <a:schemeClr val="accent1">
+              <a:lumMod val="40000"/>
+              <a:lumOff val="60000"/>
+            </a:schemeClr>
+          </a:solidFill>
+        </p:spPr>
+        <p:style>
+          <a:lnRef idx="2">
+            <a:schemeClr val="accent1">
+              <a:shade val="50000"/>
+            </a:schemeClr>
+          </a:lnRef>
+          <a:fillRef idx="1">
+            <a:schemeClr val="accent1"/>
+          </a:fillRef>
+          <a:effectRef idx="0">
+            <a:schemeClr val="accent1"/>
+          </a:effectRef>
+          <a:fontRef idx="minor">
+            <a:schemeClr val="lt1"/>
+          </a:fontRef>
+        </p:style>
+        <p:txBody>
+          <a:bodyPr rtlCol="0" anchor="ctr"/>
+          <a:lstStyle/>
+          <a:p>
+            <a:pPr algn="ctr"/>
+            <a:endParaRPr lang="fr-CH" dirty="0"/>
+          </a:p>
+        </p:txBody>
+      </p:sp>
+      <p:cxnSp>
+        <p:nvCxnSpPr>
+          <p:cNvPr id="7" name="Connecteur droit 6">
+            <a:extLst>
+              <a:ext uri="{FF2B5EF4-FFF2-40B4-BE49-F238E27FC236}">
+                <a16:creationId xmlns:a16="http://schemas.microsoft.com/office/drawing/2014/main" id="{B641E706-0904-4ED2-8678-95AAD4E2D9F4}"/>
+              </a:ext>
+            </a:extLst>
+          </p:cNvPr>
+          <p:cNvCxnSpPr/>
+          <p:nvPr/>
+        </p:nvCxnSpPr>
+        <p:spPr>
+          <a:xfrm>
+            <a:off x="2968831" y="1341912"/>
+            <a:ext cx="0" cy="4833257"/>
+          </a:xfrm>
+          <a:prstGeom prst="line">
+            <a:avLst/>
+          </a:prstGeom>
+        </p:spPr>
+        <p:style>
+          <a:lnRef idx="1">
+            <a:schemeClr val="accent1"/>
+          </a:lnRef>
+          <a:fillRef idx="0">
+            <a:schemeClr val="accent1"/>
+          </a:fillRef>
+          <a:effectRef idx="0">
+            <a:schemeClr val="accent1"/>
+          </a:effectRef>
+          <a:fontRef idx="minor">
+            <a:schemeClr val="tx1"/>
+          </a:fontRef>
+        </p:style>
+      </p:cxnSp>
+      <p:cxnSp>
+        <p:nvCxnSpPr>
+          <p:cNvPr id="9" name="Connecteur droit 8">
+            <a:extLst>
+              <a:ext uri="{FF2B5EF4-FFF2-40B4-BE49-F238E27FC236}">
+                <a16:creationId xmlns:a16="http://schemas.microsoft.com/office/drawing/2014/main" id="{911406FF-793C-42C0-92B9-C1F3B9E1D729}"/>
+              </a:ext>
+            </a:extLst>
+          </p:cNvPr>
+          <p:cNvCxnSpPr/>
+          <p:nvPr/>
+        </p:nvCxnSpPr>
+        <p:spPr>
+          <a:xfrm>
+            <a:off x="5949537" y="1340118"/>
+            <a:ext cx="0" cy="4835051"/>
+          </a:xfrm>
+          <a:prstGeom prst="line">
+            <a:avLst/>
+          </a:prstGeom>
+        </p:spPr>
+        <p:style>
+          <a:lnRef idx="1">
+            <a:schemeClr val="accent1"/>
+          </a:lnRef>
+          <a:fillRef idx="0">
+            <a:schemeClr val="accent1"/>
+          </a:fillRef>
+          <a:effectRef idx="0">
+            <a:schemeClr val="accent1"/>
+          </a:effectRef>
+          <a:fontRef idx="minor">
+            <a:schemeClr val="tx1"/>
+          </a:fontRef>
+        </p:style>
+      </p:cxnSp>
+      <p:cxnSp>
+        <p:nvCxnSpPr>
+          <p:cNvPr id="11" name="Connecteur droit 10">
+            <a:extLst>
+              <a:ext uri="{FF2B5EF4-FFF2-40B4-BE49-F238E27FC236}">
+                <a16:creationId xmlns:a16="http://schemas.microsoft.com/office/drawing/2014/main" id="{DE411CFA-5EE5-406A-81B0-3EE659E64D63}"/>
+              </a:ext>
+            </a:extLst>
+          </p:cNvPr>
+          <p:cNvCxnSpPr/>
+          <p:nvPr/>
+        </p:nvCxnSpPr>
+        <p:spPr>
+          <a:xfrm>
+            <a:off x="8704614" y="1340118"/>
+            <a:ext cx="0" cy="4835051"/>
+          </a:xfrm>
+          <a:prstGeom prst="line">
+            <a:avLst/>
+          </a:prstGeom>
+        </p:spPr>
+        <p:style>
+          <a:lnRef idx="1">
+            <a:schemeClr val="accent1"/>
+          </a:lnRef>
+          <a:fillRef idx="0">
+            <a:schemeClr val="accent1"/>
+          </a:fillRef>
+          <a:effectRef idx="0">
+            <a:schemeClr val="accent1"/>
+          </a:effectRef>
+          <a:fontRef idx="minor">
+            <a:schemeClr val="tx1"/>
+          </a:fontRef>
+        </p:style>
+      </p:cxnSp>
+      <p:cxnSp>
+        <p:nvCxnSpPr>
+          <p:cNvPr id="13" name="Connecteur droit 12">
+            <a:extLst>
+              <a:ext uri="{FF2B5EF4-FFF2-40B4-BE49-F238E27FC236}">
+                <a16:creationId xmlns:a16="http://schemas.microsoft.com/office/drawing/2014/main" id="{90361A82-0189-47E0-BA5D-ECCC32C4E92A}"/>
+              </a:ext>
+            </a:extLst>
+          </p:cNvPr>
+          <p:cNvCxnSpPr/>
+          <p:nvPr/>
+        </p:nvCxnSpPr>
+        <p:spPr>
+          <a:xfrm>
+            <a:off x="838200" y="1828800"/>
+            <a:ext cx="10515600" cy="0"/>
+          </a:xfrm>
+          <a:prstGeom prst="line">
+            <a:avLst/>
+          </a:prstGeom>
+        </p:spPr>
+        <p:style>
+          <a:lnRef idx="1">
+            <a:schemeClr val="accent1"/>
+          </a:lnRef>
+          <a:fillRef idx="0">
+            <a:schemeClr val="accent1"/>
+          </a:fillRef>
+          <a:effectRef idx="0">
+            <a:schemeClr val="accent1"/>
+          </a:effectRef>
+          <a:fontRef idx="minor">
+            <a:schemeClr val="tx1"/>
+          </a:fontRef>
+        </p:style>
+      </p:cxnSp>
+      <p:cxnSp>
+        <p:nvCxnSpPr>
+          <p:cNvPr id="15" name="Connecteur droit 14">
+            <a:extLst>
+              <a:ext uri="{FF2B5EF4-FFF2-40B4-BE49-F238E27FC236}">
+                <a16:creationId xmlns:a16="http://schemas.microsoft.com/office/drawing/2014/main" id="{331E0B9B-CAC3-452D-A81C-FAC64F02E536}"/>
+              </a:ext>
+            </a:extLst>
+          </p:cNvPr>
+          <p:cNvCxnSpPr/>
+          <p:nvPr/>
+        </p:nvCxnSpPr>
+        <p:spPr>
+          <a:xfrm>
+            <a:off x="838200" y="3345873"/>
+            <a:ext cx="10515600" cy="0"/>
+          </a:xfrm>
+          <a:prstGeom prst="line">
+            <a:avLst/>
+          </a:prstGeom>
+        </p:spPr>
+        <p:style>
+          <a:lnRef idx="1">
+            <a:schemeClr val="accent1"/>
+          </a:lnRef>
+          <a:fillRef idx="0">
+            <a:schemeClr val="accent1"/>
+          </a:fillRef>
+          <a:effectRef idx="0">
+            <a:schemeClr val="accent1"/>
+          </a:effectRef>
+          <a:fontRef idx="minor">
+            <a:schemeClr val="tx1"/>
+          </a:fontRef>
+        </p:style>
+      </p:cxnSp>
+      <p:cxnSp>
+        <p:nvCxnSpPr>
+          <p:cNvPr id="17" name="Connecteur droit 16">
+            <a:extLst>
+              <a:ext uri="{FF2B5EF4-FFF2-40B4-BE49-F238E27FC236}">
+                <a16:creationId xmlns:a16="http://schemas.microsoft.com/office/drawing/2014/main" id="{A589A403-744B-4FE6-9218-1F3E5C00B3C7}"/>
+              </a:ext>
+            </a:extLst>
+          </p:cNvPr>
+          <p:cNvCxnSpPr/>
+          <p:nvPr/>
+        </p:nvCxnSpPr>
+        <p:spPr>
+          <a:xfrm>
+            <a:off x="838200" y="4726379"/>
+            <a:ext cx="10515600" cy="0"/>
+          </a:xfrm>
+          <a:prstGeom prst="line">
+            <a:avLst/>
+          </a:prstGeom>
+        </p:spPr>
+        <p:style>
+          <a:lnRef idx="1">
+            <a:schemeClr val="accent1"/>
+          </a:lnRef>
+          <a:fillRef idx="0">
+            <a:schemeClr val="accent1"/>
+          </a:fillRef>
+          <a:effectRef idx="0">
+            <a:schemeClr val="accent1"/>
+          </a:effectRef>
+          <a:fontRef idx="minor">
+            <a:schemeClr val="tx1"/>
+          </a:fontRef>
+        </p:style>
+      </p:cxnSp>
+      <p:sp>
+        <p:nvSpPr>
+          <p:cNvPr id="18" name="ZoneTexte 17">
+            <a:extLst>
+              <a:ext uri="{FF2B5EF4-FFF2-40B4-BE49-F238E27FC236}">
+                <a16:creationId xmlns:a16="http://schemas.microsoft.com/office/drawing/2014/main" id="{EAF11CE6-1698-473E-9C4E-2B2B09987339}"/>
+              </a:ext>
+            </a:extLst>
+          </p:cNvPr>
+          <p:cNvSpPr txBox="1"/>
+          <p:nvPr/>
+        </p:nvSpPr>
+        <p:spPr>
+          <a:xfrm>
+            <a:off x="1104404" y="2223696"/>
+            <a:ext cx="1567537" cy="523220"/>
+          </a:xfrm>
+          <a:prstGeom prst="rect">
+            <a:avLst/>
+          </a:prstGeom>
+          <a:noFill/>
+        </p:spPr>
+        <p:txBody>
+          <a:bodyPr wrap="square" rtlCol="0">
+            <a:spAutoFit/>
+          </a:bodyPr>
+          <a:lstStyle/>
+          <a:p>
+            <a:r>
+              <a:rPr lang="fr-CH" sz="2800" dirty="0"/>
+              <a:t>Frontend</a:t>
+            </a:r>
+          </a:p>
+        </p:txBody>
+      </p:sp>
+      <p:sp>
+        <p:nvSpPr>
+          <p:cNvPr id="20" name="ZoneTexte 19">
+            <a:extLst>
+              <a:ext uri="{FF2B5EF4-FFF2-40B4-BE49-F238E27FC236}">
+                <a16:creationId xmlns:a16="http://schemas.microsoft.com/office/drawing/2014/main" id="{AC5E10AB-FFE8-438B-885A-D859140A7051}"/>
+              </a:ext>
+            </a:extLst>
+          </p:cNvPr>
+          <p:cNvSpPr txBox="1"/>
+          <p:nvPr/>
+        </p:nvSpPr>
+        <p:spPr>
+          <a:xfrm>
+            <a:off x="1104404" y="3683221"/>
+            <a:ext cx="1567532" cy="523220"/>
+          </a:xfrm>
+          <a:prstGeom prst="rect">
+            <a:avLst/>
+          </a:prstGeom>
+          <a:noFill/>
+        </p:spPr>
+        <p:txBody>
+          <a:bodyPr wrap="square" rtlCol="0">
+            <a:spAutoFit/>
+          </a:bodyPr>
+          <a:lstStyle/>
+          <a:p>
+            <a:r>
+              <a:rPr lang="fr-CH" sz="2800" dirty="0"/>
+              <a:t>Backend</a:t>
+            </a:r>
+          </a:p>
+        </p:txBody>
+      </p:sp>
+      <p:sp>
+        <p:nvSpPr>
+          <p:cNvPr id="21" name="Rectangle : coins arrondis 20">
+            <a:extLst>
+              <a:ext uri="{FF2B5EF4-FFF2-40B4-BE49-F238E27FC236}">
+                <a16:creationId xmlns:a16="http://schemas.microsoft.com/office/drawing/2014/main" id="{AB9A86AF-B15D-4310-A2A2-40E1012DADCD}"/>
+              </a:ext>
+            </a:extLst>
+          </p:cNvPr>
+          <p:cNvSpPr/>
+          <p:nvPr/>
+        </p:nvSpPr>
+        <p:spPr>
+          <a:xfrm>
+            <a:off x="3135086" y="2090057"/>
+            <a:ext cx="1092527" cy="537318"/>
+          </a:xfrm>
+          <a:prstGeom prst="roundRect">
+            <a:avLst/>
+          </a:prstGeom>
+          <a:solidFill>
+            <a:schemeClr val="accent4">
+              <a:lumMod val="60000"/>
+              <a:lumOff val="40000"/>
+            </a:schemeClr>
+          </a:solidFill>
+        </p:spPr>
+        <p:style>
+          <a:lnRef idx="2">
+            <a:schemeClr val="accent1">
+              <a:shade val="50000"/>
+            </a:schemeClr>
+          </a:lnRef>
+          <a:fillRef idx="1">
+            <a:schemeClr val="accent1"/>
+          </a:fillRef>
+          <a:effectRef idx="0">
+            <a:schemeClr val="accent1"/>
+          </a:effectRef>
+          <a:fontRef idx="minor">
+            <a:schemeClr val="lt1"/>
+          </a:fontRef>
+        </p:style>
+        <p:txBody>
+          <a:bodyPr rtlCol="0" anchor="ctr"/>
+          <a:lstStyle/>
+          <a:p>
+            <a:pPr algn="ctr"/>
+            <a:r>
+              <a:rPr lang="fr-CH" dirty="0">
+                <a:solidFill>
+                  <a:schemeClr val="tx1"/>
+                </a:solidFill>
+              </a:rPr>
+              <a:t>Nav. Bar (4h)</a:t>
+            </a:r>
+          </a:p>
+        </p:txBody>
+      </p:sp>
+      <p:sp>
+        <p:nvSpPr>
+          <p:cNvPr id="22" name="Rectangle : coins arrondis 21">
+            <a:extLst>
+              <a:ext uri="{FF2B5EF4-FFF2-40B4-BE49-F238E27FC236}">
+                <a16:creationId xmlns:a16="http://schemas.microsoft.com/office/drawing/2014/main" id="{BA212AD1-2DF7-468A-A2E4-89DADB04BAC0}"/>
+              </a:ext>
+            </a:extLst>
+          </p:cNvPr>
+          <p:cNvSpPr/>
+          <p:nvPr/>
+        </p:nvSpPr>
+        <p:spPr>
+          <a:xfrm>
+            <a:off x="4425522" y="2075929"/>
+            <a:ext cx="1401286" cy="670987"/>
+          </a:xfrm>
+          <a:prstGeom prst="roundRect">
+            <a:avLst/>
+          </a:prstGeom>
+          <a:solidFill>
+            <a:schemeClr val="accent4">
+              <a:lumMod val="60000"/>
+              <a:lumOff val="40000"/>
+            </a:schemeClr>
+          </a:solidFill>
+        </p:spPr>
+        <p:style>
+          <a:lnRef idx="2">
+            <a:schemeClr val="accent1">
+              <a:shade val="50000"/>
+            </a:schemeClr>
+          </a:lnRef>
+          <a:fillRef idx="1">
+            <a:schemeClr val="accent1"/>
+          </a:fillRef>
+          <a:effectRef idx="0">
+            <a:schemeClr val="accent1"/>
+          </a:effectRef>
+          <a:fontRef idx="minor">
+            <a:schemeClr val="lt1"/>
+          </a:fontRef>
+        </p:style>
+        <p:txBody>
+          <a:bodyPr rtlCol="0" anchor="ctr"/>
+          <a:lstStyle/>
+          <a:p>
+            <a:pPr algn="ctr"/>
+            <a:r>
+              <a:rPr lang="fr-CH" dirty="0">
+                <a:solidFill>
+                  <a:schemeClr val="tx1"/>
+                </a:solidFill>
+              </a:rPr>
+              <a:t>Modèle des pages (10h)</a:t>
+            </a:r>
+          </a:p>
+        </p:txBody>
+      </p:sp>
+      <p:sp>
+        <p:nvSpPr>
+          <p:cNvPr id="23" name="Rectangle : coins arrondis 22">
+            <a:extLst>
+              <a:ext uri="{FF2B5EF4-FFF2-40B4-BE49-F238E27FC236}">
+                <a16:creationId xmlns:a16="http://schemas.microsoft.com/office/drawing/2014/main" id="{13D0B4C8-86CE-4AAF-B3BB-6533415DD2B7}"/>
+              </a:ext>
+            </a:extLst>
+          </p:cNvPr>
+          <p:cNvSpPr/>
+          <p:nvPr/>
+        </p:nvSpPr>
+        <p:spPr>
+          <a:xfrm>
+            <a:off x="3813947" y="5479663"/>
+            <a:ext cx="1092527" cy="537318"/>
+          </a:xfrm>
+          <a:prstGeom prst="roundRect">
+            <a:avLst/>
+          </a:prstGeom>
+          <a:solidFill>
+            <a:schemeClr val="accent4">
+              <a:lumMod val="60000"/>
+              <a:lumOff val="40000"/>
+            </a:schemeClr>
+          </a:solidFill>
+        </p:spPr>
+        <p:style>
+          <a:lnRef idx="2">
+            <a:schemeClr val="accent1">
+              <a:shade val="50000"/>
+            </a:schemeClr>
+          </a:lnRef>
+          <a:fillRef idx="1">
+            <a:schemeClr val="accent1"/>
+          </a:fillRef>
+          <a:effectRef idx="0">
+            <a:schemeClr val="accent1"/>
+          </a:effectRef>
+          <a:fontRef idx="minor">
+            <a:schemeClr val="lt1"/>
+          </a:fontRef>
+        </p:style>
+        <p:txBody>
+          <a:bodyPr rtlCol="0" anchor="ctr"/>
+          <a:lstStyle/>
+          <a:p>
+            <a:pPr algn="ctr"/>
+            <a:endParaRPr lang="fr-CH"/>
+          </a:p>
+        </p:txBody>
+      </p:sp>
+      <p:sp>
+        <p:nvSpPr>
+          <p:cNvPr id="24" name="Rectangle : coins arrondis 23">
+            <a:extLst>
+              <a:ext uri="{FF2B5EF4-FFF2-40B4-BE49-F238E27FC236}">
+                <a16:creationId xmlns:a16="http://schemas.microsoft.com/office/drawing/2014/main" id="{CEFAB0CC-3CCC-427C-99CF-01C581E2D130}"/>
+              </a:ext>
+            </a:extLst>
+          </p:cNvPr>
+          <p:cNvSpPr/>
+          <p:nvPr/>
+        </p:nvSpPr>
+        <p:spPr>
+          <a:xfrm>
+            <a:off x="4553199" y="4847343"/>
+            <a:ext cx="1092527" cy="537318"/>
+          </a:xfrm>
+          <a:prstGeom prst="roundRect">
+            <a:avLst/>
+          </a:prstGeom>
+          <a:solidFill>
+            <a:schemeClr val="accent4">
+              <a:lumMod val="60000"/>
+              <a:lumOff val="40000"/>
+            </a:schemeClr>
+          </a:solidFill>
+        </p:spPr>
+        <p:style>
+          <a:lnRef idx="2">
+            <a:schemeClr val="accent1">
+              <a:shade val="50000"/>
+            </a:schemeClr>
+          </a:lnRef>
+          <a:fillRef idx="1">
+            <a:schemeClr val="accent1"/>
+          </a:fillRef>
+          <a:effectRef idx="0">
+            <a:schemeClr val="accent1"/>
+          </a:effectRef>
+          <a:fontRef idx="minor">
+            <a:schemeClr val="lt1"/>
+          </a:fontRef>
+        </p:style>
+        <p:txBody>
+          <a:bodyPr rtlCol="0" anchor="ctr"/>
+          <a:lstStyle/>
+          <a:p>
+            <a:pPr algn="ctr"/>
+            <a:endParaRPr lang="fr-CH"/>
+          </a:p>
+        </p:txBody>
+      </p:sp>
+      <p:sp>
+        <p:nvSpPr>
+          <p:cNvPr id="25" name="Rectangle : coins arrondis 24">
+            <a:extLst>
+              <a:ext uri="{FF2B5EF4-FFF2-40B4-BE49-F238E27FC236}">
+                <a16:creationId xmlns:a16="http://schemas.microsoft.com/office/drawing/2014/main" id="{FB69DB6E-96CC-47EE-82CE-E99733282D50}"/>
+              </a:ext>
+            </a:extLst>
+          </p:cNvPr>
+          <p:cNvSpPr/>
+          <p:nvPr/>
+        </p:nvSpPr>
+        <p:spPr>
+          <a:xfrm>
+            <a:off x="3135085" y="3519252"/>
+            <a:ext cx="1092527" cy="537318"/>
+          </a:xfrm>
+          <a:prstGeom prst="roundRect">
+            <a:avLst/>
+          </a:prstGeom>
+          <a:solidFill>
+            <a:schemeClr val="accent4">
+              <a:lumMod val="60000"/>
+              <a:lumOff val="40000"/>
+            </a:schemeClr>
+          </a:solidFill>
+        </p:spPr>
+        <p:style>
+          <a:lnRef idx="2">
+            <a:schemeClr val="accent1">
+              <a:shade val="50000"/>
+            </a:schemeClr>
+          </a:lnRef>
+          <a:fillRef idx="1">
+            <a:schemeClr val="accent1"/>
+          </a:fillRef>
+          <a:effectRef idx="0">
+            <a:schemeClr val="accent1"/>
+          </a:effectRef>
+          <a:fontRef idx="minor">
+            <a:schemeClr val="lt1"/>
+          </a:fontRef>
+        </p:style>
+        <p:txBody>
+          <a:bodyPr rtlCol="0" anchor="ctr"/>
+          <a:lstStyle/>
+          <a:p>
+            <a:pPr algn="ctr"/>
+            <a:endParaRPr lang="fr-CH" dirty="0"/>
+          </a:p>
+        </p:txBody>
+      </p:sp>
+      <p:sp>
+        <p:nvSpPr>
+          <p:cNvPr id="26" name="ZoneTexte 25">
+            <a:extLst>
+              <a:ext uri="{FF2B5EF4-FFF2-40B4-BE49-F238E27FC236}">
+                <a16:creationId xmlns:a16="http://schemas.microsoft.com/office/drawing/2014/main" id="{8E48241B-A744-46B9-A40B-B44AB193A197}"/>
+              </a:ext>
+            </a:extLst>
+          </p:cNvPr>
+          <p:cNvSpPr txBox="1"/>
+          <p:nvPr/>
+        </p:nvSpPr>
+        <p:spPr>
+          <a:xfrm>
+            <a:off x="961908" y="5153133"/>
+            <a:ext cx="1916860" cy="523220"/>
+          </a:xfrm>
+          <a:prstGeom prst="rect">
+            <a:avLst/>
+          </a:prstGeom>
+          <a:noFill/>
+        </p:spPr>
+        <p:txBody>
+          <a:bodyPr wrap="square" rtlCol="0">
+            <a:spAutoFit/>
+          </a:bodyPr>
+          <a:lstStyle/>
+          <a:p>
+            <a:r>
+              <a:rPr lang="fr-CH" sz="2800" dirty="0"/>
+              <a:t>Technologie</a:t>
+            </a:r>
+          </a:p>
+        </p:txBody>
+      </p:sp>
+      <p:sp>
+        <p:nvSpPr>
+          <p:cNvPr id="27" name="ZoneTexte 26">
+            <a:extLst>
+              <a:ext uri="{FF2B5EF4-FFF2-40B4-BE49-F238E27FC236}">
+                <a16:creationId xmlns:a16="http://schemas.microsoft.com/office/drawing/2014/main" id="{8F4A5AC6-C709-4347-9D83-65D011470687}"/>
+              </a:ext>
+            </a:extLst>
+          </p:cNvPr>
+          <p:cNvSpPr txBox="1"/>
+          <p:nvPr/>
+        </p:nvSpPr>
+        <p:spPr>
+          <a:xfrm>
+            <a:off x="3156850" y="1421247"/>
+            <a:ext cx="2505691" cy="369332"/>
+          </a:xfrm>
+          <a:prstGeom prst="rect">
+            <a:avLst/>
+          </a:prstGeom>
+          <a:noFill/>
+        </p:spPr>
+        <p:txBody>
+          <a:bodyPr wrap="square" rtlCol="0">
+            <a:spAutoFit/>
+          </a:bodyPr>
+          <a:lstStyle/>
+          <a:p>
+            <a:r>
+              <a:rPr lang="fr-CH" dirty="0"/>
+              <a:t>A faire</a:t>
+            </a:r>
+          </a:p>
+        </p:txBody>
+      </p:sp>
+      <p:sp>
+        <p:nvSpPr>
+          <p:cNvPr id="28" name="ZoneTexte 27">
+            <a:extLst>
+              <a:ext uri="{FF2B5EF4-FFF2-40B4-BE49-F238E27FC236}">
+                <a16:creationId xmlns:a16="http://schemas.microsoft.com/office/drawing/2014/main" id="{51B5F16A-73BF-4DDE-88C5-72849FD9B6C4}"/>
+              </a:ext>
+            </a:extLst>
+          </p:cNvPr>
+          <p:cNvSpPr txBox="1"/>
+          <p:nvPr/>
+        </p:nvSpPr>
+        <p:spPr>
+          <a:xfrm>
+            <a:off x="8827344" y="1431576"/>
+            <a:ext cx="2505691" cy="369332"/>
+          </a:xfrm>
+          <a:prstGeom prst="rect">
+            <a:avLst/>
+          </a:prstGeom>
+          <a:noFill/>
+        </p:spPr>
+        <p:txBody>
+          <a:bodyPr wrap="square" rtlCol="0">
+            <a:spAutoFit/>
+          </a:bodyPr>
+          <a:lstStyle/>
+          <a:p>
+            <a:r>
+              <a:rPr lang="fr-CH" dirty="0"/>
+              <a:t>Terminé</a:t>
+            </a:r>
+          </a:p>
+        </p:txBody>
+      </p:sp>
+      <p:sp>
+        <p:nvSpPr>
+          <p:cNvPr id="29" name="ZoneTexte 28">
+            <a:extLst>
+              <a:ext uri="{FF2B5EF4-FFF2-40B4-BE49-F238E27FC236}">
+                <a16:creationId xmlns:a16="http://schemas.microsoft.com/office/drawing/2014/main" id="{A38A9C29-DA16-41ED-A96F-EC9F2D9D8F69}"/>
+              </a:ext>
+            </a:extLst>
+          </p:cNvPr>
+          <p:cNvSpPr txBox="1"/>
+          <p:nvPr/>
+        </p:nvSpPr>
+        <p:spPr>
+          <a:xfrm>
+            <a:off x="6137558" y="1426297"/>
+            <a:ext cx="2505691" cy="369332"/>
+          </a:xfrm>
+          <a:prstGeom prst="rect">
+            <a:avLst/>
+          </a:prstGeom>
+          <a:noFill/>
+        </p:spPr>
+        <p:txBody>
+          <a:bodyPr wrap="square" rtlCol="0">
+            <a:spAutoFit/>
+          </a:bodyPr>
+          <a:lstStyle/>
+          <a:p>
+            <a:r>
+              <a:rPr lang="fr-CH" dirty="0"/>
+              <a:t>En cours</a:t>
+            </a:r>
+          </a:p>
+        </p:txBody>
+      </p:sp>
+    </p:spTree>
+    <p:extLst>
+      <p:ext uri="{BB962C8B-B14F-4D97-AF65-F5344CB8AC3E}">
+        <p14:creationId xmlns:p14="http://schemas.microsoft.com/office/powerpoint/2010/main" val="2283651598"/>
+      </p:ext>
+    </p:extLst>
+  </p:cSld>
+  <p:clrMapOvr>
+    <a:masterClrMapping/>
+  </p:clrMapOvr>
+</p:sld>
+</file>
+
 <file path=ppt/slides/slide2.xml><?xml version="1.0" encoding="utf-8"?>
 <p:sld xmlns:a="http://schemas.openxmlformats.org/drawingml/2006/main" xmlns:r="http://schemas.openxmlformats.org/officeDocument/2006/relationships" xmlns:p="http://schemas.openxmlformats.org/presentationml/2006/main">
   <p:cSld>
@@ -15915,7 +19050,7 @@
                             </p:stCondLst>
                             <p:childTnLst>
                               <p:par>
-                                <p:cTn id="5" presetID="1" presetClass="entr" presetSubtype="0" fill="hold" grpId="0" nodeType="clickEffect">
+                                <p:cTn id="5" presetID="1" presetClass="entr" presetSubtype="0" fill="hold" nodeType="clickEffect">
                                   <p:stCondLst>
                                     <p:cond delay="0"/>
                                   </p:stCondLst>
@@ -15928,7 +19063,7 @@
                                           </p:stCondLst>
                                         </p:cTn>
                                         <p:tgtEl>
-                                          <p:spTgt spid="17"/>
+                                          <p:spTgt spid="20"/>
                                         </p:tgtEl>
                                         <p:attrNameLst>
                                           <p:attrName>style.visibility</p:attrName>
@@ -15942,7 +19077,7 @@
                                 </p:cTn>
                               </p:par>
                               <p:par>
-                                <p:cTn id="7" presetID="1" presetClass="entr" presetSubtype="0" fill="hold" nodeType="withEffect">
+                                <p:cTn id="7" presetID="1" presetClass="entr" presetSubtype="0" fill="hold" grpId="0" nodeType="withEffect">
                                   <p:stCondLst>
                                     <p:cond delay="0"/>
                                   </p:stCondLst>
@@ -15955,7 +19090,7 @@
                                           </p:stCondLst>
                                         </p:cTn>
                                         <p:tgtEl>
-                                          <p:spTgt spid="38"/>
+                                          <p:spTgt spid="30"/>
                                         </p:tgtEl>
                                         <p:attrNameLst>
                                           <p:attrName>style.visibility</p:attrName>
@@ -15969,7 +19104,7 @@
                                 </p:cTn>
                               </p:par>
                               <p:par>
-                                <p:cTn id="9" presetID="1" presetClass="entr" presetSubtype="0" fill="hold" nodeType="withEffect">
+                                <p:cTn id="9" presetID="1" presetClass="entr" presetSubtype="0" fill="hold" grpId="0" nodeType="withEffect">
                                   <p:stCondLst>
                                     <p:cond delay="0"/>
                                   </p:stCondLst>
@@ -15982,7 +19117,7 @@
                                           </p:stCondLst>
                                         </p:cTn>
                                         <p:tgtEl>
-                                          <p:spTgt spid="34"/>
+                                          <p:spTgt spid="31"/>
                                         </p:tgtEl>
                                         <p:attrNameLst>
                                           <p:attrName>style.visibility</p:attrName>
@@ -16023,7 +19158,7 @@
                                 </p:cTn>
                               </p:par>
                               <p:par>
-                                <p:cTn id="13" presetID="1" presetClass="entr" presetSubtype="0" fill="hold" grpId="0" nodeType="withEffect">
+                                <p:cTn id="13" presetID="1" presetClass="entr" presetSubtype="0" fill="hold" nodeType="withEffect">
                                   <p:stCondLst>
                                     <p:cond delay="0"/>
                                   </p:stCondLst>
@@ -16036,7 +19171,7 @@
                                           </p:stCondLst>
                                         </p:cTn>
                                         <p:tgtEl>
-                                          <p:spTgt spid="30"/>
+                                          <p:spTgt spid="38"/>
                                         </p:tgtEl>
                                         <p:attrNameLst>
                                           <p:attrName>style.visibility</p:attrName>
@@ -16063,7 +19198,7 @@
                                           </p:stCondLst>
                                         </p:cTn>
                                         <p:tgtEl>
-                                          <p:spTgt spid="20"/>
+                                          <p:spTgt spid="34"/>
                                         </p:tgtEl>
                                         <p:attrNameLst>
                                           <p:attrName>style.visibility</p:attrName>
@@ -16077,7 +19212,7 @@
                                 </p:cTn>
                               </p:par>
                               <p:par>
-                                <p:cTn id="17" presetID="1" presetClass="entr" presetSubtype="0" fill="hold" grpId="0" nodeType="withEffect">
+                                <p:cTn id="17" presetID="1" presetClass="entr" presetSubtype="0" fill="hold" nodeType="withEffect">
                                   <p:stCondLst>
                                     <p:cond delay="0"/>
                                   </p:stCondLst>
@@ -16090,7 +19225,61 @@
                                           </p:stCondLst>
                                         </p:cTn>
                                         <p:tgtEl>
-                                          <p:spTgt spid="31"/>
+                                          <p:spTgt spid="4"/>
+                                        </p:tgtEl>
+                                        <p:attrNameLst>
+                                          <p:attrName>style.visibility</p:attrName>
+                                        </p:attrNameLst>
+                                      </p:cBhvr>
+                                      <p:to>
+                                        <p:strVal val="visible"/>
+                                      </p:to>
+                                    </p:set>
+                                  </p:childTnLst>
+                                </p:cTn>
+                              </p:par>
+                              <p:par>
+                                <p:cTn id="19" presetID="1" presetClass="entr" presetSubtype="0" fill="hold" grpId="0" nodeType="withEffect">
+                                  <p:stCondLst>
+                                    <p:cond delay="0"/>
+                                  </p:stCondLst>
+                                  <p:childTnLst>
+                                    <p:set>
+                                      <p:cBhvr>
+                                        <p:cTn id="20" dur="1" fill="hold">
+                                          <p:stCondLst>
+                                            <p:cond delay="0"/>
+                                          </p:stCondLst>
+                                        </p:cTn>
+                                        <p:tgtEl>
+                                          <p:spTgt spid="5"/>
+                                        </p:tgtEl>
+                                        <p:attrNameLst>
+                                          <p:attrName>style.visibility</p:attrName>
+                                        </p:attrNameLst>
+                                      </p:cBhvr>
+                                      <p:to>
+                                        <p:strVal val="visible"/>
+                                      </p:to>
+                                    </p:set>
+                                  </p:childTnLst>
+                                </p:cTn>
+                              </p:par>
+                              <p:par>
+                                <p:cTn id="21" presetID="1" presetClass="entr" presetSubtype="0" fill="hold" grpId="0" nodeType="withEffect">
+                                  <p:stCondLst>
+                                    <p:cond delay="0"/>
+                                  </p:stCondLst>
+                                  <p:childTnLst>
+                                    <p:set>
+                                      <p:cBhvr>
+                                        <p:cTn id="22" dur="1" fill="hold">
+                                          <p:stCondLst>
+                                            <p:cond delay="0"/>
+                                          </p:stCondLst>
+                                        </p:cTn>
+                                        <p:tgtEl>
+                                          <p:spTgt spid="17"/>
                                         </p:tgtEl>
                                         <p:attrNameLst>
                                           <p:attrName>style.visibility</p:attrName>
@@ -16134,6 +19323,7 @@
       <p:bldP spid="17" grpId="0"/>
       <p:bldP spid="30" grpId="0"/>
       <p:bldP spid="31" grpId="0"/>
+      <p:bldP spid="5" grpId="0"/>
     </p:bldLst>
   </p:timing>
 </p:sld>
@@ -16142,6 +19332,14 @@
 <file path=ppt/slides/slide20.xml><?xml version="1.0" encoding="utf-8"?>
 <p:sld xmlns:a="http://schemas.openxmlformats.org/drawingml/2006/main" xmlns:r="http://schemas.openxmlformats.org/officeDocument/2006/relationships" xmlns:p="http://schemas.openxmlformats.org/presentationml/2006/main">
   <p:cSld>
+    <p:bg>
+      <p:bgPr>
+        <a:solidFill>
+          <a:schemeClr val="bg1"/>
+        </a:solidFill>
+        <a:effectLst/>
+      </p:bgPr>
+    </p:bg>
     <p:spTree>
       <p:nvGrpSpPr>
         <p:cNvPr id="1" name=""/>
@@ -16158,10 +19356,10 @@
       </p:grpSpPr>
       <p:sp>
         <p:nvSpPr>
-          <p:cNvPr id="9" name="Titre 1">
+          <p:cNvPr id="2" name="Titre 1">
             <a:extLst>
               <a:ext uri="{FF2B5EF4-FFF2-40B4-BE49-F238E27FC236}">
-                <a16:creationId xmlns:a16="http://schemas.microsoft.com/office/drawing/2014/main" id="{58D7FD38-B937-40EA-AD5D-841A4A93166A}"/>
+                <a16:creationId xmlns:a16="http://schemas.microsoft.com/office/drawing/2014/main" id="{7110C73B-C441-4A8F-809D-FE96868E07BF}"/>
               </a:ext>
             </a:extLst>
           </p:cNvPr>
@@ -16175,26 +19373,28 @@
         <p:spPr>
           <a:xfrm>
             <a:off x="838200" y="365125"/>
-            <a:ext cx="10515600" cy="1325563"/>
+            <a:ext cx="10515600" cy="960241"/>
           </a:xfrm>
         </p:spPr>
         <p:txBody>
-          <a:bodyPr/>
+          <a:bodyPr>
+            <a:normAutofit/>
+          </a:bodyPr>
           <a:lstStyle/>
           <a:p>
             <a:r>
               <a:rPr lang="fr-CH" dirty="0"/>
-              <a:t>Architecture</a:t>
+              <a:t>Diagramme de Gantt</a:t>
             </a:r>
           </a:p>
         </p:txBody>
       </p:sp>
       <p:sp>
         <p:nvSpPr>
-          <p:cNvPr id="10" name="Espace réservé du numéro de diapositive 3">
+          <p:cNvPr id="4" name="Espace réservé du numéro de diapositive 3">
             <a:extLst>
               <a:ext uri="{FF2B5EF4-FFF2-40B4-BE49-F238E27FC236}">
-                <a16:creationId xmlns:a16="http://schemas.microsoft.com/office/drawing/2014/main" id="{D91FAB43-F089-4A64-9453-C0D08520A416}"/>
+                <a16:creationId xmlns:a16="http://schemas.microsoft.com/office/drawing/2014/main" id="{C782029C-6131-40A0-A945-F393B6E676D4}"/>
               </a:ext>
             </a:extLst>
           </p:cNvPr>
@@ -16212,11 +19412,23 @@
           </a:xfrm>
         </p:spPr>
         <p:txBody>
-          <a:bodyPr/>
+          <a:bodyPr>
+            <a:normAutofit/>
+          </a:bodyPr>
           <a:lstStyle/>
           <a:p>
+            <a:pPr>
+              <a:spcAft>
+                <a:spcPts val="600"/>
+              </a:spcAft>
+            </a:pPr>
             <a:fld id="{FAEAF821-8BBB-4B5F-AB25-F4FE9450ED6D}" type="slidenum">
               <a:rPr lang="fr-CH" smtClean="0"/>
+              <a:pPr>
+                <a:spcAft>
+                  <a:spcPts val="600"/>
+                </a:spcAft>
+              </a:pPr>
               <a:t>20</a:t>
             </a:fld>
             <a:endParaRPr lang="fr-CH"/>
@@ -16225,36 +19437,39 @@
       </p:sp>
       <p:graphicFrame>
         <p:nvGraphicFramePr>
-          <p:cNvPr id="11" name="Diagramme 5">
+          <p:cNvPr id="12" name="Chart 4">
             <a:extLst>
               <a:ext uri="{FF2B5EF4-FFF2-40B4-BE49-F238E27FC236}">
-                <a16:creationId xmlns:a16="http://schemas.microsoft.com/office/drawing/2014/main" id="{2D45E034-5CAD-456B-A44D-C4DED177B583}"/>
+                <a16:creationId xmlns:a16="http://schemas.microsoft.com/office/drawing/2014/main" id="{00000000-0008-0000-0000-000005000000}"/>
               </a:ext>
             </a:extLst>
           </p:cNvPr>
-          <p:cNvGraphicFramePr/>
+          <p:cNvGraphicFramePr>
+            <a:graphicFrameLocks noGrp="1"/>
+          </p:cNvGraphicFramePr>
           <p:nvPr>
+            <p:ph idx="1"/>
             <p:extLst>
               <p:ext uri="{D42A27DB-BD31-4B8C-83A1-F6EECF244321}">
-                <p14:modId xmlns:p14="http://schemas.microsoft.com/office/powerpoint/2010/main" val="2457067095"/>
+                <p14:modId xmlns:p14="http://schemas.microsoft.com/office/powerpoint/2010/main" val="376447427"/>
               </p:ext>
             </p:extLst>
           </p:nvPr>
         </p:nvGraphicFramePr>
         <p:xfrm>
-          <a:off x="1651000" y="692150"/>
-          <a:ext cx="8890000" cy="5664200"/>
+          <a:off x="838200" y="1325366"/>
+          <a:ext cx="10515600" cy="4851597"/>
         </p:xfrm>
         <a:graphic>
-          <a:graphicData uri="http://schemas.openxmlformats.org/drawingml/2006/diagram">
-            <dgm:relIds xmlns:dgm="http://schemas.openxmlformats.org/drawingml/2006/diagram" xmlns:r="http://schemas.openxmlformats.org/officeDocument/2006/relationships" r:dm="rId2" r:lo="rId3" r:qs="rId4" r:cs="rId5"/>
+          <a:graphicData uri="http://schemas.openxmlformats.org/drawingml/2006/chart">
+            <c:chart xmlns:c="http://schemas.openxmlformats.org/drawingml/2006/chart" xmlns:r="http://schemas.openxmlformats.org/officeDocument/2006/relationships" r:id="rId3"/>
           </a:graphicData>
         </a:graphic>
       </p:graphicFrame>
     </p:spTree>
     <p:extLst>
       <p:ext uri="{BB962C8B-B14F-4D97-AF65-F5344CB8AC3E}">
-        <p14:creationId xmlns:p14="http://schemas.microsoft.com/office/powerpoint/2010/main" val="891181742"/>
+        <p14:creationId xmlns:p14="http://schemas.microsoft.com/office/powerpoint/2010/main" val="1587141374"/>
       </p:ext>
     </p:extLst>
   </p:cSld>
@@ -16451,7 +19666,7 @@
         </p:blipFill>
         <p:spPr>
           <a:xfrm>
-            <a:off x="6476388" y="4828473"/>
+            <a:off x="6476387" y="5294791"/>
             <a:ext cx="495369" cy="495369"/>
           </a:xfrm>
           <a:prstGeom prst="rect">
@@ -16487,7 +19702,7 @@
         </p:blipFill>
         <p:spPr>
           <a:xfrm>
-            <a:off x="7000291" y="4618894"/>
+            <a:off x="7000290" y="5085212"/>
             <a:ext cx="914529" cy="914529"/>
           </a:xfrm>
           <a:prstGeom prst="rect">
@@ -16523,7 +19738,7 @@
         </p:blipFill>
         <p:spPr>
           <a:xfrm>
-            <a:off x="5439752" y="4646289"/>
+            <a:off x="5439751" y="5112607"/>
             <a:ext cx="841632" cy="841632"/>
           </a:xfrm>
           <a:prstGeom prst="rect">
@@ -16559,7 +19774,7 @@
         </p:blipFill>
         <p:spPr>
           <a:xfrm>
-            <a:off x="4322409" y="4538186"/>
+            <a:off x="4322408" y="5004504"/>
             <a:ext cx="922340" cy="922340"/>
           </a:xfrm>
           <a:prstGeom prst="rect">
@@ -16746,8 +19961,8 @@
         </p:nvSpPr>
         <p:spPr>
           <a:xfrm>
-            <a:off x="5294105" y="5659277"/>
-            <a:ext cx="1674240" cy="369332"/>
+            <a:off x="5177702" y="4595355"/>
+            <a:ext cx="1661417" cy="369332"/>
           </a:xfrm>
           <a:prstGeom prst="rect">
             <a:avLst/>
@@ -16763,7 +19978,7 @@
             <a:pPr algn="ctr"/>
             <a:r>
               <a:rPr lang="it-IT" dirty="0"/>
-              <a:t>Tous en gardant</a:t>
+              <a:t>Tout en gardant</a:t>
             </a:r>
           </a:p>
         </p:txBody>
@@ -17053,6 +20268,33 @@
                                   </p:childTnLst>
                                 </p:cTn>
                               </p:par>
+                              <p:par>
+                                <p:cTn id="19" presetID="1" presetClass="entr" presetSubtype="0" fill="hold" grpId="0" nodeType="withEffect">
+                                  <p:stCondLst>
+                                    <p:cond delay="0"/>
+                                  </p:stCondLst>
+                                  <p:childTnLst>
+                                    <p:set>
+                                      <p:cBhvr>
+                                        <p:cTn id="20" dur="1" fill="hold">
+                                          <p:stCondLst>
+                                            <p:cond delay="0"/>
+                                          </p:stCondLst>
+                                        </p:cTn>
+                                        <p:tgtEl>
+                                          <p:spTgt spid="3"/>
+                                        </p:tgtEl>
+                                        <p:attrNameLst>
+                                          <p:attrName>style.visibility</p:attrName>
+                                        </p:attrNameLst>
+                                      </p:cBhvr>
+                                      <p:to>
+                                        <p:strVal val="visible"/>
+                                      </p:to>
+                                    </p:set>
+                                  </p:childTnLst>
+                                </p:cTn>
+                              </p:par>
                             </p:childTnLst>
                           </p:cTn>
                         </p:par>
@@ -17080,6 +20322,9 @@
         </p:cTn>
       </p:par>
     </p:tnLst>
+    <p:bldLst>
+      <p:bldP spid="3" grpId="0"/>
+    </p:bldLst>
   </p:timing>
 </p:sld>
 </file>
@@ -17132,10 +20377,10 @@
       </p:sp>
       <p:pic>
         <p:nvPicPr>
-          <p:cNvPr id="4" name="Image 3">
+          <p:cNvPr id="5" name="Image 4">
             <a:extLst>
               <a:ext uri="{FF2B5EF4-FFF2-40B4-BE49-F238E27FC236}">
-                <a16:creationId xmlns:a16="http://schemas.microsoft.com/office/drawing/2014/main" id="{EDF161F7-0129-4E7E-A32A-349C3F295A1D}"/>
+                <a16:creationId xmlns:a16="http://schemas.microsoft.com/office/drawing/2014/main" id="{A66CD413-BBEA-481E-BA16-4F30D6588EBE}"/>
               </a:ext>
             </a:extLst>
           </p:cNvPr>
@@ -17152,13 +20397,13 @@
               </a:ext>
             </a:extLst>
           </a:blip>
-          <a:srcRect l="6163" t="844" r="4079" b="13175"/>
+          <a:srcRect l="6564" t="1007" r="4571" b="13074"/>
           <a:stretch/>
         </p:blipFill>
         <p:spPr>
           <a:xfrm>
-            <a:off x="933236" y="0"/>
-            <a:ext cx="10325528" cy="6858000"/>
+            <a:off x="1486395" y="0"/>
+            <a:ext cx="9219210" cy="6860543"/>
           </a:xfrm>
           <a:prstGeom prst="rect">
             <a:avLst/>
@@ -17226,10 +20471,10 @@
       </p:sp>
       <p:pic>
         <p:nvPicPr>
-          <p:cNvPr id="4" name="Image 3">
+          <p:cNvPr id="5" name="Image 4">
             <a:extLst>
               <a:ext uri="{FF2B5EF4-FFF2-40B4-BE49-F238E27FC236}">
-                <a16:creationId xmlns:a16="http://schemas.microsoft.com/office/drawing/2014/main" id="{EDA53A4E-B688-4874-A18D-002A497F1E05}"/>
+                <a16:creationId xmlns:a16="http://schemas.microsoft.com/office/drawing/2014/main" id="{48BE066F-84CF-4721-A6C6-7C956B6824A9}"/>
               </a:ext>
             </a:extLst>
           </p:cNvPr>
@@ -17239,20 +20484,20 @@
           <p:nvPr/>
         </p:nvPicPr>
         <p:blipFill rotWithShape="1">
-          <a:blip r:embed="rId2">
+          <a:blip r:embed="rId3">
             <a:extLst>
               <a:ext uri="{28A0092B-C50C-407E-A947-70E740481C1C}">
                 <a14:useLocalDpi xmlns:a14="http://schemas.microsoft.com/office/drawing/2010/main" val="0"/>
               </a:ext>
             </a:extLst>
           </a:blip>
-          <a:srcRect l="5376" r="2653" b="46517"/>
+          <a:srcRect l="6089" t="434" r="3305" b="47013"/>
           <a:stretch/>
         </p:blipFill>
         <p:spPr>
           <a:xfrm>
-            <a:off x="1205501" y="0"/>
-            <a:ext cx="9780998" cy="6857608"/>
+            <a:off x="1189939" y="0"/>
+            <a:ext cx="9812121" cy="6861558"/>
           </a:xfrm>
           <a:prstGeom prst="rect">
             <a:avLst/>
@@ -17320,10 +20565,10 @@
       </p:sp>
       <p:pic>
         <p:nvPicPr>
-          <p:cNvPr id="4" name="Image 3">
+          <p:cNvPr id="7" name="Image 6">
             <a:extLst>
               <a:ext uri="{FF2B5EF4-FFF2-40B4-BE49-F238E27FC236}">
-                <a16:creationId xmlns:a16="http://schemas.microsoft.com/office/drawing/2014/main" id="{758D9F2E-0712-4CC6-9726-791BD3C6E5C1}"/>
+                <a16:creationId xmlns:a16="http://schemas.microsoft.com/office/drawing/2014/main" id="{60B77B9B-740B-43C5-80AE-95CB3BC0E1FF}"/>
               </a:ext>
             </a:extLst>
           </p:cNvPr>
@@ -17333,20 +20578,20 @@
           <p:nvPr/>
         </p:nvPicPr>
         <p:blipFill rotWithShape="1">
-          <a:blip r:embed="rId2">
+          <a:blip r:embed="rId3">
             <a:extLst>
               <a:ext uri="{28A0092B-C50C-407E-A947-70E740481C1C}">
                 <a14:useLocalDpi xmlns:a14="http://schemas.microsoft.com/office/drawing/2010/main" val="0"/>
               </a:ext>
             </a:extLst>
           </a:blip>
-          <a:srcRect l="6617" r="4283" b="13258"/>
+          <a:srcRect l="6530" t="983" r="4456" b="12900"/>
           <a:stretch/>
         </p:blipFill>
         <p:spPr>
           <a:xfrm>
-            <a:off x="1673987" y="-40303"/>
-            <a:ext cx="8844026" cy="6938606"/>
+            <a:off x="1697767" y="-161"/>
+            <a:ext cx="8796465" cy="6858161"/>
           </a:xfrm>
           <a:prstGeom prst="rect">
             <a:avLst/>
@@ -17383,40 +20628,6 @@
           <a:chExt cx="0" cy="0"/>
         </a:xfrm>
       </p:grpSpPr>
-      <p:pic>
-        <p:nvPicPr>
-          <p:cNvPr id="6" name="Espace réservé du contenu 5">
-            <a:extLst>
-              <a:ext uri="{FF2B5EF4-FFF2-40B4-BE49-F238E27FC236}">
-                <a16:creationId xmlns:a16="http://schemas.microsoft.com/office/drawing/2014/main" id="{0F2DE27F-9500-421A-A610-51B03C6A5C7A}"/>
-              </a:ext>
-            </a:extLst>
-          </p:cNvPr>
-          <p:cNvPicPr>
-            <a:picLocks noGrp="1" noChangeAspect="1"/>
-          </p:cNvPicPr>
-          <p:nvPr>
-            <p:ph idx="1"/>
-          </p:nvPr>
-        </p:nvPicPr>
-        <p:blipFill rotWithShape="1">
-          <a:blip r:embed="rId2">
-            <a:extLst>
-              <a:ext uri="{28A0092B-C50C-407E-A947-70E740481C1C}">
-                <a14:useLocalDpi xmlns:a14="http://schemas.microsoft.com/office/drawing/2010/main" val="0"/>
-              </a:ext>
-            </a:extLst>
-          </a:blip>
-          <a:srcRect l="5216" r="2870" b="9731"/>
-          <a:stretch/>
-        </p:blipFill>
-        <p:spPr>
-          <a:xfrm>
-            <a:off x="1099157" y="-2923"/>
-            <a:ext cx="9993686" cy="6860923"/>
-          </a:xfrm>
-        </p:spPr>
-      </p:pic>
       <p:sp>
         <p:nvSpPr>
           <p:cNvPr id="4" name="Espace réservé du numéro de diapositive 3">
@@ -17446,6 +20657,40 @@
           </a:p>
         </p:txBody>
       </p:sp>
+      <p:pic>
+        <p:nvPicPr>
+          <p:cNvPr id="7" name="Espace réservé du contenu 6">
+            <a:extLst>
+              <a:ext uri="{FF2B5EF4-FFF2-40B4-BE49-F238E27FC236}">
+                <a16:creationId xmlns:a16="http://schemas.microsoft.com/office/drawing/2014/main" id="{F8408FFE-5BB3-4B84-9D62-549A42FF48B1}"/>
+              </a:ext>
+            </a:extLst>
+          </p:cNvPr>
+          <p:cNvPicPr>
+            <a:picLocks noGrp="1" noChangeAspect="1"/>
+          </p:cNvPicPr>
+          <p:nvPr>
+            <p:ph idx="1"/>
+          </p:nvPr>
+        </p:nvPicPr>
+        <p:blipFill rotWithShape="1">
+          <a:blip r:embed="rId3">
+            <a:extLst>
+              <a:ext uri="{28A0092B-C50C-407E-A947-70E740481C1C}">
+                <a14:useLocalDpi xmlns:a14="http://schemas.microsoft.com/office/drawing/2010/main" val="0"/>
+              </a:ext>
+            </a:extLst>
+          </a:blip>
+          <a:srcRect l="5888" t="1163" r="3173" b="10488"/>
+          <a:stretch/>
+        </p:blipFill>
+        <p:spPr>
+          <a:xfrm>
+            <a:off x="1047021" y="0"/>
+            <a:ext cx="10097957" cy="6858000"/>
+          </a:xfrm>
+        </p:spPr>
+      </p:pic>
     </p:spTree>
     <p:extLst>
       <p:ext uri="{BB962C8B-B14F-4D97-AF65-F5344CB8AC3E}">
@@ -17478,66 +20723,6 @@
       </p:grpSpPr>
       <p:sp>
         <p:nvSpPr>
-          <p:cNvPr id="2" name="Titre 1">
-            <a:extLst>
-              <a:ext uri="{FF2B5EF4-FFF2-40B4-BE49-F238E27FC236}">
-                <a16:creationId xmlns:a16="http://schemas.microsoft.com/office/drawing/2014/main" id="{DFA43461-A8B7-4DF3-A6FA-B82F47765229}"/>
-              </a:ext>
-            </a:extLst>
-          </p:cNvPr>
-          <p:cNvSpPr>
-            <a:spLocks noGrp="1"/>
-          </p:cNvSpPr>
-          <p:nvPr>
-            <p:ph type="title"/>
-          </p:nvPr>
-        </p:nvSpPr>
-        <p:spPr/>
-        <p:txBody>
-          <a:bodyPr/>
-          <a:lstStyle/>
-          <a:p>
-            <a:endParaRPr lang="fr-CH"/>
-          </a:p>
-        </p:txBody>
-      </p:sp>
-      <p:pic>
-        <p:nvPicPr>
-          <p:cNvPr id="6" name="Espace réservé du contenu 5">
-            <a:extLst>
-              <a:ext uri="{FF2B5EF4-FFF2-40B4-BE49-F238E27FC236}">
-                <a16:creationId xmlns:a16="http://schemas.microsoft.com/office/drawing/2014/main" id="{2FFC4313-BF71-41A1-9597-F9A07C50D0B6}"/>
-              </a:ext>
-            </a:extLst>
-          </p:cNvPr>
-          <p:cNvPicPr>
-            <a:picLocks noGrp="1" noChangeAspect="1"/>
-          </p:cNvPicPr>
-          <p:nvPr>
-            <p:ph idx="1"/>
-          </p:nvPr>
-        </p:nvPicPr>
-        <p:blipFill>
-          <a:blip r:embed="rId2">
-            <a:extLst>
-              <a:ext uri="{28A0092B-C50C-407E-A947-70E740481C1C}">
-                <a14:useLocalDpi xmlns:a14="http://schemas.microsoft.com/office/drawing/2010/main" val="0"/>
-              </a:ext>
-            </a:extLst>
-          </a:blip>
-          <a:stretch>
-            <a:fillRect/>
-          </a:stretch>
-        </p:blipFill>
-        <p:spPr>
-          <a:xfrm>
-            <a:off x="3114130" y="1825625"/>
-            <a:ext cx="5963740" cy="4351338"/>
-          </a:xfrm>
-        </p:spPr>
-      </p:pic>
-      <p:sp>
-        <p:nvSpPr>
           <p:cNvPr id="4" name="Espace réservé du numéro de diapositive 3">
             <a:extLst>
               <a:ext uri="{FF2B5EF4-FFF2-40B4-BE49-F238E27FC236}">
@@ -17565,6 +20750,40 @@
           </a:p>
         </p:txBody>
       </p:sp>
+      <p:pic>
+        <p:nvPicPr>
+          <p:cNvPr id="12" name="Espace réservé du contenu 11">
+            <a:extLst>
+              <a:ext uri="{FF2B5EF4-FFF2-40B4-BE49-F238E27FC236}">
+                <a16:creationId xmlns:a16="http://schemas.microsoft.com/office/drawing/2014/main" id="{2B3C3B1A-4AF1-4BA5-90CB-A7488A30C96A}"/>
+              </a:ext>
+            </a:extLst>
+          </p:cNvPr>
+          <p:cNvPicPr>
+            <a:picLocks noGrp="1" noChangeAspect="1"/>
+          </p:cNvPicPr>
+          <p:nvPr>
+            <p:ph idx="1"/>
+          </p:nvPr>
+        </p:nvPicPr>
+        <p:blipFill rotWithShape="1">
+          <a:blip r:embed="rId3">
+            <a:extLst>
+              <a:ext uri="{28A0092B-C50C-407E-A947-70E740481C1C}">
+                <a14:useLocalDpi xmlns:a14="http://schemas.microsoft.com/office/drawing/2010/main" val="0"/>
+              </a:ext>
+            </a:extLst>
+          </a:blip>
+          <a:srcRect l="4828" r="9593" b="10623"/>
+          <a:stretch/>
+        </p:blipFill>
+        <p:spPr>
+          <a:xfrm>
+            <a:off x="1553688" y="0"/>
+            <a:ext cx="9084623" cy="6854090"/>
+          </a:xfrm>
+        </p:spPr>
+      </p:pic>
     </p:spTree>
     <p:extLst>
       <p:ext uri="{BB962C8B-B14F-4D97-AF65-F5344CB8AC3E}">
@@ -17597,66 +20816,6 @@
       </p:grpSpPr>
       <p:sp>
         <p:nvSpPr>
-          <p:cNvPr id="2" name="Titre 1">
-            <a:extLst>
-              <a:ext uri="{FF2B5EF4-FFF2-40B4-BE49-F238E27FC236}">
-                <a16:creationId xmlns:a16="http://schemas.microsoft.com/office/drawing/2014/main" id="{53876A68-AD58-4F77-8566-612B5AC38256}"/>
-              </a:ext>
-            </a:extLst>
-          </p:cNvPr>
-          <p:cNvSpPr>
-            <a:spLocks noGrp="1"/>
-          </p:cNvSpPr>
-          <p:nvPr>
-            <p:ph type="title"/>
-          </p:nvPr>
-        </p:nvSpPr>
-        <p:spPr/>
-        <p:txBody>
-          <a:bodyPr/>
-          <a:lstStyle/>
-          <a:p>
-            <a:endParaRPr lang="fr-CH"/>
-          </a:p>
-        </p:txBody>
-      </p:sp>
-      <p:pic>
-        <p:nvPicPr>
-          <p:cNvPr id="6" name="Espace réservé du contenu 5">
-            <a:extLst>
-              <a:ext uri="{FF2B5EF4-FFF2-40B4-BE49-F238E27FC236}">
-                <a16:creationId xmlns:a16="http://schemas.microsoft.com/office/drawing/2014/main" id="{140E1B17-EA57-4523-A19E-991D758386C6}"/>
-              </a:ext>
-            </a:extLst>
-          </p:cNvPr>
-          <p:cNvPicPr>
-            <a:picLocks noGrp="1" noChangeAspect="1"/>
-          </p:cNvPicPr>
-          <p:nvPr>
-            <p:ph idx="1"/>
-          </p:nvPr>
-        </p:nvPicPr>
-        <p:blipFill>
-          <a:blip r:embed="rId2">
-            <a:extLst>
-              <a:ext uri="{28A0092B-C50C-407E-A947-70E740481C1C}">
-                <a14:useLocalDpi xmlns:a14="http://schemas.microsoft.com/office/drawing/2010/main" val="0"/>
-              </a:ext>
-            </a:extLst>
-          </a:blip>
-          <a:stretch>
-            <a:fillRect/>
-          </a:stretch>
-        </p:blipFill>
-        <p:spPr>
-          <a:xfrm>
-            <a:off x="2983644" y="1825625"/>
-            <a:ext cx="6224712" cy="4351338"/>
-          </a:xfrm>
-        </p:spPr>
-      </p:pic>
-      <p:sp>
-        <p:nvSpPr>
           <p:cNvPr id="4" name="Espace réservé du numéro de diapositive 3">
             <a:extLst>
               <a:ext uri="{FF2B5EF4-FFF2-40B4-BE49-F238E27FC236}">
@@ -17684,6 +20843,40 @@
           </a:p>
         </p:txBody>
       </p:sp>
+      <p:pic>
+        <p:nvPicPr>
+          <p:cNvPr id="8" name="Espace réservé du contenu 7">
+            <a:extLst>
+              <a:ext uri="{FF2B5EF4-FFF2-40B4-BE49-F238E27FC236}">
+                <a16:creationId xmlns:a16="http://schemas.microsoft.com/office/drawing/2014/main" id="{194DFEF2-B532-4622-8F1B-17DD5775F420}"/>
+              </a:ext>
+            </a:extLst>
+          </p:cNvPr>
+          <p:cNvPicPr>
+            <a:picLocks noGrp="1" noChangeAspect="1"/>
+          </p:cNvPicPr>
+          <p:nvPr>
+            <p:ph idx="1"/>
+          </p:nvPr>
+        </p:nvPicPr>
+        <p:blipFill rotWithShape="1">
+          <a:blip r:embed="rId3">
+            <a:extLst>
+              <a:ext uri="{28A0092B-C50C-407E-A947-70E740481C1C}">
+                <a14:useLocalDpi xmlns:a14="http://schemas.microsoft.com/office/drawing/2010/main" val="0"/>
+              </a:ext>
+            </a:extLst>
+          </a:blip>
+          <a:srcRect l="5570" t="516" r="2889" b="10119"/>
+          <a:stretch/>
+        </p:blipFill>
+        <p:spPr>
+          <a:xfrm>
+            <a:off x="1069194" y="-2910"/>
+            <a:ext cx="10053611" cy="6860910"/>
+          </a:xfrm>
+        </p:spPr>
+      </p:pic>
     </p:spTree>
     <p:extLst>
       <p:ext uri="{BB962C8B-B14F-4D97-AF65-F5344CB8AC3E}">

--- a/Docs/UNIbay_DeskPitchFinal.pptx
+++ b/Docs/UNIbay_DeskPitchFinal.pptx
@@ -11,23 +11,23 @@
     <p:sldId id="256" r:id="rId2"/>
     <p:sldId id="265" r:id="rId3"/>
     <p:sldId id="258" r:id="rId4"/>
-    <p:sldId id="274" r:id="rId5"/>
-    <p:sldId id="275" r:id="rId6"/>
-    <p:sldId id="276" r:id="rId7"/>
-    <p:sldId id="278" r:id="rId8"/>
-    <p:sldId id="279" r:id="rId9"/>
-    <p:sldId id="280" r:id="rId10"/>
-    <p:sldId id="259" r:id="rId11"/>
-    <p:sldId id="261" r:id="rId12"/>
-    <p:sldId id="271" r:id="rId13"/>
-    <p:sldId id="264" r:id="rId14"/>
+    <p:sldId id="259" r:id="rId5"/>
+    <p:sldId id="261" r:id="rId6"/>
+    <p:sldId id="271" r:id="rId7"/>
+    <p:sldId id="264" r:id="rId8"/>
+    <p:sldId id="274" r:id="rId9"/>
+    <p:sldId id="275" r:id="rId10"/>
+    <p:sldId id="276" r:id="rId11"/>
+    <p:sldId id="278" r:id="rId12"/>
+    <p:sldId id="279" r:id="rId13"/>
+    <p:sldId id="280" r:id="rId14"/>
     <p:sldId id="263" r:id="rId15"/>
     <p:sldId id="266" r:id="rId16"/>
     <p:sldId id="267" r:id="rId17"/>
     <p:sldId id="272" r:id="rId18"/>
     <p:sldId id="270" r:id="rId19"/>
-    <p:sldId id="268" r:id="rId20"/>
-    <p:sldId id="277" r:id="rId21"/>
+    <p:sldId id="277" r:id="rId20"/>
+    <p:sldId id="281" r:id="rId21"/>
   </p:sldIdLst>
   <p:sldSz cx="12192000" cy="6858000"/>
   <p:notesSz cx="6858000" cy="9144000"/>
@@ -7303,7 +7303,7 @@
           <a:p>
             <a:fld id="{113C925E-3647-46E9-8032-95FC2461D89E}" type="datetimeFigureOut">
               <a:rPr lang="fr-CH" smtClean="0"/>
-              <a:t>11.04.2019</a:t>
+              <a:t>12.04.2019</a:t>
             </a:fld>
             <a:endParaRPr lang="fr-CH"/>
           </a:p>
@@ -7702,69 +7702,31 @@
           <a:bodyPr/>
           <a:lstStyle/>
           <a:p>
-            <a:pPr marL="0" marR="0" lvl="0" indent="0" algn="l" defTabSz="914400" rtl="0" eaLnBrk="1" fontAlgn="auto" latinLnBrk="0" hangingPunct="1">
-              <a:lnSpc>
-                <a:spcPct val="100000"/>
-              </a:lnSpc>
-              <a:spcBef>
-                <a:spcPts val="0"/>
-              </a:spcBef>
-              <a:spcAft>
-                <a:spcPts val="0"/>
-              </a:spcAft>
-              <a:buClrTx/>
-              <a:buSzTx/>
-              <a:buFontTx/>
-              <a:buNone/>
-              <a:tabLst/>
-              <a:defRPr/>
-            </a:pPr>
+            <a:r>
+              <a:rPr lang="fr-CH" dirty="0" err="1"/>
+              <a:t>Presention</a:t>
+            </a:r>
             <a:r>
               <a:rPr lang="fr-CH" dirty="0"/>
-              <a:t>Étudiant ne peuvent pas travailler </a:t>
-            </a:r>
-            <a:r>
-              <a:rPr lang="fr-CH" dirty="0">
-                <a:sym typeface="Wingdings" panose="05000000000000000000" pitchFamily="2" charset="2"/>
-              </a:rPr>
-              <a:t> </a:t>
-            </a:r>
-            <a:r>
-              <a:rPr lang="fr-CH" dirty="0" err="1">
-                <a:sym typeface="Wingdings" panose="05000000000000000000" pitchFamily="2" charset="2"/>
-              </a:rPr>
-              <a:t>etudes</a:t>
-            </a:r>
-            <a:r>
-              <a:rPr lang="fr-CH" dirty="0">
-                <a:sym typeface="Wingdings" panose="05000000000000000000" pitchFamily="2" charset="2"/>
-              </a:rPr>
-              <a:t> cher</a:t>
-            </a:r>
+              <a:t> objet </a:t>
+            </a:r>
+            <a:r>
+              <a:rPr lang="fr-CH" dirty="0" err="1"/>
+              <a:t>selectionné</a:t>
+            </a:r>
+            <a:r>
+              <a:rPr lang="fr-CH" dirty="0"/>
+              <a:t>:</a:t>
+            </a:r>
+          </a:p>
+          <a:p>
             <a:endParaRPr lang="fr-CH" dirty="0"/>
           </a:p>
           <a:p>
             <a:r>
               <a:rPr lang="fr-CH" dirty="0"/>
-              <a:t>1</a:t>
-            </a:r>
-            <a:r>
-              <a:rPr lang="fr-CH" baseline="30000" dirty="0"/>
-              <a:t>er</a:t>
-            </a:r>
-            <a:r>
-              <a:rPr lang="fr-CH" dirty="0"/>
-              <a:t> en Psycho : 8 livres</a:t>
-            </a:r>
-          </a:p>
-          <a:p>
-            <a:r>
-              <a:rPr lang="fr-CH" dirty="0"/>
-              <a:t>240’000 étudiant universitaire en Suisse</a:t>
-            </a:r>
-          </a:p>
-          <a:p>
-            <a:endParaRPr lang="fr-CH" dirty="0"/>
+              <a:t>Description , contacter</a:t>
+            </a:r>
           </a:p>
         </p:txBody>
       </p:sp>
@@ -7794,7 +7756,7 @@
     </p:spTree>
     <p:extLst>
       <p:ext uri="{BB962C8B-B14F-4D97-AF65-F5344CB8AC3E}">
-        <p14:creationId xmlns:p14="http://schemas.microsoft.com/office/powerpoint/2010/main" val="3958626166"/>
+        <p14:creationId xmlns:p14="http://schemas.microsoft.com/office/powerpoint/2010/main" val="714395929"/>
       </p:ext>
     </p:extLst>
   </p:cSld>
@@ -7850,88 +7812,17 @@
           <a:p>
             <a:r>
               <a:rPr lang="fr-CH" dirty="0"/>
-              <a:t>Enjeu de notre projet: </a:t>
-            </a:r>
+              <a:t>Présentation messagerie:</a:t>
+            </a:r>
+          </a:p>
+          <a:p>
+            <a:endParaRPr lang="fr-CH" dirty="0"/>
           </a:p>
           <a:p>
             <a:r>
               <a:rPr lang="fr-CH" dirty="0"/>
-              <a:t>Pour utilisateur UNI :</a:t>
-            </a:r>
-          </a:p>
-          <a:p>
-            <a:pPr lvl="1"/>
-            <a:r>
-              <a:rPr lang="fr-CH" dirty="0"/>
-              <a:t>Économie</a:t>
-            </a:r>
-          </a:p>
-          <a:p>
-            <a:pPr lvl="1"/>
-            <a:r>
-              <a:rPr lang="fr-CH" dirty="0"/>
-              <a:t>Écologie (image de l’uni)</a:t>
-            </a:r>
-          </a:p>
-          <a:p>
-            <a:pPr lvl="1"/>
-            <a:r>
-              <a:rPr lang="fr-CH" dirty="0"/>
-              <a:t>Cohésion membres (confiance)</a:t>
-            </a:r>
-          </a:p>
-          <a:p>
-            <a:pPr marL="457200" marR="0" lvl="1" indent="0" algn="l" defTabSz="914400" rtl="0" eaLnBrk="1" fontAlgn="auto" latinLnBrk="0" hangingPunct="1">
-              <a:lnSpc>
-                <a:spcPct val="100000"/>
-              </a:lnSpc>
-              <a:spcBef>
-                <a:spcPts val="0"/>
-              </a:spcBef>
-              <a:spcAft>
-                <a:spcPts val="0"/>
-              </a:spcAft>
-              <a:buClrTx/>
-              <a:buSzTx/>
-              <a:buFontTx/>
-              <a:buNone/>
-              <a:tabLst/>
-              <a:defRPr/>
-            </a:pPr>
-            <a:r>
-              <a:rPr lang="fr-CH" dirty="0"/>
-              <a:t>Bien être des étudiants </a:t>
-            </a:r>
-          </a:p>
-          <a:p>
-            <a:pPr lvl="1"/>
-            <a:endParaRPr lang="fr-CH" dirty="0"/>
-          </a:p>
-          <a:p>
-            <a:r>
-              <a:rPr lang="fr-CH" dirty="0"/>
-              <a:t>Bénéfice pour les investisseurs</a:t>
-            </a:r>
-          </a:p>
-          <a:p>
-            <a:r>
-              <a:rPr lang="fr-CH" dirty="0"/>
-              <a:t>Comment gagner de l’argent: </a:t>
-            </a:r>
-          </a:p>
-          <a:p>
-            <a:pPr lvl="1"/>
-            <a:r>
-              <a:rPr lang="fr-CH" dirty="0"/>
-              <a:t>Statistique ciblé sur chaque utilisateur et objet </a:t>
-            </a:r>
-            <a:r>
-              <a:rPr lang="fr-CH" dirty="0">
-                <a:sym typeface="Wingdings" panose="05000000000000000000" pitchFamily="2" charset="2"/>
-              </a:rPr>
-              <a:t> revente informations (pubs)</a:t>
-            </a:r>
-            <a:endParaRPr lang="fr-CH" dirty="0"/>
+              <a:t>Messages, …</a:t>
+            </a:r>
           </a:p>
         </p:txBody>
       </p:sp>
@@ -7961,7 +7852,7 @@
     </p:spTree>
     <p:extLst>
       <p:ext uri="{BB962C8B-B14F-4D97-AF65-F5344CB8AC3E}">
-        <p14:creationId xmlns:p14="http://schemas.microsoft.com/office/powerpoint/2010/main" val="168411365"/>
+        <p14:creationId xmlns:p14="http://schemas.microsoft.com/office/powerpoint/2010/main" val="452227842"/>
       </p:ext>
     </p:extLst>
   </p:cSld>
@@ -8016,49 +7907,21 @@
           <a:lstStyle/>
           <a:p>
             <a:r>
+              <a:rPr lang="fr-CH" dirty="0" err="1"/>
+              <a:t>Presentation</a:t>
+            </a:r>
+            <a:r>
               <a:rPr lang="fr-CH" dirty="0"/>
-              <a:t>Ce qui nous différencie des concurrents:</a:t>
-            </a:r>
+              <a:t> ajouter un article:</a:t>
+            </a:r>
+          </a:p>
+          <a:p>
+            <a:endParaRPr lang="fr-CH" dirty="0"/>
           </a:p>
           <a:p>
             <a:r>
               <a:rPr lang="fr-CH" dirty="0"/>
-              <a:t>-   Vente d’objets spécifique a l’université</a:t>
-            </a:r>
-          </a:p>
-          <a:p>
-            <a:pPr marL="171450" indent="-171450">
-              <a:buFontTx/>
-              <a:buChar char="-"/>
-            </a:pPr>
-            <a:r>
-              <a:rPr lang="fr-CH" dirty="0"/>
-              <a:t>Facilité d’utilisation</a:t>
-            </a:r>
-          </a:p>
-          <a:p>
-            <a:pPr marL="171450" indent="-171450">
-              <a:buFontTx/>
-              <a:buChar char="-"/>
-            </a:pPr>
-            <a:endParaRPr lang="fr-CH" dirty="0"/>
-          </a:p>
-          <a:p>
-            <a:pPr marL="171450" indent="-171450">
-              <a:buFontTx/>
-              <a:buChar char="-"/>
-            </a:pPr>
-            <a:r>
-              <a:rPr lang="fr-CH" dirty="0"/>
-              <a:t>En ce qui concerne braderie: pourrait inclure </a:t>
-            </a:r>
-            <a:r>
-              <a:rPr lang="fr-CH" dirty="0" err="1"/>
-              <a:t>event</a:t>
-            </a:r>
-            <a:r>
-              <a:rPr lang="fr-CH" dirty="0"/>
-              <a:t> de braderie dans site – plus de visibilité pour braderie, plus de click pour le site</a:t>
+              <a:t>Description. …</a:t>
             </a:r>
           </a:p>
         </p:txBody>
@@ -8089,7 +7952,7 @@
     </p:spTree>
     <p:extLst>
       <p:ext uri="{BB962C8B-B14F-4D97-AF65-F5344CB8AC3E}">
-        <p14:creationId xmlns:p14="http://schemas.microsoft.com/office/powerpoint/2010/main" val="3135201320"/>
+        <p14:creationId xmlns:p14="http://schemas.microsoft.com/office/powerpoint/2010/main" val="904496789"/>
       </p:ext>
     </p:extLst>
   </p:cSld>
@@ -8145,77 +8008,16 @@
           <a:p>
             <a:r>
               <a:rPr lang="fr-CH" dirty="0"/>
-              <a:t>Les potentiels risques:</a:t>
-            </a:r>
-          </a:p>
-          <a:p>
-            <a:pPr marL="171450" indent="-171450">
-              <a:buFontTx/>
-              <a:buChar char="-"/>
-            </a:pPr>
+              <a:t>Présentation profil utilisateur:</a:t>
+            </a:r>
+          </a:p>
+          <a:p>
+            <a:endParaRPr lang="fr-CH" dirty="0"/>
+          </a:p>
+          <a:p>
             <a:r>
               <a:rPr lang="fr-CH" dirty="0"/>
-              <a:t>Un collab malade / se fait la malle  -&gt; remplacement du travail a effectuer par le personnel volant</a:t>
-            </a:r>
-          </a:p>
-          <a:p>
-            <a:pPr marL="171450" indent="-171450">
-              <a:buFontTx/>
-              <a:buChar char="-"/>
-            </a:pPr>
-            <a:r>
-              <a:rPr lang="fr-CH" dirty="0"/>
-              <a:t>Manque de connaissance (principal risque) -&gt; temps / renseignements</a:t>
-            </a:r>
-          </a:p>
-          <a:p>
-            <a:pPr marL="171450" indent="-171450">
-              <a:buFontTx/>
-              <a:buChar char="-"/>
-            </a:pPr>
-            <a:r>
-              <a:rPr lang="fr-CH" dirty="0"/>
-              <a:t>Problème de management de groupe (cohésion, </a:t>
-            </a:r>
-            <a:r>
-              <a:rPr lang="fr-CH" dirty="0" err="1"/>
-              <a:t>branlots</a:t>
-            </a:r>
-            <a:r>
-              <a:rPr lang="fr-CH" dirty="0"/>
-              <a:t>) -&gt; [méthodes </a:t>
-            </a:r>
-            <a:r>
-              <a:rPr lang="fr-CH" dirty="0" err="1"/>
-              <a:t>scrum</a:t>
-            </a:r>
-            <a:r>
-              <a:rPr lang="fr-CH" dirty="0"/>
-              <a:t> (</a:t>
-            </a:r>
-            <a:r>
-              <a:rPr lang="fr-CH" dirty="0" err="1"/>
-              <a:t>tte</a:t>
-            </a:r>
-            <a:r>
-              <a:rPr lang="fr-CH" dirty="0"/>
-              <a:t> les 2 </a:t>
-            </a:r>
-            <a:r>
-              <a:rPr lang="fr-CH" dirty="0" err="1"/>
-              <a:t>sem</a:t>
-            </a:r>
-            <a:r>
-              <a:rPr lang="fr-CH" dirty="0"/>
-              <a:t> sprint)] planning (</a:t>
-            </a:r>
-            <a:r>
-              <a:rPr lang="fr-CH" dirty="0" err="1"/>
-              <a:t>methode</a:t>
-            </a:r>
-            <a:r>
-              <a:rPr lang="fr-CH" dirty="0"/>
-              <a:t> agile)</a:t>
+              <a:t>Infos (différentes)</a:t>
             </a:r>
           </a:p>
         </p:txBody>
@@ -8246,7 +8048,7 @@
     </p:spTree>
     <p:extLst>
       <p:ext uri="{BB962C8B-B14F-4D97-AF65-F5344CB8AC3E}">
-        <p14:creationId xmlns:p14="http://schemas.microsoft.com/office/powerpoint/2010/main" val="3799119175"/>
+        <p14:creationId xmlns:p14="http://schemas.microsoft.com/office/powerpoint/2010/main" val="1021739675"/>
       </p:ext>
     </p:extLst>
   </p:cSld>
@@ -8577,6 +8379,114 @@
           <a:bodyPr/>
           <a:lstStyle/>
           <a:p>
+            <a:pPr marL="0" indent="0">
+              <a:buFontTx/>
+              <a:buNone/>
+            </a:pPr>
+            <a:r>
+              <a:rPr lang="fr-CH" dirty="0" err="1"/>
+              <a:t>Front-end</a:t>
+            </a:r>
+            <a:r>
+              <a:rPr lang="fr-CH" dirty="0"/>
+              <a:t>: - </a:t>
+            </a:r>
+            <a:r>
+              <a:rPr lang="fr-CH" dirty="0" err="1"/>
+              <a:t>Angular</a:t>
+            </a:r>
+            <a:r>
+              <a:rPr lang="fr-CH" dirty="0"/>
+              <a:t> : Cela va permettre de structurer le code et de bien séparer la vue (interface) des modèles (fonctionnement).</a:t>
+            </a:r>
+          </a:p>
+          <a:p>
+            <a:pPr marL="0" indent="0">
+              <a:buFontTx/>
+              <a:buNone/>
+            </a:pPr>
+            <a:r>
+              <a:rPr lang="fr-CH" dirty="0"/>
+              <a:t>- Bootstrap (et </a:t>
+            </a:r>
+            <a:r>
+              <a:rPr lang="fr-CH" dirty="0" err="1"/>
+              <a:t>Nebular</a:t>
+            </a:r>
+            <a:r>
+              <a:rPr lang="fr-CH" dirty="0"/>
+              <a:t>) : est une collection d’outils utiles à la création du design de site web. Ensemble qui contient des codes HTML et CSS.</a:t>
+            </a:r>
+          </a:p>
+          <a:p>
+            <a:endParaRPr lang="fr-CH" dirty="0"/>
+          </a:p>
+          <a:p>
+            <a:pPr marL="0" indent="0">
+              <a:buFontTx/>
+              <a:buNone/>
+            </a:pPr>
+            <a:r>
+              <a:rPr lang="fr-CH" dirty="0"/>
+              <a:t>Tout : - Docker : </a:t>
+            </a:r>
+            <a:r>
+              <a:rPr lang="fr-FR" sz="1200" b="0" i="0" kern="1200" dirty="0">
+                <a:solidFill>
+                  <a:schemeClr val="tx1"/>
+                </a:solidFill>
+                <a:effectLst/>
+                <a:latin typeface="+mn-lt"/>
+                <a:ea typeface="+mn-ea"/>
+                <a:cs typeface="+mn-cs"/>
+              </a:rPr>
+              <a:t>Docker est un outil qui peut empaqueter une application et ses dépendances dans un conteneur isolé, qui pourra être exécuté sur n'importe quel serveur.</a:t>
+            </a:r>
+            <a:endParaRPr lang="fr-CH" dirty="0"/>
+          </a:p>
+          <a:p>
+            <a:pPr marL="171450" indent="-171450">
+              <a:buFontTx/>
+              <a:buChar char="-"/>
+            </a:pPr>
+            <a:r>
+              <a:rPr lang="fr-CH" dirty="0"/>
+              <a:t>Kong : api </a:t>
+            </a:r>
+            <a:r>
+              <a:rPr lang="fr-CH" dirty="0" err="1"/>
+              <a:t>gateway</a:t>
+            </a:r>
+            <a:r>
+              <a:rPr lang="fr-CH" dirty="0"/>
+              <a:t> : lien entre </a:t>
+            </a:r>
+            <a:r>
+              <a:rPr lang="fr-CH" dirty="0" err="1"/>
+              <a:t>front-end</a:t>
+            </a:r>
+            <a:r>
+              <a:rPr lang="fr-CH" dirty="0"/>
+              <a:t> et </a:t>
+            </a:r>
+            <a:r>
+              <a:rPr lang="fr-CH" dirty="0" err="1"/>
+              <a:t>back-end</a:t>
+            </a:r>
+            <a:r>
+              <a:rPr lang="fr-CH" dirty="0"/>
+              <a:t> - donne un service facile a utiliser pour les applications qui respecte les principes </a:t>
+            </a:r>
+            <a:r>
+              <a:rPr lang="fr-CH" dirty="0" err="1"/>
+              <a:t>rest</a:t>
+            </a:r>
+            <a:endParaRPr lang="fr-CH" dirty="0"/>
+          </a:p>
+          <a:p>
+            <a:endParaRPr lang="fr-CH" dirty="0"/>
+          </a:p>
+          <a:p>
             <a:r>
               <a:rPr lang="fr-CH" dirty="0"/>
               <a:t>Backend : -</a:t>
@@ -8681,147 +8591,7 @@
               <a:buFontTx/>
               <a:buNone/>
             </a:pPr>
-            <a:r>
-              <a:rPr lang="fr-CH" dirty="0"/>
-              <a:t>Tout : - Docker : connecter les différents </a:t>
-            </a:r>
-            <a:r>
-              <a:rPr lang="fr-CH" dirty="0" err="1"/>
-              <a:t>microservices</a:t>
-            </a:r>
-            <a:r>
-              <a:rPr lang="fr-CH" dirty="0"/>
-              <a:t> ensemble</a:t>
-            </a:r>
-          </a:p>
-          <a:p>
-            <a:pPr marL="171450" indent="-171450">
-              <a:buFontTx/>
-              <a:buChar char="-"/>
-            </a:pPr>
-            <a:r>
-              <a:rPr lang="fr-CH" dirty="0"/>
-              <a:t>Kong : donne un service facile a utiliser pour les applications qui respecte les principes </a:t>
-            </a:r>
-            <a:r>
-              <a:rPr lang="fr-CH" dirty="0" err="1"/>
-              <a:t>rest</a:t>
-            </a:r>
-            <a:r>
-              <a:rPr lang="fr-CH" dirty="0"/>
-              <a:t> (api </a:t>
-            </a:r>
-            <a:r>
-              <a:rPr lang="fr-CH" dirty="0" err="1"/>
-              <a:t>gateway</a:t>
-            </a:r>
-            <a:r>
-              <a:rPr lang="fr-CH" dirty="0"/>
-              <a:t> : lien entre </a:t>
-            </a:r>
-            <a:r>
-              <a:rPr lang="fr-CH" dirty="0" err="1"/>
-              <a:t>front-end</a:t>
-            </a:r>
-            <a:r>
-              <a:rPr lang="fr-CH" dirty="0"/>
-              <a:t> et </a:t>
-            </a:r>
-            <a:r>
-              <a:rPr lang="fr-CH" dirty="0" err="1"/>
-              <a:t>back-end</a:t>
-            </a:r>
-            <a:r>
-              <a:rPr lang="fr-CH" dirty="0"/>
-              <a:t>)</a:t>
-            </a:r>
-          </a:p>
-          <a:p>
-            <a:pPr marL="171450" indent="-171450">
-              <a:buFontTx/>
-              <a:buChar char="-"/>
-            </a:pPr>
             <a:endParaRPr lang="fr-CH" dirty="0"/>
-          </a:p>
-          <a:p>
-            <a:pPr marL="0" indent="0">
-              <a:buFontTx/>
-              <a:buNone/>
-            </a:pPr>
-            <a:r>
-              <a:rPr lang="fr-CH" dirty="0" err="1"/>
-              <a:t>Front-end</a:t>
-            </a:r>
-            <a:r>
-              <a:rPr lang="fr-CH" dirty="0"/>
-              <a:t>: - </a:t>
-            </a:r>
-            <a:r>
-              <a:rPr lang="fr-CH" dirty="0" err="1"/>
-              <a:t>Angular</a:t>
-            </a:r>
-            <a:r>
-              <a:rPr lang="fr-CH" dirty="0"/>
-              <a:t> : nous permet de construire une application web, en décomposant le code en component qui permet une </a:t>
-            </a:r>
-            <a:r>
-              <a:rPr lang="fr-CH" dirty="0" err="1"/>
-              <a:t>clarificité</a:t>
-            </a:r>
-            <a:r>
-              <a:rPr lang="fr-CH" dirty="0"/>
-              <a:t> dans le code (+ </a:t>
-            </a:r>
-            <a:r>
-              <a:rPr lang="fr-CH" dirty="0" err="1"/>
-              <a:t>re-utilisation</a:t>
-            </a:r>
-            <a:r>
-              <a:rPr lang="fr-CH" dirty="0"/>
-              <a:t> de code)</a:t>
-            </a:r>
-          </a:p>
-          <a:p>
-            <a:pPr marL="0" indent="0">
-              <a:buFontTx/>
-              <a:buNone/>
-            </a:pPr>
-            <a:r>
-              <a:rPr lang="fr-CH" dirty="0"/>
-              <a:t>- Bootstrap (et </a:t>
-            </a:r>
-            <a:r>
-              <a:rPr lang="fr-CH" dirty="0" err="1"/>
-              <a:t>Nebular</a:t>
-            </a:r>
-            <a:r>
-              <a:rPr lang="fr-CH" dirty="0"/>
-              <a:t>) : permet d’</a:t>
-            </a:r>
-            <a:r>
-              <a:rPr lang="fr-CH" dirty="0" err="1"/>
-              <a:t>integrer</a:t>
-            </a:r>
-            <a:r>
-              <a:rPr lang="fr-CH" dirty="0"/>
-              <a:t> des composants pour facilité le dev de l’app web (html, </a:t>
-            </a:r>
-            <a:r>
-              <a:rPr lang="fr-CH" dirty="0" err="1"/>
-              <a:t>css</a:t>
-            </a:r>
-            <a:r>
-              <a:rPr lang="fr-CH" dirty="0"/>
-              <a:t>, </a:t>
-            </a:r>
-            <a:r>
-              <a:rPr lang="fr-CH" dirty="0" err="1"/>
-              <a:t>js</a:t>
-            </a:r>
-            <a:r>
-              <a:rPr lang="fr-CH" dirty="0"/>
-              <a:t>).</a:t>
-            </a:r>
           </a:p>
         </p:txBody>
       </p:sp>
@@ -8905,6 +8675,24 @@
           <a:bodyPr/>
           <a:lstStyle/>
           <a:p>
+            <a:r>
+              <a:rPr lang="fr-CH" dirty="0"/>
+              <a:t>Kafka aide à m’</a:t>
+            </a:r>
+            <a:r>
+              <a:rPr lang="fr-CH" dirty="0" err="1"/>
+              <a:t>intenir</a:t>
+            </a:r>
+            <a:r>
+              <a:rPr lang="fr-CH" dirty="0"/>
+              <a:t> la consistance entre les BD entre propageant messages </a:t>
+            </a:r>
+          </a:p>
+          <a:p>
+            <a:r>
+              <a:rPr lang="en-US" dirty="0"/>
+              <a:t>The client could easily compose the microservices but this means a high coupling between the client and the services as well as a lot of traffic between the client and the microservices.</a:t>
+            </a:r>
             <a:endParaRPr lang="fr-CH" dirty="0"/>
           </a:p>
         </p:txBody>
@@ -9010,7 +8798,7 @@
           <a:p>
             <a:fld id="{23E8E429-A922-49C7-ACCE-C5D0493CD5A5}" type="slidenum">
               <a:rPr lang="fr-CH" smtClean="0"/>
-              <a:t>20</a:t>
+              <a:t>19</a:t>
             </a:fld>
             <a:endParaRPr lang="fr-CH"/>
           </a:p>
@@ -9405,88 +9193,79 @@
           <a:bodyPr/>
           <a:lstStyle/>
           <a:p>
+            <a:pPr marL="0" marR="0" lvl="0" indent="0" algn="l" defTabSz="914400" rtl="0" eaLnBrk="1" fontAlgn="auto" latinLnBrk="0" hangingPunct="1">
+              <a:lnSpc>
+                <a:spcPct val="100000"/>
+              </a:lnSpc>
+              <a:spcBef>
+                <a:spcPts val="0"/>
+              </a:spcBef>
+              <a:spcAft>
+                <a:spcPts val="0"/>
+              </a:spcAft>
+              <a:buClrTx/>
+              <a:buSzTx/>
+              <a:buFontTx/>
+              <a:buNone/>
+              <a:tabLst/>
+              <a:defRPr/>
+            </a:pPr>
+            <a:r>
+              <a:rPr lang="fr-CH" dirty="0"/>
+              <a:t>Étudiant ne peuvent pas travailler </a:t>
+            </a:r>
+            <a:r>
+              <a:rPr lang="fr-CH" dirty="0">
+                <a:sym typeface="Wingdings" panose="05000000000000000000" pitchFamily="2" charset="2"/>
+              </a:rPr>
+              <a:t> </a:t>
+            </a:r>
+            <a:r>
+              <a:rPr lang="fr-CH" dirty="0" err="1">
+                <a:sym typeface="Wingdings" panose="05000000000000000000" pitchFamily="2" charset="2"/>
+              </a:rPr>
+              <a:t>etudes</a:t>
+            </a:r>
+            <a:r>
+              <a:rPr lang="fr-CH" dirty="0">
+                <a:sym typeface="Wingdings" panose="05000000000000000000" pitchFamily="2" charset="2"/>
+              </a:rPr>
+              <a:t> cher</a:t>
+            </a:r>
+            <a:endParaRPr lang="fr-CH" dirty="0"/>
+          </a:p>
+          <a:p>
+            <a:r>
+              <a:rPr lang="fr-CH" dirty="0"/>
+              <a:t>1</a:t>
+            </a:r>
+            <a:r>
+              <a:rPr lang="fr-CH" baseline="30000" dirty="0"/>
+              <a:t>er</a:t>
+            </a:r>
+            <a:r>
+              <a:rPr lang="fr-CH" dirty="0"/>
+              <a:t> en Psycho : 8 livres</a:t>
+            </a:r>
+          </a:p>
+          <a:p>
+            <a:r>
+              <a:rPr lang="fr-CH" dirty="0"/>
+              <a:t>240’000 étudiant universitaire en Suisse</a:t>
+            </a:r>
+          </a:p>
+          <a:p>
+            <a:r>
+              <a:rPr lang="fr-CH" dirty="0"/>
+              <a:t>Université de Genève en 2018 : 17k étudiant, 6620 collaborateurs, 523 profs. Source </a:t>
+            </a:r>
             <a:r>
               <a:rPr lang="fr-CH" dirty="0" err="1"/>
-              <a:t>Presentation</a:t>
+              <a:t>stastique</a:t>
             </a:r>
             <a:r>
               <a:rPr lang="fr-CH" dirty="0"/>
-              <a:t> d’un premier </a:t>
-            </a:r>
-            <a:r>
-              <a:rPr lang="fr-CH" dirty="0" err="1"/>
-              <a:t>apercu</a:t>
-            </a:r>
-            <a:r>
-              <a:rPr lang="fr-CH" dirty="0"/>
-              <a:t> de la page d’</a:t>
-            </a:r>
-            <a:r>
-              <a:rPr lang="fr-CH" dirty="0" err="1"/>
-              <a:t>acceuil</a:t>
-            </a:r>
-            <a:r>
-              <a:rPr lang="fr-CH" dirty="0"/>
-              <a:t>: (compression pour </a:t>
-            </a:r>
-            <a:r>
-              <a:rPr lang="fr-CH" dirty="0" err="1"/>
-              <a:t>presentation</a:t>
-            </a:r>
-            <a:r>
-              <a:rPr lang="fr-CH" dirty="0"/>
-              <a:t>)</a:t>
-            </a:r>
-          </a:p>
-          <a:p>
-            <a:endParaRPr lang="fr-CH" dirty="0"/>
-          </a:p>
-          <a:p>
-            <a:r>
-              <a:rPr lang="fr-CH" dirty="0"/>
-              <a:t>En haut : navigation (</a:t>
-            </a:r>
-            <a:r>
-              <a:rPr lang="fr-CH" dirty="0" err="1"/>
-              <a:t>categories</a:t>
-            </a:r>
-            <a:r>
-              <a:rPr lang="fr-CH" dirty="0"/>
-              <a:t>), connexion en tant que utilisateur, menu (profils, stats, messagerie)</a:t>
-            </a:r>
-          </a:p>
-          <a:p>
-            <a:r>
-              <a:rPr lang="fr-CH" dirty="0"/>
-              <a:t>A gauche : faire une première recherche (explication des </a:t>
-            </a:r>
-            <a:r>
-              <a:rPr lang="fr-CH" dirty="0" err="1"/>
-              <a:t>elements</a:t>
-            </a:r>
-            <a:r>
-              <a:rPr lang="fr-CH" dirty="0"/>
-              <a:t>)</a:t>
-            </a:r>
-          </a:p>
-          <a:p>
-            <a:r>
-              <a:rPr lang="fr-CH" dirty="0"/>
-              <a:t>A droite : les highlights (met en avant objets susceptible a être acheté (tourne page selon </a:t>
-            </a:r>
-            <a:r>
-              <a:rPr lang="fr-CH" dirty="0" err="1"/>
-              <a:t>categorie</a:t>
-            </a:r>
-            <a:r>
-              <a:rPr lang="fr-CH" dirty="0"/>
-              <a:t>))</a:t>
-            </a:r>
-          </a:p>
-          <a:p>
-            <a:r>
-              <a:rPr lang="fr-CH" dirty="0"/>
-              <a:t>En bas : certaines annonces pour les objets recherchés </a:t>
+              <a:t> UNIGE</a:t>
             </a:r>
           </a:p>
         </p:txBody>
@@ -9517,7 +9296,7 @@
     </p:spTree>
     <p:extLst>
       <p:ext uri="{BB962C8B-B14F-4D97-AF65-F5344CB8AC3E}">
-        <p14:creationId xmlns:p14="http://schemas.microsoft.com/office/powerpoint/2010/main" val="138041764"/>
+        <p14:creationId xmlns:p14="http://schemas.microsoft.com/office/powerpoint/2010/main" val="3958626166"/>
       </p:ext>
     </p:extLst>
   </p:cSld>
@@ -9572,33 +9351,89 @@
           <a:lstStyle/>
           <a:p>
             <a:r>
-              <a:rPr lang="fr-CH" dirty="0" err="1"/>
-              <a:t>Presentation</a:t>
-            </a:r>
-            <a:r>
               <a:rPr lang="fr-CH" dirty="0"/>
-              <a:t> page catalogue:</a:t>
-            </a:r>
-          </a:p>
-          <a:p>
+              <a:t>Enjeu de notre projet: </a:t>
+            </a:r>
+          </a:p>
+          <a:p>
+            <a:r>
+              <a:rPr lang="fr-CH" dirty="0"/>
+              <a:t>Pour utilisateur UNI :</a:t>
+            </a:r>
+          </a:p>
+          <a:p>
+            <a:pPr lvl="1"/>
+            <a:r>
+              <a:rPr lang="fr-CH" dirty="0"/>
+              <a:t>Économie</a:t>
+            </a:r>
+          </a:p>
+          <a:p>
+            <a:pPr lvl="1"/>
+            <a:r>
+              <a:rPr lang="fr-CH" dirty="0"/>
+              <a:t>Écologie (image de l’uni)</a:t>
+            </a:r>
+          </a:p>
+          <a:p>
+            <a:pPr lvl="1"/>
+            <a:r>
+              <a:rPr lang="fr-CH" dirty="0"/>
+              <a:t>Cohésion membres (confiance)</a:t>
+            </a:r>
+          </a:p>
+          <a:p>
+            <a:pPr marL="457200" marR="0" lvl="1" indent="0" algn="l" defTabSz="914400" rtl="0" eaLnBrk="1" fontAlgn="auto" latinLnBrk="0" hangingPunct="1">
+              <a:lnSpc>
+                <a:spcPct val="100000"/>
+              </a:lnSpc>
+              <a:spcBef>
+                <a:spcPts val="0"/>
+              </a:spcBef>
+              <a:spcAft>
+                <a:spcPts val="0"/>
+              </a:spcAft>
+              <a:buClrTx/>
+              <a:buSzTx/>
+              <a:buFontTx/>
+              <a:buNone/>
+              <a:tabLst/>
+              <a:defRPr/>
+            </a:pPr>
+            <a:r>
+              <a:rPr lang="fr-CH" dirty="0"/>
+              <a:t>Bien être des étudiants </a:t>
+            </a:r>
+          </a:p>
+          <a:p>
+            <a:pPr lvl="1"/>
             <a:endParaRPr lang="fr-CH" dirty="0"/>
           </a:p>
           <a:p>
             <a:r>
               <a:rPr lang="fr-CH" dirty="0"/>
-              <a:t>Explication </a:t>
-            </a:r>
-            <a:r>
-              <a:rPr lang="fr-CH" dirty="0" err="1"/>
-              <a:t>elements</a:t>
+              <a:t>Bénéfice pour les investisseurs</a:t>
+            </a:r>
+          </a:p>
+          <a:p>
+            <a:r>
+              <a:rPr lang="fr-CH" dirty="0"/>
+              <a:t>Comment gagner de l’argent: </a:t>
+            </a:r>
+          </a:p>
+          <a:p>
+            <a:pPr lvl="1"/>
+            <a:r>
+              <a:rPr lang="fr-CH" dirty="0"/>
+              <a:t>Statistique ciblé sur chaque utilisateur et objet </a:t>
+            </a:r>
+            <a:r>
+              <a:rPr lang="fr-CH" dirty="0">
+                <a:sym typeface="Wingdings" panose="05000000000000000000" pitchFamily="2" charset="2"/>
+              </a:rPr>
+              <a:t> revente informations (pubs)</a:t>
             </a:r>
             <a:endParaRPr lang="fr-CH" dirty="0"/>
-          </a:p>
-          <a:p>
-            <a:r>
-              <a:rPr lang="fr-CH" dirty="0"/>
-              <a:t>+ option bouton qui permet de dire que tu recherche un objet si pas trouvé dans site</a:t>
-            </a:r>
           </a:p>
         </p:txBody>
       </p:sp>
@@ -9628,7 +9463,7 @@
     </p:spTree>
     <p:extLst>
       <p:ext uri="{BB962C8B-B14F-4D97-AF65-F5344CB8AC3E}">
-        <p14:creationId xmlns:p14="http://schemas.microsoft.com/office/powerpoint/2010/main" val="2271012528"/>
+        <p14:creationId xmlns:p14="http://schemas.microsoft.com/office/powerpoint/2010/main" val="168411365"/>
       </p:ext>
     </p:extLst>
   </p:cSld>
@@ -9683,29 +9518,49 @@
           <a:lstStyle/>
           <a:p>
             <a:r>
+              <a:rPr lang="fr-CH" dirty="0"/>
+              <a:t>Ce qui nous différencie des concurrents:</a:t>
+            </a:r>
+          </a:p>
+          <a:p>
+            <a:r>
+              <a:rPr lang="fr-CH" dirty="0"/>
+              <a:t>-   Vente d’objets spécifique a l’université</a:t>
+            </a:r>
+          </a:p>
+          <a:p>
+            <a:pPr marL="171450" indent="-171450">
+              <a:buFontTx/>
+              <a:buChar char="-"/>
+            </a:pPr>
+            <a:r>
+              <a:rPr lang="fr-CH" dirty="0"/>
+              <a:t>Facilité d’utilisation</a:t>
+            </a:r>
+          </a:p>
+          <a:p>
+            <a:pPr marL="171450" indent="-171450">
+              <a:buFontTx/>
+              <a:buChar char="-"/>
+            </a:pPr>
+            <a:endParaRPr lang="fr-CH" dirty="0"/>
+          </a:p>
+          <a:p>
+            <a:pPr marL="171450" indent="-171450">
+              <a:buFontTx/>
+              <a:buChar char="-"/>
+            </a:pPr>
+            <a:r>
+              <a:rPr lang="fr-CH" dirty="0"/>
+              <a:t>En ce qui concerne braderie: pourrait inclure </a:t>
+            </a:r>
+            <a:r>
               <a:rPr lang="fr-CH" dirty="0" err="1"/>
-              <a:t>Presention</a:t>
+              <a:t>event</a:t>
             </a:r>
             <a:r>
               <a:rPr lang="fr-CH" dirty="0"/>
-              <a:t> objet </a:t>
-            </a:r>
-            <a:r>
-              <a:rPr lang="fr-CH" dirty="0" err="1"/>
-              <a:t>selectionné</a:t>
-            </a:r>
-            <a:r>
-              <a:rPr lang="fr-CH" dirty="0"/>
-              <a:t>:</a:t>
-            </a:r>
-          </a:p>
-          <a:p>
-            <a:endParaRPr lang="fr-CH" dirty="0"/>
-          </a:p>
-          <a:p>
-            <a:r>
-              <a:rPr lang="fr-CH" dirty="0"/>
-              <a:t>Description , contacter</a:t>
+              <a:t> de braderie dans site – plus de visibilité pour braderie, plus de click pour le site</a:t>
             </a:r>
           </a:p>
         </p:txBody>
@@ -9736,7 +9591,7 @@
     </p:spTree>
     <p:extLst>
       <p:ext uri="{BB962C8B-B14F-4D97-AF65-F5344CB8AC3E}">
-        <p14:creationId xmlns:p14="http://schemas.microsoft.com/office/powerpoint/2010/main" val="714395929"/>
+        <p14:creationId xmlns:p14="http://schemas.microsoft.com/office/powerpoint/2010/main" val="3135201320"/>
       </p:ext>
     </p:extLst>
   </p:cSld>
@@ -9792,16 +9647,77 @@
           <a:p>
             <a:r>
               <a:rPr lang="fr-CH" dirty="0"/>
-              <a:t>Présentation messagerie:</a:t>
-            </a:r>
-          </a:p>
-          <a:p>
-            <a:endParaRPr lang="fr-CH" dirty="0"/>
-          </a:p>
-          <a:p>
+              <a:t>Les potentiels risques:</a:t>
+            </a:r>
+          </a:p>
+          <a:p>
+            <a:pPr marL="171450" indent="-171450">
+              <a:buFontTx/>
+              <a:buChar char="-"/>
+            </a:pPr>
             <a:r>
               <a:rPr lang="fr-CH" dirty="0"/>
-              <a:t>Messages, …</a:t>
+              <a:t>Un collab malade / se fait la malle  -&gt; remplacement du travail a effectuer par le personnel volant</a:t>
+            </a:r>
+          </a:p>
+          <a:p>
+            <a:pPr marL="171450" indent="-171450">
+              <a:buFontTx/>
+              <a:buChar char="-"/>
+            </a:pPr>
+            <a:r>
+              <a:rPr lang="fr-CH" dirty="0"/>
+              <a:t>Manque de connaissance (principal risque) -&gt; temps / renseignements</a:t>
+            </a:r>
+          </a:p>
+          <a:p>
+            <a:pPr marL="171450" indent="-171450">
+              <a:buFontTx/>
+              <a:buChar char="-"/>
+            </a:pPr>
+            <a:r>
+              <a:rPr lang="fr-CH" dirty="0"/>
+              <a:t>Problème de management de groupe (cohésion, </a:t>
+            </a:r>
+            <a:r>
+              <a:rPr lang="fr-CH" dirty="0" err="1"/>
+              <a:t>branlots</a:t>
+            </a:r>
+            <a:r>
+              <a:rPr lang="fr-CH" dirty="0"/>
+              <a:t>) -&gt; [méthodes </a:t>
+            </a:r>
+            <a:r>
+              <a:rPr lang="fr-CH" dirty="0" err="1"/>
+              <a:t>scrum</a:t>
+            </a:r>
+            <a:r>
+              <a:rPr lang="fr-CH" dirty="0"/>
+              <a:t> (</a:t>
+            </a:r>
+            <a:r>
+              <a:rPr lang="fr-CH" dirty="0" err="1"/>
+              <a:t>tte</a:t>
+            </a:r>
+            <a:r>
+              <a:rPr lang="fr-CH" dirty="0"/>
+              <a:t> les 2 </a:t>
+            </a:r>
+            <a:r>
+              <a:rPr lang="fr-CH" dirty="0" err="1"/>
+              <a:t>sem</a:t>
+            </a:r>
+            <a:r>
+              <a:rPr lang="fr-CH" dirty="0"/>
+              <a:t> sprint)] planning (</a:t>
+            </a:r>
+            <a:r>
+              <a:rPr lang="fr-CH" dirty="0" err="1"/>
+              <a:t>methode</a:t>
+            </a:r>
+            <a:r>
+              <a:rPr lang="fr-CH" dirty="0"/>
+              <a:t> agile)</a:t>
             </a:r>
           </a:p>
         </p:txBody>
@@ -9832,7 +9748,7 @@
     </p:spTree>
     <p:extLst>
       <p:ext uri="{BB962C8B-B14F-4D97-AF65-F5344CB8AC3E}">
-        <p14:creationId xmlns:p14="http://schemas.microsoft.com/office/powerpoint/2010/main" val="452227842"/>
+        <p14:creationId xmlns:p14="http://schemas.microsoft.com/office/powerpoint/2010/main" val="3799119175"/>
       </p:ext>
     </p:extLst>
   </p:cSld>
@@ -9892,16 +9808,93 @@
             </a:r>
             <a:r>
               <a:rPr lang="fr-CH" dirty="0"/>
-              <a:t> ajouter un article:</a:t>
-            </a:r>
-          </a:p>
-          <a:p>
-            <a:endParaRPr lang="fr-CH" dirty="0"/>
-          </a:p>
-          <a:p>
+              <a:t> d’un premier </a:t>
+            </a:r>
+            <a:r>
+              <a:rPr lang="fr-CH" dirty="0" err="1"/>
+              <a:t>apercu</a:t>
+            </a:r>
             <a:r>
               <a:rPr lang="fr-CH" dirty="0"/>
-              <a:t>Description. …</a:t>
+              <a:t> de la page d’</a:t>
+            </a:r>
+            <a:r>
+              <a:rPr lang="fr-CH" dirty="0" err="1"/>
+              <a:t>acceuil</a:t>
+            </a:r>
+            <a:r>
+              <a:rPr lang="fr-CH" dirty="0"/>
+              <a:t>: (compression pour </a:t>
+            </a:r>
+            <a:r>
+              <a:rPr lang="fr-CH" dirty="0" err="1"/>
+              <a:t>presentation</a:t>
+            </a:r>
+            <a:r>
+              <a:rPr lang="fr-CH" dirty="0"/>
+              <a:t>)</a:t>
+            </a:r>
+          </a:p>
+          <a:p>
+            <a:r>
+              <a:rPr lang="fr-CH" dirty="0"/>
+              <a:t>-&gt; Chaque </a:t>
+            </a:r>
+            <a:r>
+              <a:rPr lang="fr-CH" dirty="0" err="1"/>
+              <a:t>mockup</a:t>
+            </a:r>
+            <a:r>
+              <a:rPr lang="fr-CH" dirty="0"/>
+              <a:t> qu’on va vous présenter est un service principal</a:t>
+            </a:r>
+          </a:p>
+          <a:p>
+            <a:r>
+              <a:rPr lang="fr-CH" dirty="0"/>
+              <a:t>En haut : navigation (</a:t>
+            </a:r>
+            <a:r>
+              <a:rPr lang="fr-CH" dirty="0" err="1"/>
+              <a:t>categories</a:t>
+            </a:r>
+            <a:r>
+              <a:rPr lang="fr-CH" dirty="0"/>
+              <a:t>), connexion en tant que utilisateur, menu (profils, stats, messagerie)</a:t>
+            </a:r>
+          </a:p>
+          <a:p>
+            <a:r>
+              <a:rPr lang="fr-CH" dirty="0"/>
+              <a:t>A gauche : faire une première recherche (explication des </a:t>
+            </a:r>
+            <a:r>
+              <a:rPr lang="fr-CH" dirty="0" err="1"/>
+              <a:t>elements</a:t>
+            </a:r>
+            <a:r>
+              <a:rPr lang="fr-CH" dirty="0"/>
+              <a:t>)</a:t>
+            </a:r>
+          </a:p>
+          <a:p>
+            <a:r>
+              <a:rPr lang="fr-CH" dirty="0"/>
+              <a:t>A droite : les highlights (met en avant objets susceptible a être acheté (tourne page selon </a:t>
+            </a:r>
+            <a:r>
+              <a:rPr lang="fr-CH" dirty="0" err="1"/>
+              <a:t>categorie</a:t>
+            </a:r>
+            <a:r>
+              <a:rPr lang="fr-CH" dirty="0"/>
+              <a:t>))</a:t>
+            </a:r>
+          </a:p>
+          <a:p>
+            <a:r>
+              <a:rPr lang="fr-CH" dirty="0"/>
+              <a:t>En bas : certaines annonces pour les objets recherchés </a:t>
             </a:r>
           </a:p>
         </p:txBody>
@@ -9932,7 +9925,7 @@
     </p:spTree>
     <p:extLst>
       <p:ext uri="{BB962C8B-B14F-4D97-AF65-F5344CB8AC3E}">
-        <p14:creationId xmlns:p14="http://schemas.microsoft.com/office/powerpoint/2010/main" val="904496789"/>
+        <p14:creationId xmlns:p14="http://schemas.microsoft.com/office/powerpoint/2010/main" val="138041764"/>
       </p:ext>
     </p:extLst>
   </p:cSld>
@@ -9987,8 +9980,12 @@
           <a:lstStyle/>
           <a:p>
             <a:r>
+              <a:rPr lang="fr-CH" dirty="0" err="1"/>
+              <a:t>Presentation</a:t>
+            </a:r>
+            <a:r>
               <a:rPr lang="fr-CH" dirty="0"/>
-              <a:t>Présentation profil utilisateur:</a:t>
+              <a:t> page catalogue:</a:t>
             </a:r>
           </a:p>
           <a:p>
@@ -9997,7 +9994,18 @@
           <a:p>
             <a:r>
               <a:rPr lang="fr-CH" dirty="0"/>
-              <a:t>Infos (différentes)</a:t>
+              <a:t>Explication </a:t>
+            </a:r>
+            <a:r>
+              <a:rPr lang="fr-CH" dirty="0" err="1"/>
+              <a:t>elements</a:t>
+            </a:r>
+            <a:endParaRPr lang="fr-CH" dirty="0"/>
+          </a:p>
+          <a:p>
+            <a:r>
+              <a:rPr lang="fr-CH" dirty="0"/>
+              <a:t>+ option bouton qui permet de dire que tu recherche un objet si pas trouvé dans site</a:t>
             </a:r>
           </a:p>
         </p:txBody>
@@ -10028,7 +10036,7 @@
     </p:spTree>
     <p:extLst>
       <p:ext uri="{BB962C8B-B14F-4D97-AF65-F5344CB8AC3E}">
-        <p14:creationId xmlns:p14="http://schemas.microsoft.com/office/powerpoint/2010/main" val="1021739675"/>
+        <p14:creationId xmlns:p14="http://schemas.microsoft.com/office/powerpoint/2010/main" val="2271012528"/>
       </p:ext>
     </p:extLst>
   </p:cSld>
@@ -10187,7 +10195,7 @@
           <a:p>
             <a:fld id="{BA07EF9B-9B2E-4FDD-942A-94F6C7A0C659}" type="datetime1">
               <a:rPr lang="fr-CH" smtClean="0"/>
-              <a:t>11.04.2019</a:t>
+              <a:t>12.04.2019</a:t>
             </a:fld>
             <a:endParaRPr lang="fr-CH"/>
           </a:p>
@@ -10387,7 +10395,7 @@
           <a:p>
             <a:fld id="{21D26608-B4DF-40AD-89F4-8255651B60FD}" type="datetime1">
               <a:rPr lang="fr-CH" smtClean="0"/>
-              <a:t>11.04.2019</a:t>
+              <a:t>12.04.2019</a:t>
             </a:fld>
             <a:endParaRPr lang="fr-CH"/>
           </a:p>
@@ -10597,7 +10605,7 @@
           <a:p>
             <a:fld id="{E9ADCF0E-E7D5-411C-A2CB-091C37BF7BC7}" type="datetime1">
               <a:rPr lang="fr-CH" smtClean="0"/>
-              <a:t>11.04.2019</a:t>
+              <a:t>12.04.2019</a:t>
             </a:fld>
             <a:endParaRPr lang="fr-CH"/>
           </a:p>
@@ -10797,7 +10805,7 @@
           <a:p>
             <a:fld id="{09FC0181-3397-4832-ADBE-6FBE4103AFAF}" type="datetime1">
               <a:rPr lang="fr-CH" smtClean="0"/>
-              <a:t>11.04.2019</a:t>
+              <a:t>12.04.2019</a:t>
             </a:fld>
             <a:endParaRPr lang="fr-CH"/>
           </a:p>
@@ -11073,7 +11081,7 @@
           <a:p>
             <a:fld id="{25BAC7B9-CE87-44D4-B31E-39287D359CD7}" type="datetime1">
               <a:rPr lang="fr-CH" smtClean="0"/>
-              <a:t>11.04.2019</a:t>
+              <a:t>12.04.2019</a:t>
             </a:fld>
             <a:endParaRPr lang="fr-CH"/>
           </a:p>
@@ -11341,7 +11349,7 @@
           <a:p>
             <a:fld id="{64DBA5D9-5ADA-44DD-8680-D8D195ED68DF}" type="datetime1">
               <a:rPr lang="fr-CH" smtClean="0"/>
-              <a:t>11.04.2019</a:t>
+              <a:t>12.04.2019</a:t>
             </a:fld>
             <a:endParaRPr lang="fr-CH"/>
           </a:p>
@@ -11756,7 +11764,7 @@
           <a:p>
             <a:fld id="{97BBBCCB-C279-47AF-BDD5-C98015A6ABC4}" type="datetime1">
               <a:rPr lang="fr-CH" smtClean="0"/>
-              <a:t>11.04.2019</a:t>
+              <a:t>12.04.2019</a:t>
             </a:fld>
             <a:endParaRPr lang="fr-CH"/>
           </a:p>
@@ -11898,7 +11906,7 @@
           <a:p>
             <a:fld id="{85FB55FE-6668-4D3A-8FBB-E3951A818632}" type="datetime1">
               <a:rPr lang="fr-CH" smtClean="0"/>
-              <a:t>11.04.2019</a:t>
+              <a:t>12.04.2019</a:t>
             </a:fld>
             <a:endParaRPr lang="fr-CH"/>
           </a:p>
@@ -12011,7 +12019,7 @@
           <a:p>
             <a:fld id="{B2606909-CE7D-49CD-8618-8D2B0FE7271A}" type="datetime1">
               <a:rPr lang="fr-CH" smtClean="0"/>
-              <a:t>11.04.2019</a:t>
+              <a:t>12.04.2019</a:t>
             </a:fld>
             <a:endParaRPr lang="fr-CH"/>
           </a:p>
@@ -12324,7 +12332,7 @@
           <a:p>
             <a:fld id="{69E5A6DB-4266-4BE8-B0C9-377B9EA76F00}" type="datetime1">
               <a:rPr lang="fr-CH" smtClean="0"/>
-              <a:t>11.04.2019</a:t>
+              <a:t>12.04.2019</a:t>
             </a:fld>
             <a:endParaRPr lang="fr-CH"/>
           </a:p>
@@ -12613,7 +12621,7 @@
           <a:p>
             <a:fld id="{0EEB7180-6098-4595-8EC0-3074BC08BCEB}" type="datetime1">
               <a:rPr lang="fr-CH" smtClean="0"/>
-              <a:t>11.04.2019</a:t>
+              <a:t>12.04.2019</a:t>
             </a:fld>
             <a:endParaRPr lang="fr-CH"/>
           </a:p>
@@ -12856,7 +12864,7 @@
           <a:p>
             <a:fld id="{8CF8CEE8-082C-481F-9BFC-8CE699F7EB03}" type="datetime1">
               <a:rPr lang="fr-CH" smtClean="0"/>
-              <a:t>11.04.2019</a:t>
+              <a:t>12.04.2019</a:t>
             </a:fld>
             <a:endParaRPr lang="fr-CH"/>
           </a:p>
@@ -13329,7 +13337,7 @@
         <p:spPr>
           <a:xfrm>
             <a:off x="3867397" y="4846453"/>
-            <a:ext cx="4457205" cy="742361"/>
+            <a:ext cx="4457205" cy="1117616"/>
           </a:xfrm>
         </p:spPr>
         <p:txBody>
@@ -13359,6 +13367,12 @@
               <a:t>cheaper</a:t>
             </a:r>
             <a:endParaRPr lang="fr-CH" sz="3200" dirty="0"/>
+          </a:p>
+          <a:p>
+            <a:r>
+              <a:rPr lang="fr-CH" sz="3200" dirty="0"/>
+              <a:t>Les Canards Laqués</a:t>
+            </a:r>
           </a:p>
         </p:txBody>
       </p:sp>
@@ -13443,14 +13457,6 @@
 <file path=ppt/slides/slide10.xml><?xml version="1.0" encoding="utf-8"?>
 <p:sld xmlns:a="http://schemas.openxmlformats.org/drawingml/2006/main" xmlns:r="http://schemas.openxmlformats.org/officeDocument/2006/relationships" xmlns:p="http://schemas.openxmlformats.org/presentationml/2006/main">
   <p:cSld>
-    <p:bg>
-      <p:bgPr>
-        <a:solidFill>
-          <a:schemeClr val="bg1"/>
-        </a:solidFill>
-        <a:effectLst/>
-      </p:bgPr>
-    </p:bg>
     <p:spTree>
       <p:nvGrpSpPr>
         <p:cNvPr id="1" name=""/>
@@ -13467,38 +13473,10 @@
       </p:grpSpPr>
       <p:sp>
         <p:nvSpPr>
-          <p:cNvPr id="2" name="Titre 1">
+          <p:cNvPr id="2" name="Espace réservé du numéro de diapositive 1">
             <a:extLst>
               <a:ext uri="{FF2B5EF4-FFF2-40B4-BE49-F238E27FC236}">
-                <a16:creationId xmlns:a16="http://schemas.microsoft.com/office/drawing/2014/main" id="{8AE8350C-18A9-43A5-95A3-33D9F6FD9307}"/>
-              </a:ext>
-            </a:extLst>
-          </p:cNvPr>
-          <p:cNvSpPr>
-            <a:spLocks noGrp="1"/>
-          </p:cNvSpPr>
-          <p:nvPr>
-            <p:ph type="title"/>
-          </p:nvPr>
-        </p:nvSpPr>
-        <p:spPr/>
-        <p:txBody>
-          <a:bodyPr/>
-          <a:lstStyle/>
-          <a:p>
-            <a:r>
-              <a:rPr lang="fr-CH" dirty="0"/>
-              <a:t>Pour Qui ?</a:t>
-            </a:r>
-          </a:p>
-        </p:txBody>
-      </p:sp>
-      <p:sp>
-        <p:nvSpPr>
-          <p:cNvPr id="4" name="Espace réservé du numéro de diapositive 3">
-            <a:extLst>
-              <a:ext uri="{FF2B5EF4-FFF2-40B4-BE49-F238E27FC236}">
-                <a16:creationId xmlns:a16="http://schemas.microsoft.com/office/drawing/2014/main" id="{97557FFF-C104-4499-BBA5-69CC94ABACAD}"/>
+                <a16:creationId xmlns:a16="http://schemas.microsoft.com/office/drawing/2014/main" id="{2A0B17B4-6A8F-423E-848E-31412A1D1AA6}"/>
               </a:ext>
             </a:extLst>
           </p:cNvPr>
@@ -13524,10 +13502,10 @@
       </p:sp>
       <p:pic>
         <p:nvPicPr>
-          <p:cNvPr id="8" name="Image 7">
+          <p:cNvPr id="7" name="Image 6">
             <a:extLst>
               <a:ext uri="{FF2B5EF4-FFF2-40B4-BE49-F238E27FC236}">
-                <a16:creationId xmlns:a16="http://schemas.microsoft.com/office/drawing/2014/main" id="{D8E36E03-A886-48FA-BCB9-F8B8F051181E}"/>
+                <a16:creationId xmlns:a16="http://schemas.microsoft.com/office/drawing/2014/main" id="{60B77B9B-740B-43C5-80AE-95CB3BC0E1FF}"/>
               </a:ext>
             </a:extLst>
           </p:cNvPr>
@@ -13536,7 +13514,7 @@
           </p:cNvPicPr>
           <p:nvPr/>
         </p:nvPicPr>
-        <p:blipFill>
+        <p:blipFill rotWithShape="1">
           <a:blip r:embed="rId3">
             <a:extLst>
               <a:ext uri="{28A0092B-C50C-407E-A947-70E740481C1C}">
@@ -13544,138 +13522,23 @@
               </a:ext>
             </a:extLst>
           </a:blip>
-          <a:stretch>
-            <a:fillRect/>
-          </a:stretch>
+          <a:srcRect l="6530" t="983" r="4456" b="12900"/>
+          <a:stretch/>
         </p:blipFill>
         <p:spPr>
           <a:xfrm>
-            <a:off x="6247645" y="1715426"/>
-            <a:ext cx="1779578" cy="1779578"/>
+            <a:off x="1697767" y="-161"/>
+            <a:ext cx="8796465" cy="6858161"/>
           </a:xfrm>
           <a:prstGeom prst="rect">
             <a:avLst/>
           </a:prstGeom>
         </p:spPr>
       </p:pic>
-      <p:pic>
-        <p:nvPicPr>
-          <p:cNvPr id="10" name="Image 9">
-            <a:extLst>
-              <a:ext uri="{FF2B5EF4-FFF2-40B4-BE49-F238E27FC236}">
-                <a16:creationId xmlns:a16="http://schemas.microsoft.com/office/drawing/2014/main" id="{7FDA87C1-820E-458D-BADD-CFCE83BA889A}"/>
-              </a:ext>
-            </a:extLst>
-          </p:cNvPr>
-          <p:cNvPicPr>
-            <a:picLocks noChangeAspect="1"/>
-          </p:cNvPicPr>
-          <p:nvPr/>
-        </p:nvPicPr>
-        <p:blipFill>
-          <a:blip r:embed="rId4">
-            <a:extLst>
-              <a:ext uri="{28A0092B-C50C-407E-A947-70E740481C1C}">
-                <a14:useLocalDpi xmlns:a14="http://schemas.microsoft.com/office/drawing/2010/main" val="0"/>
-              </a:ext>
-            </a:extLst>
-          </a:blip>
-          <a:stretch>
-            <a:fillRect/>
-          </a:stretch>
-        </p:blipFill>
-        <p:spPr>
-          <a:xfrm>
-            <a:off x="4316421" y="1715426"/>
-            <a:ext cx="1779579" cy="1779579"/>
-          </a:xfrm>
-          <a:prstGeom prst="rect">
-            <a:avLst/>
-          </a:prstGeom>
-        </p:spPr>
-      </p:pic>
-      <p:sp>
-        <p:nvSpPr>
-          <p:cNvPr id="11" name="ZoneTexte 10">
-            <a:extLst>
-              <a:ext uri="{FF2B5EF4-FFF2-40B4-BE49-F238E27FC236}">
-                <a16:creationId xmlns:a16="http://schemas.microsoft.com/office/drawing/2014/main" id="{03DCCD29-6E6E-4615-859F-3A1A8EEE18F3}"/>
-              </a:ext>
-            </a:extLst>
-          </p:cNvPr>
-          <p:cNvSpPr txBox="1"/>
-          <p:nvPr/>
-        </p:nvSpPr>
-        <p:spPr>
-          <a:xfrm>
-            <a:off x="4389775" y="3858127"/>
-            <a:ext cx="3412449" cy="1200329"/>
-          </a:xfrm>
-          <a:prstGeom prst="rect">
-            <a:avLst/>
-          </a:prstGeom>
-          <a:noFill/>
-        </p:spPr>
-        <p:txBody>
-          <a:bodyPr wrap="square" rtlCol="0">
-            <a:spAutoFit/>
-          </a:bodyPr>
-          <a:lstStyle/>
-          <a:p>
-            <a:pPr algn="ctr"/>
-            <a:r>
-              <a:rPr lang="fr-CH" sz="2400" dirty="0"/>
-              <a:t>Plus de 240’000 utilisateurs potentiels </a:t>
-            </a:r>
-          </a:p>
-          <a:p>
-            <a:pPr algn="ctr"/>
-            <a:r>
-              <a:rPr lang="fr-CH" sz="2400" dirty="0"/>
-              <a:t>en Suisse</a:t>
-            </a:r>
-          </a:p>
-        </p:txBody>
-      </p:sp>
-      <p:sp>
-        <p:nvSpPr>
-          <p:cNvPr id="12" name="ZoneTexte 11">
-            <a:extLst>
-              <a:ext uri="{FF2B5EF4-FFF2-40B4-BE49-F238E27FC236}">
-                <a16:creationId xmlns:a16="http://schemas.microsoft.com/office/drawing/2014/main" id="{AD37619D-0443-42AE-90CA-F0DB290DD430}"/>
-              </a:ext>
-            </a:extLst>
-          </p:cNvPr>
-          <p:cNvSpPr txBox="1"/>
-          <p:nvPr/>
-        </p:nvSpPr>
-        <p:spPr>
-          <a:xfrm>
-            <a:off x="1238701" y="6444476"/>
-            <a:ext cx="1414490" cy="276999"/>
-          </a:xfrm>
-          <a:prstGeom prst="rect">
-            <a:avLst/>
-          </a:prstGeom>
-          <a:noFill/>
-        </p:spPr>
-        <p:txBody>
-          <a:bodyPr wrap="none" rtlCol="0">
-            <a:spAutoFit/>
-          </a:bodyPr>
-          <a:lstStyle/>
-          <a:p>
-            <a:r>
-              <a:rPr lang="fr-CH" sz="1200" dirty="0"/>
-              <a:t>*Source : RTS, 2015</a:t>
-            </a:r>
-          </a:p>
-        </p:txBody>
-      </p:sp>
     </p:spTree>
     <p:extLst>
       <p:ext uri="{BB962C8B-B14F-4D97-AF65-F5344CB8AC3E}">
-        <p14:creationId xmlns:p14="http://schemas.microsoft.com/office/powerpoint/2010/main" val="88753252"/>
+        <p14:creationId xmlns:p14="http://schemas.microsoft.com/office/powerpoint/2010/main" val="3294252693"/>
       </p:ext>
     </p:extLst>
   </p:cSld>
@@ -13688,14 +13551,6 @@
 <file path=ppt/slides/slide11.xml><?xml version="1.0" encoding="utf-8"?>
 <p:sld xmlns:a="http://schemas.openxmlformats.org/drawingml/2006/main" xmlns:r="http://schemas.openxmlformats.org/officeDocument/2006/relationships" xmlns:p="http://schemas.openxmlformats.org/presentationml/2006/main">
   <p:cSld>
-    <p:bg>
-      <p:bgPr>
-        <a:solidFill>
-          <a:schemeClr val="bg1"/>
-        </a:solidFill>
-        <a:effectLst/>
-      </p:bgPr>
-    </p:bg>
     <p:spTree>
       <p:nvGrpSpPr>
         <p:cNvPr id="1" name=""/>
@@ -13712,89 +13567,10 @@
       </p:grpSpPr>
       <p:sp>
         <p:nvSpPr>
-          <p:cNvPr id="2" name="Titre 1">
+          <p:cNvPr id="4" name="Espace réservé du numéro de diapositive 3">
             <a:extLst>
               <a:ext uri="{FF2B5EF4-FFF2-40B4-BE49-F238E27FC236}">
-                <a16:creationId xmlns:a16="http://schemas.microsoft.com/office/drawing/2014/main" id="{DD56946C-853C-4C35-A973-0FF95C21DBEA}"/>
-              </a:ext>
-            </a:extLst>
-          </p:cNvPr>
-          <p:cNvSpPr>
-            <a:spLocks noGrp="1"/>
-          </p:cNvSpPr>
-          <p:nvPr>
-            <p:ph type="title"/>
-          </p:nvPr>
-        </p:nvSpPr>
-        <p:spPr>
-          <a:xfrm>
-            <a:off x="838200" y="617932"/>
-            <a:ext cx="10515600" cy="1001338"/>
-          </a:xfrm>
-        </p:spPr>
-        <p:txBody>
-          <a:bodyPr/>
-          <a:lstStyle/>
-          <a:p>
-            <a:r>
-              <a:rPr lang="fr-CH" dirty="0"/>
-              <a:t>Enjeux</a:t>
-            </a:r>
-          </a:p>
-        </p:txBody>
-      </p:sp>
-      <p:sp>
-        <p:nvSpPr>
-          <p:cNvPr id="3" name="Espace réservé du contenu 2">
-            <a:extLst>
-              <a:ext uri="{FF2B5EF4-FFF2-40B4-BE49-F238E27FC236}">
-                <a16:creationId xmlns:a16="http://schemas.microsoft.com/office/drawing/2014/main" id="{76454EA1-8BB7-446D-B367-A46C947EA787}"/>
-              </a:ext>
-            </a:extLst>
-          </p:cNvPr>
-          <p:cNvSpPr>
-            <a:spLocks noGrp="1"/>
-          </p:cNvSpPr>
-          <p:nvPr>
-            <p:ph idx="1"/>
-          </p:nvPr>
-        </p:nvSpPr>
-        <p:spPr/>
-        <p:txBody>
-          <a:bodyPr/>
-          <a:lstStyle/>
-          <a:p>
-            <a:r>
-              <a:rPr lang="fr-CH" dirty="0"/>
-              <a:t>Pour utilisateur de l’Université :</a:t>
-            </a:r>
-          </a:p>
-          <a:p>
-            <a:endParaRPr lang="fr-CH" dirty="0"/>
-          </a:p>
-          <a:p>
-            <a:endParaRPr lang="fr-CH" dirty="0"/>
-          </a:p>
-          <a:p>
-            <a:endParaRPr lang="fr-CH" dirty="0"/>
-          </a:p>
-          <a:p>
-            <a:r>
-              <a:rPr lang="fr-CH" dirty="0"/>
-              <a:t>Bénéfice pour les investisseurs</a:t>
-            </a:r>
-          </a:p>
-          <a:p>
-            <a:endParaRPr lang="fr-CH" dirty="0"/>
-          </a:p>
-        </p:txBody>
-      </p:sp>
-      <p:sp>
-        <p:nvSpPr>
-          <p:cNvPr id="4" name="Espace réservé du numéro de diapositive 3">
-            <a:extLst>
-              <a:ext uri="{FF2B5EF4-FFF2-40B4-BE49-F238E27FC236}">
-                <a16:creationId xmlns:a16="http://schemas.microsoft.com/office/drawing/2014/main" id="{96554762-ED2A-43E8-BCFC-53C65A2D35A4}"/>
+                <a16:creationId xmlns:a16="http://schemas.microsoft.com/office/drawing/2014/main" id="{D127FC1D-9609-463C-A632-5CA4BD8EBE0D}"/>
               </a:ext>
             </a:extLst>
           </p:cNvPr>
@@ -13820,19 +13596,21 @@
       </p:sp>
       <p:pic>
         <p:nvPicPr>
-          <p:cNvPr id="6" name="Image 5">
+          <p:cNvPr id="7" name="Espace réservé du contenu 6">
             <a:extLst>
               <a:ext uri="{FF2B5EF4-FFF2-40B4-BE49-F238E27FC236}">
-                <a16:creationId xmlns:a16="http://schemas.microsoft.com/office/drawing/2014/main" id="{7EE061E7-6602-49C9-A276-3FE75C0CCACA}"/>
+                <a16:creationId xmlns:a16="http://schemas.microsoft.com/office/drawing/2014/main" id="{F8408FFE-5BB3-4B84-9D62-549A42FF48B1}"/>
               </a:ext>
             </a:extLst>
           </p:cNvPr>
           <p:cNvPicPr>
-            <a:picLocks noChangeAspect="1"/>
+            <a:picLocks noGrp="1" noChangeAspect="1"/>
           </p:cNvPicPr>
-          <p:nvPr/>
+          <p:nvPr>
+            <p:ph idx="1"/>
+          </p:nvPr>
         </p:nvPicPr>
-        <p:blipFill>
+        <p:blipFill rotWithShape="1">
           <a:blip r:embed="rId3">
             <a:extLst>
               <a:ext uri="{28A0092B-C50C-407E-A947-70E740481C1C}">
@@ -13840,171 +13618,20 @@
               </a:ext>
             </a:extLst>
           </a:blip>
-          <a:stretch>
-            <a:fillRect/>
-          </a:stretch>
+          <a:srcRect l="5888" t="1163" r="3173" b="10488"/>
+          <a:stretch/>
         </p:blipFill>
         <p:spPr>
           <a:xfrm>
-            <a:off x="3811627" y="4550618"/>
-            <a:ext cx="1219370" cy="1219370"/>
+            <a:off x="1047021" y="0"/>
+            <a:ext cx="10097957" cy="6858000"/>
           </a:xfrm>
-          <a:prstGeom prst="rect">
-            <a:avLst/>
-          </a:prstGeom>
-        </p:spPr>
-      </p:pic>
-      <p:pic>
-        <p:nvPicPr>
-          <p:cNvPr id="8" name="Image 7">
-            <a:extLst>
-              <a:ext uri="{FF2B5EF4-FFF2-40B4-BE49-F238E27FC236}">
-                <a16:creationId xmlns:a16="http://schemas.microsoft.com/office/drawing/2014/main" id="{1ED37E15-AD7D-4D39-90D2-053C387CA182}"/>
-              </a:ext>
-            </a:extLst>
-          </p:cNvPr>
-          <p:cNvPicPr>
-            <a:picLocks noChangeAspect="1"/>
-          </p:cNvPicPr>
-          <p:nvPr/>
-        </p:nvPicPr>
-        <p:blipFill>
-          <a:blip r:embed="rId4">
-            <a:extLst>
-              <a:ext uri="{28A0092B-C50C-407E-A947-70E740481C1C}">
-                <a14:useLocalDpi xmlns:a14="http://schemas.microsoft.com/office/drawing/2010/main" val="0"/>
-              </a:ext>
-            </a:extLst>
-          </a:blip>
-          <a:stretch>
-            <a:fillRect/>
-          </a:stretch>
-        </p:blipFill>
-        <p:spPr>
-          <a:xfrm>
-            <a:off x="6842504" y="4550618"/>
-            <a:ext cx="1219370" cy="1219370"/>
-          </a:xfrm>
-          <a:prstGeom prst="rect">
-            <a:avLst/>
-          </a:prstGeom>
-        </p:spPr>
-      </p:pic>
-      <p:pic>
-        <p:nvPicPr>
-          <p:cNvPr id="10" name="Graphique 9" descr="Ligne fléchée : droite">
-            <a:extLst>
-              <a:ext uri="{FF2B5EF4-FFF2-40B4-BE49-F238E27FC236}">
-                <a16:creationId xmlns:a16="http://schemas.microsoft.com/office/drawing/2014/main" id="{6E65E1BE-12EF-4DB5-9824-51D11B64D65E}"/>
-              </a:ext>
-            </a:extLst>
-          </p:cNvPr>
-          <p:cNvPicPr>
-            <a:picLocks noChangeAspect="1"/>
-          </p:cNvPicPr>
-          <p:nvPr/>
-        </p:nvPicPr>
-        <p:blipFill>
-          <a:blip r:embed="rId5">
-            <a:extLst>
-              <a:ext uri="{28A0092B-C50C-407E-A947-70E740481C1C}">
-                <a14:useLocalDpi xmlns:a14="http://schemas.microsoft.com/office/drawing/2010/main" val="0"/>
-              </a:ext>
-              <a:ext uri="{96DAC541-7B7A-43D3-8B79-37D633B846F1}">
-                <asvg:svgBlip xmlns:asvg="http://schemas.microsoft.com/office/drawing/2016/SVG/main" r:embed="rId6"/>
-              </a:ext>
-            </a:extLst>
-          </a:blip>
-          <a:stretch>
-            <a:fillRect/>
-          </a:stretch>
-        </p:blipFill>
-        <p:spPr>
-          <a:xfrm rot="10800000">
-            <a:off x="5479550" y="4703103"/>
-            <a:ext cx="914400" cy="914400"/>
-          </a:xfrm>
-          <a:prstGeom prst="rect">
-            <a:avLst/>
-          </a:prstGeom>
-        </p:spPr>
-      </p:pic>
-      <p:pic>
-        <p:nvPicPr>
-          <p:cNvPr id="12" name="Image 11">
-            <a:extLst>
-              <a:ext uri="{FF2B5EF4-FFF2-40B4-BE49-F238E27FC236}">
-                <a16:creationId xmlns:a16="http://schemas.microsoft.com/office/drawing/2014/main" id="{E16DDFE1-1A2D-4DA5-8B4F-5DC63B59235E}"/>
-              </a:ext>
-            </a:extLst>
-          </p:cNvPr>
-          <p:cNvPicPr>
-            <a:picLocks noChangeAspect="1"/>
-          </p:cNvPicPr>
-          <p:nvPr/>
-        </p:nvPicPr>
-        <p:blipFill>
-          <a:blip r:embed="rId7">
-            <a:extLst>
-              <a:ext uri="{28A0092B-C50C-407E-A947-70E740481C1C}">
-                <a14:useLocalDpi xmlns:a14="http://schemas.microsoft.com/office/drawing/2010/main" val="0"/>
-              </a:ext>
-            </a:extLst>
-          </a:blip>
-          <a:stretch>
-            <a:fillRect/>
-          </a:stretch>
-        </p:blipFill>
-        <p:spPr>
-          <a:xfrm>
-            <a:off x="6460814" y="2416546"/>
-            <a:ext cx="1219369" cy="1219369"/>
-          </a:xfrm>
-          <a:prstGeom prst="rect">
-            <a:avLst/>
-          </a:prstGeom>
-        </p:spPr>
-      </p:pic>
-      <p:pic>
-        <p:nvPicPr>
-          <p:cNvPr id="14" name="Image 13">
-            <a:extLst>
-              <a:ext uri="{FF2B5EF4-FFF2-40B4-BE49-F238E27FC236}">
-                <a16:creationId xmlns:a16="http://schemas.microsoft.com/office/drawing/2014/main" id="{92917438-7CE0-47EE-A6BB-CD6C510AEEE7}"/>
-              </a:ext>
-            </a:extLst>
-          </p:cNvPr>
-          <p:cNvPicPr>
-            <a:picLocks noChangeAspect="1"/>
-          </p:cNvPicPr>
-          <p:nvPr/>
-        </p:nvPicPr>
-        <p:blipFill>
-          <a:blip r:embed="rId8">
-            <a:extLst>
-              <a:ext uri="{28A0092B-C50C-407E-A947-70E740481C1C}">
-                <a14:useLocalDpi xmlns:a14="http://schemas.microsoft.com/office/drawing/2010/main" val="0"/>
-              </a:ext>
-            </a:extLst>
-          </a:blip>
-          <a:stretch>
-            <a:fillRect/>
-          </a:stretch>
-        </p:blipFill>
-        <p:spPr>
-          <a:xfrm>
-            <a:off x="4092539" y="2358265"/>
-            <a:ext cx="1219368" cy="1219368"/>
-          </a:xfrm>
-          <a:prstGeom prst="rect">
-            <a:avLst/>
-          </a:prstGeom>
         </p:spPr>
       </p:pic>
     </p:spTree>
     <p:extLst>
       <p:ext uri="{BB962C8B-B14F-4D97-AF65-F5344CB8AC3E}">
-        <p14:creationId xmlns:p14="http://schemas.microsoft.com/office/powerpoint/2010/main" val="2539571882"/>
+        <p14:creationId xmlns:p14="http://schemas.microsoft.com/office/powerpoint/2010/main" val="3663794479"/>
       </p:ext>
     </p:extLst>
   </p:cSld>
@@ -14033,10 +13660,10 @@
       </p:grpSpPr>
       <p:sp>
         <p:nvSpPr>
-          <p:cNvPr id="4" name="Segnaposto numero diapositiva 3">
+          <p:cNvPr id="4" name="Espace réservé du numéro de diapositive 3">
             <a:extLst>
               <a:ext uri="{FF2B5EF4-FFF2-40B4-BE49-F238E27FC236}">
-                <a16:creationId xmlns:a16="http://schemas.microsoft.com/office/drawing/2014/main" id="{936693EF-6DD3-407A-8B67-4E5A8382C752}"/>
+                <a16:creationId xmlns:a16="http://schemas.microsoft.com/office/drawing/2014/main" id="{F405DF80-9A19-4A12-AEE9-C286AB0BF29C}"/>
               </a:ext>
             </a:extLst>
           </p:cNvPr>
@@ -14060,493 +13687,152 @@
           </a:p>
         </p:txBody>
       </p:sp>
-      <p:cxnSp>
-        <p:nvCxnSpPr>
-          <p:cNvPr id="12" name="Connettore 2 11">
+      <p:sp>
+        <p:nvSpPr>
+          <p:cNvPr id="2" name="Rectangle 1">
             <a:extLst>
               <a:ext uri="{FF2B5EF4-FFF2-40B4-BE49-F238E27FC236}">
-                <a16:creationId xmlns:a16="http://schemas.microsoft.com/office/drawing/2014/main" id="{757034F0-E8B3-459B-B295-12DBE429C855}"/>
+                <a16:creationId xmlns:a16="http://schemas.microsoft.com/office/drawing/2014/main" id="{FEA76E47-8FBE-461D-A548-105761F1F4BB}"/>
               </a:ext>
             </a:extLst>
           </p:cNvPr>
-          <p:cNvCxnSpPr/>
+          <p:cNvSpPr/>
           <p:nvPr/>
-        </p:nvCxnSpPr>
+        </p:nvSpPr>
         <p:spPr>
           <a:xfrm>
-            <a:off x="1774723" y="3993372"/>
-            <a:ext cx="8642554" cy="0"/>
+            <a:off x="7647709" y="4702629"/>
+            <a:ext cx="1460665" cy="365125"/>
           </a:xfrm>
-          <a:prstGeom prst="straightConnector1">
+          <a:prstGeom prst="rect">
             <a:avLst/>
           </a:prstGeom>
+          <a:solidFill>
+            <a:schemeClr val="bg1"/>
+          </a:solidFill>
           <a:ln>
-            <a:headEnd type="triangle"/>
-            <a:tailEnd type="triangle"/>
+            <a:solidFill>
+              <a:schemeClr val="bg1"/>
+            </a:solidFill>
           </a:ln>
         </p:spPr>
         <p:style>
-          <a:lnRef idx="1">
-            <a:schemeClr val="accent1"/>
+          <a:lnRef idx="2">
+            <a:schemeClr val="accent1">
+              <a:shade val="50000"/>
+            </a:schemeClr>
           </a:lnRef>
-          <a:fillRef idx="0">
+          <a:fillRef idx="1">
             <a:schemeClr val="accent1"/>
           </a:fillRef>
           <a:effectRef idx="0">
             <a:schemeClr val="accent1"/>
           </a:effectRef>
           <a:fontRef idx="minor">
-            <a:schemeClr val="tx1"/>
+            <a:schemeClr val="lt1"/>
           </a:fontRef>
         </p:style>
-      </p:cxnSp>
-      <p:cxnSp>
-        <p:nvCxnSpPr>
-          <p:cNvPr id="14" name="Connettore 2 13">
+        <p:txBody>
+          <a:bodyPr rtlCol="0" anchor="ctr"/>
+          <a:lstStyle/>
+          <a:p>
+            <a:pPr algn="ctr"/>
+            <a:endParaRPr lang="fr-CH"/>
+          </a:p>
+        </p:txBody>
+      </p:sp>
+      <p:pic>
+        <p:nvPicPr>
+          <p:cNvPr id="7" name="Espace réservé du contenu 6">
             <a:extLst>
               <a:ext uri="{FF2B5EF4-FFF2-40B4-BE49-F238E27FC236}">
-                <a16:creationId xmlns:a16="http://schemas.microsoft.com/office/drawing/2014/main" id="{56C7C0BC-26F6-4C4D-BB9B-3FFB72E2739F}"/>
+                <a16:creationId xmlns:a16="http://schemas.microsoft.com/office/drawing/2014/main" id="{A20F8E4C-958B-4E8F-A306-59BB01EA14ED}"/>
               </a:ext>
             </a:extLst>
           </p:cNvPr>
-          <p:cNvCxnSpPr>
-            <a:cxnSpLocks/>
-          </p:cNvCxnSpPr>
-          <p:nvPr/>
-        </p:nvCxnSpPr>
+          <p:cNvPicPr>
+            <a:picLocks noGrp="1" noChangeAspect="1"/>
+          </p:cNvPicPr>
+          <p:nvPr>
+            <p:ph idx="1"/>
+          </p:nvPr>
+        </p:nvPicPr>
+        <p:blipFill rotWithShape="1">
+          <a:blip r:embed="rId3">
+            <a:extLst>
+              <a:ext uri="{28A0092B-C50C-407E-A947-70E740481C1C}">
+                <a14:useLocalDpi xmlns:a14="http://schemas.microsoft.com/office/drawing/2010/main" val="0"/>
+              </a:ext>
+            </a:extLst>
+          </a:blip>
+          <a:srcRect l="4667" r="9728" b="10325"/>
+          <a:stretch/>
+        </p:blipFill>
         <p:spPr>
           <a:xfrm>
-            <a:off x="6096000" y="1373075"/>
-            <a:ext cx="0" cy="5240594"/>
+            <a:off x="1568759" y="5811"/>
+            <a:ext cx="9054481" cy="6852189"/>
           </a:xfrm>
-          <a:prstGeom prst="straightConnector1">
+        </p:spPr>
+      </p:pic>
+      <p:sp>
+        <p:nvSpPr>
+          <p:cNvPr id="8" name="Rectangle 7">
+            <a:extLst>
+              <a:ext uri="{FF2B5EF4-FFF2-40B4-BE49-F238E27FC236}">
+                <a16:creationId xmlns:a16="http://schemas.microsoft.com/office/drawing/2014/main" id="{F847772B-E088-4EE0-8282-4899044ECAB8}"/>
+              </a:ext>
+            </a:extLst>
+          </p:cNvPr>
+          <p:cNvSpPr/>
+          <p:nvPr/>
+        </p:nvSpPr>
+        <p:spPr>
+          <a:xfrm>
+            <a:off x="7647709" y="4702629"/>
+            <a:ext cx="1460665" cy="365125"/>
+          </a:xfrm>
+          <a:prstGeom prst="rect">
             <a:avLst/>
           </a:prstGeom>
+          <a:solidFill>
+            <a:schemeClr val="bg1"/>
+          </a:solidFill>
           <a:ln>
-            <a:headEnd type="triangle"/>
-            <a:tailEnd type="triangle"/>
+            <a:solidFill>
+              <a:schemeClr val="bg1"/>
+            </a:solidFill>
           </a:ln>
         </p:spPr>
         <p:style>
-          <a:lnRef idx="1">
-            <a:schemeClr val="accent1"/>
+          <a:lnRef idx="2">
+            <a:schemeClr val="accent1">
+              <a:shade val="50000"/>
+            </a:schemeClr>
           </a:lnRef>
-          <a:fillRef idx="0">
+          <a:fillRef idx="1">
             <a:schemeClr val="accent1"/>
           </a:fillRef>
           <a:effectRef idx="0">
             <a:schemeClr val="accent1"/>
           </a:effectRef>
           <a:fontRef idx="minor">
-            <a:schemeClr val="tx1"/>
+            <a:schemeClr val="lt1"/>
           </a:fontRef>
         </p:style>
-      </p:cxnSp>
-      <p:sp>
-        <p:nvSpPr>
-          <p:cNvPr id="17" name="CasellaDiTesto 16">
-            <a:extLst>
-              <a:ext uri="{FF2B5EF4-FFF2-40B4-BE49-F238E27FC236}">
-                <a16:creationId xmlns:a16="http://schemas.microsoft.com/office/drawing/2014/main" id="{351659DC-3DAE-443E-A65C-F1240A57BD24}"/>
-              </a:ext>
-            </a:extLst>
-          </p:cNvPr>
-          <p:cNvSpPr txBox="1"/>
-          <p:nvPr/>
-        </p:nvSpPr>
-        <p:spPr>
-          <a:xfrm>
-            <a:off x="8724286" y="3993372"/>
-            <a:ext cx="1266693" cy="307777"/>
-          </a:xfrm>
-          <a:prstGeom prst="rect">
-            <a:avLst/>
-          </a:prstGeom>
-          <a:noFill/>
-        </p:spPr>
         <p:txBody>
-          <a:bodyPr wrap="none" rtlCol="0">
-            <a:spAutoFit/>
-          </a:bodyPr>
+          <a:bodyPr rtlCol="0" anchor="ctr"/>
           <a:lstStyle/>
           <a:p>
-            <a:r>
-              <a:rPr lang="it-IT" sz="1400" dirty="0"/>
-              <a:t>Facile à </a:t>
-            </a:r>
-            <a:r>
-              <a:rPr lang="it-IT" sz="1400" dirty="0" err="1"/>
-              <a:t>utiliser</a:t>
-            </a:r>
-            <a:endParaRPr lang="it-IT" sz="1400" dirty="0"/>
-          </a:p>
-        </p:txBody>
-      </p:sp>
-      <p:sp>
-        <p:nvSpPr>
-          <p:cNvPr id="18" name="CasellaDiTesto 17">
-            <a:extLst>
-              <a:ext uri="{FF2B5EF4-FFF2-40B4-BE49-F238E27FC236}">
-                <a16:creationId xmlns:a16="http://schemas.microsoft.com/office/drawing/2014/main" id="{5F8B6024-8BA5-4C76-A585-E45F3CF1516C}"/>
-              </a:ext>
-            </a:extLst>
-          </p:cNvPr>
-          <p:cNvSpPr txBox="1"/>
-          <p:nvPr/>
-        </p:nvSpPr>
-        <p:spPr>
-          <a:xfrm>
-            <a:off x="1867148" y="3993372"/>
-            <a:ext cx="2783198" cy="307777"/>
-          </a:xfrm>
-          <a:prstGeom prst="rect">
-            <a:avLst/>
-          </a:prstGeom>
-          <a:noFill/>
-        </p:spPr>
-        <p:txBody>
-          <a:bodyPr wrap="none" rtlCol="0">
-            <a:spAutoFit/>
-          </a:bodyPr>
-          <a:lstStyle/>
-          <a:p>
-            <a:r>
-              <a:rPr lang="it-IT" sz="1400" dirty="0"/>
-              <a:t>Complexe à utiliser ou peu pratique</a:t>
-            </a:r>
-          </a:p>
-        </p:txBody>
-      </p:sp>
-      <p:sp>
-        <p:nvSpPr>
-          <p:cNvPr id="19" name="CasellaDiTesto 18">
-            <a:extLst>
-              <a:ext uri="{FF2B5EF4-FFF2-40B4-BE49-F238E27FC236}">
-                <a16:creationId xmlns:a16="http://schemas.microsoft.com/office/drawing/2014/main" id="{E944816C-3CDF-4715-BD38-5A638E6F13A5}"/>
-              </a:ext>
-            </a:extLst>
-          </p:cNvPr>
-          <p:cNvSpPr txBox="1"/>
-          <p:nvPr/>
-        </p:nvSpPr>
-        <p:spPr>
-          <a:xfrm rot="16200000">
-            <a:off x="5101531" y="1924858"/>
-            <a:ext cx="1681166" cy="307777"/>
-          </a:xfrm>
-          <a:prstGeom prst="rect">
-            <a:avLst/>
-          </a:prstGeom>
-          <a:noFill/>
-        </p:spPr>
-        <p:txBody>
-          <a:bodyPr wrap="none" rtlCol="0">
-            <a:spAutoFit/>
-          </a:bodyPr>
-          <a:lstStyle/>
-          <a:p>
-            <a:r>
-              <a:rPr lang="it-IT" sz="1400" dirty="0"/>
-              <a:t>Objets universitaires</a:t>
-            </a:r>
-          </a:p>
-        </p:txBody>
-      </p:sp>
-      <p:sp>
-        <p:nvSpPr>
-          <p:cNvPr id="20" name="CasellaDiTesto 19">
-            <a:extLst>
-              <a:ext uri="{FF2B5EF4-FFF2-40B4-BE49-F238E27FC236}">
-                <a16:creationId xmlns:a16="http://schemas.microsoft.com/office/drawing/2014/main" id="{24B9B4E7-D69C-43BB-B625-5EE0EB61465F}"/>
-              </a:ext>
-            </a:extLst>
-          </p:cNvPr>
-          <p:cNvSpPr txBox="1"/>
-          <p:nvPr/>
-        </p:nvSpPr>
-        <p:spPr>
-          <a:xfrm rot="16200000">
-            <a:off x="5191427" y="5767764"/>
-            <a:ext cx="1501373" cy="307777"/>
-          </a:xfrm>
-          <a:prstGeom prst="rect">
-            <a:avLst/>
-          </a:prstGeom>
-          <a:noFill/>
-        </p:spPr>
-        <p:txBody>
-          <a:bodyPr wrap="none" rtlCol="0">
-            <a:spAutoFit/>
-          </a:bodyPr>
-          <a:lstStyle/>
-          <a:p>
-            <a:r>
-              <a:rPr lang="it-IT" sz="1400" dirty="0"/>
-              <a:t>Catalogue général</a:t>
-            </a:r>
-          </a:p>
-        </p:txBody>
-      </p:sp>
-      <p:pic>
-        <p:nvPicPr>
-          <p:cNvPr id="21" name="Image 4">
-            <a:extLst>
-              <a:ext uri="{FF2B5EF4-FFF2-40B4-BE49-F238E27FC236}">
-                <a16:creationId xmlns:a16="http://schemas.microsoft.com/office/drawing/2014/main" id="{308741AF-E0EE-4F77-9CE0-147310F00740}"/>
-              </a:ext>
-            </a:extLst>
-          </p:cNvPr>
-          <p:cNvPicPr>
-            <a:picLocks noChangeAspect="1"/>
-          </p:cNvPicPr>
-          <p:nvPr/>
-        </p:nvPicPr>
-        <p:blipFill>
-          <a:blip r:embed="rId3">
-            <a:extLst>
-              <a:ext uri="{28A0092B-C50C-407E-A947-70E740481C1C}">
-                <a14:useLocalDpi xmlns:a14="http://schemas.microsoft.com/office/drawing/2010/main" val="0"/>
-              </a:ext>
-            </a:extLst>
-          </a:blip>
-          <a:stretch>
-            <a:fillRect/>
-          </a:stretch>
-        </p:blipFill>
-        <p:spPr>
-          <a:xfrm>
-            <a:off x="9279438" y="1437102"/>
-            <a:ext cx="1052212" cy="799681"/>
-          </a:xfrm>
-          <a:prstGeom prst="rect">
-            <a:avLst/>
-          </a:prstGeom>
-        </p:spPr>
-      </p:pic>
-      <p:pic>
-        <p:nvPicPr>
-          <p:cNvPr id="23" name="Immagine 22">
-            <a:extLst>
-              <a:ext uri="{FF2B5EF4-FFF2-40B4-BE49-F238E27FC236}">
-                <a16:creationId xmlns:a16="http://schemas.microsoft.com/office/drawing/2014/main" id="{33B8B47F-7618-452C-837B-11B7007B63CE}"/>
-              </a:ext>
-            </a:extLst>
-          </p:cNvPr>
-          <p:cNvPicPr>
-            <a:picLocks noChangeAspect="1"/>
-          </p:cNvPicPr>
-          <p:nvPr/>
-        </p:nvPicPr>
-        <p:blipFill>
-          <a:blip r:embed="rId4">
-            <a:extLst>
-              <a:ext uri="{28A0092B-C50C-407E-A947-70E740481C1C}">
-                <a14:useLocalDpi xmlns:a14="http://schemas.microsoft.com/office/drawing/2010/main" val="0"/>
-              </a:ext>
-            </a:extLst>
-          </a:blip>
-          <a:stretch>
-            <a:fillRect/>
-          </a:stretch>
-        </p:blipFill>
-        <p:spPr>
-          <a:xfrm>
-            <a:off x="8186688" y="4456670"/>
-            <a:ext cx="1374160" cy="772965"/>
-          </a:xfrm>
-          <a:prstGeom prst="rect">
-            <a:avLst/>
-          </a:prstGeom>
-        </p:spPr>
-      </p:pic>
-      <p:pic>
-        <p:nvPicPr>
-          <p:cNvPr id="25" name="Immagine 24">
-            <a:extLst>
-              <a:ext uri="{FF2B5EF4-FFF2-40B4-BE49-F238E27FC236}">
-                <a16:creationId xmlns:a16="http://schemas.microsoft.com/office/drawing/2014/main" id="{071786D1-81B3-4CFC-BD3E-ADED18C2E2A9}"/>
-              </a:ext>
-            </a:extLst>
-          </p:cNvPr>
-          <p:cNvPicPr>
-            <a:picLocks noChangeAspect="1"/>
-          </p:cNvPicPr>
-          <p:nvPr/>
-        </p:nvPicPr>
-        <p:blipFill>
-          <a:blip r:embed="rId5">
-            <a:extLst>
-              <a:ext uri="{28A0092B-C50C-407E-A947-70E740481C1C}">
-                <a14:useLocalDpi xmlns:a14="http://schemas.microsoft.com/office/drawing/2010/main" val="0"/>
-              </a:ext>
-            </a:extLst>
-          </a:blip>
-          <a:stretch>
-            <a:fillRect/>
-          </a:stretch>
-        </p:blipFill>
-        <p:spPr>
-          <a:xfrm>
-            <a:off x="4299195" y="4927045"/>
-            <a:ext cx="1496726" cy="613412"/>
-          </a:xfrm>
-          <a:prstGeom prst="rect">
-            <a:avLst/>
-          </a:prstGeom>
-        </p:spPr>
-      </p:pic>
-      <p:pic>
-        <p:nvPicPr>
-          <p:cNvPr id="27" name="Immagine 26">
-            <a:extLst>
-              <a:ext uri="{FF2B5EF4-FFF2-40B4-BE49-F238E27FC236}">
-                <a16:creationId xmlns:a16="http://schemas.microsoft.com/office/drawing/2014/main" id="{03C39603-5DA3-487C-B066-B738A8FBD532}"/>
-              </a:ext>
-            </a:extLst>
-          </p:cNvPr>
-          <p:cNvPicPr>
-            <a:picLocks noChangeAspect="1"/>
-          </p:cNvPicPr>
-          <p:nvPr/>
-        </p:nvPicPr>
-        <p:blipFill>
-          <a:blip r:embed="rId6">
-            <a:extLst>
-              <a:ext uri="{28A0092B-C50C-407E-A947-70E740481C1C}">
-                <a14:useLocalDpi xmlns:a14="http://schemas.microsoft.com/office/drawing/2010/main" val="0"/>
-              </a:ext>
-            </a:extLst>
-          </a:blip>
-          <a:stretch>
-            <a:fillRect/>
-          </a:stretch>
-        </p:blipFill>
-        <p:spPr>
-          <a:xfrm>
-            <a:off x="2470182" y="2354977"/>
-            <a:ext cx="848051" cy="848051"/>
-          </a:xfrm>
-          <a:prstGeom prst="rect">
-            <a:avLst/>
-          </a:prstGeom>
-        </p:spPr>
-      </p:pic>
-      <p:pic>
-        <p:nvPicPr>
-          <p:cNvPr id="32" name="Elemento grafico 31">
-            <a:extLst>
-              <a:ext uri="{FF2B5EF4-FFF2-40B4-BE49-F238E27FC236}">
-                <a16:creationId xmlns:a16="http://schemas.microsoft.com/office/drawing/2014/main" id="{D5E8FE47-2072-4704-8194-8BAC8698077E}"/>
-              </a:ext>
-            </a:extLst>
-          </p:cNvPr>
-          <p:cNvPicPr>
-            <a:picLocks noChangeAspect="1"/>
-          </p:cNvPicPr>
-          <p:nvPr/>
-        </p:nvPicPr>
-        <p:blipFill>
-          <a:blip r:embed="rId7">
-            <a:extLst>
-              <a:ext uri="{28A0092B-C50C-407E-A947-70E740481C1C}">
-                <a14:useLocalDpi xmlns:a14="http://schemas.microsoft.com/office/drawing/2010/main" val="0"/>
-              </a:ext>
-              <a:ext uri="{96DAC541-7B7A-43D3-8B79-37D633B846F1}">
-                <asvg:svgBlip xmlns:asvg="http://schemas.microsoft.com/office/drawing/2016/SVG/main" r:embed="rId8"/>
-              </a:ext>
-            </a:extLst>
-          </a:blip>
-          <a:stretch>
-            <a:fillRect/>
-          </a:stretch>
-        </p:blipFill>
-        <p:spPr>
-          <a:xfrm>
-            <a:off x="6861564" y="5253803"/>
-            <a:ext cx="1178487" cy="1178487"/>
-          </a:xfrm>
-          <a:prstGeom prst="rect">
-            <a:avLst/>
-          </a:prstGeom>
-        </p:spPr>
-      </p:pic>
-      <p:pic>
-        <p:nvPicPr>
-          <p:cNvPr id="34" name="Immagine 33">
-            <a:extLst>
-              <a:ext uri="{FF2B5EF4-FFF2-40B4-BE49-F238E27FC236}">
-                <a16:creationId xmlns:a16="http://schemas.microsoft.com/office/drawing/2014/main" id="{4C193A7B-3B88-4C53-A84B-5644690B1072}"/>
-              </a:ext>
-            </a:extLst>
-          </p:cNvPr>
-          <p:cNvPicPr>
-            <a:picLocks noChangeAspect="1"/>
-          </p:cNvPicPr>
-          <p:nvPr/>
-        </p:nvPicPr>
-        <p:blipFill>
-          <a:blip r:embed="rId9">
-            <a:extLst>
-              <a:ext uri="{28A0092B-C50C-407E-A947-70E740481C1C}">
-                <a14:useLocalDpi xmlns:a14="http://schemas.microsoft.com/office/drawing/2010/main" val="0"/>
-              </a:ext>
-            </a:extLst>
-          </a:blip>
-          <a:stretch>
-            <a:fillRect/>
-          </a:stretch>
-        </p:blipFill>
-        <p:spPr>
-          <a:xfrm>
-            <a:off x="3836557" y="5863830"/>
-            <a:ext cx="1460348" cy="272936"/>
-          </a:xfrm>
-          <a:prstGeom prst="rect">
-            <a:avLst/>
-          </a:prstGeom>
-        </p:spPr>
-      </p:pic>
-      <p:sp>
-        <p:nvSpPr>
-          <p:cNvPr id="35" name="CasellaDiTesto 34">
-            <a:extLst>
-              <a:ext uri="{FF2B5EF4-FFF2-40B4-BE49-F238E27FC236}">
-                <a16:creationId xmlns:a16="http://schemas.microsoft.com/office/drawing/2014/main" id="{9607CA5D-8781-4FB9-8FE9-8E9A321B6398}"/>
-              </a:ext>
-            </a:extLst>
-          </p:cNvPr>
-          <p:cNvSpPr txBox="1"/>
-          <p:nvPr/>
-        </p:nvSpPr>
-        <p:spPr>
-          <a:xfrm>
-            <a:off x="678457" y="425710"/>
-            <a:ext cx="7776547" cy="769441"/>
-          </a:xfrm>
-          <a:prstGeom prst="rect">
-            <a:avLst/>
-          </a:prstGeom>
-          <a:noFill/>
-        </p:spPr>
-        <p:txBody>
-          <a:bodyPr wrap="square" rtlCol="0">
-            <a:spAutoFit/>
-          </a:bodyPr>
-          <a:lstStyle/>
-          <a:p>
-            <a:r>
-              <a:rPr lang="it-IT" sz="4400" dirty="0">
-                <a:latin typeface="+mj-lt"/>
-              </a:rPr>
-              <a:t>Une idée loin des concurrents</a:t>
-            </a:r>
+            <a:pPr algn="ctr"/>
+            <a:endParaRPr lang="fr-CH"/>
           </a:p>
         </p:txBody>
       </p:sp>
     </p:spTree>
     <p:extLst>
       <p:ext uri="{BB962C8B-B14F-4D97-AF65-F5344CB8AC3E}">
-        <p14:creationId xmlns:p14="http://schemas.microsoft.com/office/powerpoint/2010/main" val="3851001903"/>
+        <p14:creationId xmlns:p14="http://schemas.microsoft.com/office/powerpoint/2010/main" val="3570724770"/>
       </p:ext>
     </p:extLst>
   </p:cSld>
@@ -14559,14 +13845,6 @@
 <file path=ppt/slides/slide13.xml><?xml version="1.0" encoding="utf-8"?>
 <p:sld xmlns:a="http://schemas.openxmlformats.org/drawingml/2006/main" xmlns:r="http://schemas.openxmlformats.org/officeDocument/2006/relationships" xmlns:p="http://schemas.openxmlformats.org/presentationml/2006/main">
   <p:cSld>
-    <p:bg>
-      <p:bgPr>
-        <a:solidFill>
-          <a:schemeClr val="bg1"/>
-        </a:solidFill>
-        <a:effectLst/>
-      </p:bgPr>
-    </p:bg>
     <p:spTree>
       <p:nvGrpSpPr>
         <p:cNvPr id="1" name=""/>
@@ -14583,38 +13861,10 @@
       </p:grpSpPr>
       <p:sp>
         <p:nvSpPr>
-          <p:cNvPr id="2" name="Titre 1">
+          <p:cNvPr id="4" name="Espace réservé du numéro de diapositive 3">
             <a:extLst>
               <a:ext uri="{FF2B5EF4-FFF2-40B4-BE49-F238E27FC236}">
-                <a16:creationId xmlns:a16="http://schemas.microsoft.com/office/drawing/2014/main" id="{53E4F497-B343-43D4-9C97-E0449A73C7A9}"/>
-              </a:ext>
-            </a:extLst>
-          </p:cNvPr>
-          <p:cNvSpPr>
-            <a:spLocks noGrp="1"/>
-          </p:cNvSpPr>
-          <p:nvPr>
-            <p:ph type="title"/>
-          </p:nvPr>
-        </p:nvSpPr>
-        <p:spPr/>
-        <p:txBody>
-          <a:bodyPr/>
-          <a:lstStyle/>
-          <a:p>
-            <a:r>
-              <a:rPr lang="fr-CH" dirty="0"/>
-              <a:t>Risques</a:t>
-            </a:r>
-          </a:p>
-        </p:txBody>
-      </p:sp>
-      <p:sp>
-        <p:nvSpPr>
-          <p:cNvPr id="4" name="Espace réservé du numéro de diapositive 3">
-            <a:extLst>
-              <a:ext uri="{FF2B5EF4-FFF2-40B4-BE49-F238E27FC236}">
-                <a16:creationId xmlns:a16="http://schemas.microsoft.com/office/drawing/2014/main" id="{526D10FD-5C29-49A7-825C-30CB75C8689F}"/>
+                <a16:creationId xmlns:a16="http://schemas.microsoft.com/office/drawing/2014/main" id="{3EC67FCA-55F1-4F2D-8080-8EF2A5146CF5}"/>
               </a:ext>
             </a:extLst>
           </p:cNvPr>
@@ -14638,126 +13888,23 @@
           </a:p>
         </p:txBody>
       </p:sp>
-      <p:sp>
-        <p:nvSpPr>
-          <p:cNvPr id="7" name="ZoneTexte 8">
-            <a:extLst>
-              <a:ext uri="{FF2B5EF4-FFF2-40B4-BE49-F238E27FC236}">
-                <a16:creationId xmlns:a16="http://schemas.microsoft.com/office/drawing/2014/main" id="{D188B1DA-687D-477C-96C0-3A3FBFD34665}"/>
-              </a:ext>
-            </a:extLst>
-          </p:cNvPr>
-          <p:cNvSpPr txBox="1"/>
-          <p:nvPr/>
-        </p:nvSpPr>
-        <p:spPr>
-          <a:xfrm>
-            <a:off x="3272382" y="1985771"/>
-            <a:ext cx="2715423" cy="400110"/>
-          </a:xfrm>
-          <a:prstGeom prst="rect">
-            <a:avLst/>
-          </a:prstGeom>
-          <a:noFill/>
-        </p:spPr>
-        <p:txBody>
-          <a:bodyPr wrap="none" rtlCol="0">
-            <a:spAutoFit/>
-          </a:bodyPr>
-          <a:lstStyle/>
-          <a:p>
-            <a:r>
-              <a:rPr lang="fr-CH" sz="2000" dirty="0"/>
-              <a:t>Perte d’un collaborateur</a:t>
-            </a:r>
-          </a:p>
-        </p:txBody>
-      </p:sp>
-      <p:sp>
-        <p:nvSpPr>
-          <p:cNvPr id="8" name="ZoneTexte 11">
-            <a:extLst>
-              <a:ext uri="{FF2B5EF4-FFF2-40B4-BE49-F238E27FC236}">
-                <a16:creationId xmlns:a16="http://schemas.microsoft.com/office/drawing/2014/main" id="{A532EE89-5C28-4A40-8418-73C784ADDA7F}"/>
-              </a:ext>
-            </a:extLst>
-          </p:cNvPr>
-          <p:cNvSpPr txBox="1"/>
-          <p:nvPr/>
-        </p:nvSpPr>
-        <p:spPr>
-          <a:xfrm>
-            <a:off x="3272383" y="3595330"/>
-            <a:ext cx="2829108" cy="400110"/>
-          </a:xfrm>
-          <a:prstGeom prst="rect">
-            <a:avLst/>
-          </a:prstGeom>
-          <a:noFill/>
-        </p:spPr>
-        <p:txBody>
-          <a:bodyPr wrap="none" rtlCol="0">
-            <a:spAutoFit/>
-          </a:bodyPr>
-          <a:lstStyle/>
-          <a:p>
-            <a:r>
-              <a:rPr lang="fr-CH" sz="2000" dirty="0"/>
-              <a:t>Manque de connaissance</a:t>
-            </a:r>
-          </a:p>
-        </p:txBody>
-      </p:sp>
-      <p:sp>
-        <p:nvSpPr>
-          <p:cNvPr id="9" name="ZoneTexte 12">
-            <a:extLst>
-              <a:ext uri="{FF2B5EF4-FFF2-40B4-BE49-F238E27FC236}">
-                <a16:creationId xmlns:a16="http://schemas.microsoft.com/office/drawing/2014/main" id="{954EC3BB-03FF-4DBD-A5AF-2FEAB1277C8D}"/>
-              </a:ext>
-            </a:extLst>
-          </p:cNvPr>
-          <p:cNvSpPr txBox="1"/>
-          <p:nvPr/>
-        </p:nvSpPr>
-        <p:spPr>
-          <a:xfrm>
-            <a:off x="3272383" y="5346186"/>
-            <a:ext cx="2900346" cy="400110"/>
-          </a:xfrm>
-          <a:prstGeom prst="rect">
-            <a:avLst/>
-          </a:prstGeom>
-          <a:noFill/>
-        </p:spPr>
-        <p:txBody>
-          <a:bodyPr wrap="none" rtlCol="0">
-            <a:spAutoFit/>
-          </a:bodyPr>
-          <a:lstStyle/>
-          <a:p>
-            <a:r>
-              <a:rPr lang="fr-CH" sz="2000" dirty="0"/>
-              <a:t>Management d’un groupe</a:t>
-            </a:r>
-          </a:p>
-        </p:txBody>
-      </p:sp>
       <p:pic>
         <p:nvPicPr>
-          <p:cNvPr id="10" name="Image 14">
+          <p:cNvPr id="8" name="Espace réservé du contenu 7">
             <a:extLst>
               <a:ext uri="{FF2B5EF4-FFF2-40B4-BE49-F238E27FC236}">
-                <a16:creationId xmlns:a16="http://schemas.microsoft.com/office/drawing/2014/main" id="{342C8D0D-D2F1-4571-B4A3-B68D64FA9413}"/>
+                <a16:creationId xmlns:a16="http://schemas.microsoft.com/office/drawing/2014/main" id="{194DFEF2-B532-4622-8F1B-17DD5775F420}"/>
               </a:ext>
             </a:extLst>
           </p:cNvPr>
           <p:cNvPicPr>
-            <a:picLocks noChangeAspect="1"/>
+            <a:picLocks noGrp="1" noChangeAspect="1"/>
           </p:cNvPicPr>
-          <p:nvPr/>
+          <p:nvPr>
+            <p:ph idx="1"/>
+          </p:nvPr>
         </p:nvPicPr>
-        <p:blipFill>
+        <p:blipFill rotWithShape="1">
           <a:blip r:embed="rId3">
             <a:extLst>
               <a:ext uri="{28A0092B-C50C-407E-A947-70E740481C1C}">
@@ -14765,207 +13912,20 @@
               </a:ext>
             </a:extLst>
           </a:blip>
-          <a:stretch>
-            <a:fillRect/>
-          </a:stretch>
+          <a:srcRect l="5570" t="516" r="2889" b="10119"/>
+          <a:stretch/>
         </p:blipFill>
         <p:spPr>
           <a:xfrm>
-            <a:off x="1702086" y="4811591"/>
-            <a:ext cx="1193577" cy="1193577"/>
+            <a:off x="1069194" y="-2910"/>
+            <a:ext cx="10053611" cy="6860910"/>
           </a:xfrm>
-          <a:prstGeom prst="rect">
-            <a:avLst/>
-          </a:prstGeom>
-        </p:spPr>
-      </p:pic>
-      <p:pic>
-        <p:nvPicPr>
-          <p:cNvPr id="11" name="Image 16">
-            <a:extLst>
-              <a:ext uri="{FF2B5EF4-FFF2-40B4-BE49-F238E27FC236}">
-                <a16:creationId xmlns:a16="http://schemas.microsoft.com/office/drawing/2014/main" id="{73D75758-8FD8-4CA2-8131-7B60D000A5D0}"/>
-              </a:ext>
-            </a:extLst>
-          </p:cNvPr>
-          <p:cNvPicPr>
-            <a:picLocks noChangeAspect="1"/>
-          </p:cNvPicPr>
-          <p:nvPr/>
-        </p:nvPicPr>
-        <p:blipFill>
-          <a:blip r:embed="rId4">
-            <a:extLst>
-              <a:ext uri="{28A0092B-C50C-407E-A947-70E740481C1C}">
-                <a14:useLocalDpi xmlns:a14="http://schemas.microsoft.com/office/drawing/2010/main" val="0"/>
-              </a:ext>
-            </a:extLst>
-          </a:blip>
-          <a:stretch>
-            <a:fillRect/>
-          </a:stretch>
-        </p:blipFill>
-        <p:spPr>
-          <a:xfrm>
-            <a:off x="1702085" y="3183207"/>
-            <a:ext cx="1193578" cy="1193578"/>
-          </a:xfrm>
-          <a:prstGeom prst="rect">
-            <a:avLst/>
-          </a:prstGeom>
-        </p:spPr>
-      </p:pic>
-      <p:pic>
-        <p:nvPicPr>
-          <p:cNvPr id="12" name="Image 17">
-            <a:extLst>
-              <a:ext uri="{FF2B5EF4-FFF2-40B4-BE49-F238E27FC236}">
-                <a16:creationId xmlns:a16="http://schemas.microsoft.com/office/drawing/2014/main" id="{D58F616E-BBB6-4B71-89F7-11054526B275}"/>
-              </a:ext>
-            </a:extLst>
-          </p:cNvPr>
-          <p:cNvPicPr>
-            <a:picLocks noChangeAspect="1"/>
-          </p:cNvPicPr>
-          <p:nvPr/>
-        </p:nvPicPr>
-        <p:blipFill>
-          <a:blip r:embed="rId5">
-            <a:extLst>
-              <a:ext uri="{28A0092B-C50C-407E-A947-70E740481C1C}">
-                <a14:useLocalDpi xmlns:a14="http://schemas.microsoft.com/office/drawing/2010/main" val="0"/>
-              </a:ext>
-            </a:extLst>
-          </a:blip>
-          <a:stretch>
-            <a:fillRect/>
-          </a:stretch>
-        </p:blipFill>
-        <p:spPr>
-          <a:xfrm>
-            <a:off x="1883480" y="1690688"/>
-            <a:ext cx="830788" cy="830788"/>
-          </a:xfrm>
-          <a:prstGeom prst="rect">
-            <a:avLst/>
-          </a:prstGeom>
-        </p:spPr>
-      </p:pic>
-      <p:pic>
-        <p:nvPicPr>
-          <p:cNvPr id="13" name="Image 19">
-            <a:extLst>
-              <a:ext uri="{FF2B5EF4-FFF2-40B4-BE49-F238E27FC236}">
-                <a16:creationId xmlns:a16="http://schemas.microsoft.com/office/drawing/2014/main" id="{FC22BA37-2C3A-4815-8548-A4FD57A3F749}"/>
-              </a:ext>
-            </a:extLst>
-          </p:cNvPr>
-          <p:cNvPicPr>
-            <a:picLocks noChangeAspect="1"/>
-          </p:cNvPicPr>
-          <p:nvPr/>
-        </p:nvPicPr>
-        <p:blipFill>
-          <a:blip r:embed="rId5">
-            <a:extLst>
-              <a:ext uri="{28A0092B-C50C-407E-A947-70E740481C1C}">
-                <a14:useLocalDpi xmlns:a14="http://schemas.microsoft.com/office/drawing/2010/main" val="0"/>
-              </a:ext>
-            </a:extLst>
-          </a:blip>
-          <a:stretch>
-            <a:fillRect/>
-          </a:stretch>
-        </p:blipFill>
-        <p:spPr>
-          <a:xfrm>
-            <a:off x="2480269" y="1677287"/>
-            <a:ext cx="830788" cy="830788"/>
-          </a:xfrm>
-          <a:prstGeom prst="rect">
-            <a:avLst/>
-          </a:prstGeom>
-        </p:spPr>
-      </p:pic>
-      <p:pic>
-        <p:nvPicPr>
-          <p:cNvPr id="14" name="Image 20">
-            <a:extLst>
-              <a:ext uri="{FF2B5EF4-FFF2-40B4-BE49-F238E27FC236}">
-                <a16:creationId xmlns:a16="http://schemas.microsoft.com/office/drawing/2014/main" id="{B89C866B-B831-44AB-BB3E-5EE20B6713EB}"/>
-              </a:ext>
-            </a:extLst>
-          </p:cNvPr>
-          <p:cNvPicPr>
-            <a:picLocks noChangeAspect="1"/>
-          </p:cNvPicPr>
-          <p:nvPr/>
-        </p:nvPicPr>
-        <p:blipFill>
-          <a:blip r:embed="rId5">
-            <a:extLst>
-              <a:ext uri="{28A0092B-C50C-407E-A947-70E740481C1C}">
-                <a14:useLocalDpi xmlns:a14="http://schemas.microsoft.com/office/drawing/2010/main" val="0"/>
-              </a:ext>
-            </a:extLst>
-          </a:blip>
-          <a:stretch>
-            <a:fillRect/>
-          </a:stretch>
-        </p:blipFill>
-        <p:spPr>
-          <a:xfrm>
-            <a:off x="1286691" y="1671831"/>
-            <a:ext cx="830788" cy="830788"/>
-          </a:xfrm>
-          <a:prstGeom prst="rect">
-            <a:avLst/>
-          </a:prstGeom>
-        </p:spPr>
-      </p:pic>
-      <p:pic>
-        <p:nvPicPr>
-          <p:cNvPr id="15" name="Graphique 7" descr="Fermer">
-            <a:extLst>
-              <a:ext uri="{FF2B5EF4-FFF2-40B4-BE49-F238E27FC236}">
-                <a16:creationId xmlns:a16="http://schemas.microsoft.com/office/drawing/2014/main" id="{A6EDA93D-E506-484A-BC5E-C82680EC7154}"/>
-              </a:ext>
-            </a:extLst>
-          </p:cNvPr>
-          <p:cNvPicPr>
-            <a:picLocks noChangeAspect="1"/>
-          </p:cNvPicPr>
-          <p:nvPr/>
-        </p:nvPicPr>
-        <p:blipFill>
-          <a:blip r:embed="rId6">
-            <a:extLst>
-              <a:ext uri="{28A0092B-C50C-407E-A947-70E740481C1C}">
-                <a14:useLocalDpi xmlns:a14="http://schemas.microsoft.com/office/drawing/2010/main" val="0"/>
-              </a:ext>
-              <a:ext uri="{96DAC541-7B7A-43D3-8B79-37D633B846F1}">
-                <asvg:svgBlip xmlns:asvg="http://schemas.microsoft.com/office/drawing/2016/SVG/main" r:embed="rId7"/>
-              </a:ext>
-            </a:extLst>
-          </a:blip>
-          <a:stretch>
-            <a:fillRect/>
-          </a:stretch>
-        </p:blipFill>
-        <p:spPr>
-          <a:xfrm>
-            <a:off x="1990354" y="1898981"/>
-            <a:ext cx="617039" cy="617039"/>
-          </a:xfrm>
-          <a:prstGeom prst="rect">
-            <a:avLst/>
-          </a:prstGeom>
         </p:spPr>
       </p:pic>
     </p:spTree>
     <p:extLst>
       <p:ext uri="{BB962C8B-B14F-4D97-AF65-F5344CB8AC3E}">
-        <p14:creationId xmlns:p14="http://schemas.microsoft.com/office/powerpoint/2010/main" val="2004398446"/>
+        <p14:creationId xmlns:p14="http://schemas.microsoft.com/office/powerpoint/2010/main" val="123785963"/>
       </p:ext>
     </p:extLst>
   </p:cSld>
@@ -15317,7 +14277,7 @@
         <p:spPr>
           <a:xfrm>
             <a:off x="838200" y="365125"/>
-            <a:ext cx="5974080" cy="1325563"/>
+            <a:ext cx="5974080" cy="1166489"/>
           </a:xfrm>
         </p:spPr>
         <p:txBody>
@@ -15526,7 +14486,7 @@
                   <a:schemeClr val="accent5"/>
                 </a:solidFill>
               </a:rPr>
-              <a:t>Volatile</a:t>
+              <a:t>volant</a:t>
             </a:r>
           </a:p>
         </p:txBody>
@@ -15846,7 +14806,7 @@
                   <a:schemeClr val="accent5"/>
                 </a:solidFill>
               </a:rPr>
-              <a:t>volatile</a:t>
+              <a:t>volant</a:t>
             </a:r>
           </a:p>
         </p:txBody>
@@ -16080,7 +15040,7 @@
         </p:blipFill>
         <p:spPr bwMode="auto">
           <a:xfrm>
-            <a:off x="647494" y="321733"/>
+            <a:off x="8811253" y="3808783"/>
             <a:ext cx="2748958" cy="2748958"/>
           </a:xfrm>
           <a:prstGeom prst="rect">
@@ -16192,7 +15152,7 @@
         </p:blipFill>
         <p:spPr bwMode="auto">
           <a:xfrm>
-            <a:off x="320711" y="4611592"/>
+            <a:off x="8484948" y="1214922"/>
             <a:ext cx="3401568" cy="1097005"/>
           </a:xfrm>
           <a:prstGeom prst="rect">
@@ -16304,7 +15264,7 @@
         </p:blipFill>
         <p:spPr bwMode="auto">
           <a:xfrm>
-            <a:off x="5325766" y="265971"/>
+            <a:off x="5218888" y="3756406"/>
             <a:ext cx="1500027" cy="2752344"/>
           </a:xfrm>
           <a:prstGeom prst="rect">
@@ -16416,7 +15376,7 @@
         </p:blipFill>
         <p:spPr bwMode="auto">
           <a:xfrm>
-            <a:off x="4771096" y="3839686"/>
+            <a:off x="630743" y="296874"/>
             <a:ext cx="2609365" cy="2752344"/>
           </a:xfrm>
           <a:prstGeom prst="rect">
@@ -16462,7 +15422,7 @@
         </p:blipFill>
         <p:spPr bwMode="auto">
           <a:xfrm>
-            <a:off x="8982849" y="3839686"/>
+            <a:off x="4818746" y="296874"/>
             <a:ext cx="2752344" cy="2752344"/>
           </a:xfrm>
           <a:prstGeom prst="rect">
@@ -16554,7 +15514,7 @@
         </p:blipFill>
         <p:spPr bwMode="auto">
           <a:xfrm>
-            <a:off x="8982849" y="265971"/>
+            <a:off x="559253" y="3808783"/>
             <a:ext cx="2752344" cy="2752344"/>
           </a:xfrm>
           <a:prstGeom prst="rect">
@@ -17457,6 +16417,14 @@
 <file path=ppt/slides/slide19.xml><?xml version="1.0" encoding="utf-8"?>
 <p:sld xmlns:a="http://schemas.openxmlformats.org/drawingml/2006/main" xmlns:r="http://schemas.openxmlformats.org/officeDocument/2006/relationships" xmlns:p="http://schemas.openxmlformats.org/presentationml/2006/main">
   <p:cSld>
+    <p:bg>
+      <p:bgPr>
+        <a:solidFill>
+          <a:schemeClr val="bg1"/>
+        </a:solidFill>
+        <a:effectLst/>
+      </p:bgPr>
+    </p:bg>
     <p:spTree>
       <p:nvGrpSpPr>
         <p:cNvPr id="1" name=""/>
@@ -17476,7 +16444,7 @@
           <p:cNvPr id="2" name="Titre 1">
             <a:extLst>
               <a:ext uri="{FF2B5EF4-FFF2-40B4-BE49-F238E27FC236}">
-                <a16:creationId xmlns:a16="http://schemas.microsoft.com/office/drawing/2014/main" id="{B565F622-7A9C-43BC-A728-DBDB95132048}"/>
+                <a16:creationId xmlns:a16="http://schemas.microsoft.com/office/drawing/2014/main" id="{7110C73B-C441-4A8F-809D-FE96868E07BF}"/>
               </a:ext>
             </a:extLst>
           </p:cNvPr>
@@ -17489,51 +16457,20 @@
         </p:nvSpPr>
         <p:spPr>
           <a:xfrm>
-            <a:off x="838200" y="365126"/>
-            <a:ext cx="10515600" cy="881784"/>
+            <a:off x="838200" y="365125"/>
+            <a:ext cx="10515600" cy="960241"/>
           </a:xfrm>
         </p:spPr>
         <p:txBody>
-          <a:bodyPr/>
+          <a:bodyPr>
+            <a:normAutofit/>
+          </a:bodyPr>
           <a:lstStyle/>
           <a:p>
             <a:r>
               <a:rPr lang="fr-CH" dirty="0"/>
-              <a:t>Planning pour les 2 prochaines semaines</a:t>
-            </a:r>
-          </a:p>
-        </p:txBody>
-      </p:sp>
-      <p:sp>
-        <p:nvSpPr>
-          <p:cNvPr id="3" name="Espace réservé du contenu 2">
-            <a:extLst>
-              <a:ext uri="{FF2B5EF4-FFF2-40B4-BE49-F238E27FC236}">
-                <a16:creationId xmlns:a16="http://schemas.microsoft.com/office/drawing/2014/main" id="{5B34C789-7E48-435C-8907-168C5252C6EB}"/>
-              </a:ext>
-            </a:extLst>
-          </p:cNvPr>
-          <p:cNvSpPr>
-            <a:spLocks noGrp="1"/>
-          </p:cNvSpPr>
-          <p:nvPr>
-            <p:ph idx="1"/>
-          </p:nvPr>
-        </p:nvSpPr>
-        <p:spPr>
-          <a:xfrm>
-            <a:off x="838200" y="1341912"/>
-            <a:ext cx="10515600" cy="4835051"/>
-          </a:xfrm>
-        </p:spPr>
-        <p:txBody>
-          <a:bodyPr/>
-          <a:lstStyle/>
-          <a:p>
-            <a:pPr marL="0" indent="0">
-              <a:buNone/>
-            </a:pPr>
-            <a:endParaRPr lang="fr-CH" dirty="0"/>
+              <a:t>Plan de Projet</a:t>
+            </a:r>
           </a:p>
         </p:txBody>
       </p:sp>
@@ -17542,7 +16479,7 @@
           <p:cNvPr id="4" name="Espace réservé du numéro de diapositive 3">
             <a:extLst>
               <a:ext uri="{FF2B5EF4-FFF2-40B4-BE49-F238E27FC236}">
-                <a16:creationId xmlns:a16="http://schemas.microsoft.com/office/drawing/2014/main" id="{AE3E9ED2-A6D1-4CF2-88B3-C79DC2806DEA}"/>
+                <a16:creationId xmlns:a16="http://schemas.microsoft.com/office/drawing/2014/main" id="{C782029C-6131-40A0-A945-F393B6E676D4}"/>
               </a:ext>
             </a:extLst>
           </p:cNvPr>
@@ -17553,775 +16490,71 @@
             <p:ph type="sldNum" sz="quarter" idx="12"/>
           </p:nvPr>
         </p:nvSpPr>
-        <p:spPr/>
+        <p:spPr>
+          <a:xfrm>
+            <a:off x="8610600" y="6356350"/>
+            <a:ext cx="2743200" cy="365125"/>
+          </a:xfrm>
+        </p:spPr>
         <p:txBody>
-          <a:bodyPr/>
+          <a:bodyPr>
+            <a:normAutofit/>
+          </a:bodyPr>
           <a:lstStyle/>
           <a:p>
+            <a:pPr>
+              <a:spcAft>
+                <a:spcPts val="600"/>
+              </a:spcAft>
+            </a:pPr>
             <a:fld id="{FAEAF821-8BBB-4B5F-AB25-F4FE9450ED6D}" type="slidenum">
               <a:rPr lang="fr-CH" smtClean="0"/>
+              <a:pPr>
+                <a:spcAft>
+                  <a:spcPts val="600"/>
+                </a:spcAft>
+              </a:pPr>
               <a:t>19</a:t>
             </a:fld>
             <a:endParaRPr lang="fr-CH"/>
           </a:p>
         </p:txBody>
       </p:sp>
-      <p:sp>
-        <p:nvSpPr>
-          <p:cNvPr id="5" name="Rectangle 4">
+      <p:graphicFrame>
+        <p:nvGraphicFramePr>
+          <p:cNvPr id="12" name="Chart 4">
             <a:extLst>
               <a:ext uri="{FF2B5EF4-FFF2-40B4-BE49-F238E27FC236}">
-                <a16:creationId xmlns:a16="http://schemas.microsoft.com/office/drawing/2014/main" id="{4BBFA10D-E7CE-477B-9D65-29CCCD02830C}"/>
+                <a16:creationId xmlns:a16="http://schemas.microsoft.com/office/drawing/2014/main" id="{00000000-0008-0000-0000-000005000000}"/>
               </a:ext>
             </a:extLst>
           </p:cNvPr>
-          <p:cNvSpPr/>
-          <p:nvPr/>
-        </p:nvSpPr>
-        <p:spPr>
-          <a:xfrm>
-            <a:off x="838200" y="1341912"/>
-            <a:ext cx="10515600" cy="4833257"/>
-          </a:xfrm>
-          <a:prstGeom prst="rect">
-            <a:avLst/>
-          </a:prstGeom>
-          <a:solidFill>
-            <a:schemeClr val="accent1">
-              <a:lumMod val="40000"/>
-              <a:lumOff val="60000"/>
-            </a:schemeClr>
-          </a:solidFill>
-        </p:spPr>
-        <p:style>
-          <a:lnRef idx="2">
-            <a:schemeClr val="accent1">
-              <a:shade val="50000"/>
-            </a:schemeClr>
-          </a:lnRef>
-          <a:fillRef idx="1">
-            <a:schemeClr val="accent1"/>
-          </a:fillRef>
-          <a:effectRef idx="0">
-            <a:schemeClr val="accent1"/>
-          </a:effectRef>
-          <a:fontRef idx="minor">
-            <a:schemeClr val="lt1"/>
-          </a:fontRef>
-        </p:style>
-        <p:txBody>
-          <a:bodyPr rtlCol="0" anchor="ctr"/>
-          <a:lstStyle/>
-          <a:p>
-            <a:pPr algn="ctr"/>
-            <a:endParaRPr lang="fr-CH" dirty="0"/>
-          </a:p>
-        </p:txBody>
-      </p:sp>
-      <p:cxnSp>
-        <p:nvCxnSpPr>
-          <p:cNvPr id="7" name="Connecteur droit 6">
-            <a:extLst>
-              <a:ext uri="{FF2B5EF4-FFF2-40B4-BE49-F238E27FC236}">
-                <a16:creationId xmlns:a16="http://schemas.microsoft.com/office/drawing/2014/main" id="{B641E706-0904-4ED2-8678-95AAD4E2D9F4}"/>
-              </a:ext>
-            </a:extLst>
-          </p:cNvPr>
-          <p:cNvCxnSpPr/>
-          <p:nvPr/>
-        </p:nvCxnSpPr>
-        <p:spPr>
-          <a:xfrm>
-            <a:off x="2968831" y="1341912"/>
-            <a:ext cx="0" cy="4833257"/>
-          </a:xfrm>
-          <a:prstGeom prst="line">
-            <a:avLst/>
-          </a:prstGeom>
-        </p:spPr>
-        <p:style>
-          <a:lnRef idx="1">
-            <a:schemeClr val="accent1"/>
-          </a:lnRef>
-          <a:fillRef idx="0">
-            <a:schemeClr val="accent1"/>
-          </a:fillRef>
-          <a:effectRef idx="0">
-            <a:schemeClr val="accent1"/>
-          </a:effectRef>
-          <a:fontRef idx="minor">
-            <a:schemeClr val="tx1"/>
-          </a:fontRef>
-        </p:style>
-      </p:cxnSp>
-      <p:cxnSp>
-        <p:nvCxnSpPr>
-          <p:cNvPr id="9" name="Connecteur droit 8">
-            <a:extLst>
-              <a:ext uri="{FF2B5EF4-FFF2-40B4-BE49-F238E27FC236}">
-                <a16:creationId xmlns:a16="http://schemas.microsoft.com/office/drawing/2014/main" id="{911406FF-793C-42C0-92B9-C1F3B9E1D729}"/>
-              </a:ext>
-            </a:extLst>
-          </p:cNvPr>
-          <p:cNvCxnSpPr/>
-          <p:nvPr/>
-        </p:nvCxnSpPr>
-        <p:spPr>
-          <a:xfrm>
-            <a:off x="5949537" y="1340118"/>
-            <a:ext cx="0" cy="4835051"/>
-          </a:xfrm>
-          <a:prstGeom prst="line">
-            <a:avLst/>
-          </a:prstGeom>
-        </p:spPr>
-        <p:style>
-          <a:lnRef idx="1">
-            <a:schemeClr val="accent1"/>
-          </a:lnRef>
-          <a:fillRef idx="0">
-            <a:schemeClr val="accent1"/>
-          </a:fillRef>
-          <a:effectRef idx="0">
-            <a:schemeClr val="accent1"/>
-          </a:effectRef>
-          <a:fontRef idx="minor">
-            <a:schemeClr val="tx1"/>
-          </a:fontRef>
-        </p:style>
-      </p:cxnSp>
-      <p:cxnSp>
-        <p:nvCxnSpPr>
-          <p:cNvPr id="11" name="Connecteur droit 10">
-            <a:extLst>
-              <a:ext uri="{FF2B5EF4-FFF2-40B4-BE49-F238E27FC236}">
-                <a16:creationId xmlns:a16="http://schemas.microsoft.com/office/drawing/2014/main" id="{DE411CFA-5EE5-406A-81B0-3EE659E64D63}"/>
-              </a:ext>
-            </a:extLst>
-          </p:cNvPr>
-          <p:cNvCxnSpPr/>
-          <p:nvPr/>
-        </p:nvCxnSpPr>
-        <p:spPr>
-          <a:xfrm>
-            <a:off x="8704614" y="1340118"/>
-            <a:ext cx="0" cy="4835051"/>
-          </a:xfrm>
-          <a:prstGeom prst="line">
-            <a:avLst/>
-          </a:prstGeom>
-        </p:spPr>
-        <p:style>
-          <a:lnRef idx="1">
-            <a:schemeClr val="accent1"/>
-          </a:lnRef>
-          <a:fillRef idx="0">
-            <a:schemeClr val="accent1"/>
-          </a:fillRef>
-          <a:effectRef idx="0">
-            <a:schemeClr val="accent1"/>
-          </a:effectRef>
-          <a:fontRef idx="minor">
-            <a:schemeClr val="tx1"/>
-          </a:fontRef>
-        </p:style>
-      </p:cxnSp>
-      <p:cxnSp>
-        <p:nvCxnSpPr>
-          <p:cNvPr id="13" name="Connecteur droit 12">
-            <a:extLst>
-              <a:ext uri="{FF2B5EF4-FFF2-40B4-BE49-F238E27FC236}">
-                <a16:creationId xmlns:a16="http://schemas.microsoft.com/office/drawing/2014/main" id="{90361A82-0189-47E0-BA5D-ECCC32C4E92A}"/>
-              </a:ext>
-            </a:extLst>
-          </p:cNvPr>
-          <p:cNvCxnSpPr/>
-          <p:nvPr/>
-        </p:nvCxnSpPr>
-        <p:spPr>
-          <a:xfrm>
-            <a:off x="838200" y="1828800"/>
-            <a:ext cx="10515600" cy="0"/>
-          </a:xfrm>
-          <a:prstGeom prst="line">
-            <a:avLst/>
-          </a:prstGeom>
-        </p:spPr>
-        <p:style>
-          <a:lnRef idx="1">
-            <a:schemeClr val="accent1"/>
-          </a:lnRef>
-          <a:fillRef idx="0">
-            <a:schemeClr val="accent1"/>
-          </a:fillRef>
-          <a:effectRef idx="0">
-            <a:schemeClr val="accent1"/>
-          </a:effectRef>
-          <a:fontRef idx="minor">
-            <a:schemeClr val="tx1"/>
-          </a:fontRef>
-        </p:style>
-      </p:cxnSp>
-      <p:cxnSp>
-        <p:nvCxnSpPr>
-          <p:cNvPr id="15" name="Connecteur droit 14">
-            <a:extLst>
-              <a:ext uri="{FF2B5EF4-FFF2-40B4-BE49-F238E27FC236}">
-                <a16:creationId xmlns:a16="http://schemas.microsoft.com/office/drawing/2014/main" id="{331E0B9B-CAC3-452D-A81C-FAC64F02E536}"/>
-              </a:ext>
-            </a:extLst>
-          </p:cNvPr>
-          <p:cNvCxnSpPr/>
-          <p:nvPr/>
-        </p:nvCxnSpPr>
-        <p:spPr>
-          <a:xfrm>
-            <a:off x="838200" y="3345873"/>
-            <a:ext cx="10515600" cy="0"/>
-          </a:xfrm>
-          <a:prstGeom prst="line">
-            <a:avLst/>
-          </a:prstGeom>
-        </p:spPr>
-        <p:style>
-          <a:lnRef idx="1">
-            <a:schemeClr val="accent1"/>
-          </a:lnRef>
-          <a:fillRef idx="0">
-            <a:schemeClr val="accent1"/>
-          </a:fillRef>
-          <a:effectRef idx="0">
-            <a:schemeClr val="accent1"/>
-          </a:effectRef>
-          <a:fontRef idx="minor">
-            <a:schemeClr val="tx1"/>
-          </a:fontRef>
-        </p:style>
-      </p:cxnSp>
-      <p:cxnSp>
-        <p:nvCxnSpPr>
-          <p:cNvPr id="17" name="Connecteur droit 16">
-            <a:extLst>
-              <a:ext uri="{FF2B5EF4-FFF2-40B4-BE49-F238E27FC236}">
-                <a16:creationId xmlns:a16="http://schemas.microsoft.com/office/drawing/2014/main" id="{A589A403-744B-4FE6-9218-1F3E5C00B3C7}"/>
-              </a:ext>
-            </a:extLst>
-          </p:cNvPr>
-          <p:cNvCxnSpPr/>
-          <p:nvPr/>
-        </p:nvCxnSpPr>
-        <p:spPr>
-          <a:xfrm>
-            <a:off x="838200" y="4726379"/>
-            <a:ext cx="10515600" cy="0"/>
-          </a:xfrm>
-          <a:prstGeom prst="line">
-            <a:avLst/>
-          </a:prstGeom>
-        </p:spPr>
-        <p:style>
-          <a:lnRef idx="1">
-            <a:schemeClr val="accent1"/>
-          </a:lnRef>
-          <a:fillRef idx="0">
-            <a:schemeClr val="accent1"/>
-          </a:fillRef>
-          <a:effectRef idx="0">
-            <a:schemeClr val="accent1"/>
-          </a:effectRef>
-          <a:fontRef idx="minor">
-            <a:schemeClr val="tx1"/>
-          </a:fontRef>
-        </p:style>
-      </p:cxnSp>
-      <p:sp>
-        <p:nvSpPr>
-          <p:cNvPr id="18" name="ZoneTexte 17">
-            <a:extLst>
-              <a:ext uri="{FF2B5EF4-FFF2-40B4-BE49-F238E27FC236}">
-                <a16:creationId xmlns:a16="http://schemas.microsoft.com/office/drawing/2014/main" id="{EAF11CE6-1698-473E-9C4E-2B2B09987339}"/>
-              </a:ext>
-            </a:extLst>
-          </p:cNvPr>
-          <p:cNvSpPr txBox="1"/>
-          <p:nvPr/>
-        </p:nvSpPr>
-        <p:spPr>
-          <a:xfrm>
-            <a:off x="1104404" y="2223696"/>
-            <a:ext cx="1567537" cy="523220"/>
-          </a:xfrm>
-          <a:prstGeom prst="rect">
-            <a:avLst/>
-          </a:prstGeom>
-          <a:noFill/>
-        </p:spPr>
-        <p:txBody>
-          <a:bodyPr wrap="square" rtlCol="0">
-            <a:spAutoFit/>
-          </a:bodyPr>
-          <a:lstStyle/>
-          <a:p>
-            <a:r>
-              <a:rPr lang="fr-CH" sz="2800" dirty="0"/>
-              <a:t>Frontend</a:t>
-            </a:r>
-          </a:p>
-        </p:txBody>
-      </p:sp>
-      <p:sp>
-        <p:nvSpPr>
-          <p:cNvPr id="20" name="ZoneTexte 19">
-            <a:extLst>
-              <a:ext uri="{FF2B5EF4-FFF2-40B4-BE49-F238E27FC236}">
-                <a16:creationId xmlns:a16="http://schemas.microsoft.com/office/drawing/2014/main" id="{AC5E10AB-FFE8-438B-885A-D859140A7051}"/>
-              </a:ext>
-            </a:extLst>
-          </p:cNvPr>
-          <p:cNvSpPr txBox="1"/>
-          <p:nvPr/>
-        </p:nvSpPr>
-        <p:spPr>
-          <a:xfrm>
-            <a:off x="1104404" y="3683221"/>
-            <a:ext cx="1567532" cy="523220"/>
-          </a:xfrm>
-          <a:prstGeom prst="rect">
-            <a:avLst/>
-          </a:prstGeom>
-          <a:noFill/>
-        </p:spPr>
-        <p:txBody>
-          <a:bodyPr wrap="square" rtlCol="0">
-            <a:spAutoFit/>
-          </a:bodyPr>
-          <a:lstStyle/>
-          <a:p>
-            <a:r>
-              <a:rPr lang="fr-CH" sz="2800" dirty="0"/>
-              <a:t>Backend</a:t>
-            </a:r>
-          </a:p>
-        </p:txBody>
-      </p:sp>
-      <p:sp>
-        <p:nvSpPr>
-          <p:cNvPr id="21" name="Rectangle : coins arrondis 20">
-            <a:extLst>
-              <a:ext uri="{FF2B5EF4-FFF2-40B4-BE49-F238E27FC236}">
-                <a16:creationId xmlns:a16="http://schemas.microsoft.com/office/drawing/2014/main" id="{AB9A86AF-B15D-4310-A2A2-40E1012DADCD}"/>
-              </a:ext>
-            </a:extLst>
-          </p:cNvPr>
-          <p:cNvSpPr/>
-          <p:nvPr/>
-        </p:nvSpPr>
-        <p:spPr>
-          <a:xfrm>
-            <a:off x="3135086" y="2090057"/>
-            <a:ext cx="1092527" cy="537318"/>
-          </a:xfrm>
-          <a:prstGeom prst="roundRect">
-            <a:avLst/>
-          </a:prstGeom>
-          <a:solidFill>
-            <a:schemeClr val="accent4">
-              <a:lumMod val="60000"/>
-              <a:lumOff val="40000"/>
-            </a:schemeClr>
-          </a:solidFill>
-        </p:spPr>
-        <p:style>
-          <a:lnRef idx="2">
-            <a:schemeClr val="accent1">
-              <a:shade val="50000"/>
-            </a:schemeClr>
-          </a:lnRef>
-          <a:fillRef idx="1">
-            <a:schemeClr val="accent1"/>
-          </a:fillRef>
-          <a:effectRef idx="0">
-            <a:schemeClr val="accent1"/>
-          </a:effectRef>
-          <a:fontRef idx="minor">
-            <a:schemeClr val="lt1"/>
-          </a:fontRef>
-        </p:style>
-        <p:txBody>
-          <a:bodyPr rtlCol="0" anchor="ctr"/>
-          <a:lstStyle/>
-          <a:p>
-            <a:pPr algn="ctr"/>
-            <a:r>
-              <a:rPr lang="fr-CH" dirty="0">
-                <a:solidFill>
-                  <a:schemeClr val="tx1"/>
-                </a:solidFill>
-              </a:rPr>
-              <a:t>Nav. Bar (4h)</a:t>
-            </a:r>
-          </a:p>
-        </p:txBody>
-      </p:sp>
-      <p:sp>
-        <p:nvSpPr>
-          <p:cNvPr id="22" name="Rectangle : coins arrondis 21">
-            <a:extLst>
-              <a:ext uri="{FF2B5EF4-FFF2-40B4-BE49-F238E27FC236}">
-                <a16:creationId xmlns:a16="http://schemas.microsoft.com/office/drawing/2014/main" id="{BA212AD1-2DF7-468A-A2E4-89DADB04BAC0}"/>
-              </a:ext>
-            </a:extLst>
-          </p:cNvPr>
-          <p:cNvSpPr/>
-          <p:nvPr/>
-        </p:nvSpPr>
-        <p:spPr>
-          <a:xfrm>
-            <a:off x="4425522" y="2075929"/>
-            <a:ext cx="1401286" cy="670987"/>
-          </a:xfrm>
-          <a:prstGeom prst="roundRect">
-            <a:avLst/>
-          </a:prstGeom>
-          <a:solidFill>
-            <a:schemeClr val="accent4">
-              <a:lumMod val="60000"/>
-              <a:lumOff val="40000"/>
-            </a:schemeClr>
-          </a:solidFill>
-        </p:spPr>
-        <p:style>
-          <a:lnRef idx="2">
-            <a:schemeClr val="accent1">
-              <a:shade val="50000"/>
-            </a:schemeClr>
-          </a:lnRef>
-          <a:fillRef idx="1">
-            <a:schemeClr val="accent1"/>
-          </a:fillRef>
-          <a:effectRef idx="0">
-            <a:schemeClr val="accent1"/>
-          </a:effectRef>
-          <a:fontRef idx="minor">
-            <a:schemeClr val="lt1"/>
-          </a:fontRef>
-        </p:style>
-        <p:txBody>
-          <a:bodyPr rtlCol="0" anchor="ctr"/>
-          <a:lstStyle/>
-          <a:p>
-            <a:pPr algn="ctr"/>
-            <a:r>
-              <a:rPr lang="fr-CH" dirty="0">
-                <a:solidFill>
-                  <a:schemeClr val="tx1"/>
-                </a:solidFill>
-              </a:rPr>
-              <a:t>Modèle des pages (10h)</a:t>
-            </a:r>
-          </a:p>
-        </p:txBody>
-      </p:sp>
-      <p:sp>
-        <p:nvSpPr>
-          <p:cNvPr id="23" name="Rectangle : coins arrondis 22">
-            <a:extLst>
-              <a:ext uri="{FF2B5EF4-FFF2-40B4-BE49-F238E27FC236}">
-                <a16:creationId xmlns:a16="http://schemas.microsoft.com/office/drawing/2014/main" id="{13D0B4C8-86CE-4AAF-B3BB-6533415DD2B7}"/>
-              </a:ext>
-            </a:extLst>
-          </p:cNvPr>
-          <p:cNvSpPr/>
-          <p:nvPr/>
-        </p:nvSpPr>
-        <p:spPr>
-          <a:xfrm>
-            <a:off x="3813947" y="5479663"/>
-            <a:ext cx="1092527" cy="537318"/>
-          </a:xfrm>
-          <a:prstGeom prst="roundRect">
-            <a:avLst/>
-          </a:prstGeom>
-          <a:solidFill>
-            <a:schemeClr val="accent4">
-              <a:lumMod val="60000"/>
-              <a:lumOff val="40000"/>
-            </a:schemeClr>
-          </a:solidFill>
-        </p:spPr>
-        <p:style>
-          <a:lnRef idx="2">
-            <a:schemeClr val="accent1">
-              <a:shade val="50000"/>
-            </a:schemeClr>
-          </a:lnRef>
-          <a:fillRef idx="1">
-            <a:schemeClr val="accent1"/>
-          </a:fillRef>
-          <a:effectRef idx="0">
-            <a:schemeClr val="accent1"/>
-          </a:effectRef>
-          <a:fontRef idx="minor">
-            <a:schemeClr val="lt1"/>
-          </a:fontRef>
-        </p:style>
-        <p:txBody>
-          <a:bodyPr rtlCol="0" anchor="ctr"/>
-          <a:lstStyle/>
-          <a:p>
-            <a:pPr algn="ctr"/>
-            <a:endParaRPr lang="fr-CH"/>
-          </a:p>
-        </p:txBody>
-      </p:sp>
-      <p:sp>
-        <p:nvSpPr>
-          <p:cNvPr id="24" name="Rectangle : coins arrondis 23">
-            <a:extLst>
-              <a:ext uri="{FF2B5EF4-FFF2-40B4-BE49-F238E27FC236}">
-                <a16:creationId xmlns:a16="http://schemas.microsoft.com/office/drawing/2014/main" id="{CEFAB0CC-3CCC-427C-99CF-01C581E2D130}"/>
-              </a:ext>
-            </a:extLst>
-          </p:cNvPr>
-          <p:cNvSpPr/>
-          <p:nvPr/>
-        </p:nvSpPr>
-        <p:spPr>
-          <a:xfrm>
-            <a:off x="4553199" y="4847343"/>
-            <a:ext cx="1092527" cy="537318"/>
-          </a:xfrm>
-          <a:prstGeom prst="roundRect">
-            <a:avLst/>
-          </a:prstGeom>
-          <a:solidFill>
-            <a:schemeClr val="accent4">
-              <a:lumMod val="60000"/>
-              <a:lumOff val="40000"/>
-            </a:schemeClr>
-          </a:solidFill>
-        </p:spPr>
-        <p:style>
-          <a:lnRef idx="2">
-            <a:schemeClr val="accent1">
-              <a:shade val="50000"/>
-            </a:schemeClr>
-          </a:lnRef>
-          <a:fillRef idx="1">
-            <a:schemeClr val="accent1"/>
-          </a:fillRef>
-          <a:effectRef idx="0">
-            <a:schemeClr val="accent1"/>
-          </a:effectRef>
-          <a:fontRef idx="minor">
-            <a:schemeClr val="lt1"/>
-          </a:fontRef>
-        </p:style>
-        <p:txBody>
-          <a:bodyPr rtlCol="0" anchor="ctr"/>
-          <a:lstStyle/>
-          <a:p>
-            <a:pPr algn="ctr"/>
-            <a:endParaRPr lang="fr-CH"/>
-          </a:p>
-        </p:txBody>
-      </p:sp>
-      <p:sp>
-        <p:nvSpPr>
-          <p:cNvPr id="25" name="Rectangle : coins arrondis 24">
-            <a:extLst>
-              <a:ext uri="{FF2B5EF4-FFF2-40B4-BE49-F238E27FC236}">
-                <a16:creationId xmlns:a16="http://schemas.microsoft.com/office/drawing/2014/main" id="{FB69DB6E-96CC-47EE-82CE-E99733282D50}"/>
-              </a:ext>
-            </a:extLst>
-          </p:cNvPr>
-          <p:cNvSpPr/>
-          <p:nvPr/>
-        </p:nvSpPr>
-        <p:spPr>
-          <a:xfrm>
-            <a:off x="3135085" y="3519252"/>
-            <a:ext cx="1092527" cy="537318"/>
-          </a:xfrm>
-          <a:prstGeom prst="roundRect">
-            <a:avLst/>
-          </a:prstGeom>
-          <a:solidFill>
-            <a:schemeClr val="accent4">
-              <a:lumMod val="60000"/>
-              <a:lumOff val="40000"/>
-            </a:schemeClr>
-          </a:solidFill>
-        </p:spPr>
-        <p:style>
-          <a:lnRef idx="2">
-            <a:schemeClr val="accent1">
-              <a:shade val="50000"/>
-            </a:schemeClr>
-          </a:lnRef>
-          <a:fillRef idx="1">
-            <a:schemeClr val="accent1"/>
-          </a:fillRef>
-          <a:effectRef idx="0">
-            <a:schemeClr val="accent1"/>
-          </a:effectRef>
-          <a:fontRef idx="minor">
-            <a:schemeClr val="lt1"/>
-          </a:fontRef>
-        </p:style>
-        <p:txBody>
-          <a:bodyPr rtlCol="0" anchor="ctr"/>
-          <a:lstStyle/>
-          <a:p>
-            <a:pPr algn="ctr"/>
-            <a:endParaRPr lang="fr-CH" dirty="0"/>
-          </a:p>
-        </p:txBody>
-      </p:sp>
-      <p:sp>
-        <p:nvSpPr>
-          <p:cNvPr id="26" name="ZoneTexte 25">
-            <a:extLst>
-              <a:ext uri="{FF2B5EF4-FFF2-40B4-BE49-F238E27FC236}">
-                <a16:creationId xmlns:a16="http://schemas.microsoft.com/office/drawing/2014/main" id="{8E48241B-A744-46B9-A40B-B44AB193A197}"/>
-              </a:ext>
-            </a:extLst>
-          </p:cNvPr>
-          <p:cNvSpPr txBox="1"/>
-          <p:nvPr/>
-        </p:nvSpPr>
-        <p:spPr>
-          <a:xfrm>
-            <a:off x="961908" y="5153133"/>
-            <a:ext cx="1916860" cy="523220"/>
-          </a:xfrm>
-          <a:prstGeom prst="rect">
-            <a:avLst/>
-          </a:prstGeom>
-          <a:noFill/>
-        </p:spPr>
-        <p:txBody>
-          <a:bodyPr wrap="square" rtlCol="0">
-            <a:spAutoFit/>
-          </a:bodyPr>
-          <a:lstStyle/>
-          <a:p>
-            <a:r>
-              <a:rPr lang="fr-CH" sz="2800" dirty="0"/>
-              <a:t>Technologie</a:t>
-            </a:r>
-          </a:p>
-        </p:txBody>
-      </p:sp>
-      <p:sp>
-        <p:nvSpPr>
-          <p:cNvPr id="27" name="ZoneTexte 26">
-            <a:extLst>
-              <a:ext uri="{FF2B5EF4-FFF2-40B4-BE49-F238E27FC236}">
-                <a16:creationId xmlns:a16="http://schemas.microsoft.com/office/drawing/2014/main" id="{8F4A5AC6-C709-4347-9D83-65D011470687}"/>
-              </a:ext>
-            </a:extLst>
-          </p:cNvPr>
-          <p:cNvSpPr txBox="1"/>
-          <p:nvPr/>
-        </p:nvSpPr>
-        <p:spPr>
-          <a:xfrm>
-            <a:off x="3156850" y="1421247"/>
-            <a:ext cx="2505691" cy="369332"/>
-          </a:xfrm>
-          <a:prstGeom prst="rect">
-            <a:avLst/>
-          </a:prstGeom>
-          <a:noFill/>
-        </p:spPr>
-        <p:txBody>
-          <a:bodyPr wrap="square" rtlCol="0">
-            <a:spAutoFit/>
-          </a:bodyPr>
-          <a:lstStyle/>
-          <a:p>
-            <a:r>
-              <a:rPr lang="fr-CH" dirty="0"/>
-              <a:t>A faire</a:t>
-            </a:r>
-          </a:p>
-        </p:txBody>
-      </p:sp>
-      <p:sp>
-        <p:nvSpPr>
-          <p:cNvPr id="28" name="ZoneTexte 27">
-            <a:extLst>
-              <a:ext uri="{FF2B5EF4-FFF2-40B4-BE49-F238E27FC236}">
-                <a16:creationId xmlns:a16="http://schemas.microsoft.com/office/drawing/2014/main" id="{51B5F16A-73BF-4DDE-88C5-72849FD9B6C4}"/>
-              </a:ext>
-            </a:extLst>
-          </p:cNvPr>
-          <p:cNvSpPr txBox="1"/>
-          <p:nvPr/>
-        </p:nvSpPr>
-        <p:spPr>
-          <a:xfrm>
-            <a:off x="8827344" y="1431576"/>
-            <a:ext cx="2505691" cy="369332"/>
-          </a:xfrm>
-          <a:prstGeom prst="rect">
-            <a:avLst/>
-          </a:prstGeom>
-          <a:noFill/>
-        </p:spPr>
-        <p:txBody>
-          <a:bodyPr wrap="square" rtlCol="0">
-            <a:spAutoFit/>
-          </a:bodyPr>
-          <a:lstStyle/>
-          <a:p>
-            <a:r>
-              <a:rPr lang="fr-CH" dirty="0"/>
-              <a:t>Terminé</a:t>
-            </a:r>
-          </a:p>
-        </p:txBody>
-      </p:sp>
-      <p:sp>
-        <p:nvSpPr>
-          <p:cNvPr id="29" name="ZoneTexte 28">
-            <a:extLst>
-              <a:ext uri="{FF2B5EF4-FFF2-40B4-BE49-F238E27FC236}">
-                <a16:creationId xmlns:a16="http://schemas.microsoft.com/office/drawing/2014/main" id="{A38A9C29-DA16-41ED-A96F-EC9F2D9D8F69}"/>
-              </a:ext>
-            </a:extLst>
-          </p:cNvPr>
-          <p:cNvSpPr txBox="1"/>
-          <p:nvPr/>
-        </p:nvSpPr>
-        <p:spPr>
-          <a:xfrm>
-            <a:off x="6137558" y="1426297"/>
-            <a:ext cx="2505691" cy="369332"/>
-          </a:xfrm>
-          <a:prstGeom prst="rect">
-            <a:avLst/>
-          </a:prstGeom>
-          <a:noFill/>
-        </p:spPr>
-        <p:txBody>
-          <a:bodyPr wrap="square" rtlCol="0">
-            <a:spAutoFit/>
-          </a:bodyPr>
-          <a:lstStyle/>
-          <a:p>
-            <a:r>
-              <a:rPr lang="fr-CH" dirty="0"/>
-              <a:t>En cours</a:t>
-            </a:r>
-          </a:p>
-        </p:txBody>
-      </p:sp>
+          <p:cNvGraphicFramePr>
+            <a:graphicFrameLocks noGrp="1"/>
+          </p:cNvGraphicFramePr>
+          <p:nvPr>
+            <p:ph idx="1"/>
+            <p:extLst>
+              <p:ext uri="{D42A27DB-BD31-4B8C-83A1-F6EECF244321}">
+                <p14:modId xmlns:p14="http://schemas.microsoft.com/office/powerpoint/2010/main" val="376447427"/>
+              </p:ext>
+            </p:extLst>
+          </p:nvPr>
+        </p:nvGraphicFramePr>
+        <p:xfrm>
+          <a:off x="838200" y="1325366"/>
+          <a:ext cx="10515600" cy="4851597"/>
+        </p:xfrm>
+        <a:graphic>
+          <a:graphicData uri="http://schemas.openxmlformats.org/drawingml/2006/chart">
+            <c:chart xmlns:c="http://schemas.openxmlformats.org/drawingml/2006/chart" xmlns:r="http://schemas.openxmlformats.org/officeDocument/2006/relationships" r:id="rId3"/>
+          </a:graphicData>
+        </a:graphic>
+      </p:graphicFrame>
     </p:spTree>
     <p:extLst>
       <p:ext uri="{BB962C8B-B14F-4D97-AF65-F5344CB8AC3E}">
-        <p14:creationId xmlns:p14="http://schemas.microsoft.com/office/powerpoint/2010/main" val="2283651598"/>
+        <p14:creationId xmlns:p14="http://schemas.microsoft.com/office/powerpoint/2010/main" val="1587141374"/>
       </p:ext>
     </p:extLst>
   </p:cSld>
@@ -19359,7 +17592,7 @@
           <p:cNvPr id="2" name="Titre 1">
             <a:extLst>
               <a:ext uri="{FF2B5EF4-FFF2-40B4-BE49-F238E27FC236}">
-                <a16:creationId xmlns:a16="http://schemas.microsoft.com/office/drawing/2014/main" id="{7110C73B-C441-4A8F-809D-FE96868E07BF}"/>
+                <a16:creationId xmlns:a16="http://schemas.microsoft.com/office/drawing/2014/main" id="{B87FBC6C-B300-4F12-8872-866DA7DC5759}"/>
               </a:ext>
             </a:extLst>
           </p:cNvPr>
@@ -19372,29 +17605,420 @@
         </p:nvSpPr>
         <p:spPr>
           <a:xfrm>
-            <a:off x="838200" y="365125"/>
-            <a:ext cx="10515600" cy="960241"/>
+            <a:off x="1382597" y="3424348"/>
+            <a:ext cx="9426806" cy="1424410"/>
           </a:xfrm>
         </p:spPr>
         <p:txBody>
-          <a:bodyPr>
+          <a:bodyPr vert="horz" lIns="91440" tIns="45720" rIns="91440" bIns="45720" rtlCol="0" anchor="b">
             <a:normAutofit/>
           </a:bodyPr>
           <a:lstStyle/>
           <a:p>
-            <a:r>
-              <a:rPr lang="fr-CH" dirty="0"/>
-              <a:t>Diagramme de Gantt</a:t>
+            <a:pPr algn="ctr"/>
+            <a:r>
+              <a:rPr lang="en-US" sz="5400" dirty="0">
+                <a:solidFill>
+                  <a:srgbClr val="1B1B1B"/>
+                </a:solidFill>
+              </a:rPr>
+              <a:t>Questions ?</a:t>
             </a:r>
           </a:p>
         </p:txBody>
       </p:sp>
       <p:sp>
         <p:nvSpPr>
+          <p:cNvPr id="11" name="Oval 10">
+            <a:extLst>
+              <a:ext uri="{FF2B5EF4-FFF2-40B4-BE49-F238E27FC236}">
+                <a16:creationId xmlns:a16="http://schemas.microsoft.com/office/drawing/2014/main" id="{FBC3EAFD-A275-4F9B-8F62-72B6678F35A8}"/>
+              </a:ext>
+              <a:ext uri="{C183D7F6-B498-43B3-948B-1728B52AA6E4}">
+                <adec:decorative xmlns:adec="http://schemas.microsoft.com/office/drawing/2017/decorative" val="1"/>
+              </a:ext>
+            </a:extLst>
+          </p:cNvPr>
+          <p:cNvSpPr>
+            <a:spLocks noGrp="1" noRot="1" noChangeAspect="1" noMove="1" noResize="1" noEditPoints="1" noAdjustHandles="1" noChangeArrowheads="1" noChangeShapeType="1" noTextEdit="1"/>
+          </p:cNvSpPr>
+          <p:nvPr>
+            <p:extLst>
+              <p:ext uri="{386F3935-93C4-4BCD-93E2-E3B085C9AB24}">
+                <p16:designElem xmlns:p16="http://schemas.microsoft.com/office/powerpoint/2015/main" val="1"/>
+              </p:ext>
+            </p:extLst>
+          </p:nvPr>
+        </p:nvSpPr>
+        <p:spPr>
+          <a:xfrm>
+            <a:off x="4908526" y="933319"/>
+            <a:ext cx="2463430" cy="2486070"/>
+          </a:xfrm>
+          <a:prstGeom prst="ellipse">
+            <a:avLst/>
+          </a:prstGeom>
+          <a:solidFill>
+            <a:schemeClr val="accent1"/>
+          </a:solidFill>
+          <a:ln>
+            <a:noFill/>
+          </a:ln>
+        </p:spPr>
+        <p:style>
+          <a:lnRef idx="2">
+            <a:schemeClr val="accent1">
+              <a:shade val="50000"/>
+            </a:schemeClr>
+          </a:lnRef>
+          <a:fillRef idx="1">
+            <a:schemeClr val="accent1"/>
+          </a:fillRef>
+          <a:effectRef idx="0">
+            <a:schemeClr val="accent1"/>
+          </a:effectRef>
+          <a:fontRef idx="minor">
+            <a:schemeClr val="lt1"/>
+          </a:fontRef>
+        </p:style>
+        <p:txBody>
+          <a:bodyPr rtlCol="0" anchor="ctr"/>
+          <a:lstStyle/>
+          <a:p>
+            <a:pPr algn="ctr"/>
+            <a:endParaRPr lang="en-US"/>
+          </a:p>
+        </p:txBody>
+      </p:sp>
+      <p:sp>
+        <p:nvSpPr>
+          <p:cNvPr id="13" name="Oval 12">
+            <a:extLst>
+              <a:ext uri="{FF2B5EF4-FFF2-40B4-BE49-F238E27FC236}">
+                <a16:creationId xmlns:a16="http://schemas.microsoft.com/office/drawing/2014/main" id="{06E64A6D-2B9F-4AAD-AB42-A61BAF01AC12}"/>
+              </a:ext>
+              <a:ext uri="{C183D7F6-B498-43B3-948B-1728B52AA6E4}">
+                <adec:decorative xmlns:adec="http://schemas.microsoft.com/office/drawing/2017/decorative" val="1"/>
+              </a:ext>
+            </a:extLst>
+          </p:cNvPr>
+          <p:cNvSpPr>
+            <a:spLocks noGrp="1" noRot="1" noChangeAspect="1" noMove="1" noResize="1" noEditPoints="1" noAdjustHandles="1" noChangeArrowheads="1" noChangeShapeType="1" noTextEdit="1"/>
+          </p:cNvSpPr>
+          <p:nvPr>
+            <p:extLst>
+              <p:ext uri="{386F3935-93C4-4BCD-93E2-E3B085C9AB24}">
+                <p16:designElem xmlns:p16="http://schemas.microsoft.com/office/powerpoint/2015/main" val="1"/>
+              </p:ext>
+            </p:extLst>
+          </p:nvPr>
+        </p:nvSpPr>
+        <p:spPr>
+          <a:xfrm>
+            <a:off x="5117592" y="1268361"/>
+            <a:ext cx="1956816" cy="1953058"/>
+          </a:xfrm>
+          <a:prstGeom prst="ellipse">
+            <a:avLst/>
+          </a:prstGeom>
+          <a:solidFill>
+            <a:srgbClr val="FFFFFF"/>
+          </a:solidFill>
+          <a:ln>
+            <a:solidFill>
+              <a:schemeClr val="accent1">
+                <a:lumMod val="60000"/>
+                <a:lumOff val="40000"/>
+              </a:schemeClr>
+            </a:solidFill>
+          </a:ln>
+        </p:spPr>
+        <p:style>
+          <a:lnRef idx="2">
+            <a:schemeClr val="accent1">
+              <a:shade val="50000"/>
+            </a:schemeClr>
+          </a:lnRef>
+          <a:fillRef idx="1">
+            <a:schemeClr val="accent1"/>
+          </a:fillRef>
+          <a:effectRef idx="0">
+            <a:schemeClr val="accent1"/>
+          </a:effectRef>
+          <a:fontRef idx="minor">
+            <a:schemeClr val="lt1"/>
+          </a:fontRef>
+        </p:style>
+        <p:txBody>
+          <a:bodyPr rtlCol="0" anchor="ctr"/>
+          <a:lstStyle/>
+          <a:p>
+            <a:pPr algn="ctr"/>
+            <a:endParaRPr lang="en-US"/>
+          </a:p>
+        </p:txBody>
+      </p:sp>
+      <p:pic>
+        <p:nvPicPr>
+          <p:cNvPr id="6" name="Image 5">
+            <a:extLst>
+              <a:ext uri="{FF2B5EF4-FFF2-40B4-BE49-F238E27FC236}">
+                <a16:creationId xmlns:a16="http://schemas.microsoft.com/office/drawing/2014/main" id="{305A745B-4D67-4A80-9EA3-04164C5D2229}"/>
+              </a:ext>
+            </a:extLst>
+          </p:cNvPr>
+          <p:cNvPicPr>
+            <a:picLocks noChangeAspect="1"/>
+          </p:cNvPicPr>
+          <p:nvPr/>
+        </p:nvPicPr>
+        <p:blipFill rotWithShape="1">
+          <a:blip r:embed="rId2">
+            <a:alphaModFix/>
+            <a:extLst>
+              <a:ext uri="{28A0092B-C50C-407E-A947-70E740481C1C}">
+                <a14:useLocalDpi xmlns:a14="http://schemas.microsoft.com/office/drawing/2010/main" val="0"/>
+              </a:ext>
+            </a:extLst>
+          </a:blip>
+          <a:srcRect/>
+          <a:stretch/>
+        </p:blipFill>
+        <p:spPr>
+          <a:xfrm>
+            <a:off x="5181600" y="1330490"/>
+            <a:ext cx="1828800" cy="1828800"/>
+          </a:xfrm>
+          <a:custGeom>
+            <a:avLst/>
+            <a:gdLst>
+              <a:gd name="connsiteX0" fmla="*/ 3028805 w 6057610"/>
+              <a:gd name="connsiteY0" fmla="*/ 0 h 6057610"/>
+              <a:gd name="connsiteX1" fmla="*/ 6057610 w 6057610"/>
+              <a:gd name="connsiteY1" fmla="*/ 3028805 h 6057610"/>
+              <a:gd name="connsiteX2" fmla="*/ 3028805 w 6057610"/>
+              <a:gd name="connsiteY2" fmla="*/ 6057610 h 6057610"/>
+              <a:gd name="connsiteX3" fmla="*/ 0 w 6057610"/>
+              <a:gd name="connsiteY3" fmla="*/ 3028805 h 6057610"/>
+              <a:gd name="connsiteX4" fmla="*/ 3028805 w 6057610"/>
+              <a:gd name="connsiteY4" fmla="*/ 0 h 6057610"/>
+            </a:gdLst>
+            <a:ahLst/>
+            <a:cxnLst>
+              <a:cxn ang="0">
+                <a:pos x="connsiteX0" y="connsiteY0"/>
+              </a:cxn>
+              <a:cxn ang="0">
+                <a:pos x="connsiteX1" y="connsiteY1"/>
+              </a:cxn>
+              <a:cxn ang="0">
+                <a:pos x="connsiteX2" y="connsiteY2"/>
+              </a:cxn>
+              <a:cxn ang="0">
+                <a:pos x="connsiteX3" y="connsiteY3"/>
+              </a:cxn>
+              <a:cxn ang="0">
+                <a:pos x="connsiteX4" y="connsiteY4"/>
+              </a:cxn>
+            </a:cxnLst>
+            <a:rect l="l" t="t" r="r" b="b"/>
+            <a:pathLst>
+              <a:path w="6057610" h="6057610">
+                <a:moveTo>
+                  <a:pt x="3028805" y="0"/>
+                </a:moveTo>
+                <a:cubicBezTo>
+                  <a:pt x="4701568" y="0"/>
+                  <a:pt x="6057610" y="1356042"/>
+                  <a:pt x="6057610" y="3028805"/>
+                </a:cubicBezTo>
+                <a:cubicBezTo>
+                  <a:pt x="6057610" y="4701568"/>
+                  <a:pt x="4701568" y="6057610"/>
+                  <a:pt x="3028805" y="6057610"/>
+                </a:cubicBezTo>
+                <a:cubicBezTo>
+                  <a:pt x="1356042" y="6057610"/>
+                  <a:pt x="0" y="4701568"/>
+                  <a:pt x="0" y="3028805"/>
+                </a:cubicBezTo>
+                <a:cubicBezTo>
+                  <a:pt x="0" y="1356042"/>
+                  <a:pt x="1356042" y="0"/>
+                  <a:pt x="3028805" y="0"/>
+                </a:cubicBezTo>
+                <a:close/>
+              </a:path>
+            </a:pathLst>
+          </a:custGeom>
+          <a:effectLst>
+            <a:softEdge rad="0"/>
+          </a:effectLst>
+        </p:spPr>
+      </p:pic>
+      <p:pic>
+        <p:nvPicPr>
+          <p:cNvPr id="15" name="Picture 14">
+            <a:extLst>
+              <a:ext uri="{FF2B5EF4-FFF2-40B4-BE49-F238E27FC236}">
+                <a16:creationId xmlns:a16="http://schemas.microsoft.com/office/drawing/2014/main" id="{C51881DD-AD85-41BE-8A49-C2FB45800E10}"/>
+              </a:ext>
+              <a:ext uri="{C183D7F6-B498-43B3-948B-1728B52AA6E4}">
+                <adec:decorative xmlns:adec="http://schemas.microsoft.com/office/drawing/2017/decorative" val="1"/>
+              </a:ext>
+            </a:extLst>
+          </p:cNvPr>
+          <p:cNvPicPr>
+            <a:picLocks noGrp="1" noRot="1" noChangeAspect="1" noMove="1" noResize="1" noEditPoints="1" noAdjustHandles="1" noChangeArrowheads="1" noChangeShapeType="1" noCrop="1"/>
+          </p:cNvPicPr>
+          <p:nvPr>
+            <p:extLst>
+              <p:ext uri="{386F3935-93C4-4BCD-93E2-E3B085C9AB24}">
+                <p16:designElem xmlns:p16="http://schemas.microsoft.com/office/powerpoint/2015/main" val="1"/>
+              </p:ext>
+            </p:extLst>
+          </p:nvPr>
+        </p:nvPicPr>
+        <p:blipFill>
+          <a:blip r:embed="rId3" cstate="print">
+            <a:extLst>
+              <a:ext uri="{28A0092B-C50C-407E-A947-70E740481C1C}">
+                <a14:useLocalDpi xmlns:a14="http://schemas.microsoft.com/office/drawing/2010/main" val="0"/>
+              </a:ext>
+            </a:extLst>
+          </a:blip>
+          <a:srcRect l="33525" t="5243" r="33525" b="36180"/>
+          <a:stretch>
+            <a:fillRect/>
+          </a:stretch>
+        </p:blipFill>
+        <p:spPr>
+          <a:xfrm>
+            <a:off x="4860081" y="896194"/>
+            <a:ext cx="2560320" cy="2560320"/>
+          </a:xfrm>
+          <a:custGeom>
+            <a:avLst/>
+            <a:gdLst>
+              <a:gd name="connsiteX0" fmla="*/ 2008598 w 4017196"/>
+              <a:gd name="connsiteY0" fmla="*/ 0 h 4017196"/>
+              <a:gd name="connsiteX1" fmla="*/ 4017196 w 4017196"/>
+              <a:gd name="connsiteY1" fmla="*/ 2008598 h 4017196"/>
+              <a:gd name="connsiteX2" fmla="*/ 2008598 w 4017196"/>
+              <a:gd name="connsiteY2" fmla="*/ 4017196 h 4017196"/>
+              <a:gd name="connsiteX3" fmla="*/ 0 w 4017196"/>
+              <a:gd name="connsiteY3" fmla="*/ 2008598 h 4017196"/>
+              <a:gd name="connsiteX4" fmla="*/ 2008598 w 4017196"/>
+              <a:gd name="connsiteY4" fmla="*/ 0 h 4017196"/>
+            </a:gdLst>
+            <a:ahLst/>
+            <a:cxnLst>
+              <a:cxn ang="0">
+                <a:pos x="connsiteX0" y="connsiteY0"/>
+              </a:cxn>
+              <a:cxn ang="0">
+                <a:pos x="connsiteX1" y="connsiteY1"/>
+              </a:cxn>
+              <a:cxn ang="0">
+                <a:pos x="connsiteX2" y="connsiteY2"/>
+              </a:cxn>
+              <a:cxn ang="0">
+                <a:pos x="connsiteX3" y="connsiteY3"/>
+              </a:cxn>
+              <a:cxn ang="0">
+                <a:pos x="connsiteX4" y="connsiteY4"/>
+              </a:cxn>
+            </a:cxnLst>
+            <a:rect l="l" t="t" r="r" b="b"/>
+            <a:pathLst>
+              <a:path w="4017196" h="4017196">
+                <a:moveTo>
+                  <a:pt x="2008598" y="0"/>
+                </a:moveTo>
+                <a:cubicBezTo>
+                  <a:pt x="3117916" y="0"/>
+                  <a:pt x="4017196" y="899280"/>
+                  <a:pt x="4017196" y="2008598"/>
+                </a:cubicBezTo>
+                <a:cubicBezTo>
+                  <a:pt x="4017196" y="3117916"/>
+                  <a:pt x="3117916" y="4017196"/>
+                  <a:pt x="2008598" y="4017196"/>
+                </a:cubicBezTo>
+                <a:cubicBezTo>
+                  <a:pt x="899280" y="4017196"/>
+                  <a:pt x="0" y="3117916"/>
+                  <a:pt x="0" y="2008598"/>
+                </a:cubicBezTo>
+                <a:cubicBezTo>
+                  <a:pt x="0" y="899280"/>
+                  <a:pt x="899280" y="0"/>
+                  <a:pt x="2008598" y="0"/>
+                </a:cubicBezTo>
+                <a:close/>
+              </a:path>
+            </a:pathLst>
+          </a:custGeom>
+        </p:spPr>
+      </p:pic>
+      <p:cxnSp>
+        <p:nvCxnSpPr>
+          <p:cNvPr id="17" name="Straight Connector 16">
+            <a:extLst>
+              <a:ext uri="{FF2B5EF4-FFF2-40B4-BE49-F238E27FC236}">
+                <a16:creationId xmlns:a16="http://schemas.microsoft.com/office/drawing/2014/main" id="{9AD20FE8-ED02-4CDE-83B1-A1436305C3DC}"/>
+              </a:ext>
+              <a:ext uri="{C183D7F6-B498-43B3-948B-1728B52AA6E4}">
+                <adec:decorative xmlns:adec="http://schemas.microsoft.com/office/drawing/2017/decorative" val="1"/>
+              </a:ext>
+            </a:extLst>
+          </p:cNvPr>
+          <p:cNvCxnSpPr>
+            <a:cxnSpLocks noGrp="1" noRot="1" noChangeAspect="1" noMove="1" noResize="1" noEditPoints="1" noAdjustHandles="1" noChangeArrowheads="1" noChangeShapeType="1"/>
+          </p:cNvCxnSpPr>
+          <p:nvPr>
+            <p:extLst>
+              <p:ext uri="{386F3935-93C4-4BCD-93E2-E3B085C9AB24}">
+                <p16:designElem xmlns:p16="http://schemas.microsoft.com/office/powerpoint/2015/main" val="1"/>
+              </p:ext>
+            </p:extLst>
+          </p:nvPr>
+        </p:nvCxnSpPr>
+        <p:spPr>
+          <a:xfrm>
+            <a:off x="5775960" y="4971278"/>
+            <a:ext cx="640080" cy="0"/>
+          </a:xfrm>
+          <a:prstGeom prst="line">
+            <a:avLst/>
+          </a:prstGeom>
+          <a:ln w="28575">
+            <a:solidFill>
+              <a:srgbClr val="63C9B1"/>
+            </a:solidFill>
+          </a:ln>
+        </p:spPr>
+        <p:style>
+          <a:lnRef idx="1">
+            <a:schemeClr val="accent1"/>
+          </a:lnRef>
+          <a:fillRef idx="0">
+            <a:schemeClr val="accent1"/>
+          </a:fillRef>
+          <a:effectRef idx="0">
+            <a:schemeClr val="accent1"/>
+          </a:effectRef>
+          <a:fontRef idx="minor">
+            <a:schemeClr val="tx1"/>
+          </a:fontRef>
+        </p:style>
+      </p:cxnSp>
+      <p:sp>
+        <p:nvSpPr>
           <p:cNvPr id="4" name="Espace réservé du numéro de diapositive 3">
             <a:extLst>
               <a:ext uri="{FF2B5EF4-FFF2-40B4-BE49-F238E27FC236}">
-                <a16:creationId xmlns:a16="http://schemas.microsoft.com/office/drawing/2014/main" id="{C782029C-6131-40A0-A945-F393B6E676D4}"/>
+                <a16:creationId xmlns:a16="http://schemas.microsoft.com/office/drawing/2014/main" id="{2FD15740-BA49-4E7C-97EB-C7381A92E517}"/>
               </a:ext>
             </a:extLst>
           </p:cNvPr>
@@ -19412,7 +18036,7 @@
           </a:xfrm>
         </p:spPr>
         <p:txBody>
-          <a:bodyPr>
+          <a:bodyPr vert="horz" lIns="91440" tIns="45720" rIns="91440" bIns="45720" rtlCol="0" anchor="ctr">
             <a:normAutofit/>
           </a:bodyPr>
           <a:lstStyle/>
@@ -19421,55 +18045,36 @@
               <a:spcAft>
                 <a:spcPts val="600"/>
               </a:spcAft>
+              <a:defRPr/>
             </a:pPr>
             <a:fld id="{FAEAF821-8BBB-4B5F-AB25-F4FE9450ED6D}" type="slidenum">
-              <a:rPr lang="fr-CH" smtClean="0"/>
+              <a:rPr lang="en-US">
+                <a:solidFill>
+                  <a:srgbClr val="1B1B1B"/>
+                </a:solidFill>
+                <a:latin typeface="Calibri" panose="020F0502020204030204"/>
+              </a:rPr>
               <a:pPr>
                 <a:spcAft>
                   <a:spcPts val="600"/>
                 </a:spcAft>
+                <a:defRPr/>
               </a:pPr>
               <a:t>20</a:t>
             </a:fld>
-            <a:endParaRPr lang="fr-CH"/>
+            <a:endParaRPr lang="en-US">
+              <a:solidFill>
+                <a:srgbClr val="1B1B1B"/>
+              </a:solidFill>
+              <a:latin typeface="Calibri" panose="020F0502020204030204"/>
+            </a:endParaRPr>
           </a:p>
         </p:txBody>
       </p:sp>
-      <p:graphicFrame>
-        <p:nvGraphicFramePr>
-          <p:cNvPr id="12" name="Chart 4">
-            <a:extLst>
-              <a:ext uri="{FF2B5EF4-FFF2-40B4-BE49-F238E27FC236}">
-                <a16:creationId xmlns:a16="http://schemas.microsoft.com/office/drawing/2014/main" id="{00000000-0008-0000-0000-000005000000}"/>
-              </a:ext>
-            </a:extLst>
-          </p:cNvPr>
-          <p:cNvGraphicFramePr>
-            <a:graphicFrameLocks noGrp="1"/>
-          </p:cNvGraphicFramePr>
-          <p:nvPr>
-            <p:ph idx="1"/>
-            <p:extLst>
-              <p:ext uri="{D42A27DB-BD31-4B8C-83A1-F6EECF244321}">
-                <p14:modId xmlns:p14="http://schemas.microsoft.com/office/powerpoint/2010/main" val="376447427"/>
-              </p:ext>
-            </p:extLst>
-          </p:nvPr>
-        </p:nvGraphicFramePr>
-        <p:xfrm>
-          <a:off x="838200" y="1325366"/>
-          <a:ext cx="10515600" cy="4851597"/>
-        </p:xfrm>
-        <a:graphic>
-          <a:graphicData uri="http://schemas.openxmlformats.org/drawingml/2006/chart">
-            <c:chart xmlns:c="http://schemas.openxmlformats.org/drawingml/2006/chart" xmlns:r="http://schemas.openxmlformats.org/officeDocument/2006/relationships" r:id="rId3"/>
-          </a:graphicData>
-        </a:graphic>
-      </p:graphicFrame>
     </p:spTree>
     <p:extLst>
       <p:ext uri="{BB962C8B-B14F-4D97-AF65-F5344CB8AC3E}">
-        <p14:creationId xmlns:p14="http://schemas.microsoft.com/office/powerpoint/2010/main" val="1587141374"/>
+        <p14:creationId xmlns:p14="http://schemas.microsoft.com/office/powerpoint/2010/main" val="2377691050"/>
       </p:ext>
     </p:extLst>
   </p:cSld>
@@ -20332,6 +18937,14 @@
 <file path=ppt/slides/slide4.xml><?xml version="1.0" encoding="utf-8"?>
 <p:sld xmlns:a="http://schemas.openxmlformats.org/drawingml/2006/main" xmlns:r="http://schemas.openxmlformats.org/officeDocument/2006/relationships" xmlns:p="http://schemas.openxmlformats.org/presentationml/2006/main">
   <p:cSld>
+    <p:bg>
+      <p:bgPr>
+        <a:solidFill>
+          <a:schemeClr val="bg1"/>
+        </a:solidFill>
+        <a:effectLst/>
+      </p:bgPr>
+    </p:bg>
     <p:spTree>
       <p:nvGrpSpPr>
         <p:cNvPr id="1" name=""/>
@@ -20348,10 +18961,38 @@
       </p:grpSpPr>
       <p:sp>
         <p:nvSpPr>
-          <p:cNvPr id="2" name="Espace réservé du numéro de diapositive 1">
+          <p:cNvPr id="2" name="Titre 1">
             <a:extLst>
               <a:ext uri="{FF2B5EF4-FFF2-40B4-BE49-F238E27FC236}">
-                <a16:creationId xmlns:a16="http://schemas.microsoft.com/office/drawing/2014/main" id="{4A4BCA74-2697-4F1A-A5EE-0F22D5489971}"/>
+                <a16:creationId xmlns:a16="http://schemas.microsoft.com/office/drawing/2014/main" id="{8AE8350C-18A9-43A5-95A3-33D9F6FD9307}"/>
+              </a:ext>
+            </a:extLst>
+          </p:cNvPr>
+          <p:cNvSpPr>
+            <a:spLocks noGrp="1"/>
+          </p:cNvSpPr>
+          <p:nvPr>
+            <p:ph type="title"/>
+          </p:nvPr>
+        </p:nvSpPr>
+        <p:spPr/>
+        <p:txBody>
+          <a:bodyPr/>
+          <a:lstStyle/>
+          <a:p>
+            <a:r>
+              <a:rPr lang="fr-CH" dirty="0"/>
+              <a:t>Pour Qui ?</a:t>
+            </a:r>
+          </a:p>
+        </p:txBody>
+      </p:sp>
+      <p:sp>
+        <p:nvSpPr>
+          <p:cNvPr id="4" name="Espace réservé du numéro de diapositive 3">
+            <a:extLst>
+              <a:ext uri="{FF2B5EF4-FFF2-40B4-BE49-F238E27FC236}">
+                <a16:creationId xmlns:a16="http://schemas.microsoft.com/office/drawing/2014/main" id="{97557FFF-C104-4499-BBA5-69CC94ABACAD}"/>
               </a:ext>
             </a:extLst>
           </p:cNvPr>
@@ -20377,10 +19018,10 @@
       </p:sp>
       <p:pic>
         <p:nvPicPr>
-          <p:cNvPr id="5" name="Image 4">
+          <p:cNvPr id="8" name="Image 7">
             <a:extLst>
               <a:ext uri="{FF2B5EF4-FFF2-40B4-BE49-F238E27FC236}">
-                <a16:creationId xmlns:a16="http://schemas.microsoft.com/office/drawing/2014/main" id="{A66CD413-BBEA-481E-BA16-4F30D6588EBE}"/>
+                <a16:creationId xmlns:a16="http://schemas.microsoft.com/office/drawing/2014/main" id="{D8E36E03-A886-48FA-BCB9-F8B8F051181E}"/>
               </a:ext>
             </a:extLst>
           </p:cNvPr>
@@ -20389,7 +19030,7 @@
           </p:cNvPicPr>
           <p:nvPr/>
         </p:nvPicPr>
-        <p:blipFill rotWithShape="1">
+        <p:blipFill>
           <a:blip r:embed="rId3">
             <a:extLst>
               <a:ext uri="{28A0092B-C50C-407E-A947-70E740481C1C}">
@@ -20397,23 +19038,181 @@
               </a:ext>
             </a:extLst>
           </a:blip>
-          <a:srcRect l="6564" t="1007" r="4571" b="13074"/>
-          <a:stretch/>
+          <a:stretch>
+            <a:fillRect/>
+          </a:stretch>
         </p:blipFill>
         <p:spPr>
           <a:xfrm>
-            <a:off x="1486395" y="0"/>
-            <a:ext cx="9219210" cy="6860543"/>
+            <a:off x="5980253" y="1690688"/>
+            <a:ext cx="1779578" cy="1779578"/>
           </a:xfrm>
           <a:prstGeom prst="rect">
             <a:avLst/>
           </a:prstGeom>
         </p:spPr>
       </p:pic>
+      <p:pic>
+        <p:nvPicPr>
+          <p:cNvPr id="10" name="Image 9">
+            <a:extLst>
+              <a:ext uri="{FF2B5EF4-FFF2-40B4-BE49-F238E27FC236}">
+                <a16:creationId xmlns:a16="http://schemas.microsoft.com/office/drawing/2014/main" id="{7FDA87C1-820E-458D-BADD-CFCE83BA889A}"/>
+              </a:ext>
+            </a:extLst>
+          </p:cNvPr>
+          <p:cNvPicPr>
+            <a:picLocks noChangeAspect="1"/>
+          </p:cNvPicPr>
+          <p:nvPr/>
+        </p:nvPicPr>
+        <p:blipFill>
+          <a:blip r:embed="rId4">
+            <a:extLst>
+              <a:ext uri="{28A0092B-C50C-407E-A947-70E740481C1C}">
+                <a14:useLocalDpi xmlns:a14="http://schemas.microsoft.com/office/drawing/2010/main" val="0"/>
+              </a:ext>
+            </a:extLst>
+          </a:blip>
+          <a:stretch>
+            <a:fillRect/>
+          </a:stretch>
+        </p:blipFill>
+        <p:spPr>
+          <a:xfrm>
+            <a:off x="4049029" y="1690688"/>
+            <a:ext cx="1779579" cy="1779579"/>
+          </a:xfrm>
+          <a:prstGeom prst="rect">
+            <a:avLst/>
+          </a:prstGeom>
+        </p:spPr>
+      </p:pic>
+      <p:sp>
+        <p:nvSpPr>
+          <p:cNvPr id="11" name="ZoneTexte 10">
+            <a:extLst>
+              <a:ext uri="{FF2B5EF4-FFF2-40B4-BE49-F238E27FC236}">
+                <a16:creationId xmlns:a16="http://schemas.microsoft.com/office/drawing/2014/main" id="{03DCCD29-6E6E-4615-859F-3A1A8EEE18F3}"/>
+              </a:ext>
+            </a:extLst>
+          </p:cNvPr>
+          <p:cNvSpPr txBox="1"/>
+          <p:nvPr/>
+        </p:nvSpPr>
+        <p:spPr>
+          <a:xfrm>
+            <a:off x="4122383" y="3833389"/>
+            <a:ext cx="3412449" cy="1200329"/>
+          </a:xfrm>
+          <a:prstGeom prst="rect">
+            <a:avLst/>
+          </a:prstGeom>
+          <a:noFill/>
+        </p:spPr>
+        <p:txBody>
+          <a:bodyPr wrap="square" rtlCol="0">
+            <a:spAutoFit/>
+          </a:bodyPr>
+          <a:lstStyle/>
+          <a:p>
+            <a:pPr algn="ctr"/>
+            <a:r>
+              <a:rPr lang="fr-CH" sz="2400" dirty="0"/>
+              <a:t>Plus de 240’000 utilisateurs potentiels </a:t>
+            </a:r>
+          </a:p>
+          <a:p>
+            <a:pPr algn="ctr"/>
+            <a:r>
+              <a:rPr lang="fr-CH" sz="2400" dirty="0"/>
+              <a:t>en Suisse</a:t>
+            </a:r>
+          </a:p>
+        </p:txBody>
+      </p:sp>
+      <p:sp>
+        <p:nvSpPr>
+          <p:cNvPr id="12" name="ZoneTexte 11">
+            <a:extLst>
+              <a:ext uri="{FF2B5EF4-FFF2-40B4-BE49-F238E27FC236}">
+                <a16:creationId xmlns:a16="http://schemas.microsoft.com/office/drawing/2014/main" id="{AD37619D-0443-42AE-90CA-F0DB290DD430}"/>
+              </a:ext>
+            </a:extLst>
+          </p:cNvPr>
+          <p:cNvSpPr txBox="1"/>
+          <p:nvPr/>
+        </p:nvSpPr>
+        <p:spPr>
+          <a:xfrm>
+            <a:off x="799933" y="6642860"/>
+            <a:ext cx="1337546" cy="276999"/>
+          </a:xfrm>
+          <a:prstGeom prst="rect">
+            <a:avLst/>
+          </a:prstGeom>
+          <a:noFill/>
+        </p:spPr>
+        <p:txBody>
+          <a:bodyPr wrap="none" rtlCol="0">
+            <a:spAutoFit/>
+          </a:bodyPr>
+          <a:lstStyle/>
+          <a:p>
+            <a:r>
+              <a:rPr lang="fr-CH" sz="1200" dirty="0"/>
+              <a:t>Source : RTS, 2015</a:t>
+            </a:r>
+          </a:p>
+        </p:txBody>
+      </p:sp>
+      <p:sp>
+        <p:nvSpPr>
+          <p:cNvPr id="7" name="Rectangle 6">
+            <a:extLst>
+              <a:ext uri="{FF2B5EF4-FFF2-40B4-BE49-F238E27FC236}">
+                <a16:creationId xmlns:a16="http://schemas.microsoft.com/office/drawing/2014/main" id="{3934CE9C-4252-4D41-9929-38EDCFD35357}"/>
+              </a:ext>
+            </a:extLst>
+          </p:cNvPr>
+          <p:cNvSpPr/>
+          <p:nvPr/>
+        </p:nvSpPr>
+        <p:spPr>
+          <a:xfrm>
+            <a:off x="9719284" y="6630823"/>
+            <a:ext cx="3042970" cy="276999"/>
+          </a:xfrm>
+          <a:prstGeom prst="rect">
+            <a:avLst/>
+          </a:prstGeom>
+        </p:spPr>
+        <p:txBody>
+          <a:bodyPr wrap="square">
+            <a:spAutoFit/>
+          </a:bodyPr>
+          <a:lstStyle/>
+          <a:p>
+            <a:r>
+              <a:rPr lang="fr-CH" sz="1200" dirty="0">
+                <a:hlinkClick r:id="rId5">
+                  <a:extLst>
+                    <a:ext uri="{A12FA001-AC4F-418D-AE19-62706E023703}">
+                      <ahyp:hlinkClr xmlns:ahyp="http://schemas.microsoft.com/office/drawing/2018/hyperlinkcolor" val="tx"/>
+                    </a:ext>
+                  </a:extLst>
+                </a:hlinkClick>
+              </a:rPr>
+              <a:t>Source : https://www.unige.ch/stat/fr/</a:t>
+            </a:r>
+            <a:endParaRPr lang="fr-CH" sz="1200" dirty="0"/>
+          </a:p>
+        </p:txBody>
+      </p:sp>
     </p:spTree>
     <p:extLst>
       <p:ext uri="{BB962C8B-B14F-4D97-AF65-F5344CB8AC3E}">
-        <p14:creationId xmlns:p14="http://schemas.microsoft.com/office/powerpoint/2010/main" val="1462697413"/>
+        <p14:creationId xmlns:p14="http://schemas.microsoft.com/office/powerpoint/2010/main" val="88753252"/>
       </p:ext>
     </p:extLst>
   </p:cSld>
@@ -20426,6 +19225,14 @@
 <file path=ppt/slides/slide5.xml><?xml version="1.0" encoding="utf-8"?>
 <p:sld xmlns:a="http://schemas.openxmlformats.org/drawingml/2006/main" xmlns:r="http://schemas.openxmlformats.org/officeDocument/2006/relationships" xmlns:p="http://schemas.openxmlformats.org/presentationml/2006/main">
   <p:cSld>
+    <p:bg>
+      <p:bgPr>
+        <a:solidFill>
+          <a:schemeClr val="bg1"/>
+        </a:solidFill>
+        <a:effectLst/>
+      </p:bgPr>
+    </p:bg>
     <p:spTree>
       <p:nvGrpSpPr>
         <p:cNvPr id="1" name=""/>
@@ -20442,10 +19249,89 @@
       </p:grpSpPr>
       <p:sp>
         <p:nvSpPr>
-          <p:cNvPr id="2" name="Espace réservé du numéro de diapositive 1">
+          <p:cNvPr id="2" name="Titre 1">
             <a:extLst>
               <a:ext uri="{FF2B5EF4-FFF2-40B4-BE49-F238E27FC236}">
-                <a16:creationId xmlns:a16="http://schemas.microsoft.com/office/drawing/2014/main" id="{53884560-347E-4253-8524-7F2D831CEA63}"/>
+                <a16:creationId xmlns:a16="http://schemas.microsoft.com/office/drawing/2014/main" id="{DD56946C-853C-4C35-A973-0FF95C21DBEA}"/>
+              </a:ext>
+            </a:extLst>
+          </p:cNvPr>
+          <p:cNvSpPr>
+            <a:spLocks noGrp="1"/>
+          </p:cNvSpPr>
+          <p:nvPr>
+            <p:ph type="title"/>
+          </p:nvPr>
+        </p:nvSpPr>
+        <p:spPr>
+          <a:xfrm>
+            <a:off x="838200" y="617932"/>
+            <a:ext cx="10515600" cy="1001338"/>
+          </a:xfrm>
+        </p:spPr>
+        <p:txBody>
+          <a:bodyPr/>
+          <a:lstStyle/>
+          <a:p>
+            <a:r>
+              <a:rPr lang="fr-CH" dirty="0"/>
+              <a:t>Enjeux</a:t>
+            </a:r>
+          </a:p>
+        </p:txBody>
+      </p:sp>
+      <p:sp>
+        <p:nvSpPr>
+          <p:cNvPr id="3" name="Espace réservé du contenu 2">
+            <a:extLst>
+              <a:ext uri="{FF2B5EF4-FFF2-40B4-BE49-F238E27FC236}">
+                <a16:creationId xmlns:a16="http://schemas.microsoft.com/office/drawing/2014/main" id="{76454EA1-8BB7-446D-B367-A46C947EA787}"/>
+              </a:ext>
+            </a:extLst>
+          </p:cNvPr>
+          <p:cNvSpPr>
+            <a:spLocks noGrp="1"/>
+          </p:cNvSpPr>
+          <p:nvPr>
+            <p:ph idx="1"/>
+          </p:nvPr>
+        </p:nvSpPr>
+        <p:spPr/>
+        <p:txBody>
+          <a:bodyPr/>
+          <a:lstStyle/>
+          <a:p>
+            <a:r>
+              <a:rPr lang="fr-CH" dirty="0"/>
+              <a:t>Pour utilisateur de l’Université :</a:t>
+            </a:r>
+          </a:p>
+          <a:p>
+            <a:endParaRPr lang="fr-CH" dirty="0"/>
+          </a:p>
+          <a:p>
+            <a:endParaRPr lang="fr-CH" dirty="0"/>
+          </a:p>
+          <a:p>
+            <a:endParaRPr lang="fr-CH" dirty="0"/>
+          </a:p>
+          <a:p>
+            <a:r>
+              <a:rPr lang="fr-CH" dirty="0"/>
+              <a:t>Bénéfice pour les investisseurs</a:t>
+            </a:r>
+          </a:p>
+          <a:p>
+            <a:endParaRPr lang="fr-CH" dirty="0"/>
+          </a:p>
+        </p:txBody>
+      </p:sp>
+      <p:sp>
+        <p:nvSpPr>
+          <p:cNvPr id="4" name="Espace réservé du numéro de diapositive 3">
+            <a:extLst>
+              <a:ext uri="{FF2B5EF4-FFF2-40B4-BE49-F238E27FC236}">
+                <a16:creationId xmlns:a16="http://schemas.microsoft.com/office/drawing/2014/main" id="{96554762-ED2A-43E8-BCFC-53C65A2D35A4}"/>
               </a:ext>
             </a:extLst>
           </p:cNvPr>
@@ -20471,10 +19357,10 @@
       </p:sp>
       <p:pic>
         <p:nvPicPr>
-          <p:cNvPr id="5" name="Image 4">
+          <p:cNvPr id="6" name="Image 5">
             <a:extLst>
               <a:ext uri="{FF2B5EF4-FFF2-40B4-BE49-F238E27FC236}">
-                <a16:creationId xmlns:a16="http://schemas.microsoft.com/office/drawing/2014/main" id="{48BE066F-84CF-4721-A6C6-7C956B6824A9}"/>
+                <a16:creationId xmlns:a16="http://schemas.microsoft.com/office/drawing/2014/main" id="{7EE061E7-6602-49C9-A276-3FE75C0CCACA}"/>
               </a:ext>
             </a:extLst>
           </p:cNvPr>
@@ -20483,7 +19369,7 @@
           </p:cNvPicPr>
           <p:nvPr/>
         </p:nvPicPr>
-        <p:blipFill rotWithShape="1">
+        <p:blipFill>
           <a:blip r:embed="rId3">
             <a:extLst>
               <a:ext uri="{28A0092B-C50C-407E-A947-70E740481C1C}">
@@ -20491,13 +19377,161 @@
               </a:ext>
             </a:extLst>
           </a:blip>
-          <a:srcRect l="6089" t="434" r="3305" b="47013"/>
-          <a:stretch/>
+          <a:stretch>
+            <a:fillRect/>
+          </a:stretch>
         </p:blipFill>
         <p:spPr>
           <a:xfrm>
-            <a:off x="1189939" y="0"/>
-            <a:ext cx="9812121" cy="6861558"/>
+            <a:off x="3811627" y="4550618"/>
+            <a:ext cx="1219370" cy="1219370"/>
+          </a:xfrm>
+          <a:prstGeom prst="rect">
+            <a:avLst/>
+          </a:prstGeom>
+        </p:spPr>
+      </p:pic>
+      <p:pic>
+        <p:nvPicPr>
+          <p:cNvPr id="8" name="Image 7">
+            <a:extLst>
+              <a:ext uri="{FF2B5EF4-FFF2-40B4-BE49-F238E27FC236}">
+                <a16:creationId xmlns:a16="http://schemas.microsoft.com/office/drawing/2014/main" id="{1ED37E15-AD7D-4D39-90D2-053C387CA182}"/>
+              </a:ext>
+            </a:extLst>
+          </p:cNvPr>
+          <p:cNvPicPr>
+            <a:picLocks noChangeAspect="1"/>
+          </p:cNvPicPr>
+          <p:nvPr/>
+        </p:nvPicPr>
+        <p:blipFill>
+          <a:blip r:embed="rId4">
+            <a:extLst>
+              <a:ext uri="{28A0092B-C50C-407E-A947-70E740481C1C}">
+                <a14:useLocalDpi xmlns:a14="http://schemas.microsoft.com/office/drawing/2010/main" val="0"/>
+              </a:ext>
+            </a:extLst>
+          </a:blip>
+          <a:stretch>
+            <a:fillRect/>
+          </a:stretch>
+        </p:blipFill>
+        <p:spPr>
+          <a:xfrm>
+            <a:off x="6842504" y="4550618"/>
+            <a:ext cx="1219370" cy="1219370"/>
+          </a:xfrm>
+          <a:prstGeom prst="rect">
+            <a:avLst/>
+          </a:prstGeom>
+        </p:spPr>
+      </p:pic>
+      <p:pic>
+        <p:nvPicPr>
+          <p:cNvPr id="10" name="Graphique 9" descr="Ligne fléchée : droite">
+            <a:extLst>
+              <a:ext uri="{FF2B5EF4-FFF2-40B4-BE49-F238E27FC236}">
+                <a16:creationId xmlns:a16="http://schemas.microsoft.com/office/drawing/2014/main" id="{6E65E1BE-12EF-4DB5-9824-51D11B64D65E}"/>
+              </a:ext>
+            </a:extLst>
+          </p:cNvPr>
+          <p:cNvPicPr>
+            <a:picLocks noChangeAspect="1"/>
+          </p:cNvPicPr>
+          <p:nvPr/>
+        </p:nvPicPr>
+        <p:blipFill>
+          <a:blip r:embed="rId5">
+            <a:extLst>
+              <a:ext uri="{28A0092B-C50C-407E-A947-70E740481C1C}">
+                <a14:useLocalDpi xmlns:a14="http://schemas.microsoft.com/office/drawing/2010/main" val="0"/>
+              </a:ext>
+              <a:ext uri="{96DAC541-7B7A-43D3-8B79-37D633B846F1}">
+                <asvg:svgBlip xmlns:asvg="http://schemas.microsoft.com/office/drawing/2016/SVG/main" r:embed="rId6"/>
+              </a:ext>
+            </a:extLst>
+          </a:blip>
+          <a:stretch>
+            <a:fillRect/>
+          </a:stretch>
+        </p:blipFill>
+        <p:spPr>
+          <a:xfrm rot="10800000">
+            <a:off x="5479550" y="4703103"/>
+            <a:ext cx="914400" cy="914400"/>
+          </a:xfrm>
+          <a:prstGeom prst="rect">
+            <a:avLst/>
+          </a:prstGeom>
+        </p:spPr>
+      </p:pic>
+      <p:pic>
+        <p:nvPicPr>
+          <p:cNvPr id="12" name="Image 11">
+            <a:extLst>
+              <a:ext uri="{FF2B5EF4-FFF2-40B4-BE49-F238E27FC236}">
+                <a16:creationId xmlns:a16="http://schemas.microsoft.com/office/drawing/2014/main" id="{E16DDFE1-1A2D-4DA5-8B4F-5DC63B59235E}"/>
+              </a:ext>
+            </a:extLst>
+          </p:cNvPr>
+          <p:cNvPicPr>
+            <a:picLocks noChangeAspect="1"/>
+          </p:cNvPicPr>
+          <p:nvPr/>
+        </p:nvPicPr>
+        <p:blipFill>
+          <a:blip r:embed="rId7">
+            <a:extLst>
+              <a:ext uri="{28A0092B-C50C-407E-A947-70E740481C1C}">
+                <a14:useLocalDpi xmlns:a14="http://schemas.microsoft.com/office/drawing/2010/main" val="0"/>
+              </a:ext>
+            </a:extLst>
+          </a:blip>
+          <a:stretch>
+            <a:fillRect/>
+          </a:stretch>
+        </p:blipFill>
+        <p:spPr>
+          <a:xfrm>
+            <a:off x="6460814" y="2416546"/>
+            <a:ext cx="1219369" cy="1219369"/>
+          </a:xfrm>
+          <a:prstGeom prst="rect">
+            <a:avLst/>
+          </a:prstGeom>
+        </p:spPr>
+      </p:pic>
+      <p:pic>
+        <p:nvPicPr>
+          <p:cNvPr id="14" name="Image 13">
+            <a:extLst>
+              <a:ext uri="{FF2B5EF4-FFF2-40B4-BE49-F238E27FC236}">
+                <a16:creationId xmlns:a16="http://schemas.microsoft.com/office/drawing/2014/main" id="{92917438-7CE0-47EE-A6BB-CD6C510AEEE7}"/>
+              </a:ext>
+            </a:extLst>
+          </p:cNvPr>
+          <p:cNvPicPr>
+            <a:picLocks noChangeAspect="1"/>
+          </p:cNvPicPr>
+          <p:nvPr/>
+        </p:nvPicPr>
+        <p:blipFill>
+          <a:blip r:embed="rId8">
+            <a:extLst>
+              <a:ext uri="{28A0092B-C50C-407E-A947-70E740481C1C}">
+                <a14:useLocalDpi xmlns:a14="http://schemas.microsoft.com/office/drawing/2010/main" val="0"/>
+              </a:ext>
+            </a:extLst>
+          </a:blip>
+          <a:stretch>
+            <a:fillRect/>
+          </a:stretch>
+        </p:blipFill>
+        <p:spPr>
+          <a:xfrm>
+            <a:off x="4092539" y="2358265"/>
+            <a:ext cx="1219368" cy="1219368"/>
           </a:xfrm>
           <a:prstGeom prst="rect">
             <a:avLst/>
@@ -20507,7 +19541,7 @@
     </p:spTree>
     <p:extLst>
       <p:ext uri="{BB962C8B-B14F-4D97-AF65-F5344CB8AC3E}">
-        <p14:creationId xmlns:p14="http://schemas.microsoft.com/office/powerpoint/2010/main" val="2649433583"/>
+        <p14:creationId xmlns:p14="http://schemas.microsoft.com/office/powerpoint/2010/main" val="2539571882"/>
       </p:ext>
     </p:extLst>
   </p:cSld>
@@ -20536,10 +19570,10 @@
       </p:grpSpPr>
       <p:sp>
         <p:nvSpPr>
-          <p:cNvPr id="2" name="Espace réservé du numéro de diapositive 1">
+          <p:cNvPr id="4" name="Segnaposto numero diapositiva 3">
             <a:extLst>
               <a:ext uri="{FF2B5EF4-FFF2-40B4-BE49-F238E27FC236}">
-                <a16:creationId xmlns:a16="http://schemas.microsoft.com/office/drawing/2014/main" id="{2A0B17B4-6A8F-423E-848E-31412A1D1AA6}"/>
+                <a16:creationId xmlns:a16="http://schemas.microsoft.com/office/drawing/2014/main" id="{936693EF-6DD3-407A-8B67-4E5A8382C752}"/>
               </a:ext>
             </a:extLst>
           </p:cNvPr>
@@ -20563,12 +19597,239 @@
           </a:p>
         </p:txBody>
       </p:sp>
+      <p:cxnSp>
+        <p:nvCxnSpPr>
+          <p:cNvPr id="12" name="Connettore 2 11">
+            <a:extLst>
+              <a:ext uri="{FF2B5EF4-FFF2-40B4-BE49-F238E27FC236}">
+                <a16:creationId xmlns:a16="http://schemas.microsoft.com/office/drawing/2014/main" id="{757034F0-E8B3-459B-B295-12DBE429C855}"/>
+              </a:ext>
+            </a:extLst>
+          </p:cNvPr>
+          <p:cNvCxnSpPr/>
+          <p:nvPr/>
+        </p:nvCxnSpPr>
+        <p:spPr>
+          <a:xfrm>
+            <a:off x="1774723" y="3993372"/>
+            <a:ext cx="8642554" cy="0"/>
+          </a:xfrm>
+          <a:prstGeom prst="straightConnector1">
+            <a:avLst/>
+          </a:prstGeom>
+          <a:ln>
+            <a:headEnd type="triangle"/>
+            <a:tailEnd type="triangle"/>
+          </a:ln>
+        </p:spPr>
+        <p:style>
+          <a:lnRef idx="1">
+            <a:schemeClr val="accent1"/>
+          </a:lnRef>
+          <a:fillRef idx="0">
+            <a:schemeClr val="accent1"/>
+          </a:fillRef>
+          <a:effectRef idx="0">
+            <a:schemeClr val="accent1"/>
+          </a:effectRef>
+          <a:fontRef idx="minor">
+            <a:schemeClr val="tx1"/>
+          </a:fontRef>
+        </p:style>
+      </p:cxnSp>
+      <p:cxnSp>
+        <p:nvCxnSpPr>
+          <p:cNvPr id="14" name="Connettore 2 13">
+            <a:extLst>
+              <a:ext uri="{FF2B5EF4-FFF2-40B4-BE49-F238E27FC236}">
+                <a16:creationId xmlns:a16="http://schemas.microsoft.com/office/drawing/2014/main" id="{56C7C0BC-26F6-4C4D-BB9B-3FFB72E2739F}"/>
+              </a:ext>
+            </a:extLst>
+          </p:cNvPr>
+          <p:cNvCxnSpPr>
+            <a:cxnSpLocks/>
+          </p:cNvCxnSpPr>
+          <p:nvPr/>
+        </p:nvCxnSpPr>
+        <p:spPr>
+          <a:xfrm>
+            <a:off x="6096000" y="1373075"/>
+            <a:ext cx="0" cy="5240594"/>
+          </a:xfrm>
+          <a:prstGeom prst="straightConnector1">
+            <a:avLst/>
+          </a:prstGeom>
+          <a:ln>
+            <a:headEnd type="triangle"/>
+            <a:tailEnd type="triangle"/>
+          </a:ln>
+        </p:spPr>
+        <p:style>
+          <a:lnRef idx="1">
+            <a:schemeClr val="accent1"/>
+          </a:lnRef>
+          <a:fillRef idx="0">
+            <a:schemeClr val="accent1"/>
+          </a:fillRef>
+          <a:effectRef idx="0">
+            <a:schemeClr val="accent1"/>
+          </a:effectRef>
+          <a:fontRef idx="minor">
+            <a:schemeClr val="tx1"/>
+          </a:fontRef>
+        </p:style>
+      </p:cxnSp>
+      <p:sp>
+        <p:nvSpPr>
+          <p:cNvPr id="17" name="CasellaDiTesto 16">
+            <a:extLst>
+              <a:ext uri="{FF2B5EF4-FFF2-40B4-BE49-F238E27FC236}">
+                <a16:creationId xmlns:a16="http://schemas.microsoft.com/office/drawing/2014/main" id="{351659DC-3DAE-443E-A65C-F1240A57BD24}"/>
+              </a:ext>
+            </a:extLst>
+          </p:cNvPr>
+          <p:cNvSpPr txBox="1"/>
+          <p:nvPr/>
+        </p:nvSpPr>
+        <p:spPr>
+          <a:xfrm>
+            <a:off x="8724286" y="3993372"/>
+            <a:ext cx="1266693" cy="307777"/>
+          </a:xfrm>
+          <a:prstGeom prst="rect">
+            <a:avLst/>
+          </a:prstGeom>
+          <a:noFill/>
+        </p:spPr>
+        <p:txBody>
+          <a:bodyPr wrap="none" rtlCol="0">
+            <a:spAutoFit/>
+          </a:bodyPr>
+          <a:lstStyle/>
+          <a:p>
+            <a:r>
+              <a:rPr lang="it-IT" sz="1400" dirty="0"/>
+              <a:t>Facile à </a:t>
+            </a:r>
+            <a:r>
+              <a:rPr lang="it-IT" sz="1400" dirty="0" err="1"/>
+              <a:t>utiliser</a:t>
+            </a:r>
+            <a:endParaRPr lang="it-IT" sz="1400" dirty="0"/>
+          </a:p>
+        </p:txBody>
+      </p:sp>
+      <p:sp>
+        <p:nvSpPr>
+          <p:cNvPr id="18" name="CasellaDiTesto 17">
+            <a:extLst>
+              <a:ext uri="{FF2B5EF4-FFF2-40B4-BE49-F238E27FC236}">
+                <a16:creationId xmlns:a16="http://schemas.microsoft.com/office/drawing/2014/main" id="{5F8B6024-8BA5-4C76-A585-E45F3CF1516C}"/>
+              </a:ext>
+            </a:extLst>
+          </p:cNvPr>
+          <p:cNvSpPr txBox="1"/>
+          <p:nvPr/>
+        </p:nvSpPr>
+        <p:spPr>
+          <a:xfrm>
+            <a:off x="1867148" y="3993372"/>
+            <a:ext cx="2783198" cy="307777"/>
+          </a:xfrm>
+          <a:prstGeom prst="rect">
+            <a:avLst/>
+          </a:prstGeom>
+          <a:noFill/>
+        </p:spPr>
+        <p:txBody>
+          <a:bodyPr wrap="none" rtlCol="0">
+            <a:spAutoFit/>
+          </a:bodyPr>
+          <a:lstStyle/>
+          <a:p>
+            <a:r>
+              <a:rPr lang="it-IT" sz="1400" dirty="0"/>
+              <a:t>Complexe à utiliser ou peu pratique</a:t>
+            </a:r>
+          </a:p>
+        </p:txBody>
+      </p:sp>
+      <p:sp>
+        <p:nvSpPr>
+          <p:cNvPr id="19" name="CasellaDiTesto 18">
+            <a:extLst>
+              <a:ext uri="{FF2B5EF4-FFF2-40B4-BE49-F238E27FC236}">
+                <a16:creationId xmlns:a16="http://schemas.microsoft.com/office/drawing/2014/main" id="{E944816C-3CDF-4715-BD38-5A638E6F13A5}"/>
+              </a:ext>
+            </a:extLst>
+          </p:cNvPr>
+          <p:cNvSpPr txBox="1"/>
+          <p:nvPr/>
+        </p:nvSpPr>
+        <p:spPr>
+          <a:xfrm rot="16200000">
+            <a:off x="5101531" y="1924858"/>
+            <a:ext cx="1681166" cy="307777"/>
+          </a:xfrm>
+          <a:prstGeom prst="rect">
+            <a:avLst/>
+          </a:prstGeom>
+          <a:noFill/>
+        </p:spPr>
+        <p:txBody>
+          <a:bodyPr wrap="none" rtlCol="0">
+            <a:spAutoFit/>
+          </a:bodyPr>
+          <a:lstStyle/>
+          <a:p>
+            <a:r>
+              <a:rPr lang="it-IT" sz="1400" dirty="0"/>
+              <a:t>Objets universitaires</a:t>
+            </a:r>
+          </a:p>
+        </p:txBody>
+      </p:sp>
+      <p:sp>
+        <p:nvSpPr>
+          <p:cNvPr id="20" name="CasellaDiTesto 19">
+            <a:extLst>
+              <a:ext uri="{FF2B5EF4-FFF2-40B4-BE49-F238E27FC236}">
+                <a16:creationId xmlns:a16="http://schemas.microsoft.com/office/drawing/2014/main" id="{24B9B4E7-D69C-43BB-B625-5EE0EB61465F}"/>
+              </a:ext>
+            </a:extLst>
+          </p:cNvPr>
+          <p:cNvSpPr txBox="1"/>
+          <p:nvPr/>
+        </p:nvSpPr>
+        <p:spPr>
+          <a:xfrm rot="16200000">
+            <a:off x="5191427" y="5767764"/>
+            <a:ext cx="1501373" cy="307777"/>
+          </a:xfrm>
+          <a:prstGeom prst="rect">
+            <a:avLst/>
+          </a:prstGeom>
+          <a:noFill/>
+        </p:spPr>
+        <p:txBody>
+          <a:bodyPr wrap="none" rtlCol="0">
+            <a:spAutoFit/>
+          </a:bodyPr>
+          <a:lstStyle/>
+          <a:p>
+            <a:r>
+              <a:rPr lang="it-IT" sz="1400" dirty="0"/>
+              <a:t>Catalogue général</a:t>
+            </a:r>
+          </a:p>
+        </p:txBody>
+      </p:sp>
       <p:pic>
         <p:nvPicPr>
-          <p:cNvPr id="7" name="Image 6">
+          <p:cNvPr id="21" name="Image 4">
             <a:extLst>
               <a:ext uri="{FF2B5EF4-FFF2-40B4-BE49-F238E27FC236}">
-                <a16:creationId xmlns:a16="http://schemas.microsoft.com/office/drawing/2014/main" id="{60B77B9B-740B-43C5-80AE-95CB3BC0E1FF}"/>
+                <a16:creationId xmlns:a16="http://schemas.microsoft.com/office/drawing/2014/main" id="{308741AF-E0EE-4F77-9CE0-147310F00740}"/>
               </a:ext>
             </a:extLst>
           </p:cNvPr>
@@ -20577,7 +19838,7 @@
           </p:cNvPicPr>
           <p:nvPr/>
         </p:nvPicPr>
-        <p:blipFill rotWithShape="1">
+        <p:blipFill>
           <a:blip r:embed="rId3">
             <a:extLst>
               <a:ext uri="{28A0092B-C50C-407E-A947-70E740481C1C}">
@@ -20585,23 +19846,244 @@
               </a:ext>
             </a:extLst>
           </a:blip>
-          <a:srcRect l="6530" t="983" r="4456" b="12900"/>
-          <a:stretch/>
+          <a:stretch>
+            <a:fillRect/>
+          </a:stretch>
         </p:blipFill>
         <p:spPr>
           <a:xfrm>
-            <a:off x="1697767" y="-161"/>
-            <a:ext cx="8796465" cy="6858161"/>
+            <a:off x="8724286" y="1555296"/>
+            <a:ext cx="1052212" cy="799681"/>
           </a:xfrm>
           <a:prstGeom prst="rect">
             <a:avLst/>
           </a:prstGeom>
         </p:spPr>
       </p:pic>
+      <p:pic>
+        <p:nvPicPr>
+          <p:cNvPr id="23" name="Immagine 22">
+            <a:extLst>
+              <a:ext uri="{FF2B5EF4-FFF2-40B4-BE49-F238E27FC236}">
+                <a16:creationId xmlns:a16="http://schemas.microsoft.com/office/drawing/2014/main" id="{33B8B47F-7618-452C-837B-11B7007B63CE}"/>
+              </a:ext>
+            </a:extLst>
+          </p:cNvPr>
+          <p:cNvPicPr>
+            <a:picLocks noChangeAspect="1"/>
+          </p:cNvPicPr>
+          <p:nvPr/>
+        </p:nvPicPr>
+        <p:blipFill>
+          <a:blip r:embed="rId4">
+            <a:extLst>
+              <a:ext uri="{28A0092B-C50C-407E-A947-70E740481C1C}">
+                <a14:useLocalDpi xmlns:a14="http://schemas.microsoft.com/office/drawing/2010/main" val="0"/>
+              </a:ext>
+            </a:extLst>
+          </a:blip>
+          <a:stretch>
+            <a:fillRect/>
+          </a:stretch>
+        </p:blipFill>
+        <p:spPr>
+          <a:xfrm>
+            <a:off x="7396853" y="4233856"/>
+            <a:ext cx="1374160" cy="772965"/>
+          </a:xfrm>
+          <a:prstGeom prst="rect">
+            <a:avLst/>
+          </a:prstGeom>
+        </p:spPr>
+      </p:pic>
+      <p:pic>
+        <p:nvPicPr>
+          <p:cNvPr id="25" name="Immagine 24">
+            <a:extLst>
+              <a:ext uri="{FF2B5EF4-FFF2-40B4-BE49-F238E27FC236}">
+                <a16:creationId xmlns:a16="http://schemas.microsoft.com/office/drawing/2014/main" id="{071786D1-81B3-4CFC-BD3E-ADED18C2E2A9}"/>
+              </a:ext>
+            </a:extLst>
+          </p:cNvPr>
+          <p:cNvPicPr>
+            <a:picLocks noChangeAspect="1"/>
+          </p:cNvPicPr>
+          <p:nvPr/>
+        </p:nvPicPr>
+        <p:blipFill>
+          <a:blip r:embed="rId5">
+            <a:extLst>
+              <a:ext uri="{28A0092B-C50C-407E-A947-70E740481C1C}">
+                <a14:useLocalDpi xmlns:a14="http://schemas.microsoft.com/office/drawing/2010/main" val="0"/>
+              </a:ext>
+            </a:extLst>
+          </a:blip>
+          <a:stretch>
+            <a:fillRect/>
+          </a:stretch>
+        </p:blipFill>
+        <p:spPr>
+          <a:xfrm>
+            <a:off x="4233694" y="4700115"/>
+            <a:ext cx="1496726" cy="613412"/>
+          </a:xfrm>
+          <a:prstGeom prst="rect">
+            <a:avLst/>
+          </a:prstGeom>
+        </p:spPr>
+      </p:pic>
+      <p:pic>
+        <p:nvPicPr>
+          <p:cNvPr id="27" name="Immagine 26">
+            <a:extLst>
+              <a:ext uri="{FF2B5EF4-FFF2-40B4-BE49-F238E27FC236}">
+                <a16:creationId xmlns:a16="http://schemas.microsoft.com/office/drawing/2014/main" id="{03C39603-5DA3-487C-B066-B738A8FBD532}"/>
+              </a:ext>
+            </a:extLst>
+          </p:cNvPr>
+          <p:cNvPicPr>
+            <a:picLocks noChangeAspect="1"/>
+          </p:cNvPicPr>
+          <p:nvPr/>
+        </p:nvPicPr>
+        <p:blipFill>
+          <a:blip r:embed="rId6">
+            <a:extLst>
+              <a:ext uri="{28A0092B-C50C-407E-A947-70E740481C1C}">
+                <a14:useLocalDpi xmlns:a14="http://schemas.microsoft.com/office/drawing/2010/main" val="0"/>
+              </a:ext>
+            </a:extLst>
+          </a:blip>
+          <a:stretch>
+            <a:fillRect/>
+          </a:stretch>
+        </p:blipFill>
+        <p:spPr>
+          <a:xfrm>
+            <a:off x="2470182" y="2354977"/>
+            <a:ext cx="848051" cy="848051"/>
+          </a:xfrm>
+          <a:prstGeom prst="rect">
+            <a:avLst/>
+          </a:prstGeom>
+        </p:spPr>
+      </p:pic>
+      <p:pic>
+        <p:nvPicPr>
+          <p:cNvPr id="32" name="Elemento grafico 31">
+            <a:extLst>
+              <a:ext uri="{FF2B5EF4-FFF2-40B4-BE49-F238E27FC236}">
+                <a16:creationId xmlns:a16="http://schemas.microsoft.com/office/drawing/2014/main" id="{D5E8FE47-2072-4704-8194-8BAC8698077E}"/>
+              </a:ext>
+            </a:extLst>
+          </p:cNvPr>
+          <p:cNvPicPr>
+            <a:picLocks noChangeAspect="1"/>
+          </p:cNvPicPr>
+          <p:nvPr/>
+        </p:nvPicPr>
+        <p:blipFill>
+          <a:blip r:embed="rId7">
+            <a:extLst>
+              <a:ext uri="{28A0092B-C50C-407E-A947-70E740481C1C}">
+                <a14:useLocalDpi xmlns:a14="http://schemas.microsoft.com/office/drawing/2010/main" val="0"/>
+              </a:ext>
+              <a:ext uri="{96DAC541-7B7A-43D3-8B79-37D633B846F1}">
+                <asvg:svgBlip xmlns:asvg="http://schemas.microsoft.com/office/drawing/2016/SVG/main" r:embed="rId8"/>
+              </a:ext>
+            </a:extLst>
+          </a:blip>
+          <a:stretch>
+            <a:fillRect/>
+          </a:stretch>
+        </p:blipFill>
+        <p:spPr>
+          <a:xfrm>
+            <a:off x="6861564" y="5253803"/>
+            <a:ext cx="1178487" cy="1178487"/>
+          </a:xfrm>
+          <a:prstGeom prst="rect">
+            <a:avLst/>
+          </a:prstGeom>
+        </p:spPr>
+      </p:pic>
+      <p:pic>
+        <p:nvPicPr>
+          <p:cNvPr id="34" name="Immagine 33">
+            <a:extLst>
+              <a:ext uri="{FF2B5EF4-FFF2-40B4-BE49-F238E27FC236}">
+                <a16:creationId xmlns:a16="http://schemas.microsoft.com/office/drawing/2014/main" id="{4C193A7B-3B88-4C53-A84B-5644690B1072}"/>
+              </a:ext>
+            </a:extLst>
+          </p:cNvPr>
+          <p:cNvPicPr>
+            <a:picLocks noChangeAspect="1"/>
+          </p:cNvPicPr>
+          <p:nvPr/>
+        </p:nvPicPr>
+        <p:blipFill>
+          <a:blip r:embed="rId9">
+            <a:extLst>
+              <a:ext uri="{28A0092B-C50C-407E-A947-70E740481C1C}">
+                <a14:useLocalDpi xmlns:a14="http://schemas.microsoft.com/office/drawing/2010/main" val="0"/>
+              </a:ext>
+            </a:extLst>
+          </a:blip>
+          <a:stretch>
+            <a:fillRect/>
+          </a:stretch>
+        </p:blipFill>
+        <p:spPr>
+          <a:xfrm>
+            <a:off x="3443816" y="5563542"/>
+            <a:ext cx="1460348" cy="272936"/>
+          </a:xfrm>
+          <a:prstGeom prst="rect">
+            <a:avLst/>
+          </a:prstGeom>
+        </p:spPr>
+      </p:pic>
+      <p:sp>
+        <p:nvSpPr>
+          <p:cNvPr id="35" name="CasellaDiTesto 34">
+            <a:extLst>
+              <a:ext uri="{FF2B5EF4-FFF2-40B4-BE49-F238E27FC236}">
+                <a16:creationId xmlns:a16="http://schemas.microsoft.com/office/drawing/2014/main" id="{9607CA5D-8781-4FB9-8FE9-8E9A321B6398}"/>
+              </a:ext>
+            </a:extLst>
+          </p:cNvPr>
+          <p:cNvSpPr txBox="1"/>
+          <p:nvPr/>
+        </p:nvSpPr>
+        <p:spPr>
+          <a:xfrm>
+            <a:off x="678457" y="425710"/>
+            <a:ext cx="7776547" cy="769441"/>
+          </a:xfrm>
+          <a:prstGeom prst="rect">
+            <a:avLst/>
+          </a:prstGeom>
+          <a:noFill/>
+        </p:spPr>
+        <p:txBody>
+          <a:bodyPr wrap="square" rtlCol="0">
+            <a:spAutoFit/>
+          </a:bodyPr>
+          <a:lstStyle/>
+          <a:p>
+            <a:r>
+              <a:rPr lang="it-IT" sz="4400" dirty="0">
+                <a:latin typeface="+mj-lt"/>
+              </a:rPr>
+              <a:t>Une idée loin des concurrents</a:t>
+            </a:r>
+          </a:p>
+        </p:txBody>
+      </p:sp>
     </p:spTree>
     <p:extLst>
       <p:ext uri="{BB962C8B-B14F-4D97-AF65-F5344CB8AC3E}">
-        <p14:creationId xmlns:p14="http://schemas.microsoft.com/office/powerpoint/2010/main" val="3294252693"/>
+        <p14:creationId xmlns:p14="http://schemas.microsoft.com/office/powerpoint/2010/main" val="3851001903"/>
       </p:ext>
     </p:extLst>
   </p:cSld>
@@ -20614,6 +20096,14 @@
 <file path=ppt/slides/slide7.xml><?xml version="1.0" encoding="utf-8"?>
 <p:sld xmlns:a="http://schemas.openxmlformats.org/drawingml/2006/main" xmlns:r="http://schemas.openxmlformats.org/officeDocument/2006/relationships" xmlns:p="http://schemas.openxmlformats.org/presentationml/2006/main">
   <p:cSld>
+    <p:bg>
+      <p:bgPr>
+        <a:solidFill>
+          <a:schemeClr val="bg1"/>
+        </a:solidFill>
+        <a:effectLst/>
+      </p:bgPr>
+    </p:bg>
     <p:spTree>
       <p:nvGrpSpPr>
         <p:cNvPr id="1" name=""/>
@@ -20630,10 +20120,38 @@
       </p:grpSpPr>
       <p:sp>
         <p:nvSpPr>
+          <p:cNvPr id="2" name="Titre 1">
+            <a:extLst>
+              <a:ext uri="{FF2B5EF4-FFF2-40B4-BE49-F238E27FC236}">
+                <a16:creationId xmlns:a16="http://schemas.microsoft.com/office/drawing/2014/main" id="{53E4F497-B343-43D4-9C97-E0449A73C7A9}"/>
+              </a:ext>
+            </a:extLst>
+          </p:cNvPr>
+          <p:cNvSpPr>
+            <a:spLocks noGrp="1"/>
+          </p:cNvSpPr>
+          <p:nvPr>
+            <p:ph type="title"/>
+          </p:nvPr>
+        </p:nvSpPr>
+        <p:spPr/>
+        <p:txBody>
+          <a:bodyPr/>
+          <a:lstStyle/>
+          <a:p>
+            <a:r>
+              <a:rPr lang="fr-CH" dirty="0"/>
+              <a:t>Risques</a:t>
+            </a:r>
+          </a:p>
+        </p:txBody>
+      </p:sp>
+      <p:sp>
+        <p:nvSpPr>
           <p:cNvPr id="4" name="Espace réservé du numéro de diapositive 3">
             <a:extLst>
               <a:ext uri="{FF2B5EF4-FFF2-40B4-BE49-F238E27FC236}">
-                <a16:creationId xmlns:a16="http://schemas.microsoft.com/office/drawing/2014/main" id="{D127FC1D-9609-463C-A632-5CA4BD8EBE0D}"/>
+                <a16:creationId xmlns:a16="http://schemas.microsoft.com/office/drawing/2014/main" id="{526D10FD-5C29-49A7-825C-30CB75C8689F}"/>
               </a:ext>
             </a:extLst>
           </p:cNvPr>
@@ -20657,23 +20175,126 @@
           </a:p>
         </p:txBody>
       </p:sp>
+      <p:sp>
+        <p:nvSpPr>
+          <p:cNvPr id="7" name="ZoneTexte 8">
+            <a:extLst>
+              <a:ext uri="{FF2B5EF4-FFF2-40B4-BE49-F238E27FC236}">
+                <a16:creationId xmlns:a16="http://schemas.microsoft.com/office/drawing/2014/main" id="{D188B1DA-687D-477C-96C0-3A3FBFD34665}"/>
+              </a:ext>
+            </a:extLst>
+          </p:cNvPr>
+          <p:cNvSpPr txBox="1"/>
+          <p:nvPr/>
+        </p:nvSpPr>
+        <p:spPr>
+          <a:xfrm>
+            <a:off x="3272382" y="1985771"/>
+            <a:ext cx="2715423" cy="400110"/>
+          </a:xfrm>
+          <a:prstGeom prst="rect">
+            <a:avLst/>
+          </a:prstGeom>
+          <a:noFill/>
+        </p:spPr>
+        <p:txBody>
+          <a:bodyPr wrap="none" rtlCol="0">
+            <a:spAutoFit/>
+          </a:bodyPr>
+          <a:lstStyle/>
+          <a:p>
+            <a:r>
+              <a:rPr lang="fr-CH" sz="2000" dirty="0"/>
+              <a:t>Perte d’un collaborateur</a:t>
+            </a:r>
+          </a:p>
+        </p:txBody>
+      </p:sp>
+      <p:sp>
+        <p:nvSpPr>
+          <p:cNvPr id="8" name="ZoneTexte 11">
+            <a:extLst>
+              <a:ext uri="{FF2B5EF4-FFF2-40B4-BE49-F238E27FC236}">
+                <a16:creationId xmlns:a16="http://schemas.microsoft.com/office/drawing/2014/main" id="{A532EE89-5C28-4A40-8418-73C784ADDA7F}"/>
+              </a:ext>
+            </a:extLst>
+          </p:cNvPr>
+          <p:cNvSpPr txBox="1"/>
+          <p:nvPr/>
+        </p:nvSpPr>
+        <p:spPr>
+          <a:xfrm>
+            <a:off x="3272383" y="3595330"/>
+            <a:ext cx="2829108" cy="400110"/>
+          </a:xfrm>
+          <a:prstGeom prst="rect">
+            <a:avLst/>
+          </a:prstGeom>
+          <a:noFill/>
+        </p:spPr>
+        <p:txBody>
+          <a:bodyPr wrap="none" rtlCol="0">
+            <a:spAutoFit/>
+          </a:bodyPr>
+          <a:lstStyle/>
+          <a:p>
+            <a:r>
+              <a:rPr lang="fr-CH" sz="2000" dirty="0"/>
+              <a:t>Manque de connaissance</a:t>
+            </a:r>
+          </a:p>
+        </p:txBody>
+      </p:sp>
+      <p:sp>
+        <p:nvSpPr>
+          <p:cNvPr id="9" name="ZoneTexte 12">
+            <a:extLst>
+              <a:ext uri="{FF2B5EF4-FFF2-40B4-BE49-F238E27FC236}">
+                <a16:creationId xmlns:a16="http://schemas.microsoft.com/office/drawing/2014/main" id="{954EC3BB-03FF-4DBD-A5AF-2FEAB1277C8D}"/>
+              </a:ext>
+            </a:extLst>
+          </p:cNvPr>
+          <p:cNvSpPr txBox="1"/>
+          <p:nvPr/>
+        </p:nvSpPr>
+        <p:spPr>
+          <a:xfrm>
+            <a:off x="3272383" y="5346186"/>
+            <a:ext cx="2900346" cy="400110"/>
+          </a:xfrm>
+          <a:prstGeom prst="rect">
+            <a:avLst/>
+          </a:prstGeom>
+          <a:noFill/>
+        </p:spPr>
+        <p:txBody>
+          <a:bodyPr wrap="none" rtlCol="0">
+            <a:spAutoFit/>
+          </a:bodyPr>
+          <a:lstStyle/>
+          <a:p>
+            <a:r>
+              <a:rPr lang="fr-CH" sz="2000" dirty="0"/>
+              <a:t>Management d’un groupe</a:t>
+            </a:r>
+          </a:p>
+        </p:txBody>
+      </p:sp>
       <p:pic>
         <p:nvPicPr>
-          <p:cNvPr id="7" name="Espace réservé du contenu 6">
+          <p:cNvPr id="10" name="Image 14">
             <a:extLst>
               <a:ext uri="{FF2B5EF4-FFF2-40B4-BE49-F238E27FC236}">
-                <a16:creationId xmlns:a16="http://schemas.microsoft.com/office/drawing/2014/main" id="{F8408FFE-5BB3-4B84-9D62-549A42FF48B1}"/>
+                <a16:creationId xmlns:a16="http://schemas.microsoft.com/office/drawing/2014/main" id="{342C8D0D-D2F1-4571-B4A3-B68D64FA9413}"/>
               </a:ext>
             </a:extLst>
           </p:cNvPr>
           <p:cNvPicPr>
-            <a:picLocks noGrp="1" noChangeAspect="1"/>
+            <a:picLocks noChangeAspect="1"/>
           </p:cNvPicPr>
-          <p:nvPr>
-            <p:ph idx="1"/>
-          </p:nvPr>
+          <p:nvPr/>
         </p:nvPicPr>
-        <p:blipFill rotWithShape="1">
+        <p:blipFill>
           <a:blip r:embed="rId3">
             <a:extLst>
               <a:ext uri="{28A0092B-C50C-407E-A947-70E740481C1C}">
@@ -20681,20 +20302,207 @@
               </a:ext>
             </a:extLst>
           </a:blip>
-          <a:srcRect l="5888" t="1163" r="3173" b="10488"/>
-          <a:stretch/>
+          <a:stretch>
+            <a:fillRect/>
+          </a:stretch>
         </p:blipFill>
         <p:spPr>
           <a:xfrm>
-            <a:off x="1047021" y="0"/>
-            <a:ext cx="10097957" cy="6858000"/>
+            <a:off x="1702086" y="4811591"/>
+            <a:ext cx="1193577" cy="1193577"/>
           </a:xfrm>
+          <a:prstGeom prst="rect">
+            <a:avLst/>
+          </a:prstGeom>
+        </p:spPr>
+      </p:pic>
+      <p:pic>
+        <p:nvPicPr>
+          <p:cNvPr id="11" name="Image 16">
+            <a:extLst>
+              <a:ext uri="{FF2B5EF4-FFF2-40B4-BE49-F238E27FC236}">
+                <a16:creationId xmlns:a16="http://schemas.microsoft.com/office/drawing/2014/main" id="{73D75758-8FD8-4CA2-8131-7B60D000A5D0}"/>
+              </a:ext>
+            </a:extLst>
+          </p:cNvPr>
+          <p:cNvPicPr>
+            <a:picLocks noChangeAspect="1"/>
+          </p:cNvPicPr>
+          <p:nvPr/>
+        </p:nvPicPr>
+        <p:blipFill>
+          <a:blip r:embed="rId4">
+            <a:extLst>
+              <a:ext uri="{28A0092B-C50C-407E-A947-70E740481C1C}">
+                <a14:useLocalDpi xmlns:a14="http://schemas.microsoft.com/office/drawing/2010/main" val="0"/>
+              </a:ext>
+            </a:extLst>
+          </a:blip>
+          <a:stretch>
+            <a:fillRect/>
+          </a:stretch>
+        </p:blipFill>
+        <p:spPr>
+          <a:xfrm>
+            <a:off x="1702085" y="3183207"/>
+            <a:ext cx="1193578" cy="1193578"/>
+          </a:xfrm>
+          <a:prstGeom prst="rect">
+            <a:avLst/>
+          </a:prstGeom>
+        </p:spPr>
+      </p:pic>
+      <p:pic>
+        <p:nvPicPr>
+          <p:cNvPr id="12" name="Image 17">
+            <a:extLst>
+              <a:ext uri="{FF2B5EF4-FFF2-40B4-BE49-F238E27FC236}">
+                <a16:creationId xmlns:a16="http://schemas.microsoft.com/office/drawing/2014/main" id="{D58F616E-BBB6-4B71-89F7-11054526B275}"/>
+              </a:ext>
+            </a:extLst>
+          </p:cNvPr>
+          <p:cNvPicPr>
+            <a:picLocks noChangeAspect="1"/>
+          </p:cNvPicPr>
+          <p:nvPr/>
+        </p:nvPicPr>
+        <p:blipFill>
+          <a:blip r:embed="rId5">
+            <a:extLst>
+              <a:ext uri="{28A0092B-C50C-407E-A947-70E740481C1C}">
+                <a14:useLocalDpi xmlns:a14="http://schemas.microsoft.com/office/drawing/2010/main" val="0"/>
+              </a:ext>
+            </a:extLst>
+          </a:blip>
+          <a:stretch>
+            <a:fillRect/>
+          </a:stretch>
+        </p:blipFill>
+        <p:spPr>
+          <a:xfrm>
+            <a:off x="1883480" y="1690688"/>
+            <a:ext cx="830788" cy="830788"/>
+          </a:xfrm>
+          <a:prstGeom prst="rect">
+            <a:avLst/>
+          </a:prstGeom>
+        </p:spPr>
+      </p:pic>
+      <p:pic>
+        <p:nvPicPr>
+          <p:cNvPr id="13" name="Image 19">
+            <a:extLst>
+              <a:ext uri="{FF2B5EF4-FFF2-40B4-BE49-F238E27FC236}">
+                <a16:creationId xmlns:a16="http://schemas.microsoft.com/office/drawing/2014/main" id="{FC22BA37-2C3A-4815-8548-A4FD57A3F749}"/>
+              </a:ext>
+            </a:extLst>
+          </p:cNvPr>
+          <p:cNvPicPr>
+            <a:picLocks noChangeAspect="1"/>
+          </p:cNvPicPr>
+          <p:nvPr/>
+        </p:nvPicPr>
+        <p:blipFill>
+          <a:blip r:embed="rId5">
+            <a:extLst>
+              <a:ext uri="{28A0092B-C50C-407E-A947-70E740481C1C}">
+                <a14:useLocalDpi xmlns:a14="http://schemas.microsoft.com/office/drawing/2010/main" val="0"/>
+              </a:ext>
+            </a:extLst>
+          </a:blip>
+          <a:stretch>
+            <a:fillRect/>
+          </a:stretch>
+        </p:blipFill>
+        <p:spPr>
+          <a:xfrm>
+            <a:off x="2480269" y="1677287"/>
+            <a:ext cx="830788" cy="830788"/>
+          </a:xfrm>
+          <a:prstGeom prst="rect">
+            <a:avLst/>
+          </a:prstGeom>
+        </p:spPr>
+      </p:pic>
+      <p:pic>
+        <p:nvPicPr>
+          <p:cNvPr id="14" name="Image 20">
+            <a:extLst>
+              <a:ext uri="{FF2B5EF4-FFF2-40B4-BE49-F238E27FC236}">
+                <a16:creationId xmlns:a16="http://schemas.microsoft.com/office/drawing/2014/main" id="{B89C866B-B831-44AB-BB3E-5EE20B6713EB}"/>
+              </a:ext>
+            </a:extLst>
+          </p:cNvPr>
+          <p:cNvPicPr>
+            <a:picLocks noChangeAspect="1"/>
+          </p:cNvPicPr>
+          <p:nvPr/>
+        </p:nvPicPr>
+        <p:blipFill>
+          <a:blip r:embed="rId5">
+            <a:extLst>
+              <a:ext uri="{28A0092B-C50C-407E-A947-70E740481C1C}">
+                <a14:useLocalDpi xmlns:a14="http://schemas.microsoft.com/office/drawing/2010/main" val="0"/>
+              </a:ext>
+            </a:extLst>
+          </a:blip>
+          <a:stretch>
+            <a:fillRect/>
+          </a:stretch>
+        </p:blipFill>
+        <p:spPr>
+          <a:xfrm>
+            <a:off x="1286691" y="1671831"/>
+            <a:ext cx="830788" cy="830788"/>
+          </a:xfrm>
+          <a:prstGeom prst="rect">
+            <a:avLst/>
+          </a:prstGeom>
+        </p:spPr>
+      </p:pic>
+      <p:pic>
+        <p:nvPicPr>
+          <p:cNvPr id="15" name="Graphique 7" descr="Fermer">
+            <a:extLst>
+              <a:ext uri="{FF2B5EF4-FFF2-40B4-BE49-F238E27FC236}">
+                <a16:creationId xmlns:a16="http://schemas.microsoft.com/office/drawing/2014/main" id="{A6EDA93D-E506-484A-BC5E-C82680EC7154}"/>
+              </a:ext>
+            </a:extLst>
+          </p:cNvPr>
+          <p:cNvPicPr>
+            <a:picLocks noChangeAspect="1"/>
+          </p:cNvPicPr>
+          <p:nvPr/>
+        </p:nvPicPr>
+        <p:blipFill>
+          <a:blip r:embed="rId6">
+            <a:extLst>
+              <a:ext uri="{28A0092B-C50C-407E-A947-70E740481C1C}">
+                <a14:useLocalDpi xmlns:a14="http://schemas.microsoft.com/office/drawing/2010/main" val="0"/>
+              </a:ext>
+              <a:ext uri="{96DAC541-7B7A-43D3-8B79-37D633B846F1}">
+                <asvg:svgBlip xmlns:asvg="http://schemas.microsoft.com/office/drawing/2016/SVG/main" r:embed="rId7"/>
+              </a:ext>
+            </a:extLst>
+          </a:blip>
+          <a:stretch>
+            <a:fillRect/>
+          </a:stretch>
+        </p:blipFill>
+        <p:spPr>
+          <a:xfrm>
+            <a:off x="1990354" y="1898981"/>
+            <a:ext cx="617039" cy="617039"/>
+          </a:xfrm>
+          <a:prstGeom prst="rect">
+            <a:avLst/>
+          </a:prstGeom>
         </p:spPr>
       </p:pic>
     </p:spTree>
     <p:extLst>
       <p:ext uri="{BB962C8B-B14F-4D97-AF65-F5344CB8AC3E}">
-        <p14:creationId xmlns:p14="http://schemas.microsoft.com/office/powerpoint/2010/main" val="3663794479"/>
+        <p14:creationId xmlns:p14="http://schemas.microsoft.com/office/powerpoint/2010/main" val="2004398446"/>
       </p:ext>
     </p:extLst>
   </p:cSld>
@@ -20723,10 +20531,10 @@
       </p:grpSpPr>
       <p:sp>
         <p:nvSpPr>
-          <p:cNvPr id="4" name="Espace réservé du numéro de diapositive 3">
+          <p:cNvPr id="2" name="Espace réservé du numéro de diapositive 1">
             <a:extLst>
               <a:ext uri="{FF2B5EF4-FFF2-40B4-BE49-F238E27FC236}">
-                <a16:creationId xmlns:a16="http://schemas.microsoft.com/office/drawing/2014/main" id="{F405DF80-9A19-4A12-AEE9-C286AB0BF29C}"/>
+                <a16:creationId xmlns:a16="http://schemas.microsoft.com/office/drawing/2014/main" id="{4A4BCA74-2697-4F1A-A5EE-0F22D5489971}"/>
               </a:ext>
             </a:extLst>
           </p:cNvPr>
@@ -20752,19 +20560,17 @@
       </p:sp>
       <p:pic>
         <p:nvPicPr>
-          <p:cNvPr id="12" name="Espace réservé du contenu 11">
+          <p:cNvPr id="5" name="Image 4">
             <a:extLst>
               <a:ext uri="{FF2B5EF4-FFF2-40B4-BE49-F238E27FC236}">
-                <a16:creationId xmlns:a16="http://schemas.microsoft.com/office/drawing/2014/main" id="{2B3C3B1A-4AF1-4BA5-90CB-A7488A30C96A}"/>
+                <a16:creationId xmlns:a16="http://schemas.microsoft.com/office/drawing/2014/main" id="{A66CD413-BBEA-481E-BA16-4F30D6588EBE}"/>
               </a:ext>
             </a:extLst>
           </p:cNvPr>
           <p:cNvPicPr>
-            <a:picLocks noGrp="1" noChangeAspect="1"/>
+            <a:picLocks noChangeAspect="1"/>
           </p:cNvPicPr>
-          <p:nvPr>
-            <p:ph idx="1"/>
-          </p:nvPr>
+          <p:nvPr/>
         </p:nvPicPr>
         <p:blipFill rotWithShape="1">
           <a:blip r:embed="rId3">
@@ -20774,20 +20580,23 @@
               </a:ext>
             </a:extLst>
           </a:blip>
-          <a:srcRect l="4828" r="9593" b="10623"/>
+          <a:srcRect l="6564" t="1007" r="4571" b="13074"/>
           <a:stretch/>
         </p:blipFill>
         <p:spPr>
           <a:xfrm>
-            <a:off x="1553688" y="0"/>
-            <a:ext cx="9084623" cy="6854090"/>
+            <a:off x="1486395" y="0"/>
+            <a:ext cx="9219210" cy="6860543"/>
           </a:xfrm>
+          <a:prstGeom prst="rect">
+            <a:avLst/>
+          </a:prstGeom>
         </p:spPr>
       </p:pic>
     </p:spTree>
     <p:extLst>
       <p:ext uri="{BB962C8B-B14F-4D97-AF65-F5344CB8AC3E}">
-        <p14:creationId xmlns:p14="http://schemas.microsoft.com/office/powerpoint/2010/main" val="3570724770"/>
+        <p14:creationId xmlns:p14="http://schemas.microsoft.com/office/powerpoint/2010/main" val="1462697413"/>
       </p:ext>
     </p:extLst>
   </p:cSld>
@@ -20816,10 +20625,10 @@
       </p:grpSpPr>
       <p:sp>
         <p:nvSpPr>
-          <p:cNvPr id="4" name="Espace réservé du numéro de diapositive 3">
+          <p:cNvPr id="2" name="Espace réservé du numéro de diapositive 1">
             <a:extLst>
               <a:ext uri="{FF2B5EF4-FFF2-40B4-BE49-F238E27FC236}">
-                <a16:creationId xmlns:a16="http://schemas.microsoft.com/office/drawing/2014/main" id="{3EC67FCA-55F1-4F2D-8080-8EF2A5146CF5}"/>
+                <a16:creationId xmlns:a16="http://schemas.microsoft.com/office/drawing/2014/main" id="{53884560-347E-4253-8524-7F2D831CEA63}"/>
               </a:ext>
             </a:extLst>
           </p:cNvPr>
@@ -20845,19 +20654,17 @@
       </p:sp>
       <p:pic>
         <p:nvPicPr>
-          <p:cNvPr id="8" name="Espace réservé du contenu 7">
+          <p:cNvPr id="5" name="Image 4">
             <a:extLst>
               <a:ext uri="{FF2B5EF4-FFF2-40B4-BE49-F238E27FC236}">
-                <a16:creationId xmlns:a16="http://schemas.microsoft.com/office/drawing/2014/main" id="{194DFEF2-B532-4622-8F1B-17DD5775F420}"/>
+                <a16:creationId xmlns:a16="http://schemas.microsoft.com/office/drawing/2014/main" id="{48BE066F-84CF-4721-A6C6-7C956B6824A9}"/>
               </a:ext>
             </a:extLst>
           </p:cNvPr>
           <p:cNvPicPr>
-            <a:picLocks noGrp="1" noChangeAspect="1"/>
+            <a:picLocks noChangeAspect="1"/>
           </p:cNvPicPr>
-          <p:nvPr>
-            <p:ph idx="1"/>
-          </p:nvPr>
+          <p:nvPr/>
         </p:nvPicPr>
         <p:blipFill rotWithShape="1">
           <a:blip r:embed="rId3">
@@ -20867,20 +20674,23 @@
               </a:ext>
             </a:extLst>
           </a:blip>
-          <a:srcRect l="5570" t="516" r="2889" b="10119"/>
+          <a:srcRect l="6089" t="434" r="3305" b="47013"/>
           <a:stretch/>
         </p:blipFill>
         <p:spPr>
           <a:xfrm>
-            <a:off x="1069194" y="-2910"/>
-            <a:ext cx="10053611" cy="6860910"/>
+            <a:off x="1189939" y="0"/>
+            <a:ext cx="9812121" cy="6861558"/>
           </a:xfrm>
+          <a:prstGeom prst="rect">
+            <a:avLst/>
+          </a:prstGeom>
         </p:spPr>
       </p:pic>
     </p:spTree>
     <p:extLst>
       <p:ext uri="{BB962C8B-B14F-4D97-AF65-F5344CB8AC3E}">
-        <p14:creationId xmlns:p14="http://schemas.microsoft.com/office/powerpoint/2010/main" val="123785963"/>
+        <p14:creationId xmlns:p14="http://schemas.microsoft.com/office/powerpoint/2010/main" val="2649433583"/>
       </p:ext>
     </p:extLst>
   </p:cSld>
